--- a/doc/ble.pptx
+++ b/doc/ble.pptx
@@ -3265,6 +3265,225 @@
       </p:grpSpPr>
       <p:sp>
         <p:nvSpPr>
+          <p:cNvPr id="319" name="正方形/長方形 318">
+            <a:extLst>
+              <a:ext uri="{FF2B5EF4-FFF2-40B4-BE49-F238E27FC236}">
+                <a16:creationId xmlns:a16="http://schemas.microsoft.com/office/drawing/2014/main" id="{86116AF0-F879-4F64-A399-6F88351FAF57}"/>
+              </a:ext>
+            </a:extLst>
+          </p:cNvPr>
+          <p:cNvSpPr/>
+          <p:nvPr/>
+        </p:nvSpPr>
+        <p:spPr>
+          <a:xfrm>
+            <a:off x="3623847" y="2606623"/>
+            <a:ext cx="1122216" cy="338573"/>
+          </a:xfrm>
+          <a:prstGeom prst="rect">
+            <a:avLst/>
+          </a:prstGeom>
+          <a:solidFill>
+            <a:schemeClr val="tx2">
+              <a:lumMod val="20000"/>
+              <a:lumOff val="80000"/>
+            </a:schemeClr>
+          </a:solidFill>
+        </p:spPr>
+        <p:style>
+          <a:lnRef idx="2">
+            <a:schemeClr val="accent1">
+              <a:shade val="50000"/>
+            </a:schemeClr>
+          </a:lnRef>
+          <a:fillRef idx="1">
+            <a:schemeClr val="accent1"/>
+          </a:fillRef>
+          <a:effectRef idx="0">
+            <a:schemeClr val="accent1"/>
+          </a:effectRef>
+          <a:fontRef idx="minor">
+            <a:schemeClr val="lt1"/>
+          </a:fontRef>
+        </p:style>
+        <p:txBody>
+          <a:bodyPr rtlCol="0" anchor="ctr"/>
+          <a:lstStyle/>
+          <a:p>
+            <a:pPr algn="ctr"/>
+            <a:endParaRPr lang="en-US"/>
+          </a:p>
+        </p:txBody>
+      </p:sp>
+      <p:sp>
+        <p:nvSpPr>
+          <p:cNvPr id="137" name="正方形/長方形 136">
+            <a:extLst>
+              <a:ext uri="{FF2B5EF4-FFF2-40B4-BE49-F238E27FC236}">
+                <a16:creationId xmlns:a16="http://schemas.microsoft.com/office/drawing/2014/main" id="{D5306352-C770-42CB-B4BE-82953516E132}"/>
+              </a:ext>
+            </a:extLst>
+          </p:cNvPr>
+          <p:cNvSpPr/>
+          <p:nvPr/>
+        </p:nvSpPr>
+        <p:spPr>
+          <a:xfrm>
+            <a:off x="1086994" y="1100878"/>
+            <a:ext cx="2005528" cy="1844318"/>
+          </a:xfrm>
+          <a:prstGeom prst="rect">
+            <a:avLst/>
+          </a:prstGeom>
+          <a:solidFill>
+            <a:schemeClr val="bg1">
+              <a:lumMod val="85000"/>
+            </a:schemeClr>
+          </a:solidFill>
+        </p:spPr>
+        <p:style>
+          <a:lnRef idx="2">
+            <a:schemeClr val="accent1">
+              <a:shade val="50000"/>
+            </a:schemeClr>
+          </a:lnRef>
+          <a:fillRef idx="1">
+            <a:schemeClr val="accent1"/>
+          </a:fillRef>
+          <a:effectRef idx="0">
+            <a:schemeClr val="accent1"/>
+          </a:effectRef>
+          <a:fontRef idx="minor">
+            <a:schemeClr val="lt1"/>
+          </a:fontRef>
+        </p:style>
+        <p:txBody>
+          <a:bodyPr rtlCol="0" anchor="ctr"/>
+          <a:lstStyle/>
+          <a:p>
+            <a:pPr algn="ctr"/>
+            <a:r>
+              <a:rPr lang="en-US" dirty="0">
+                <a:solidFill>
+                  <a:schemeClr val="tx1"/>
+                </a:solidFill>
+              </a:rPr>
+              <a:t>USB micro-B</a:t>
+            </a:r>
+          </a:p>
+          <a:p>
+            <a:pPr algn="ctr"/>
+            <a:r>
+              <a:rPr lang="en-US" dirty="0">
+                <a:solidFill>
+                  <a:schemeClr val="tx1"/>
+                </a:solidFill>
+              </a:rPr>
+              <a:t>connector</a:t>
+            </a:r>
+          </a:p>
+        </p:txBody>
+      </p:sp>
+      <p:sp>
+        <p:nvSpPr>
+          <p:cNvPr id="195" name="正方形/長方形 194">
+            <a:extLst>
+              <a:ext uri="{FF2B5EF4-FFF2-40B4-BE49-F238E27FC236}">
+                <a16:creationId xmlns:a16="http://schemas.microsoft.com/office/drawing/2014/main" id="{5C77964D-6BF6-4116-B3BF-8F5EB98E3710}"/>
+              </a:ext>
+            </a:extLst>
+          </p:cNvPr>
+          <p:cNvSpPr/>
+          <p:nvPr/>
+        </p:nvSpPr>
+        <p:spPr>
+          <a:xfrm>
+            <a:off x="3999925" y="3261623"/>
+            <a:ext cx="711049" cy="326038"/>
+          </a:xfrm>
+          <a:prstGeom prst="rect">
+            <a:avLst/>
+          </a:prstGeom>
+          <a:solidFill>
+            <a:schemeClr val="bg2"/>
+          </a:solidFill>
+        </p:spPr>
+        <p:style>
+          <a:lnRef idx="2">
+            <a:schemeClr val="accent1">
+              <a:shade val="50000"/>
+            </a:schemeClr>
+          </a:lnRef>
+          <a:fillRef idx="1">
+            <a:schemeClr val="accent1"/>
+          </a:fillRef>
+          <a:effectRef idx="0">
+            <a:schemeClr val="accent1"/>
+          </a:effectRef>
+          <a:fontRef idx="minor">
+            <a:schemeClr val="lt1"/>
+          </a:fontRef>
+        </p:style>
+        <p:txBody>
+          <a:bodyPr rtlCol="0" anchor="ctr"/>
+          <a:lstStyle/>
+          <a:p>
+            <a:pPr algn="ctr"/>
+            <a:endParaRPr lang="en-US"/>
+          </a:p>
+        </p:txBody>
+      </p:sp>
+      <p:sp>
+        <p:nvSpPr>
+          <p:cNvPr id="194" name="正方形/長方形 193">
+            <a:extLst>
+              <a:ext uri="{FF2B5EF4-FFF2-40B4-BE49-F238E27FC236}">
+                <a16:creationId xmlns:a16="http://schemas.microsoft.com/office/drawing/2014/main" id="{851B9797-B145-4424-9777-DBDF195C0CD4}"/>
+              </a:ext>
+            </a:extLst>
+          </p:cNvPr>
+          <p:cNvSpPr/>
+          <p:nvPr/>
+        </p:nvSpPr>
+        <p:spPr>
+          <a:xfrm>
+            <a:off x="3647230" y="1933304"/>
+            <a:ext cx="720642" cy="330342"/>
+          </a:xfrm>
+          <a:prstGeom prst="rect">
+            <a:avLst/>
+          </a:prstGeom>
+          <a:solidFill>
+            <a:schemeClr val="bg2"/>
+          </a:solidFill>
+        </p:spPr>
+        <p:style>
+          <a:lnRef idx="2">
+            <a:schemeClr val="accent1">
+              <a:shade val="50000"/>
+            </a:schemeClr>
+          </a:lnRef>
+          <a:fillRef idx="1">
+            <a:schemeClr val="accent1"/>
+          </a:fillRef>
+          <a:effectRef idx="0">
+            <a:schemeClr val="accent1"/>
+          </a:effectRef>
+          <a:fontRef idx="minor">
+            <a:schemeClr val="lt1"/>
+          </a:fontRef>
+        </p:style>
+        <p:txBody>
+          <a:bodyPr rtlCol="0" anchor="ctr"/>
+          <a:lstStyle/>
+          <a:p>
+            <a:pPr algn="ctr"/>
+            <a:endParaRPr lang="en-US"/>
+          </a:p>
+        </p:txBody>
+      </p:sp>
+      <p:sp>
+        <p:nvSpPr>
           <p:cNvPr id="312" name="正方形/長方形 311">
             <a:extLst>
               <a:ext uri="{FF2B5EF4-FFF2-40B4-BE49-F238E27FC236}">
@@ -3620,10 +3839,10 @@
       </p:sp>
       <p:sp>
         <p:nvSpPr>
-          <p:cNvPr id="319" name="正方形/長方形 318">
-            <a:extLst>
-              <a:ext uri="{FF2B5EF4-FFF2-40B4-BE49-F238E27FC236}">
-                <a16:creationId xmlns:a16="http://schemas.microsoft.com/office/drawing/2014/main" id="{86116AF0-F879-4F64-A399-6F88351FAF57}"/>
+          <p:cNvPr id="320" name="正方形/長方形 319">
+            <a:extLst>
+              <a:ext uri="{FF2B5EF4-FFF2-40B4-BE49-F238E27FC236}">
+                <a16:creationId xmlns:a16="http://schemas.microsoft.com/office/drawing/2014/main" id="{47447D39-51F7-42FA-82B1-4F227D7B12DD}"/>
               </a:ext>
             </a:extLst>
           </p:cNvPr>
@@ -3632,56 +3851,7 @@
         </p:nvSpPr>
         <p:spPr>
           <a:xfrm>
-            <a:off x="3162284" y="2859179"/>
-            <a:ext cx="1122216" cy="338573"/>
-          </a:xfrm>
-          <a:prstGeom prst="rect">
-            <a:avLst/>
-          </a:prstGeom>
-          <a:solidFill>
-            <a:schemeClr val="bg2"/>
-          </a:solidFill>
-        </p:spPr>
-        <p:style>
-          <a:lnRef idx="2">
-            <a:schemeClr val="accent1">
-              <a:shade val="50000"/>
-            </a:schemeClr>
-          </a:lnRef>
-          <a:fillRef idx="1">
-            <a:schemeClr val="accent1"/>
-          </a:fillRef>
-          <a:effectRef idx="0">
-            <a:schemeClr val="accent1"/>
-          </a:effectRef>
-          <a:fontRef idx="minor">
-            <a:schemeClr val="lt1"/>
-          </a:fontRef>
-        </p:style>
-        <p:txBody>
-          <a:bodyPr rtlCol="0" anchor="ctr"/>
-          <a:lstStyle/>
-          <a:p>
-            <a:pPr algn="ctr"/>
-            <a:endParaRPr lang="en-US"/>
-          </a:p>
-        </p:txBody>
-      </p:sp>
-      <p:sp>
-        <p:nvSpPr>
-          <p:cNvPr id="320" name="正方形/長方形 319">
-            <a:extLst>
-              <a:ext uri="{FF2B5EF4-FFF2-40B4-BE49-F238E27FC236}">
-                <a16:creationId xmlns:a16="http://schemas.microsoft.com/office/drawing/2014/main" id="{47447D39-51F7-42FA-82B1-4F227D7B12DD}"/>
-              </a:ext>
-            </a:extLst>
-          </p:cNvPr>
-          <p:cNvSpPr/>
-          <p:nvPr/>
-        </p:nvSpPr>
-        <p:spPr>
-          <a:xfrm>
-            <a:off x="4726721" y="1954325"/>
+            <a:off x="4726721" y="1100877"/>
             <a:ext cx="2401453" cy="384781"/>
           </a:xfrm>
           <a:prstGeom prst="rect">
@@ -4205,7 +4375,7 @@
         </p:nvSpPr>
         <p:spPr>
           <a:xfrm>
-            <a:off x="4814470" y="2022722"/>
+            <a:off x="4814470" y="1169278"/>
             <a:ext cx="286327" cy="249382"/>
           </a:xfrm>
           <a:prstGeom prst="ellipse">
@@ -4257,7 +4427,7 @@
         </p:nvSpPr>
         <p:spPr>
           <a:xfrm>
-            <a:off x="5225492" y="2022722"/>
+            <a:off x="5225492" y="1169278"/>
             <a:ext cx="286327" cy="249382"/>
           </a:xfrm>
           <a:prstGeom prst="ellipse">
@@ -4309,7 +4479,7 @@
         </p:nvSpPr>
         <p:spPr>
           <a:xfrm>
-            <a:off x="5608796" y="2022722"/>
+            <a:off x="5608796" y="1169278"/>
             <a:ext cx="286327" cy="249382"/>
           </a:xfrm>
           <a:prstGeom prst="ellipse">
@@ -4361,7 +4531,7 @@
         </p:nvSpPr>
         <p:spPr>
           <a:xfrm>
-            <a:off x="6012890" y="2022722"/>
+            <a:off x="6012890" y="1169278"/>
             <a:ext cx="286327" cy="249382"/>
           </a:xfrm>
           <a:prstGeom prst="ellipse">
@@ -4413,7 +4583,7 @@
         </p:nvSpPr>
         <p:spPr>
           <a:xfrm>
-            <a:off x="6389263" y="2018108"/>
+            <a:off x="6389263" y="1155951"/>
             <a:ext cx="286327" cy="249382"/>
           </a:xfrm>
           <a:prstGeom prst="ellipse">
@@ -4465,7 +4635,7 @@
         </p:nvSpPr>
         <p:spPr>
           <a:xfrm>
-            <a:off x="6793357" y="2018108"/>
+            <a:off x="6793357" y="1155951"/>
             <a:ext cx="286327" cy="249382"/>
           </a:xfrm>
           <a:prstGeom prst="ellipse">
@@ -4517,7 +4687,7 @@
         </p:nvSpPr>
         <p:spPr>
           <a:xfrm>
-            <a:off x="4679880" y="1923786"/>
+            <a:off x="4723425" y="1148717"/>
             <a:ext cx="826652" cy="276999"/>
           </a:xfrm>
           <a:prstGeom prst="rect">
@@ -4552,7 +4722,7 @@
         </p:nvSpPr>
         <p:spPr>
           <a:xfrm>
-            <a:off x="5523808" y="1918572"/>
+            <a:off x="5576062" y="1143505"/>
             <a:ext cx="826652" cy="276999"/>
           </a:xfrm>
           <a:prstGeom prst="rect">
@@ -4587,7 +4757,7 @@
         </p:nvSpPr>
         <p:spPr>
           <a:xfrm>
-            <a:off x="5857359" y="1933025"/>
+            <a:off x="5970574" y="1149248"/>
             <a:ext cx="826652" cy="276999"/>
           </a:xfrm>
           <a:prstGeom prst="rect">
@@ -4622,7 +4792,7 @@
         </p:nvSpPr>
         <p:spPr>
           <a:xfrm>
-            <a:off x="6240661" y="1948075"/>
+            <a:off x="6345169" y="1129463"/>
             <a:ext cx="826652" cy="276999"/>
           </a:xfrm>
           <a:prstGeom prst="rect">
@@ -4885,148 +5055,7 @@
         </p:nvSpPr>
         <p:spPr>
           <a:xfrm>
-            <a:off x="3226167" y="2907782"/>
-            <a:ext cx="286327" cy="249382"/>
-          </a:xfrm>
-          <a:prstGeom prst="ellipse">
-            <a:avLst/>
-          </a:prstGeom>
-          <a:noFill/>
-        </p:spPr>
-        <p:style>
-          <a:lnRef idx="2">
-            <a:schemeClr val="accent1">
-              <a:shade val="50000"/>
-            </a:schemeClr>
-          </a:lnRef>
-          <a:fillRef idx="1">
-            <a:schemeClr val="accent1"/>
-          </a:fillRef>
-          <a:effectRef idx="0">
-            <a:schemeClr val="accent1"/>
-          </a:effectRef>
-          <a:fontRef idx="minor">
-            <a:schemeClr val="lt1"/>
-          </a:fontRef>
-        </p:style>
-        <p:txBody>
-          <a:bodyPr rtlCol="0" anchor="ctr"/>
-          <a:lstStyle/>
-          <a:p>
-            <a:pPr algn="ctr"/>
-            <a:endParaRPr lang="en-US"/>
-          </a:p>
-        </p:txBody>
-      </p:sp>
-      <p:sp>
-        <p:nvSpPr>
-          <p:cNvPr id="347" name="楕円 346">
-            <a:extLst>
-              <a:ext uri="{FF2B5EF4-FFF2-40B4-BE49-F238E27FC236}">
-                <a16:creationId xmlns:a16="http://schemas.microsoft.com/office/drawing/2014/main" id="{0FF10BF4-23D9-4F65-9C50-9BBFC7E2B0C6}"/>
-              </a:ext>
-            </a:extLst>
-          </p:cNvPr>
-          <p:cNvSpPr/>
-          <p:nvPr/>
-        </p:nvSpPr>
-        <p:spPr>
-          <a:xfrm>
-            <a:off x="3563291" y="2921639"/>
-            <a:ext cx="286327" cy="249382"/>
-          </a:xfrm>
-          <a:prstGeom prst="ellipse">
-            <a:avLst/>
-          </a:prstGeom>
-          <a:noFill/>
-        </p:spPr>
-        <p:style>
-          <a:lnRef idx="2">
-            <a:schemeClr val="accent1">
-              <a:shade val="50000"/>
-            </a:schemeClr>
-          </a:lnRef>
-          <a:fillRef idx="1">
-            <a:schemeClr val="accent1"/>
-          </a:fillRef>
-          <a:effectRef idx="0">
-            <a:schemeClr val="accent1"/>
-          </a:effectRef>
-          <a:fontRef idx="minor">
-            <a:schemeClr val="lt1"/>
-          </a:fontRef>
-        </p:style>
-        <p:txBody>
-          <a:bodyPr rtlCol="0" anchor="ctr"/>
-          <a:lstStyle/>
-          <a:p>
-            <a:pPr algn="ctr"/>
-            <a:endParaRPr lang="en-US"/>
-          </a:p>
-        </p:txBody>
-      </p:sp>
-      <p:sp>
-        <p:nvSpPr>
-          <p:cNvPr id="348" name="楕円 347">
-            <a:extLst>
-              <a:ext uri="{FF2B5EF4-FFF2-40B4-BE49-F238E27FC236}">
-                <a16:creationId xmlns:a16="http://schemas.microsoft.com/office/drawing/2014/main" id="{B4F4D0F6-AF36-438F-9997-F4A781B46937}"/>
-              </a:ext>
-            </a:extLst>
-          </p:cNvPr>
-          <p:cNvSpPr/>
-          <p:nvPr/>
-        </p:nvSpPr>
-        <p:spPr>
-          <a:xfrm>
-            <a:off x="3900415" y="2917021"/>
-            <a:ext cx="286327" cy="249382"/>
-          </a:xfrm>
-          <a:prstGeom prst="ellipse">
-            <a:avLst/>
-          </a:prstGeom>
-          <a:noFill/>
-        </p:spPr>
-        <p:style>
-          <a:lnRef idx="2">
-            <a:schemeClr val="accent1">
-              <a:shade val="50000"/>
-            </a:schemeClr>
-          </a:lnRef>
-          <a:fillRef idx="1">
-            <a:schemeClr val="accent1"/>
-          </a:fillRef>
-          <a:effectRef idx="0">
-            <a:schemeClr val="accent1"/>
-          </a:effectRef>
-          <a:fontRef idx="minor">
-            <a:schemeClr val="lt1"/>
-          </a:fontRef>
-        </p:style>
-        <p:txBody>
-          <a:bodyPr rtlCol="0" anchor="ctr"/>
-          <a:lstStyle/>
-          <a:p>
-            <a:pPr algn="ctr"/>
-            <a:endParaRPr lang="en-US"/>
-          </a:p>
-        </p:txBody>
-      </p:sp>
-      <p:sp>
-        <p:nvSpPr>
-          <p:cNvPr id="349" name="楕円 348">
-            <a:extLst>
-              <a:ext uri="{FF2B5EF4-FFF2-40B4-BE49-F238E27FC236}">
-                <a16:creationId xmlns:a16="http://schemas.microsoft.com/office/drawing/2014/main" id="{B06CA642-F32C-46A4-BD6C-6CE6D2873646}"/>
-              </a:ext>
-            </a:extLst>
-          </p:cNvPr>
-          <p:cNvSpPr/>
-          <p:nvPr/>
-        </p:nvSpPr>
-        <p:spPr>
-          <a:xfrm>
-            <a:off x="4367894" y="3300404"/>
+            <a:off x="3687730" y="2646514"/>
             <a:ext cx="286327" cy="249382"/>
           </a:xfrm>
           <a:prstGeom prst="ellipse">
@@ -5066,6 +5095,162 @@
       </p:sp>
       <p:sp>
         <p:nvSpPr>
+          <p:cNvPr id="347" name="楕円 346">
+            <a:extLst>
+              <a:ext uri="{FF2B5EF4-FFF2-40B4-BE49-F238E27FC236}">
+                <a16:creationId xmlns:a16="http://schemas.microsoft.com/office/drawing/2014/main" id="{0FF10BF4-23D9-4F65-9C50-9BBFC7E2B0C6}"/>
+              </a:ext>
+            </a:extLst>
+          </p:cNvPr>
+          <p:cNvSpPr/>
+          <p:nvPr/>
+        </p:nvSpPr>
+        <p:spPr>
+          <a:xfrm>
+            <a:off x="4024854" y="2660371"/>
+            <a:ext cx="286327" cy="249382"/>
+          </a:xfrm>
+          <a:prstGeom prst="ellipse">
+            <a:avLst/>
+          </a:prstGeom>
+          <a:solidFill>
+            <a:schemeClr val="accent2">
+              <a:lumMod val="40000"/>
+              <a:lumOff val="60000"/>
+            </a:schemeClr>
+          </a:solidFill>
+        </p:spPr>
+        <p:style>
+          <a:lnRef idx="2">
+            <a:schemeClr val="accent1">
+              <a:shade val="50000"/>
+            </a:schemeClr>
+          </a:lnRef>
+          <a:fillRef idx="1">
+            <a:schemeClr val="accent1"/>
+          </a:fillRef>
+          <a:effectRef idx="0">
+            <a:schemeClr val="accent1"/>
+          </a:effectRef>
+          <a:fontRef idx="minor">
+            <a:schemeClr val="lt1"/>
+          </a:fontRef>
+        </p:style>
+        <p:txBody>
+          <a:bodyPr rtlCol="0" anchor="ctr"/>
+          <a:lstStyle/>
+          <a:p>
+            <a:pPr algn="ctr"/>
+            <a:endParaRPr lang="en-US"/>
+          </a:p>
+        </p:txBody>
+      </p:sp>
+      <p:sp>
+        <p:nvSpPr>
+          <p:cNvPr id="348" name="楕円 347">
+            <a:extLst>
+              <a:ext uri="{FF2B5EF4-FFF2-40B4-BE49-F238E27FC236}">
+                <a16:creationId xmlns:a16="http://schemas.microsoft.com/office/drawing/2014/main" id="{B4F4D0F6-AF36-438F-9997-F4A781B46937}"/>
+              </a:ext>
+            </a:extLst>
+          </p:cNvPr>
+          <p:cNvSpPr/>
+          <p:nvPr/>
+        </p:nvSpPr>
+        <p:spPr>
+          <a:xfrm>
+            <a:off x="4361978" y="2655753"/>
+            <a:ext cx="286327" cy="249382"/>
+          </a:xfrm>
+          <a:prstGeom prst="ellipse">
+            <a:avLst/>
+          </a:prstGeom>
+          <a:solidFill>
+            <a:schemeClr val="accent2">
+              <a:lumMod val="40000"/>
+              <a:lumOff val="60000"/>
+            </a:schemeClr>
+          </a:solidFill>
+        </p:spPr>
+        <p:style>
+          <a:lnRef idx="2">
+            <a:schemeClr val="accent1">
+              <a:shade val="50000"/>
+            </a:schemeClr>
+          </a:lnRef>
+          <a:fillRef idx="1">
+            <a:schemeClr val="accent1"/>
+          </a:fillRef>
+          <a:effectRef idx="0">
+            <a:schemeClr val="accent1"/>
+          </a:effectRef>
+          <a:fontRef idx="minor">
+            <a:schemeClr val="lt1"/>
+          </a:fontRef>
+        </p:style>
+        <p:txBody>
+          <a:bodyPr rtlCol="0" anchor="ctr"/>
+          <a:lstStyle/>
+          <a:p>
+            <a:pPr algn="ctr"/>
+            <a:endParaRPr lang="en-US"/>
+          </a:p>
+        </p:txBody>
+      </p:sp>
+      <p:sp>
+        <p:nvSpPr>
+          <p:cNvPr id="349" name="楕円 348">
+            <a:extLst>
+              <a:ext uri="{FF2B5EF4-FFF2-40B4-BE49-F238E27FC236}">
+                <a16:creationId xmlns:a16="http://schemas.microsoft.com/office/drawing/2014/main" id="{B06CA642-F32C-46A4-BD6C-6CE6D2873646}"/>
+              </a:ext>
+            </a:extLst>
+          </p:cNvPr>
+          <p:cNvSpPr/>
+          <p:nvPr/>
+        </p:nvSpPr>
+        <p:spPr>
+          <a:xfrm>
+            <a:off x="4367894" y="3300404"/>
+            <a:ext cx="286327" cy="249382"/>
+          </a:xfrm>
+          <a:prstGeom prst="ellipse">
+            <a:avLst/>
+          </a:prstGeom>
+          <a:solidFill>
+            <a:schemeClr val="accent2">
+              <a:lumMod val="40000"/>
+              <a:lumOff val="60000"/>
+            </a:schemeClr>
+          </a:solidFill>
+        </p:spPr>
+        <p:style>
+          <a:lnRef idx="2">
+            <a:schemeClr val="accent1">
+              <a:shade val="50000"/>
+            </a:schemeClr>
+          </a:lnRef>
+          <a:fillRef idx="1">
+            <a:schemeClr val="accent1"/>
+          </a:fillRef>
+          <a:effectRef idx="0">
+            <a:schemeClr val="accent1"/>
+          </a:effectRef>
+          <a:fontRef idx="minor">
+            <a:schemeClr val="lt1"/>
+          </a:fontRef>
+        </p:style>
+        <p:txBody>
+          <a:bodyPr rtlCol="0" anchor="ctr"/>
+          <a:lstStyle/>
+          <a:p>
+            <a:pPr algn="ctr"/>
+            <a:endParaRPr lang="en-US"/>
+          </a:p>
+        </p:txBody>
+      </p:sp>
+      <p:sp>
+        <p:nvSpPr>
           <p:cNvPr id="350" name="楕円 349">
             <a:extLst>
               <a:ext uri="{FF2B5EF4-FFF2-40B4-BE49-F238E27FC236}">
@@ -5078,7 +5263,7 @@
         </p:nvSpPr>
         <p:spPr>
           <a:xfrm>
-            <a:off x="3564335" y="3310826"/>
+            <a:off x="4025872" y="3303657"/>
             <a:ext cx="286327" cy="249382"/>
           </a:xfrm>
           <a:prstGeom prst="ellipse">
@@ -5134,8 +5319,8 @@
         </p:nvCxnSpPr>
         <p:spPr>
           <a:xfrm>
-            <a:off x="3849970" y="3788688"/>
-            <a:ext cx="1111666" cy="1078229"/>
+            <a:off x="4311527" y="3788688"/>
+            <a:ext cx="650109" cy="1078229"/>
           </a:xfrm>
           <a:prstGeom prst="bentConnector2">
             <a:avLst/>
@@ -5156,383 +5341,6 @@
           </a:fontRef>
         </p:style>
       </p:cxnSp>
-      <p:cxnSp>
-        <p:nvCxnSpPr>
-          <p:cNvPr id="355" name="コネクタ: カギ線 354">
-            <a:extLst>
-              <a:ext uri="{FF2B5EF4-FFF2-40B4-BE49-F238E27FC236}">
-                <a16:creationId xmlns:a16="http://schemas.microsoft.com/office/drawing/2014/main" id="{A03E60BF-AC23-48BA-B5EE-CAF6540AFB56}"/>
-              </a:ext>
-            </a:extLst>
-          </p:cNvPr>
-          <p:cNvCxnSpPr>
-            <a:stCxn id="350" idx="0"/>
-            <a:endCxn id="347" idx="4"/>
-          </p:cNvCxnSpPr>
-          <p:nvPr/>
-        </p:nvCxnSpPr>
-        <p:spPr>
-          <a:xfrm rot="16200000" flipV="1">
-            <a:off x="3637075" y="3240402"/>
-            <a:ext cx="139805" cy="1044"/>
-          </a:xfrm>
-          <a:prstGeom prst="bentConnector3">
-            <a:avLst/>
-          </a:prstGeom>
-        </p:spPr>
-        <p:style>
-          <a:lnRef idx="1">
-            <a:schemeClr val="accent1"/>
-          </a:lnRef>
-          <a:fillRef idx="0">
-            <a:schemeClr val="accent1"/>
-          </a:fillRef>
-          <a:effectRef idx="0">
-            <a:schemeClr val="accent1"/>
-          </a:effectRef>
-          <a:fontRef idx="minor">
-            <a:schemeClr val="tx1"/>
-          </a:fontRef>
-        </p:style>
-      </p:cxnSp>
-      <p:grpSp>
-        <p:nvGrpSpPr>
-          <p:cNvPr id="356" name="グループ化 355">
-            <a:extLst>
-              <a:ext uri="{FF2B5EF4-FFF2-40B4-BE49-F238E27FC236}">
-                <a16:creationId xmlns:a16="http://schemas.microsoft.com/office/drawing/2014/main" id="{14A624A3-2E30-46C0-9D9F-E96F41B4D526}"/>
-              </a:ext>
-            </a:extLst>
-          </p:cNvPr>
-          <p:cNvGrpSpPr/>
-          <p:nvPr/>
-        </p:nvGrpSpPr>
-        <p:grpSpPr>
-          <a:xfrm>
-            <a:off x="3277436" y="3290600"/>
-            <a:ext cx="152400" cy="292101"/>
-            <a:chOff x="2032006" y="2086264"/>
-            <a:chExt cx="152400" cy="292101"/>
-          </a:xfrm>
-        </p:grpSpPr>
-        <p:cxnSp>
-          <p:nvCxnSpPr>
-            <p:cNvPr id="357" name="直線コネクタ 356">
-              <a:extLst>
-                <a:ext uri="{FF2B5EF4-FFF2-40B4-BE49-F238E27FC236}">
-                  <a16:creationId xmlns:a16="http://schemas.microsoft.com/office/drawing/2014/main" id="{A1948429-A508-4BC5-A552-772D8F3C32A3}"/>
-                </a:ext>
-              </a:extLst>
-            </p:cNvPr>
-            <p:cNvCxnSpPr/>
-            <p:nvPr/>
-          </p:nvCxnSpPr>
-          <p:spPr>
-            <a:xfrm>
-              <a:off x="2032006" y="2086264"/>
-              <a:ext cx="0" cy="287484"/>
-            </a:xfrm>
-            <a:prstGeom prst="line">
-              <a:avLst/>
-            </a:prstGeom>
-          </p:spPr>
-          <p:style>
-            <a:lnRef idx="1">
-              <a:schemeClr val="accent1"/>
-            </a:lnRef>
-            <a:fillRef idx="0">
-              <a:schemeClr val="accent1"/>
-            </a:fillRef>
-            <a:effectRef idx="0">
-              <a:schemeClr val="accent1"/>
-            </a:effectRef>
-            <a:fontRef idx="minor">
-              <a:schemeClr val="tx1"/>
-            </a:fontRef>
-          </p:style>
-        </p:cxnSp>
-        <p:cxnSp>
-          <p:nvCxnSpPr>
-            <p:cNvPr id="358" name="直線コネクタ 357">
-              <a:extLst>
-                <a:ext uri="{FF2B5EF4-FFF2-40B4-BE49-F238E27FC236}">
-                  <a16:creationId xmlns:a16="http://schemas.microsoft.com/office/drawing/2014/main" id="{8DAD3A3E-687E-453C-90A5-0F40EB006808}"/>
-                </a:ext>
-              </a:extLst>
-            </p:cNvPr>
-            <p:cNvCxnSpPr/>
-            <p:nvPr/>
-          </p:nvCxnSpPr>
-          <p:spPr>
-            <a:xfrm>
-              <a:off x="2184406" y="2090881"/>
-              <a:ext cx="0" cy="287484"/>
-            </a:xfrm>
-            <a:prstGeom prst="line">
-              <a:avLst/>
-            </a:prstGeom>
-          </p:spPr>
-          <p:style>
-            <a:lnRef idx="1">
-              <a:schemeClr val="accent1"/>
-            </a:lnRef>
-            <a:fillRef idx="0">
-              <a:schemeClr val="accent1"/>
-            </a:fillRef>
-            <a:effectRef idx="0">
-              <a:schemeClr val="accent1"/>
-            </a:effectRef>
-            <a:fontRef idx="minor">
-              <a:schemeClr val="tx1"/>
-            </a:fontRef>
-          </p:style>
-        </p:cxnSp>
-      </p:grpSp>
-      <p:grpSp>
-        <p:nvGrpSpPr>
-          <p:cNvPr id="359" name="グループ化 358">
-            <a:extLst>
-              <a:ext uri="{FF2B5EF4-FFF2-40B4-BE49-F238E27FC236}">
-                <a16:creationId xmlns:a16="http://schemas.microsoft.com/office/drawing/2014/main" id="{AF0FA1BE-9040-439C-8184-54908784040F}"/>
-              </a:ext>
-            </a:extLst>
-          </p:cNvPr>
-          <p:cNvGrpSpPr/>
-          <p:nvPr/>
-        </p:nvGrpSpPr>
-        <p:grpSpPr>
-          <a:xfrm>
-            <a:off x="4012322" y="3284792"/>
-            <a:ext cx="152400" cy="292101"/>
-            <a:chOff x="2032006" y="2086264"/>
-            <a:chExt cx="152400" cy="292101"/>
-          </a:xfrm>
-        </p:grpSpPr>
-        <p:cxnSp>
-          <p:nvCxnSpPr>
-            <p:cNvPr id="360" name="直線コネクタ 359">
-              <a:extLst>
-                <a:ext uri="{FF2B5EF4-FFF2-40B4-BE49-F238E27FC236}">
-                  <a16:creationId xmlns:a16="http://schemas.microsoft.com/office/drawing/2014/main" id="{61315A18-E9F4-4CBA-8A04-DEEE16AB3070}"/>
-                </a:ext>
-              </a:extLst>
-            </p:cNvPr>
-            <p:cNvCxnSpPr/>
-            <p:nvPr/>
-          </p:nvCxnSpPr>
-          <p:spPr>
-            <a:xfrm>
-              <a:off x="2032006" y="2086264"/>
-              <a:ext cx="0" cy="287484"/>
-            </a:xfrm>
-            <a:prstGeom prst="line">
-              <a:avLst/>
-            </a:prstGeom>
-          </p:spPr>
-          <p:style>
-            <a:lnRef idx="1">
-              <a:schemeClr val="accent1"/>
-            </a:lnRef>
-            <a:fillRef idx="0">
-              <a:schemeClr val="accent1"/>
-            </a:fillRef>
-            <a:effectRef idx="0">
-              <a:schemeClr val="accent1"/>
-            </a:effectRef>
-            <a:fontRef idx="minor">
-              <a:schemeClr val="tx1"/>
-            </a:fontRef>
-          </p:style>
-        </p:cxnSp>
-        <p:cxnSp>
-          <p:nvCxnSpPr>
-            <p:cNvPr id="361" name="直線コネクタ 360">
-              <a:extLst>
-                <a:ext uri="{FF2B5EF4-FFF2-40B4-BE49-F238E27FC236}">
-                  <a16:creationId xmlns:a16="http://schemas.microsoft.com/office/drawing/2014/main" id="{055CCCC9-B273-4D31-A308-91A7880E5BA1}"/>
-                </a:ext>
-              </a:extLst>
-            </p:cNvPr>
-            <p:cNvCxnSpPr/>
-            <p:nvPr/>
-          </p:nvCxnSpPr>
-          <p:spPr>
-            <a:xfrm>
-              <a:off x="2184406" y="2090881"/>
-              <a:ext cx="0" cy="287484"/>
-            </a:xfrm>
-            <a:prstGeom prst="line">
-              <a:avLst/>
-            </a:prstGeom>
-          </p:spPr>
-          <p:style>
-            <a:lnRef idx="1">
-              <a:schemeClr val="accent1"/>
-            </a:lnRef>
-            <a:fillRef idx="0">
-              <a:schemeClr val="accent1"/>
-            </a:fillRef>
-            <a:effectRef idx="0">
-              <a:schemeClr val="accent1"/>
-            </a:effectRef>
-            <a:fontRef idx="minor">
-              <a:schemeClr val="tx1"/>
-            </a:fontRef>
-          </p:style>
-        </p:cxnSp>
-      </p:grpSp>
-      <p:cxnSp>
-        <p:nvCxnSpPr>
-          <p:cNvPr id="362" name="直線コネクタ 361">
-            <a:extLst>
-              <a:ext uri="{FF2B5EF4-FFF2-40B4-BE49-F238E27FC236}">
-                <a16:creationId xmlns:a16="http://schemas.microsoft.com/office/drawing/2014/main" id="{CD33874E-FB8D-4018-B251-EEFD4C385FE0}"/>
-              </a:ext>
-            </a:extLst>
-          </p:cNvPr>
-          <p:cNvCxnSpPr>
-            <a:cxnSpLocks/>
-          </p:cNvCxnSpPr>
-          <p:nvPr/>
-        </p:nvCxnSpPr>
-        <p:spPr>
-          <a:xfrm flipH="1">
-            <a:off x="3122129" y="3428549"/>
-            <a:ext cx="148907" cy="1"/>
-          </a:xfrm>
-          <a:prstGeom prst="line">
-            <a:avLst/>
-          </a:prstGeom>
-        </p:spPr>
-        <p:style>
-          <a:lnRef idx="1">
-            <a:schemeClr val="accent1"/>
-          </a:lnRef>
-          <a:fillRef idx="0">
-            <a:schemeClr val="accent1"/>
-          </a:fillRef>
-          <a:effectRef idx="0">
-            <a:schemeClr val="accent1"/>
-          </a:effectRef>
-          <a:fontRef idx="minor">
-            <a:schemeClr val="tx1"/>
-          </a:fontRef>
-        </p:style>
-      </p:cxnSp>
-      <p:cxnSp>
-        <p:nvCxnSpPr>
-          <p:cNvPr id="363" name="直線コネクタ 362">
-            <a:extLst>
-              <a:ext uri="{FF2B5EF4-FFF2-40B4-BE49-F238E27FC236}">
-                <a16:creationId xmlns:a16="http://schemas.microsoft.com/office/drawing/2014/main" id="{79A9F8D9-2926-4DF0-800A-8F4BDD222B3D}"/>
-              </a:ext>
-            </a:extLst>
-          </p:cNvPr>
-          <p:cNvCxnSpPr>
-            <a:cxnSpLocks/>
-          </p:cNvCxnSpPr>
-          <p:nvPr/>
-        </p:nvCxnSpPr>
-        <p:spPr>
-          <a:xfrm flipH="1">
-            <a:off x="3422903" y="3433170"/>
-            <a:ext cx="148907" cy="1"/>
-          </a:xfrm>
-          <a:prstGeom prst="line">
-            <a:avLst/>
-          </a:prstGeom>
-        </p:spPr>
-        <p:style>
-          <a:lnRef idx="1">
-            <a:schemeClr val="accent1"/>
-          </a:lnRef>
-          <a:fillRef idx="0">
-            <a:schemeClr val="accent1"/>
-          </a:fillRef>
-          <a:effectRef idx="0">
-            <a:schemeClr val="accent1"/>
-          </a:effectRef>
-          <a:fontRef idx="minor">
-            <a:schemeClr val="tx1"/>
-          </a:fontRef>
-        </p:style>
-      </p:cxnSp>
-      <p:cxnSp>
-        <p:nvCxnSpPr>
-          <p:cNvPr id="364" name="直線コネクタ 363">
-            <a:extLst>
-              <a:ext uri="{FF2B5EF4-FFF2-40B4-BE49-F238E27FC236}">
-                <a16:creationId xmlns:a16="http://schemas.microsoft.com/office/drawing/2014/main" id="{301CE85A-179B-47D0-93E5-6C463398DA2F}"/>
-              </a:ext>
-            </a:extLst>
-          </p:cNvPr>
-          <p:cNvCxnSpPr>
-            <a:cxnSpLocks/>
-          </p:cNvCxnSpPr>
-          <p:nvPr/>
-        </p:nvCxnSpPr>
-        <p:spPr>
-          <a:xfrm flipH="1">
-            <a:off x="3862222" y="3438985"/>
-            <a:ext cx="148907" cy="1"/>
-          </a:xfrm>
-          <a:prstGeom prst="line">
-            <a:avLst/>
-          </a:prstGeom>
-        </p:spPr>
-        <p:style>
-          <a:lnRef idx="1">
-            <a:schemeClr val="accent1"/>
-          </a:lnRef>
-          <a:fillRef idx="0">
-            <a:schemeClr val="accent1"/>
-          </a:fillRef>
-          <a:effectRef idx="0">
-            <a:schemeClr val="accent1"/>
-          </a:effectRef>
-          <a:fontRef idx="minor">
-            <a:schemeClr val="tx1"/>
-          </a:fontRef>
-        </p:style>
-      </p:cxnSp>
-      <p:cxnSp>
-        <p:nvCxnSpPr>
-          <p:cNvPr id="365" name="直線コネクタ 364">
-            <a:extLst>
-              <a:ext uri="{FF2B5EF4-FFF2-40B4-BE49-F238E27FC236}">
-                <a16:creationId xmlns:a16="http://schemas.microsoft.com/office/drawing/2014/main" id="{D8D890AA-3FC0-4771-BABD-75BCA6E087EE}"/>
-              </a:ext>
-            </a:extLst>
-          </p:cNvPr>
-          <p:cNvCxnSpPr>
-            <a:cxnSpLocks/>
-          </p:cNvCxnSpPr>
-          <p:nvPr/>
-        </p:nvCxnSpPr>
-        <p:spPr>
-          <a:xfrm flipH="1" flipV="1">
-            <a:off x="4143647" y="3434925"/>
-            <a:ext cx="249690" cy="127"/>
-          </a:xfrm>
-          <a:prstGeom prst="line">
-            <a:avLst/>
-          </a:prstGeom>
-        </p:spPr>
-        <p:style>
-          <a:lnRef idx="1">
-            <a:schemeClr val="accent1"/>
-          </a:lnRef>
-          <a:fillRef idx="0">
-            <a:schemeClr val="accent1"/>
-          </a:fillRef>
-          <a:effectRef idx="0">
-            <a:schemeClr val="accent1"/>
-          </a:effectRef>
-          <a:fontRef idx="minor">
-            <a:schemeClr val="tx1"/>
-          </a:fontRef>
-        </p:style>
-      </p:cxnSp>
       <p:sp>
         <p:nvSpPr>
           <p:cNvPr id="366" name="テキスト ボックス 365">
@@ -5547,7 +5355,7 @@
         </p:nvSpPr>
         <p:spPr>
           <a:xfrm>
-            <a:off x="1910747" y="635190"/>
+            <a:off x="4707696" y="2427336"/>
             <a:ext cx="2817100" cy="646331"/>
           </a:xfrm>
           <a:prstGeom prst="rect">
@@ -5588,7 +5396,7 @@
         </p:nvSpPr>
         <p:spPr>
           <a:xfrm>
-            <a:off x="3841430" y="3513471"/>
+            <a:off x="3878885" y="1694040"/>
             <a:ext cx="835929" cy="276999"/>
           </a:xfrm>
           <a:prstGeom prst="rect">
@@ -5628,7 +5436,7 @@
         </p:nvSpPr>
         <p:spPr>
           <a:xfrm>
-            <a:off x="3134878" y="3526645"/>
+            <a:off x="4467639" y="3047927"/>
             <a:ext cx="835929" cy="276999"/>
           </a:xfrm>
           <a:prstGeom prst="rect">
@@ -6311,7 +6119,7 @@
         </p:nvSpPr>
         <p:spPr>
           <a:xfrm>
-            <a:off x="7259759" y="1995060"/>
+            <a:off x="7259759" y="1733792"/>
             <a:ext cx="1685607" cy="646331"/>
           </a:xfrm>
           <a:prstGeom prst="rect">
@@ -6422,8 +6230,8 @@
         </p:nvSpPr>
         <p:spPr>
           <a:xfrm>
-            <a:off x="1013719" y="1574421"/>
-            <a:ext cx="6998363" cy="4728933"/>
+            <a:off x="1013719" y="1033128"/>
+            <a:ext cx="6998363" cy="5653405"/>
           </a:xfrm>
           <a:prstGeom prst="rect">
             <a:avLst/>
@@ -6469,7 +6277,7 @@
         </p:nvSpPr>
         <p:spPr>
           <a:xfrm>
-            <a:off x="7494848" y="5103819"/>
+            <a:off x="7494848" y="5217033"/>
             <a:ext cx="517234" cy="286386"/>
           </a:xfrm>
           <a:prstGeom prst="rect">
@@ -6504,7 +6312,7 @@
         </p:nvSpPr>
         <p:spPr>
           <a:xfrm>
-            <a:off x="6477868" y="5450193"/>
+            <a:off x="7531608" y="5537280"/>
             <a:ext cx="367151" cy="276999"/>
           </a:xfrm>
           <a:prstGeom prst="rect">
@@ -6539,7 +6347,7 @@
         </p:nvSpPr>
         <p:spPr>
           <a:xfrm>
-            <a:off x="7326068" y="5824819"/>
+            <a:off x="7535078" y="5903199"/>
             <a:ext cx="765847" cy="275910"/>
           </a:xfrm>
           <a:prstGeom prst="rect">
@@ -6574,7 +6382,7 @@
         </p:nvSpPr>
         <p:spPr>
           <a:xfrm>
-            <a:off x="2824828" y="2786499"/>
+            <a:off x="3556363" y="2385891"/>
             <a:ext cx="445206" cy="276999"/>
           </a:xfrm>
           <a:prstGeom prst="rect">
@@ -6609,7 +6417,7 @@
         </p:nvSpPr>
         <p:spPr>
           <a:xfrm>
-            <a:off x="7662071" y="4738082"/>
+            <a:off x="7540146" y="4860005"/>
             <a:ext cx="383207" cy="276999"/>
           </a:xfrm>
           <a:prstGeom prst="rect">
@@ -6644,7 +6452,7 @@
         </p:nvSpPr>
         <p:spPr>
           <a:xfrm>
-            <a:off x="3467475" y="2514613"/>
+            <a:off x="3798649" y="2374502"/>
             <a:ext cx="826652" cy="276999"/>
           </a:xfrm>
           <a:prstGeom prst="rect">
@@ -6679,7 +6487,7 @@
         </p:nvSpPr>
         <p:spPr>
           <a:xfrm>
-            <a:off x="3839666" y="2518060"/>
+            <a:off x="4327349" y="2378714"/>
             <a:ext cx="826652" cy="276999"/>
           </a:xfrm>
           <a:prstGeom prst="rect">
@@ -6718,8 +6526,8 @@
         </p:nvCxnSpPr>
         <p:spPr>
           <a:xfrm rot="10800000" flipV="1">
-            <a:off x="2198176" y="3434622"/>
-            <a:ext cx="635598" cy="1780892"/>
+            <a:off x="2198176" y="3425912"/>
+            <a:ext cx="1489036" cy="1789601"/>
           </a:xfrm>
           <a:prstGeom prst="bentConnector2">
             <a:avLst/>
@@ -6784,27 +6592,29 @@
       </p:cxnSp>
       <p:cxnSp>
         <p:nvCxnSpPr>
-          <p:cNvPr id="401" name="コネクタ: カギ線 400">
-            <a:extLst>
-              <a:ext uri="{FF2B5EF4-FFF2-40B4-BE49-F238E27FC236}">
-                <a16:creationId xmlns:a16="http://schemas.microsoft.com/office/drawing/2014/main" id="{9DDCE5DC-23DA-4E38-9480-4CC324A33D46}"/>
+          <p:cNvPr id="403" name="コネクタ: カギ線 402">
+            <a:extLst>
+              <a:ext uri="{FF2B5EF4-FFF2-40B4-BE49-F238E27FC236}">
+                <a16:creationId xmlns:a16="http://schemas.microsoft.com/office/drawing/2014/main" id="{30F9026E-5511-4D76-802E-97CB7020F317}"/>
               </a:ext>
             </a:extLst>
           </p:cNvPr>
           <p:cNvCxnSpPr>
             <a:cxnSpLocks/>
-            <a:stCxn id="423" idx="6"/>
-            <a:endCxn id="172" idx="0"/>
+            <a:stCxn id="418" idx="6"/>
+            <a:endCxn id="156" idx="2"/>
           </p:cNvCxnSpPr>
           <p:nvPr/>
         </p:nvCxnSpPr>
         <p:spPr>
           <a:xfrm>
-            <a:off x="5898689" y="3761931"/>
-            <a:ext cx="1807143" cy="655634"/>
-          </a:xfrm>
-          <a:prstGeom prst="bentConnector2">
-            <a:avLst/>
+            <a:off x="5104799" y="4991608"/>
+            <a:ext cx="1687018" cy="347966"/>
+          </a:xfrm>
+          <a:prstGeom prst="bentConnector3">
+            <a:avLst>
+              <a:gd name="adj1" fmla="val 50000"/>
+            </a:avLst>
           </a:prstGeom>
           <a:ln>
             <a:solidFill>
@@ -6827,30 +6637,285 @@
           </a:fontRef>
         </p:style>
       </p:cxnSp>
+      <p:sp>
+        <p:nvSpPr>
+          <p:cNvPr id="404" name="楕円 403">
+            <a:extLst>
+              <a:ext uri="{FF2B5EF4-FFF2-40B4-BE49-F238E27FC236}">
+                <a16:creationId xmlns:a16="http://schemas.microsoft.com/office/drawing/2014/main" id="{07C2F45D-C538-4058-9F8E-BC91C2DDFD73}"/>
+              </a:ext>
+            </a:extLst>
+          </p:cNvPr>
+          <p:cNvSpPr/>
+          <p:nvPr/>
+        </p:nvSpPr>
+        <p:spPr>
+          <a:xfrm>
+            <a:off x="6003916" y="5550607"/>
+            <a:ext cx="286327" cy="249382"/>
+          </a:xfrm>
+          <a:prstGeom prst="ellipse">
+            <a:avLst/>
+          </a:prstGeom>
+          <a:solidFill>
+            <a:schemeClr val="accent3">
+              <a:lumMod val="60000"/>
+              <a:lumOff val="40000"/>
+            </a:schemeClr>
+          </a:solidFill>
+        </p:spPr>
+        <p:style>
+          <a:lnRef idx="2">
+            <a:schemeClr val="accent1">
+              <a:shade val="50000"/>
+            </a:schemeClr>
+          </a:lnRef>
+          <a:fillRef idx="1">
+            <a:schemeClr val="accent1"/>
+          </a:fillRef>
+          <a:effectRef idx="0">
+            <a:schemeClr val="accent1"/>
+          </a:effectRef>
+          <a:fontRef idx="minor">
+            <a:schemeClr val="lt1"/>
+          </a:fontRef>
+        </p:style>
+        <p:txBody>
+          <a:bodyPr rtlCol="0" anchor="ctr"/>
+          <a:lstStyle/>
+          <a:p>
+            <a:pPr algn="ctr"/>
+            <a:endParaRPr lang="en-US"/>
+          </a:p>
+        </p:txBody>
+      </p:sp>
+      <p:sp>
+        <p:nvSpPr>
+          <p:cNvPr id="405" name="楕円 404">
+            <a:extLst>
+              <a:ext uri="{FF2B5EF4-FFF2-40B4-BE49-F238E27FC236}">
+                <a16:creationId xmlns:a16="http://schemas.microsoft.com/office/drawing/2014/main" id="{4CD11A71-DF71-4D54-AAF8-301256FC907F}"/>
+              </a:ext>
+            </a:extLst>
+          </p:cNvPr>
+          <p:cNvSpPr/>
+          <p:nvPr/>
+        </p:nvSpPr>
+        <p:spPr>
+          <a:xfrm>
+            <a:off x="5272458" y="5194119"/>
+            <a:ext cx="286327" cy="249382"/>
+          </a:xfrm>
+          <a:prstGeom prst="ellipse">
+            <a:avLst/>
+          </a:prstGeom>
+          <a:solidFill>
+            <a:schemeClr val="accent3">
+              <a:lumMod val="60000"/>
+              <a:lumOff val="40000"/>
+            </a:schemeClr>
+          </a:solidFill>
+        </p:spPr>
+        <p:style>
+          <a:lnRef idx="2">
+            <a:schemeClr val="accent1">
+              <a:shade val="50000"/>
+            </a:schemeClr>
+          </a:lnRef>
+          <a:fillRef idx="1">
+            <a:schemeClr val="accent1"/>
+          </a:fillRef>
+          <a:effectRef idx="0">
+            <a:schemeClr val="accent1"/>
+          </a:effectRef>
+          <a:fontRef idx="minor">
+            <a:schemeClr val="lt1"/>
+          </a:fontRef>
+        </p:style>
+        <p:txBody>
+          <a:bodyPr rtlCol="0" anchor="ctr"/>
+          <a:lstStyle/>
+          <a:p>
+            <a:pPr algn="ctr"/>
+            <a:endParaRPr lang="en-US"/>
+          </a:p>
+        </p:txBody>
+      </p:sp>
       <p:cxnSp>
         <p:nvCxnSpPr>
-          <p:cNvPr id="403" name="コネクタ: カギ線 402">
-            <a:extLst>
-              <a:ext uri="{FF2B5EF4-FFF2-40B4-BE49-F238E27FC236}">
-                <a16:creationId xmlns:a16="http://schemas.microsoft.com/office/drawing/2014/main" id="{30F9026E-5511-4D76-802E-97CB7020F317}"/>
+          <p:cNvPr id="406" name="コネクタ: カギ線 405">
+            <a:extLst>
+              <a:ext uri="{FF2B5EF4-FFF2-40B4-BE49-F238E27FC236}">
+                <a16:creationId xmlns:a16="http://schemas.microsoft.com/office/drawing/2014/main" id="{DB9E1085-46AC-4847-A417-CF2B9266CCC6}"/>
               </a:ext>
             </a:extLst>
           </p:cNvPr>
           <p:cNvCxnSpPr>
             <a:cxnSpLocks/>
-            <a:stCxn id="418" idx="6"/>
-            <a:endCxn id="156" idx="2"/>
+            <a:stCxn id="343" idx="6"/>
+            <a:endCxn id="405" idx="2"/>
           </p:cNvCxnSpPr>
           <p:nvPr/>
         </p:nvCxnSpPr>
         <p:spPr>
-          <a:xfrm>
-            <a:off x="5104799" y="4991608"/>
-            <a:ext cx="1687018" cy="347966"/>
+          <a:xfrm flipV="1">
+            <a:off x="4203947" y="5318810"/>
+            <a:ext cx="1068511" cy="361096"/>
           </a:xfrm>
           <a:prstGeom prst="bentConnector3">
             <a:avLst>
               <a:gd name="adj1" fmla="val 50000"/>
+            </a:avLst>
+          </a:prstGeom>
+        </p:spPr>
+        <p:style>
+          <a:lnRef idx="1">
+            <a:schemeClr val="accent1"/>
+          </a:lnRef>
+          <a:fillRef idx="0">
+            <a:schemeClr val="accent1"/>
+          </a:fillRef>
+          <a:effectRef idx="0">
+            <a:schemeClr val="accent1"/>
+          </a:effectRef>
+          <a:fontRef idx="minor">
+            <a:schemeClr val="tx1"/>
+          </a:fontRef>
+        </p:style>
+      </p:cxnSp>
+      <p:cxnSp>
+        <p:nvCxnSpPr>
+          <p:cNvPr id="407" name="直線コネクタ 406">
+            <a:extLst>
+              <a:ext uri="{FF2B5EF4-FFF2-40B4-BE49-F238E27FC236}">
+                <a16:creationId xmlns:a16="http://schemas.microsoft.com/office/drawing/2014/main" id="{BB464C56-25DF-48C8-B2BE-E050FA58D3C3}"/>
+              </a:ext>
+            </a:extLst>
+          </p:cNvPr>
+          <p:cNvCxnSpPr>
+            <a:stCxn id="404" idx="0"/>
+            <a:endCxn id="334" idx="4"/>
+          </p:cNvCxnSpPr>
+          <p:nvPr/>
+        </p:nvCxnSpPr>
+        <p:spPr>
+          <a:xfrm flipV="1">
+            <a:off x="6147080" y="1418660"/>
+            <a:ext cx="8974" cy="4131947"/>
+          </a:xfrm>
+          <a:prstGeom prst="line">
+            <a:avLst/>
+          </a:prstGeom>
+        </p:spPr>
+        <p:style>
+          <a:lnRef idx="1">
+            <a:schemeClr val="accent1"/>
+          </a:lnRef>
+          <a:fillRef idx="0">
+            <a:schemeClr val="accent1"/>
+          </a:fillRef>
+          <a:effectRef idx="0">
+            <a:schemeClr val="accent1"/>
+          </a:effectRef>
+          <a:fontRef idx="minor">
+            <a:schemeClr val="tx1"/>
+          </a:fontRef>
+        </p:style>
+      </p:cxnSp>
+      <p:sp>
+        <p:nvSpPr>
+          <p:cNvPr id="408" name="テキスト ボックス 407">
+            <a:extLst>
+              <a:ext uri="{FF2B5EF4-FFF2-40B4-BE49-F238E27FC236}">
+                <a16:creationId xmlns:a16="http://schemas.microsoft.com/office/drawing/2014/main" id="{28D7EC8A-32B9-44A2-96D8-27671B39C9C3}"/>
+              </a:ext>
+            </a:extLst>
+          </p:cNvPr>
+          <p:cNvSpPr txBox="1"/>
+          <p:nvPr/>
+        </p:nvSpPr>
+        <p:spPr>
+          <a:xfrm>
+            <a:off x="1080781" y="4712491"/>
+            <a:ext cx="410975" cy="276999"/>
+          </a:xfrm>
+          <a:prstGeom prst="rect">
+            <a:avLst/>
+          </a:prstGeom>
+          <a:noFill/>
+        </p:spPr>
+        <p:txBody>
+          <a:bodyPr wrap="square" rtlCol="0">
+            <a:spAutoFit/>
+          </a:bodyPr>
+          <a:lstStyle/>
+          <a:p>
+            <a:r>
+              <a:rPr lang="en-US" sz="1200" dirty="0"/>
+              <a:t>5V</a:t>
+            </a:r>
+          </a:p>
+        </p:txBody>
+      </p:sp>
+      <p:sp>
+        <p:nvSpPr>
+          <p:cNvPr id="409" name="テキスト ボックス 408">
+            <a:extLst>
+              <a:ext uri="{FF2B5EF4-FFF2-40B4-BE49-F238E27FC236}">
+                <a16:creationId xmlns:a16="http://schemas.microsoft.com/office/drawing/2014/main" id="{4D87D795-A8E1-4583-B2FE-65B1FD5F89EE}"/>
+              </a:ext>
+            </a:extLst>
+          </p:cNvPr>
+          <p:cNvSpPr txBox="1"/>
+          <p:nvPr/>
+        </p:nvSpPr>
+        <p:spPr>
+          <a:xfrm>
+            <a:off x="1039669" y="5123174"/>
+            <a:ext cx="517234" cy="286386"/>
+          </a:xfrm>
+          <a:prstGeom prst="rect">
+            <a:avLst/>
+          </a:prstGeom>
+          <a:noFill/>
+        </p:spPr>
+        <p:txBody>
+          <a:bodyPr wrap="square" rtlCol="0">
+            <a:spAutoFit/>
+          </a:bodyPr>
+          <a:lstStyle/>
+          <a:p>
+            <a:r>
+              <a:rPr lang="en-US" sz="1200" dirty="0"/>
+              <a:t>GND</a:t>
+            </a:r>
+          </a:p>
+        </p:txBody>
+      </p:sp>
+      <p:cxnSp>
+        <p:nvCxnSpPr>
+          <p:cNvPr id="410" name="コネクタ: カギ線 409">
+            <a:extLst>
+              <a:ext uri="{FF2B5EF4-FFF2-40B4-BE49-F238E27FC236}">
+                <a16:creationId xmlns:a16="http://schemas.microsoft.com/office/drawing/2014/main" id="{865409F8-E9A7-4BB2-9CD6-7952D935C288}"/>
+              </a:ext>
+            </a:extLst>
+          </p:cNvPr>
+          <p:cNvCxnSpPr>
+            <a:cxnSpLocks/>
+            <a:stCxn id="404" idx="2"/>
+            <a:endCxn id="141" idx="6"/>
+          </p:cNvCxnSpPr>
+          <p:nvPr/>
+        </p:nvCxnSpPr>
+        <p:spPr>
+          <a:xfrm rot="10800000" flipV="1">
+            <a:off x="4631322" y="5675298"/>
+            <a:ext cx="1372594" cy="370684"/>
+          </a:xfrm>
+          <a:prstGeom prst="bentConnector3">
+            <a:avLst>
+              <a:gd name="adj1" fmla="val 75378"/>
             </a:avLst>
           </a:prstGeom>
           <a:ln>
@@ -6876,10 +6941,10 @@
       </p:cxnSp>
       <p:sp>
         <p:nvSpPr>
-          <p:cNvPr id="404" name="楕円 403">
-            <a:extLst>
-              <a:ext uri="{FF2B5EF4-FFF2-40B4-BE49-F238E27FC236}">
-                <a16:creationId xmlns:a16="http://schemas.microsoft.com/office/drawing/2014/main" id="{07C2F45D-C538-4058-9F8E-BC91C2DDFD73}"/>
+          <p:cNvPr id="413" name="楕円 412">
+            <a:extLst>
+              <a:ext uri="{FF2B5EF4-FFF2-40B4-BE49-F238E27FC236}">
+                <a16:creationId xmlns:a16="http://schemas.microsoft.com/office/drawing/2014/main" id="{BE15B80E-07AA-48DE-A460-22047927716C}"/>
               </a:ext>
             </a:extLst>
           </p:cNvPr>
@@ -6888,16 +6953,15 @@
         </p:nvSpPr>
         <p:spPr>
           <a:xfrm>
-            <a:off x="6003916" y="5550607"/>
+            <a:off x="4025200" y="3663997"/>
             <a:ext cx="286327" cy="249382"/>
           </a:xfrm>
           <a:prstGeom prst="ellipse">
             <a:avLst/>
           </a:prstGeom>
           <a:solidFill>
-            <a:schemeClr val="accent3">
-              <a:lumMod val="60000"/>
-              <a:lumOff val="40000"/>
+            <a:schemeClr val="bg1">
+              <a:lumMod val="75000"/>
             </a:schemeClr>
           </a:solidFill>
         </p:spPr>
@@ -6926,234 +6990,29 @@
           </a:p>
         </p:txBody>
       </p:sp>
-      <p:sp>
-        <p:nvSpPr>
-          <p:cNvPr id="405" name="楕円 404">
-            <a:extLst>
-              <a:ext uri="{FF2B5EF4-FFF2-40B4-BE49-F238E27FC236}">
-                <a16:creationId xmlns:a16="http://schemas.microsoft.com/office/drawing/2014/main" id="{4CD11A71-DF71-4D54-AAF8-301256FC907F}"/>
-              </a:ext>
-            </a:extLst>
-          </p:cNvPr>
-          <p:cNvSpPr/>
-          <p:nvPr/>
-        </p:nvSpPr>
-        <p:spPr>
-          <a:xfrm>
-            <a:off x="5272458" y="5194119"/>
-            <a:ext cx="286327" cy="249382"/>
-          </a:xfrm>
-          <a:prstGeom prst="ellipse">
-            <a:avLst/>
-          </a:prstGeom>
-          <a:solidFill>
-            <a:schemeClr val="accent3">
-              <a:lumMod val="60000"/>
-              <a:lumOff val="40000"/>
-            </a:schemeClr>
-          </a:solidFill>
-        </p:spPr>
-        <p:style>
-          <a:lnRef idx="2">
-            <a:schemeClr val="accent1">
-              <a:shade val="50000"/>
-            </a:schemeClr>
-          </a:lnRef>
-          <a:fillRef idx="1">
-            <a:schemeClr val="accent1"/>
-          </a:fillRef>
-          <a:effectRef idx="0">
-            <a:schemeClr val="accent1"/>
-          </a:effectRef>
-          <a:fontRef idx="minor">
-            <a:schemeClr val="lt1"/>
-          </a:fontRef>
-        </p:style>
-        <p:txBody>
-          <a:bodyPr rtlCol="0" anchor="ctr"/>
-          <a:lstStyle/>
-          <a:p>
-            <a:pPr algn="ctr"/>
-            <a:endParaRPr lang="en-US"/>
-          </a:p>
-        </p:txBody>
-      </p:sp>
       <p:cxnSp>
         <p:nvCxnSpPr>
-          <p:cNvPr id="406" name="コネクタ: カギ線 405">
-            <a:extLst>
-              <a:ext uri="{FF2B5EF4-FFF2-40B4-BE49-F238E27FC236}">
-                <a16:creationId xmlns:a16="http://schemas.microsoft.com/office/drawing/2014/main" id="{DB9E1085-46AC-4847-A417-CF2B9266CCC6}"/>
+          <p:cNvPr id="414" name="コネクタ: カギ線 413">
+            <a:extLst>
+              <a:ext uri="{FF2B5EF4-FFF2-40B4-BE49-F238E27FC236}">
+                <a16:creationId xmlns:a16="http://schemas.microsoft.com/office/drawing/2014/main" id="{26345981-4924-47BB-AFB1-5D24CD9FD083}"/>
               </a:ext>
             </a:extLst>
           </p:cNvPr>
           <p:cNvCxnSpPr>
             <a:cxnSpLocks/>
-            <a:stCxn id="343" idx="6"/>
-            <a:endCxn id="405" idx="2"/>
+            <a:stCxn id="413" idx="2"/>
+            <a:endCxn id="128" idx="0"/>
           </p:cNvCxnSpPr>
           <p:nvPr/>
         </p:nvCxnSpPr>
         <p:spPr>
-          <a:xfrm flipV="1">
-            <a:off x="4203947" y="5318810"/>
-            <a:ext cx="1068511" cy="361096"/>
-          </a:xfrm>
-          <a:prstGeom prst="bentConnector3">
-            <a:avLst>
-              <a:gd name="adj1" fmla="val 50000"/>
-            </a:avLst>
-          </a:prstGeom>
-        </p:spPr>
-        <p:style>
-          <a:lnRef idx="1">
-            <a:schemeClr val="accent1"/>
-          </a:lnRef>
-          <a:fillRef idx="0">
-            <a:schemeClr val="accent1"/>
-          </a:fillRef>
-          <a:effectRef idx="0">
-            <a:schemeClr val="accent1"/>
-          </a:effectRef>
-          <a:fontRef idx="minor">
-            <a:schemeClr val="tx1"/>
-          </a:fontRef>
-        </p:style>
-      </p:cxnSp>
-      <p:cxnSp>
-        <p:nvCxnSpPr>
-          <p:cNvPr id="407" name="直線コネクタ 406">
-            <a:extLst>
-              <a:ext uri="{FF2B5EF4-FFF2-40B4-BE49-F238E27FC236}">
-                <a16:creationId xmlns:a16="http://schemas.microsoft.com/office/drawing/2014/main" id="{BB464C56-25DF-48C8-B2BE-E050FA58D3C3}"/>
-              </a:ext>
-            </a:extLst>
-          </p:cNvPr>
-          <p:cNvCxnSpPr>
-            <a:stCxn id="404" idx="0"/>
-            <a:endCxn id="334" idx="4"/>
-          </p:cNvCxnSpPr>
-          <p:nvPr/>
-        </p:nvCxnSpPr>
-        <p:spPr>
-          <a:xfrm flipV="1">
-            <a:off x="6147080" y="2272104"/>
-            <a:ext cx="8974" cy="3278503"/>
-          </a:xfrm>
-          <a:prstGeom prst="line">
-            <a:avLst/>
-          </a:prstGeom>
-        </p:spPr>
-        <p:style>
-          <a:lnRef idx="1">
-            <a:schemeClr val="accent1"/>
-          </a:lnRef>
-          <a:fillRef idx="0">
-            <a:schemeClr val="accent1"/>
-          </a:fillRef>
-          <a:effectRef idx="0">
-            <a:schemeClr val="accent1"/>
-          </a:effectRef>
-          <a:fontRef idx="minor">
-            <a:schemeClr val="tx1"/>
-          </a:fontRef>
-        </p:style>
-      </p:cxnSp>
-      <p:sp>
-        <p:nvSpPr>
-          <p:cNvPr id="408" name="テキスト ボックス 407">
-            <a:extLst>
-              <a:ext uri="{FF2B5EF4-FFF2-40B4-BE49-F238E27FC236}">
-                <a16:creationId xmlns:a16="http://schemas.microsoft.com/office/drawing/2014/main" id="{28D7EC8A-32B9-44A2-96D8-27671B39C9C3}"/>
-              </a:ext>
-            </a:extLst>
-          </p:cNvPr>
-          <p:cNvSpPr txBox="1"/>
-          <p:nvPr/>
-        </p:nvSpPr>
-        <p:spPr>
-          <a:xfrm>
-            <a:off x="1080781" y="4712491"/>
-            <a:ext cx="410975" cy="276999"/>
-          </a:xfrm>
-          <a:prstGeom prst="rect">
-            <a:avLst/>
-          </a:prstGeom>
-          <a:noFill/>
-        </p:spPr>
-        <p:txBody>
-          <a:bodyPr wrap="square" rtlCol="0">
-            <a:spAutoFit/>
-          </a:bodyPr>
-          <a:lstStyle/>
-          <a:p>
-            <a:r>
-              <a:rPr lang="en-US" sz="1200" dirty="0"/>
-              <a:t>5V</a:t>
-            </a:r>
-          </a:p>
-        </p:txBody>
-      </p:sp>
-      <p:sp>
-        <p:nvSpPr>
-          <p:cNvPr id="409" name="テキスト ボックス 408">
-            <a:extLst>
-              <a:ext uri="{FF2B5EF4-FFF2-40B4-BE49-F238E27FC236}">
-                <a16:creationId xmlns:a16="http://schemas.microsoft.com/office/drawing/2014/main" id="{4D87D795-A8E1-4583-B2FE-65B1FD5F89EE}"/>
-              </a:ext>
-            </a:extLst>
-          </p:cNvPr>
-          <p:cNvSpPr txBox="1"/>
-          <p:nvPr/>
-        </p:nvSpPr>
-        <p:spPr>
-          <a:xfrm>
-            <a:off x="1039669" y="5123174"/>
-            <a:ext cx="517234" cy="286386"/>
-          </a:xfrm>
-          <a:prstGeom prst="rect">
-            <a:avLst/>
-          </a:prstGeom>
-          <a:noFill/>
-        </p:spPr>
-        <p:txBody>
-          <a:bodyPr wrap="square" rtlCol="0">
-            <a:spAutoFit/>
-          </a:bodyPr>
-          <a:lstStyle/>
-          <a:p>
-            <a:r>
-              <a:rPr lang="en-US" sz="1200" dirty="0"/>
-              <a:t>GND</a:t>
-            </a:r>
-          </a:p>
-        </p:txBody>
-      </p:sp>
-      <p:cxnSp>
-        <p:nvCxnSpPr>
-          <p:cNvPr id="410" name="コネクタ: カギ線 409">
-            <a:extLst>
-              <a:ext uri="{FF2B5EF4-FFF2-40B4-BE49-F238E27FC236}">
-                <a16:creationId xmlns:a16="http://schemas.microsoft.com/office/drawing/2014/main" id="{865409F8-E9A7-4BB2-9CD6-7952D935C288}"/>
-              </a:ext>
-            </a:extLst>
-          </p:cNvPr>
-          <p:cNvCxnSpPr>
-            <a:cxnSpLocks/>
-            <a:stCxn id="404" idx="2"/>
-            <a:endCxn id="141" idx="6"/>
-          </p:cNvCxnSpPr>
-          <p:nvPr/>
-        </p:nvCxnSpPr>
-        <p:spPr>
           <a:xfrm rot="10800000" flipV="1">
-            <a:off x="4631322" y="5675298"/>
-            <a:ext cx="1372594" cy="370684"/>
-          </a:xfrm>
-          <a:prstGeom prst="bentConnector3">
-            <a:avLst>
-              <a:gd name="adj1" fmla="val 75378"/>
-            </a:avLst>
+            <a:off x="1836764" y="3788688"/>
+            <a:ext cx="2188437" cy="1431176"/>
+          </a:xfrm>
+          <a:prstGeom prst="bentConnector2">
+            <a:avLst/>
           </a:prstGeom>
           <a:ln>
             <a:solidFill>
@@ -7176,102 +7035,6 @@
           </a:fontRef>
         </p:style>
       </p:cxnSp>
-      <p:sp>
-        <p:nvSpPr>
-          <p:cNvPr id="413" name="楕円 412">
-            <a:extLst>
-              <a:ext uri="{FF2B5EF4-FFF2-40B4-BE49-F238E27FC236}">
-                <a16:creationId xmlns:a16="http://schemas.microsoft.com/office/drawing/2014/main" id="{BE15B80E-07AA-48DE-A460-22047927716C}"/>
-              </a:ext>
-            </a:extLst>
-          </p:cNvPr>
-          <p:cNvSpPr/>
-          <p:nvPr/>
-        </p:nvSpPr>
-        <p:spPr>
-          <a:xfrm>
-            <a:off x="3563643" y="3663997"/>
-            <a:ext cx="286327" cy="249382"/>
-          </a:xfrm>
-          <a:prstGeom prst="ellipse">
-            <a:avLst/>
-          </a:prstGeom>
-          <a:solidFill>
-            <a:schemeClr val="bg1">
-              <a:lumMod val="75000"/>
-            </a:schemeClr>
-          </a:solidFill>
-        </p:spPr>
-        <p:style>
-          <a:lnRef idx="2">
-            <a:schemeClr val="accent1">
-              <a:shade val="50000"/>
-            </a:schemeClr>
-          </a:lnRef>
-          <a:fillRef idx="1">
-            <a:schemeClr val="accent1"/>
-          </a:fillRef>
-          <a:effectRef idx="0">
-            <a:schemeClr val="accent1"/>
-          </a:effectRef>
-          <a:fontRef idx="minor">
-            <a:schemeClr val="lt1"/>
-          </a:fontRef>
-        </p:style>
-        <p:txBody>
-          <a:bodyPr rtlCol="0" anchor="ctr"/>
-          <a:lstStyle/>
-          <a:p>
-            <a:pPr algn="ctr"/>
-            <a:endParaRPr lang="en-US"/>
-          </a:p>
-        </p:txBody>
-      </p:sp>
-      <p:cxnSp>
-        <p:nvCxnSpPr>
-          <p:cNvPr id="414" name="コネクタ: カギ線 413">
-            <a:extLst>
-              <a:ext uri="{FF2B5EF4-FFF2-40B4-BE49-F238E27FC236}">
-                <a16:creationId xmlns:a16="http://schemas.microsoft.com/office/drawing/2014/main" id="{26345981-4924-47BB-AFB1-5D24CD9FD083}"/>
-              </a:ext>
-            </a:extLst>
-          </p:cNvPr>
-          <p:cNvCxnSpPr>
-            <a:cxnSpLocks/>
-            <a:stCxn id="413" idx="2"/>
-            <a:endCxn id="128" idx="0"/>
-          </p:cNvCxnSpPr>
-          <p:nvPr/>
-        </p:nvCxnSpPr>
-        <p:spPr>
-          <a:xfrm rot="10800000" flipV="1">
-            <a:off x="1836763" y="3788688"/>
-            <a:ext cx="1726880" cy="1431176"/>
-          </a:xfrm>
-          <a:prstGeom prst="bentConnector2">
-            <a:avLst/>
-          </a:prstGeom>
-          <a:ln>
-            <a:solidFill>
-              <a:srgbClr val="FF0000"/>
-            </a:solidFill>
-          </a:ln>
-        </p:spPr>
-        <p:style>
-          <a:lnRef idx="1">
-            <a:schemeClr val="accent1"/>
-          </a:lnRef>
-          <a:fillRef idx="0">
-            <a:schemeClr val="accent1"/>
-          </a:fillRef>
-          <a:effectRef idx="0">
-            <a:schemeClr val="accent1"/>
-          </a:effectRef>
-          <a:fontRef idx="minor">
-            <a:schemeClr val="tx1"/>
-          </a:fontRef>
-        </p:style>
-      </p:cxnSp>
       <p:cxnSp>
         <p:nvCxnSpPr>
           <p:cNvPr id="415" name="コネクタ: カギ線 414">
@@ -7290,8 +7053,8 @@
         </p:nvCxnSpPr>
         <p:spPr>
           <a:xfrm rot="5400000">
-            <a:off x="3655259" y="3611756"/>
-            <a:ext cx="103789" cy="692"/>
+            <a:off x="4113221" y="3608182"/>
+            <a:ext cx="110958" cy="672"/>
           </a:xfrm>
           <a:prstGeom prst="bentConnector3">
             <a:avLst/>
@@ -7511,8 +7274,8 @@
         </p:nvCxnSpPr>
         <p:spPr>
           <a:xfrm>
-            <a:off x="4957634" y="2272104"/>
-            <a:ext cx="4002" cy="2594813"/>
+            <a:off x="4957634" y="1418660"/>
+            <a:ext cx="4002" cy="3448257"/>
           </a:xfrm>
           <a:prstGeom prst="line">
             <a:avLst/>
@@ -7547,8 +7310,8 @@
         </p:nvSpPr>
         <p:spPr>
           <a:xfrm>
-            <a:off x="4726721" y="180157"/>
-            <a:ext cx="2401453" cy="1699432"/>
+            <a:off x="4726721" y="315590"/>
+            <a:ext cx="2401453" cy="675138"/>
           </a:xfrm>
           <a:prstGeom prst="rect">
             <a:avLst/>
@@ -7614,7 +7377,7 @@
         </p:nvSpPr>
         <p:spPr>
           <a:xfrm>
-            <a:off x="5612362" y="3637240"/>
+            <a:off x="5612362" y="4421014"/>
             <a:ext cx="286327" cy="249382"/>
           </a:xfrm>
           <a:prstGeom prst="ellipse">
@@ -7669,8 +7432,8 @@
         </p:nvCxnSpPr>
         <p:spPr>
           <a:xfrm flipH="1" flipV="1">
-            <a:off x="5751960" y="2272104"/>
-            <a:ext cx="3566" cy="1365136"/>
+            <a:off x="5751960" y="1418660"/>
+            <a:ext cx="3566" cy="3002354"/>
           </a:xfrm>
           <a:prstGeom prst="line">
             <a:avLst/>
@@ -7705,7 +7468,7 @@
         </p:nvSpPr>
         <p:spPr>
           <a:xfrm>
-            <a:off x="927347" y="1279387"/>
+            <a:off x="927347" y="730760"/>
             <a:ext cx="1531188" cy="369332"/>
           </a:xfrm>
           <a:prstGeom prst="rect">
@@ -7753,7 +7516,7 @@
         </p:nvSpPr>
         <p:spPr>
           <a:xfrm rot="16200000">
-            <a:off x="-35837" y="3238297"/>
+            <a:off x="-35837" y="4048195"/>
             <a:ext cx="1531188" cy="369332"/>
           </a:xfrm>
           <a:prstGeom prst="rect">
@@ -7885,16 +7648,15 @@
         </p:nvSpPr>
         <p:spPr>
           <a:xfrm>
-            <a:off x="2833774" y="3309931"/>
+            <a:off x="3687212" y="3301222"/>
             <a:ext cx="286327" cy="249382"/>
           </a:xfrm>
           <a:prstGeom prst="ellipse">
             <a:avLst/>
           </a:prstGeom>
           <a:solidFill>
-            <a:schemeClr val="accent2">
-              <a:lumMod val="40000"/>
-              <a:lumOff val="60000"/>
+            <a:schemeClr val="bg1">
+              <a:lumMod val="85000"/>
             </a:schemeClr>
           </a:solidFill>
         </p:spPr>
@@ -7923,86 +7685,6 @@
           </a:p>
         </p:txBody>
       </p:sp>
-      <p:cxnSp>
-        <p:nvCxnSpPr>
-          <p:cNvPr id="430" name="コネクタ: カギ線 429">
-            <a:extLst>
-              <a:ext uri="{FF2B5EF4-FFF2-40B4-BE49-F238E27FC236}">
-                <a16:creationId xmlns:a16="http://schemas.microsoft.com/office/drawing/2014/main" id="{9E657E73-4C8D-4278-A6CD-B9C417BBD90F}"/>
-              </a:ext>
-            </a:extLst>
-          </p:cNvPr>
-          <p:cNvCxnSpPr>
-            <a:cxnSpLocks/>
-            <a:stCxn id="429" idx="0"/>
-            <a:endCxn id="346" idx="2"/>
-          </p:cNvCxnSpPr>
-          <p:nvPr/>
-        </p:nvCxnSpPr>
-        <p:spPr>
-          <a:xfrm rot="5400000" flipH="1" flipV="1">
-            <a:off x="2962823" y="3046588"/>
-            <a:ext cx="277458" cy="249229"/>
-          </a:xfrm>
-          <a:prstGeom prst="bentConnector2">
-            <a:avLst/>
-          </a:prstGeom>
-        </p:spPr>
-        <p:style>
-          <a:lnRef idx="1">
-            <a:schemeClr val="accent1"/>
-          </a:lnRef>
-          <a:fillRef idx="0">
-            <a:schemeClr val="accent1"/>
-          </a:fillRef>
-          <a:effectRef idx="0">
-            <a:schemeClr val="accent1"/>
-          </a:effectRef>
-          <a:fontRef idx="minor">
-            <a:schemeClr val="tx1"/>
-          </a:fontRef>
-        </p:style>
-      </p:cxnSp>
-      <p:cxnSp>
-        <p:nvCxnSpPr>
-          <p:cNvPr id="432" name="コネクタ: カギ線 431">
-            <a:extLst>
-              <a:ext uri="{FF2B5EF4-FFF2-40B4-BE49-F238E27FC236}">
-                <a16:creationId xmlns:a16="http://schemas.microsoft.com/office/drawing/2014/main" id="{4F975D29-66CA-436C-8A0E-28FCF5979666}"/>
-              </a:ext>
-            </a:extLst>
-          </p:cNvPr>
-          <p:cNvCxnSpPr>
-            <a:cxnSpLocks/>
-            <a:stCxn id="348" idx="6"/>
-            <a:endCxn id="349" idx="0"/>
-          </p:cNvCxnSpPr>
-          <p:nvPr/>
-        </p:nvCxnSpPr>
-        <p:spPr>
-          <a:xfrm>
-            <a:off x="4186742" y="3041712"/>
-            <a:ext cx="324316" cy="258692"/>
-          </a:xfrm>
-          <a:prstGeom prst="bentConnector2">
-            <a:avLst/>
-          </a:prstGeom>
-        </p:spPr>
-        <p:style>
-          <a:lnRef idx="1">
-            <a:schemeClr val="accent1"/>
-          </a:lnRef>
-          <a:fillRef idx="0">
-            <a:schemeClr val="accent1"/>
-          </a:fillRef>
-          <a:effectRef idx="0">
-            <a:schemeClr val="accent1"/>
-          </a:effectRef>
-          <a:fontRef idx="minor">
-            <a:schemeClr val="tx1"/>
-          </a:fontRef>
-        </p:style>
-      </p:cxnSp>
       <p:sp>
         <p:nvSpPr>
           <p:cNvPr id="439" name="楕円 438">
@@ -8073,8 +7755,8 @@
         </p:nvCxnSpPr>
         <p:spPr>
           <a:xfrm>
-            <a:off x="6532427" y="2267490"/>
-            <a:ext cx="2249" cy="3668965"/>
+            <a:off x="6532427" y="1405333"/>
+            <a:ext cx="2249" cy="4531122"/>
           </a:xfrm>
           <a:prstGeom prst="line">
             <a:avLst/>
@@ -8701,7 +8383,7 @@
         </p:nvSpPr>
         <p:spPr>
           <a:xfrm>
-            <a:off x="5608003" y="2404972"/>
+            <a:off x="5608003" y="1595073"/>
             <a:ext cx="286327" cy="249382"/>
           </a:xfrm>
           <a:prstGeom prst="ellipse">
@@ -8753,7 +8435,7 @@
         </p:nvSpPr>
         <p:spPr>
           <a:xfrm>
-            <a:off x="3228544" y="2392720"/>
+            <a:off x="3690103" y="1591528"/>
             <a:ext cx="286327" cy="249382"/>
           </a:xfrm>
           <a:prstGeom prst="ellipse">
@@ -8808,8 +8490,8 @@
         </p:nvCxnSpPr>
         <p:spPr>
           <a:xfrm flipH="1" flipV="1">
-            <a:off x="3514871" y="2517411"/>
-            <a:ext cx="2093132" cy="12252"/>
+            <a:off x="3976430" y="1716219"/>
+            <a:ext cx="1631573" cy="3545"/>
           </a:xfrm>
           <a:prstGeom prst="line">
             <a:avLst/>
@@ -8853,8 +8535,8 @@
         </p:nvCxnSpPr>
         <p:spPr>
           <a:xfrm flipH="1">
-            <a:off x="3369331" y="2642102"/>
-            <a:ext cx="2377" cy="265680"/>
+            <a:off x="3830894" y="1840910"/>
+            <a:ext cx="2373" cy="805604"/>
           </a:xfrm>
           <a:prstGeom prst="line">
             <a:avLst/>
@@ -8875,6 +8557,707 @@
           </a:fontRef>
         </p:style>
       </p:cxnSp>
+      <p:cxnSp>
+        <p:nvCxnSpPr>
+          <p:cNvPr id="5" name="直線コネクタ 4">
+            <a:extLst>
+              <a:ext uri="{FF2B5EF4-FFF2-40B4-BE49-F238E27FC236}">
+                <a16:creationId xmlns:a16="http://schemas.microsoft.com/office/drawing/2014/main" id="{2803F292-DA1F-49F8-84B7-89A49FAAC5BB}"/>
+              </a:ext>
+            </a:extLst>
+          </p:cNvPr>
+          <p:cNvCxnSpPr>
+            <a:stCxn id="423" idx="6"/>
+            <a:endCxn id="172" idx="2"/>
+          </p:cNvCxnSpPr>
+          <p:nvPr/>
+        </p:nvCxnSpPr>
+        <p:spPr>
+          <a:xfrm flipV="1">
+            <a:off x="5898689" y="4542256"/>
+            <a:ext cx="1663979" cy="3449"/>
+          </a:xfrm>
+          <a:prstGeom prst="line">
+            <a:avLst/>
+          </a:prstGeom>
+          <a:ln>
+            <a:solidFill>
+              <a:srgbClr val="FF0000"/>
+            </a:solidFill>
+          </a:ln>
+        </p:spPr>
+        <p:style>
+          <a:lnRef idx="1">
+            <a:schemeClr val="accent1"/>
+          </a:lnRef>
+          <a:fillRef idx="0">
+            <a:schemeClr val="accent1"/>
+          </a:fillRef>
+          <a:effectRef idx="0">
+            <a:schemeClr val="accent1"/>
+          </a:effectRef>
+          <a:fontRef idx="minor">
+            <a:schemeClr val="tx1"/>
+          </a:fontRef>
+        </p:style>
+      </p:cxnSp>
+      <p:cxnSp>
+        <p:nvCxnSpPr>
+          <p:cNvPr id="9" name="直線コネクタ 8">
+            <a:extLst>
+              <a:ext uri="{FF2B5EF4-FFF2-40B4-BE49-F238E27FC236}">
+                <a16:creationId xmlns:a16="http://schemas.microsoft.com/office/drawing/2014/main" id="{F2738201-934C-4882-88EB-F8F95626B308}"/>
+              </a:ext>
+            </a:extLst>
+          </p:cNvPr>
+          <p:cNvCxnSpPr>
+            <a:cxnSpLocks/>
+            <a:stCxn id="349" idx="0"/>
+            <a:endCxn id="348" idx="4"/>
+          </p:cNvCxnSpPr>
+          <p:nvPr/>
+        </p:nvCxnSpPr>
+        <p:spPr>
+          <a:xfrm flipH="1" flipV="1">
+            <a:off x="4505142" y="2905135"/>
+            <a:ext cx="5916" cy="395269"/>
+          </a:xfrm>
+          <a:prstGeom prst="line">
+            <a:avLst/>
+          </a:prstGeom>
+        </p:spPr>
+        <p:style>
+          <a:lnRef idx="1">
+            <a:schemeClr val="accent1"/>
+          </a:lnRef>
+          <a:fillRef idx="0">
+            <a:schemeClr val="accent1"/>
+          </a:fillRef>
+          <a:effectRef idx="0">
+            <a:schemeClr val="accent1"/>
+          </a:effectRef>
+          <a:fontRef idx="minor">
+            <a:schemeClr val="tx1"/>
+          </a:fontRef>
+        </p:style>
+      </p:cxnSp>
+      <p:cxnSp>
+        <p:nvCxnSpPr>
+          <p:cNvPr id="14" name="直線コネクタ 13">
+            <a:extLst>
+              <a:ext uri="{FF2B5EF4-FFF2-40B4-BE49-F238E27FC236}">
+                <a16:creationId xmlns:a16="http://schemas.microsoft.com/office/drawing/2014/main" id="{798D867B-5031-46D1-85A9-E4429F038580}"/>
+              </a:ext>
+            </a:extLst>
+          </p:cNvPr>
+          <p:cNvCxnSpPr>
+            <a:cxnSpLocks/>
+            <a:stCxn id="350" idx="0"/>
+            <a:endCxn id="347" idx="4"/>
+          </p:cNvCxnSpPr>
+          <p:nvPr/>
+        </p:nvCxnSpPr>
+        <p:spPr>
+          <a:xfrm flipH="1" flipV="1">
+            <a:off x="4168018" y="2909753"/>
+            <a:ext cx="1018" cy="393904"/>
+          </a:xfrm>
+          <a:prstGeom prst="line">
+            <a:avLst/>
+          </a:prstGeom>
+        </p:spPr>
+        <p:style>
+          <a:lnRef idx="1">
+            <a:schemeClr val="accent1"/>
+          </a:lnRef>
+          <a:fillRef idx="0">
+            <a:schemeClr val="accent1"/>
+          </a:fillRef>
+          <a:effectRef idx="0">
+            <a:schemeClr val="accent1"/>
+          </a:effectRef>
+          <a:fontRef idx="minor">
+            <a:schemeClr val="tx1"/>
+          </a:fontRef>
+        </p:style>
+      </p:cxnSp>
+      <p:cxnSp>
+        <p:nvCxnSpPr>
+          <p:cNvPr id="31" name="直線コネクタ 30">
+            <a:extLst>
+              <a:ext uri="{FF2B5EF4-FFF2-40B4-BE49-F238E27FC236}">
+                <a16:creationId xmlns:a16="http://schemas.microsoft.com/office/drawing/2014/main" id="{CE367FC4-F13D-4DFD-99C8-67D76B115B0F}"/>
+              </a:ext>
+            </a:extLst>
+          </p:cNvPr>
+          <p:cNvCxnSpPr>
+            <a:cxnSpLocks/>
+            <a:stCxn id="429" idx="0"/>
+            <a:endCxn id="346" idx="4"/>
+          </p:cNvCxnSpPr>
+          <p:nvPr/>
+        </p:nvCxnSpPr>
+        <p:spPr>
+          <a:xfrm flipV="1">
+            <a:off x="3830376" y="2895896"/>
+            <a:ext cx="518" cy="405326"/>
+          </a:xfrm>
+          <a:prstGeom prst="line">
+            <a:avLst/>
+          </a:prstGeom>
+        </p:spPr>
+        <p:style>
+          <a:lnRef idx="1">
+            <a:schemeClr val="accent1"/>
+          </a:lnRef>
+          <a:fillRef idx="0">
+            <a:schemeClr val="accent1"/>
+          </a:fillRef>
+          <a:effectRef idx="0">
+            <a:schemeClr val="accent1"/>
+          </a:effectRef>
+          <a:fontRef idx="minor">
+            <a:schemeClr val="tx1"/>
+          </a:fontRef>
+        </p:style>
+      </p:cxnSp>
+      <p:sp>
+        <p:nvSpPr>
+          <p:cNvPr id="187" name="楕円 186">
+            <a:extLst>
+              <a:ext uri="{FF2B5EF4-FFF2-40B4-BE49-F238E27FC236}">
+                <a16:creationId xmlns:a16="http://schemas.microsoft.com/office/drawing/2014/main" id="{B52F0FDE-C474-446B-8ED3-CBAF8E1DB67D}"/>
+              </a:ext>
+            </a:extLst>
+          </p:cNvPr>
+          <p:cNvSpPr/>
+          <p:nvPr/>
+        </p:nvSpPr>
+        <p:spPr>
+          <a:xfrm>
+            <a:off x="3694453" y="1970345"/>
+            <a:ext cx="286327" cy="249382"/>
+          </a:xfrm>
+          <a:prstGeom prst="ellipse">
+            <a:avLst/>
+          </a:prstGeom>
+          <a:solidFill>
+            <a:schemeClr val="accent2">
+              <a:lumMod val="40000"/>
+              <a:lumOff val="60000"/>
+            </a:schemeClr>
+          </a:solidFill>
+        </p:spPr>
+        <p:style>
+          <a:lnRef idx="2">
+            <a:schemeClr val="accent1">
+              <a:shade val="50000"/>
+            </a:schemeClr>
+          </a:lnRef>
+          <a:fillRef idx="1">
+            <a:schemeClr val="accent1"/>
+          </a:fillRef>
+          <a:effectRef idx="0">
+            <a:schemeClr val="accent1"/>
+          </a:effectRef>
+          <a:fontRef idx="minor">
+            <a:schemeClr val="lt1"/>
+          </a:fontRef>
+        </p:style>
+        <p:txBody>
+          <a:bodyPr rtlCol="0" anchor="ctr"/>
+          <a:lstStyle/>
+          <a:p>
+            <a:pPr algn="ctr"/>
+            <a:endParaRPr lang="en-US"/>
+          </a:p>
+        </p:txBody>
+      </p:sp>
+      <p:sp>
+        <p:nvSpPr>
+          <p:cNvPr id="188" name="楕円 187">
+            <a:extLst>
+              <a:ext uri="{FF2B5EF4-FFF2-40B4-BE49-F238E27FC236}">
+                <a16:creationId xmlns:a16="http://schemas.microsoft.com/office/drawing/2014/main" id="{41D07831-0044-42E7-8468-EDFE66843B9D}"/>
+              </a:ext>
+            </a:extLst>
+          </p:cNvPr>
+          <p:cNvSpPr/>
+          <p:nvPr/>
+        </p:nvSpPr>
+        <p:spPr>
+          <a:xfrm>
+            <a:off x="4038445" y="1974698"/>
+            <a:ext cx="286327" cy="249382"/>
+          </a:xfrm>
+          <a:prstGeom prst="ellipse">
+            <a:avLst/>
+          </a:prstGeom>
+          <a:solidFill>
+            <a:schemeClr val="accent2">
+              <a:lumMod val="40000"/>
+              <a:lumOff val="60000"/>
+            </a:schemeClr>
+          </a:solidFill>
+        </p:spPr>
+        <p:style>
+          <a:lnRef idx="2">
+            <a:schemeClr val="accent1">
+              <a:shade val="50000"/>
+            </a:schemeClr>
+          </a:lnRef>
+          <a:fillRef idx="1">
+            <a:schemeClr val="accent1"/>
+          </a:fillRef>
+          <a:effectRef idx="0">
+            <a:schemeClr val="accent1"/>
+          </a:effectRef>
+          <a:fontRef idx="minor">
+            <a:schemeClr val="lt1"/>
+          </a:fontRef>
+        </p:style>
+        <p:txBody>
+          <a:bodyPr rtlCol="0" anchor="ctr"/>
+          <a:lstStyle/>
+          <a:p>
+            <a:pPr algn="ctr"/>
+            <a:endParaRPr lang="en-US"/>
+          </a:p>
+        </p:txBody>
+      </p:sp>
+      <p:cxnSp>
+        <p:nvCxnSpPr>
+          <p:cNvPr id="189" name="直線コネクタ 188">
+            <a:extLst>
+              <a:ext uri="{FF2B5EF4-FFF2-40B4-BE49-F238E27FC236}">
+                <a16:creationId xmlns:a16="http://schemas.microsoft.com/office/drawing/2014/main" id="{ACA18230-0C7B-4921-9D47-021282CDF45A}"/>
+              </a:ext>
+            </a:extLst>
+          </p:cNvPr>
+          <p:cNvCxnSpPr>
+            <a:cxnSpLocks/>
+            <a:stCxn id="319" idx="0"/>
+            <a:endCxn id="188" idx="4"/>
+          </p:cNvCxnSpPr>
+          <p:nvPr/>
+        </p:nvCxnSpPr>
+        <p:spPr>
+          <a:xfrm flipH="1" flipV="1">
+            <a:off x="4181609" y="2224080"/>
+            <a:ext cx="3346" cy="382543"/>
+          </a:xfrm>
+          <a:prstGeom prst="line">
+            <a:avLst/>
+          </a:prstGeom>
+        </p:spPr>
+        <p:style>
+          <a:lnRef idx="1">
+            <a:schemeClr val="accent1"/>
+          </a:lnRef>
+          <a:fillRef idx="0">
+            <a:schemeClr val="accent1"/>
+          </a:fillRef>
+          <a:effectRef idx="0">
+            <a:schemeClr val="accent1"/>
+          </a:effectRef>
+          <a:fontRef idx="minor">
+            <a:schemeClr val="tx1"/>
+          </a:fontRef>
+        </p:style>
+      </p:cxnSp>
+      <p:sp>
+        <p:nvSpPr>
+          <p:cNvPr id="207" name="楕円 206">
+            <a:extLst>
+              <a:ext uri="{FF2B5EF4-FFF2-40B4-BE49-F238E27FC236}">
+                <a16:creationId xmlns:a16="http://schemas.microsoft.com/office/drawing/2014/main" id="{924A7BA5-FB01-438F-BF2F-0D93CBC9A573}"/>
+              </a:ext>
+            </a:extLst>
+          </p:cNvPr>
+          <p:cNvSpPr/>
+          <p:nvPr/>
+        </p:nvSpPr>
+        <p:spPr>
+          <a:xfrm>
+            <a:off x="1140468" y="2659574"/>
+            <a:ext cx="286327" cy="249382"/>
+          </a:xfrm>
+          <a:prstGeom prst="ellipse">
+            <a:avLst/>
+          </a:prstGeom>
+          <a:solidFill>
+            <a:schemeClr val="accent2">
+              <a:lumMod val="40000"/>
+              <a:lumOff val="60000"/>
+            </a:schemeClr>
+          </a:solidFill>
+        </p:spPr>
+        <p:style>
+          <a:lnRef idx="2">
+            <a:schemeClr val="accent1">
+              <a:shade val="50000"/>
+            </a:schemeClr>
+          </a:lnRef>
+          <a:fillRef idx="1">
+            <a:schemeClr val="accent1"/>
+          </a:fillRef>
+          <a:effectRef idx="0">
+            <a:schemeClr val="accent1"/>
+          </a:effectRef>
+          <a:fontRef idx="minor">
+            <a:schemeClr val="lt1"/>
+          </a:fontRef>
+        </p:style>
+        <p:txBody>
+          <a:bodyPr rtlCol="0" anchor="ctr"/>
+          <a:lstStyle/>
+          <a:p>
+            <a:pPr algn="ctr"/>
+            <a:endParaRPr lang="en-US"/>
+          </a:p>
+        </p:txBody>
+      </p:sp>
+      <p:sp>
+        <p:nvSpPr>
+          <p:cNvPr id="208" name="楕円 207">
+            <a:extLst>
+              <a:ext uri="{FF2B5EF4-FFF2-40B4-BE49-F238E27FC236}">
+                <a16:creationId xmlns:a16="http://schemas.microsoft.com/office/drawing/2014/main" id="{6BC589CB-B2DD-4EC4-A30B-3BA34C7CAA39}"/>
+              </a:ext>
+            </a:extLst>
+          </p:cNvPr>
+          <p:cNvSpPr/>
+          <p:nvPr/>
+        </p:nvSpPr>
+        <p:spPr>
+          <a:xfrm>
+            <a:off x="2712366" y="2655220"/>
+            <a:ext cx="286327" cy="249382"/>
+          </a:xfrm>
+          <a:prstGeom prst="ellipse">
+            <a:avLst/>
+          </a:prstGeom>
+          <a:solidFill>
+            <a:schemeClr val="accent2">
+              <a:lumMod val="40000"/>
+              <a:lumOff val="60000"/>
+            </a:schemeClr>
+          </a:solidFill>
+        </p:spPr>
+        <p:style>
+          <a:lnRef idx="2">
+            <a:schemeClr val="accent1">
+              <a:shade val="50000"/>
+            </a:schemeClr>
+          </a:lnRef>
+          <a:fillRef idx="1">
+            <a:schemeClr val="accent1"/>
+          </a:fillRef>
+          <a:effectRef idx="0">
+            <a:schemeClr val="accent1"/>
+          </a:effectRef>
+          <a:fontRef idx="minor">
+            <a:schemeClr val="lt1"/>
+          </a:fontRef>
+        </p:style>
+        <p:txBody>
+          <a:bodyPr rtlCol="0" anchor="ctr"/>
+          <a:lstStyle/>
+          <a:p>
+            <a:pPr algn="ctr"/>
+            <a:endParaRPr lang="en-US"/>
+          </a:p>
+        </p:txBody>
+      </p:sp>
+      <p:cxnSp>
+        <p:nvCxnSpPr>
+          <p:cNvPr id="152" name="コネクタ: カギ線 151">
+            <a:extLst>
+              <a:ext uri="{FF2B5EF4-FFF2-40B4-BE49-F238E27FC236}">
+                <a16:creationId xmlns:a16="http://schemas.microsoft.com/office/drawing/2014/main" id="{659DC49D-F1A6-4247-AFCE-4C8A0367835B}"/>
+              </a:ext>
+            </a:extLst>
+          </p:cNvPr>
+          <p:cNvCxnSpPr>
+            <a:stCxn id="214" idx="2"/>
+            <a:endCxn id="207" idx="0"/>
+          </p:cNvCxnSpPr>
+          <p:nvPr/>
+        </p:nvCxnSpPr>
+        <p:spPr>
+          <a:xfrm rot="10800000" flipV="1">
+            <a:off x="1283633" y="1716218"/>
+            <a:ext cx="2406471" cy="943355"/>
+          </a:xfrm>
+          <a:prstGeom prst="bentConnector2">
+            <a:avLst/>
+          </a:prstGeom>
+        </p:spPr>
+        <p:style>
+          <a:lnRef idx="1">
+            <a:schemeClr val="accent1"/>
+          </a:lnRef>
+          <a:fillRef idx="0">
+            <a:schemeClr val="accent1"/>
+          </a:fillRef>
+          <a:effectRef idx="0">
+            <a:schemeClr val="accent1"/>
+          </a:effectRef>
+          <a:fontRef idx="minor">
+            <a:schemeClr val="tx1"/>
+          </a:fontRef>
+        </p:style>
+      </p:cxnSp>
+      <p:sp>
+        <p:nvSpPr>
+          <p:cNvPr id="220" name="楕円 219">
+            <a:extLst>
+              <a:ext uri="{FF2B5EF4-FFF2-40B4-BE49-F238E27FC236}">
+                <a16:creationId xmlns:a16="http://schemas.microsoft.com/office/drawing/2014/main" id="{07A9E70C-66BC-45AB-A411-CC7C1CF8802F}"/>
+              </a:ext>
+            </a:extLst>
+          </p:cNvPr>
+          <p:cNvSpPr/>
+          <p:nvPr/>
+        </p:nvSpPr>
+        <p:spPr>
+          <a:xfrm>
+            <a:off x="1706656" y="3055779"/>
+            <a:ext cx="286327" cy="249382"/>
+          </a:xfrm>
+          <a:prstGeom prst="ellipse">
+            <a:avLst/>
+          </a:prstGeom>
+          <a:solidFill>
+            <a:schemeClr val="bg1">
+              <a:lumMod val="75000"/>
+            </a:schemeClr>
+          </a:solidFill>
+        </p:spPr>
+        <p:style>
+          <a:lnRef idx="2">
+            <a:schemeClr val="accent1">
+              <a:shade val="50000"/>
+            </a:schemeClr>
+          </a:lnRef>
+          <a:fillRef idx="1">
+            <a:schemeClr val="accent1"/>
+          </a:fillRef>
+          <a:effectRef idx="0">
+            <a:schemeClr val="accent1"/>
+          </a:effectRef>
+          <a:fontRef idx="minor">
+            <a:schemeClr val="lt1"/>
+          </a:fontRef>
+        </p:style>
+        <p:txBody>
+          <a:bodyPr rtlCol="0" anchor="ctr"/>
+          <a:lstStyle/>
+          <a:p>
+            <a:pPr algn="ctr"/>
+            <a:endParaRPr lang="en-US"/>
+          </a:p>
+        </p:txBody>
+      </p:sp>
+      <p:sp>
+        <p:nvSpPr>
+          <p:cNvPr id="221" name="楕円 220">
+            <a:extLst>
+              <a:ext uri="{FF2B5EF4-FFF2-40B4-BE49-F238E27FC236}">
+                <a16:creationId xmlns:a16="http://schemas.microsoft.com/office/drawing/2014/main" id="{4F30B912-0AB1-4981-A8BB-199E3F750EE4}"/>
+              </a:ext>
+            </a:extLst>
+          </p:cNvPr>
+          <p:cNvSpPr/>
+          <p:nvPr/>
+        </p:nvSpPr>
+        <p:spPr>
+          <a:xfrm>
+            <a:off x="1702574" y="3661879"/>
+            <a:ext cx="286327" cy="249382"/>
+          </a:xfrm>
+          <a:prstGeom prst="ellipse">
+            <a:avLst/>
+          </a:prstGeom>
+          <a:solidFill>
+            <a:schemeClr val="bg1">
+              <a:lumMod val="75000"/>
+            </a:schemeClr>
+          </a:solidFill>
+        </p:spPr>
+        <p:style>
+          <a:lnRef idx="2">
+            <a:schemeClr val="accent1">
+              <a:shade val="50000"/>
+            </a:schemeClr>
+          </a:lnRef>
+          <a:fillRef idx="1">
+            <a:schemeClr val="accent1"/>
+          </a:fillRef>
+          <a:effectRef idx="0">
+            <a:schemeClr val="accent1"/>
+          </a:effectRef>
+          <a:fontRef idx="minor">
+            <a:schemeClr val="lt1"/>
+          </a:fontRef>
+        </p:style>
+        <p:txBody>
+          <a:bodyPr rtlCol="0" anchor="ctr"/>
+          <a:lstStyle/>
+          <a:p>
+            <a:pPr algn="ctr"/>
+            <a:endParaRPr lang="en-US"/>
+          </a:p>
+        </p:txBody>
+      </p:sp>
+      <p:cxnSp>
+        <p:nvCxnSpPr>
+          <p:cNvPr id="412" name="直線コネクタ 411">
+            <a:extLst>
+              <a:ext uri="{FF2B5EF4-FFF2-40B4-BE49-F238E27FC236}">
+                <a16:creationId xmlns:a16="http://schemas.microsoft.com/office/drawing/2014/main" id="{A8C7CB38-4BDD-4C88-B309-9E7287DDE3B2}"/>
+              </a:ext>
+            </a:extLst>
+          </p:cNvPr>
+          <p:cNvCxnSpPr>
+            <a:stCxn id="221" idx="0"/>
+            <a:endCxn id="220" idx="4"/>
+          </p:cNvCxnSpPr>
+          <p:nvPr/>
+        </p:nvCxnSpPr>
+        <p:spPr>
+          <a:xfrm flipV="1">
+            <a:off x="1845738" y="3305161"/>
+            <a:ext cx="4082" cy="356718"/>
+          </a:xfrm>
+          <a:prstGeom prst="line">
+            <a:avLst/>
+          </a:prstGeom>
+        </p:spPr>
+        <p:style>
+          <a:lnRef idx="1">
+            <a:schemeClr val="accent1"/>
+          </a:lnRef>
+          <a:fillRef idx="0">
+            <a:schemeClr val="accent1"/>
+          </a:fillRef>
+          <a:effectRef idx="0">
+            <a:schemeClr val="accent1"/>
+          </a:effectRef>
+          <a:fontRef idx="minor">
+            <a:schemeClr val="tx1"/>
+          </a:fontRef>
+        </p:style>
+      </p:cxnSp>
+      <p:cxnSp>
+        <p:nvCxnSpPr>
+          <p:cNvPr id="163" name="コネクタ: カギ線 162">
+            <a:extLst>
+              <a:ext uri="{FF2B5EF4-FFF2-40B4-BE49-F238E27FC236}">
+                <a16:creationId xmlns:a16="http://schemas.microsoft.com/office/drawing/2014/main" id="{543E73F3-4B5F-4307-9DE2-5352DB3A2310}"/>
+              </a:ext>
+            </a:extLst>
+          </p:cNvPr>
+          <p:cNvCxnSpPr>
+            <a:stCxn id="208" idx="4"/>
+            <a:endCxn id="220" idx="6"/>
+          </p:cNvCxnSpPr>
+          <p:nvPr/>
+        </p:nvCxnSpPr>
+        <p:spPr>
+          <a:xfrm rot="5400000">
+            <a:off x="2286323" y="2611263"/>
+            <a:ext cx="275868" cy="862547"/>
+          </a:xfrm>
+          <a:prstGeom prst="bentConnector2">
+            <a:avLst/>
+          </a:prstGeom>
+        </p:spPr>
+        <p:style>
+          <a:lnRef idx="1">
+            <a:schemeClr val="accent1"/>
+          </a:lnRef>
+          <a:fillRef idx="0">
+            <a:schemeClr val="accent1"/>
+          </a:fillRef>
+          <a:effectRef idx="0">
+            <a:schemeClr val="accent1"/>
+          </a:effectRef>
+          <a:fontRef idx="minor">
+            <a:schemeClr val="tx1"/>
+          </a:fontRef>
+        </p:style>
+      </p:cxnSp>
+      <p:sp>
+        <p:nvSpPr>
+          <p:cNvPr id="164" name="テキスト ボックス 163">
+            <a:extLst>
+              <a:ext uri="{FF2B5EF4-FFF2-40B4-BE49-F238E27FC236}">
+                <a16:creationId xmlns:a16="http://schemas.microsoft.com/office/drawing/2014/main" id="{F1E8DF12-47F8-4D4F-B531-DF569119011A}"/>
+              </a:ext>
+            </a:extLst>
+          </p:cNvPr>
+          <p:cNvSpPr txBox="1"/>
+          <p:nvPr/>
+        </p:nvSpPr>
+        <p:spPr>
+          <a:xfrm>
+            <a:off x="1156300" y="2594260"/>
+            <a:ext cx="301686" cy="369332"/>
+          </a:xfrm>
+          <a:prstGeom prst="rect">
+            <a:avLst/>
+          </a:prstGeom>
+          <a:noFill/>
+        </p:spPr>
+        <p:txBody>
+          <a:bodyPr wrap="none" rtlCol="0">
+            <a:spAutoFit/>
+          </a:bodyPr>
+          <a:lstStyle/>
+          <a:p>
+            <a:r>
+              <a:rPr lang="en-US" dirty="0"/>
+              <a:t>1</a:t>
+            </a:r>
+          </a:p>
+        </p:txBody>
+      </p:sp>
+      <p:sp>
+        <p:nvSpPr>
+          <p:cNvPr id="228" name="テキスト ボックス 227">
+            <a:extLst>
+              <a:ext uri="{FF2B5EF4-FFF2-40B4-BE49-F238E27FC236}">
+                <a16:creationId xmlns:a16="http://schemas.microsoft.com/office/drawing/2014/main" id="{C4722819-768F-4462-AFBC-C3A8D68B7A59}"/>
+              </a:ext>
+            </a:extLst>
+          </p:cNvPr>
+          <p:cNvSpPr txBox="1"/>
+          <p:nvPr/>
+        </p:nvSpPr>
+        <p:spPr>
+          <a:xfrm>
+            <a:off x="2703147" y="2598855"/>
+            <a:ext cx="301686" cy="369332"/>
+          </a:xfrm>
+          <a:prstGeom prst="rect">
+            <a:avLst/>
+          </a:prstGeom>
+          <a:noFill/>
+        </p:spPr>
+        <p:txBody>
+          <a:bodyPr wrap="none" rtlCol="0">
+            <a:spAutoFit/>
+          </a:bodyPr>
+          <a:lstStyle/>
+          <a:p>
+            <a:r>
+              <a:rPr lang="en-US" dirty="0"/>
+              <a:t>5</a:t>
+            </a:r>
+          </a:p>
+        </p:txBody>
+      </p:sp>
     </p:spTree>
     <p:extLst>
       <p:ext uri="{BB962C8B-B14F-4D97-AF65-F5344CB8AC3E}">

--- a/doc/ble.pptx
+++ b/doc/ble.pptx
@@ -6,6 +6,7 @@
   </p:sldMasterIdLst>
   <p:sldIdLst>
     <p:sldId id="256" r:id="rId2"/>
+    <p:sldId id="257" r:id="rId3"/>
   </p:sldIdLst>
   <p:sldSz cx="9144000" cy="6858000" type="screen4x3"/>
   <p:notesSz cx="6858000" cy="9144000"/>
@@ -247,7 +248,7 @@
           <a:p>
             <a:fld id="{13D11AC7-A88F-49D3-AEAF-1BE21B915F4C}" type="datetimeFigureOut">
               <a:rPr lang="en-US" smtClean="0"/>
-              <a:t>8/31/2017</a:t>
+              <a:t>9/4/2017</a:t>
             </a:fld>
             <a:endParaRPr lang="en-US"/>
           </a:p>
@@ -449,7 +450,7 @@
           <a:p>
             <a:fld id="{13D11AC7-A88F-49D3-AEAF-1BE21B915F4C}" type="datetimeFigureOut">
               <a:rPr lang="en-US" smtClean="0"/>
-              <a:t>8/31/2017</a:t>
+              <a:t>9/4/2017</a:t>
             </a:fld>
             <a:endParaRPr lang="en-US"/>
           </a:p>
@@ -661,7 +662,7 @@
           <a:p>
             <a:fld id="{13D11AC7-A88F-49D3-AEAF-1BE21B915F4C}" type="datetimeFigureOut">
               <a:rPr lang="en-US" smtClean="0"/>
-              <a:t>8/31/2017</a:t>
+              <a:t>9/4/2017</a:t>
             </a:fld>
             <a:endParaRPr lang="en-US"/>
           </a:p>
@@ -863,7 +864,7 @@
           <a:p>
             <a:fld id="{13D11AC7-A88F-49D3-AEAF-1BE21B915F4C}" type="datetimeFigureOut">
               <a:rPr lang="en-US" smtClean="0"/>
-              <a:t>8/31/2017</a:t>
+              <a:t>9/4/2017</a:t>
             </a:fld>
             <a:endParaRPr lang="en-US"/>
           </a:p>
@@ -1107,7 +1108,7 @@
           <a:p>
             <a:fld id="{13D11AC7-A88F-49D3-AEAF-1BE21B915F4C}" type="datetimeFigureOut">
               <a:rPr lang="en-US" smtClean="0"/>
-              <a:t>8/31/2017</a:t>
+              <a:t>9/4/2017</a:t>
             </a:fld>
             <a:endParaRPr lang="en-US"/>
           </a:p>
@@ -1403,7 +1404,7 @@
           <a:p>
             <a:fld id="{13D11AC7-A88F-49D3-AEAF-1BE21B915F4C}" type="datetimeFigureOut">
               <a:rPr lang="en-US" smtClean="0"/>
-              <a:t>8/31/2017</a:t>
+              <a:t>9/4/2017</a:t>
             </a:fld>
             <a:endParaRPr lang="en-US"/>
           </a:p>
@@ -1834,7 +1835,7 @@
           <a:p>
             <a:fld id="{13D11AC7-A88F-49D3-AEAF-1BE21B915F4C}" type="datetimeFigureOut">
               <a:rPr lang="en-US" smtClean="0"/>
-              <a:t>8/31/2017</a:t>
+              <a:t>9/4/2017</a:t>
             </a:fld>
             <a:endParaRPr lang="en-US"/>
           </a:p>
@@ -1952,7 +1953,7 @@
           <a:p>
             <a:fld id="{13D11AC7-A88F-49D3-AEAF-1BE21B915F4C}" type="datetimeFigureOut">
               <a:rPr lang="en-US" smtClean="0"/>
-              <a:t>8/31/2017</a:t>
+              <a:t>9/4/2017</a:t>
             </a:fld>
             <a:endParaRPr lang="en-US"/>
           </a:p>
@@ -2047,7 +2048,7 @@
           <a:p>
             <a:fld id="{13D11AC7-A88F-49D3-AEAF-1BE21B915F4C}" type="datetimeFigureOut">
               <a:rPr lang="en-US" smtClean="0"/>
-              <a:t>8/31/2017</a:t>
+              <a:t>9/4/2017</a:t>
             </a:fld>
             <a:endParaRPr lang="en-US"/>
           </a:p>
@@ -2356,7 +2357,7 @@
           <a:p>
             <a:fld id="{13D11AC7-A88F-49D3-AEAF-1BE21B915F4C}" type="datetimeFigureOut">
               <a:rPr lang="en-US" smtClean="0"/>
-              <a:t>8/31/2017</a:t>
+              <a:t>9/4/2017</a:t>
             </a:fld>
             <a:endParaRPr lang="en-US"/>
           </a:p>
@@ -2613,7 +2614,7 @@
           <a:p>
             <a:fld id="{13D11AC7-A88F-49D3-AEAF-1BE21B915F4C}" type="datetimeFigureOut">
               <a:rPr lang="en-US" smtClean="0"/>
-              <a:t>8/31/2017</a:t>
+              <a:t>9/4/2017</a:t>
             </a:fld>
             <a:endParaRPr lang="en-US"/>
           </a:p>
@@ -2858,7 +2859,7 @@
           <a:p>
             <a:fld id="{13D11AC7-A88F-49D3-AEAF-1BE21B915F4C}" type="datetimeFigureOut">
               <a:rPr lang="en-US" smtClean="0"/>
-              <a:t>8/31/2017</a:t>
+              <a:t>9/4/2017</a:t>
             </a:fld>
             <a:endParaRPr lang="en-US"/>
           </a:p>
@@ -9271,6 +9272,2695 @@
 </p:sld>
 </file>
 
+<file path=ppt/slides/slide2.xml><?xml version="1.0" encoding="utf-8"?>
+<p:sld xmlns:a="http://schemas.openxmlformats.org/drawingml/2006/main" xmlns:r="http://schemas.openxmlformats.org/officeDocument/2006/relationships" xmlns:p="http://schemas.openxmlformats.org/presentationml/2006/main">
+  <p:cSld>
+    <p:spTree>
+      <p:nvGrpSpPr>
+        <p:cNvPr id="1" name=""/>
+        <p:cNvGrpSpPr/>
+        <p:nvPr/>
+      </p:nvGrpSpPr>
+      <p:grpSpPr>
+        <a:xfrm>
+          <a:off x="0" y="0"/>
+          <a:ext cx="0" cy="0"/>
+          <a:chOff x="0" y="0"/>
+          <a:chExt cx="0" cy="0"/>
+        </a:xfrm>
+      </p:grpSpPr>
+      <p:pic>
+        <p:nvPicPr>
+          <p:cNvPr id="1026" name="Picture 2" descr="board_pattern.png">
+            <a:extLst>
+              <a:ext uri="{FF2B5EF4-FFF2-40B4-BE49-F238E27FC236}">
+                <a16:creationId xmlns:a16="http://schemas.microsoft.com/office/drawing/2014/main" id="{BBB8F659-60F1-4B78-BCE4-4D32044AD634}"/>
+              </a:ext>
+            </a:extLst>
+          </p:cNvPr>
+          <p:cNvPicPr>
+            <a:picLocks noChangeAspect="1" noChangeArrowheads="1"/>
+          </p:cNvPicPr>
+          <p:nvPr/>
+        </p:nvPicPr>
+        <p:blipFill>
+          <a:blip r:embed="rId2">
+            <a:duotone>
+              <a:schemeClr val="bg2">
+                <a:shade val="45000"/>
+                <a:satMod val="135000"/>
+              </a:schemeClr>
+              <a:prstClr val="white"/>
+            </a:duotone>
+            <a:extLst>
+              <a:ext uri="{28A0092B-C50C-407E-A947-70E740481C1C}">
+                <a14:useLocalDpi xmlns:a14="http://schemas.microsoft.com/office/drawing/2010/main" val="0"/>
+              </a:ext>
+            </a:extLst>
+          </a:blip>
+          <a:srcRect/>
+          <a:stretch>
+            <a:fillRect/>
+          </a:stretch>
+        </p:blipFill>
+        <p:spPr bwMode="auto">
+          <a:xfrm rot="16200000">
+            <a:off x="2728913" y="1066800"/>
+            <a:ext cx="3686175" cy="4724400"/>
+          </a:xfrm>
+          <a:prstGeom prst="rect">
+            <a:avLst/>
+          </a:prstGeom>
+          <a:noFill/>
+          <a:extLst>
+            <a:ext uri="{909E8E84-426E-40DD-AFC4-6F175D3DCCD1}">
+              <a14:hiddenFill xmlns:a14="http://schemas.microsoft.com/office/drawing/2010/main">
+                <a:solidFill>
+                  <a:srgbClr val="FFFFFF"/>
+                </a:solidFill>
+              </a14:hiddenFill>
+            </a:ext>
+          </a:extLst>
+        </p:spPr>
+      </p:pic>
+      <p:sp>
+        <p:nvSpPr>
+          <p:cNvPr id="4" name="正方形/長方形 3">
+            <a:extLst>
+              <a:ext uri="{FF2B5EF4-FFF2-40B4-BE49-F238E27FC236}">
+                <a16:creationId xmlns:a16="http://schemas.microsoft.com/office/drawing/2014/main" id="{FFC870D7-3FEA-4283-A6C5-265A4B68E902}"/>
+              </a:ext>
+            </a:extLst>
+          </p:cNvPr>
+          <p:cNvSpPr/>
+          <p:nvPr/>
+        </p:nvSpPr>
+        <p:spPr>
+          <a:xfrm>
+            <a:off x="2464525" y="1672046"/>
+            <a:ext cx="1245325" cy="1254034"/>
+          </a:xfrm>
+          <a:prstGeom prst="rect">
+            <a:avLst/>
+          </a:prstGeom>
+          <a:noFill/>
+          <a:ln w="28575">
+            <a:solidFill>
+              <a:schemeClr val="accent1">
+                <a:lumMod val="50000"/>
+              </a:schemeClr>
+            </a:solidFill>
+          </a:ln>
+        </p:spPr>
+        <p:style>
+          <a:lnRef idx="2">
+            <a:schemeClr val="accent1">
+              <a:shade val="50000"/>
+            </a:schemeClr>
+          </a:lnRef>
+          <a:fillRef idx="1">
+            <a:schemeClr val="accent1"/>
+          </a:fillRef>
+          <a:effectRef idx="0">
+            <a:schemeClr val="accent1"/>
+          </a:effectRef>
+          <a:fontRef idx="minor">
+            <a:schemeClr val="lt1"/>
+          </a:fontRef>
+        </p:style>
+        <p:txBody>
+          <a:bodyPr rtlCol="0" anchor="ctr"/>
+          <a:lstStyle/>
+          <a:p>
+            <a:pPr algn="ctr"/>
+            <a:endParaRPr lang="en-US"/>
+          </a:p>
+        </p:txBody>
+      </p:sp>
+      <p:sp>
+        <p:nvSpPr>
+          <p:cNvPr id="6" name="正方形/長方形 5">
+            <a:extLst>
+              <a:ext uri="{FF2B5EF4-FFF2-40B4-BE49-F238E27FC236}">
+                <a16:creationId xmlns:a16="http://schemas.microsoft.com/office/drawing/2014/main" id="{CC23F1DE-DA37-46B5-BBCD-86F5BA5115D8}"/>
+              </a:ext>
+            </a:extLst>
+          </p:cNvPr>
+          <p:cNvSpPr/>
+          <p:nvPr/>
+        </p:nvSpPr>
+        <p:spPr>
+          <a:xfrm>
+            <a:off x="2464525" y="4180113"/>
+            <a:ext cx="243841" cy="1014549"/>
+          </a:xfrm>
+          <a:prstGeom prst="rect">
+            <a:avLst/>
+          </a:prstGeom>
+          <a:noFill/>
+          <a:ln w="28575">
+            <a:solidFill>
+              <a:schemeClr val="accent1">
+                <a:lumMod val="50000"/>
+              </a:schemeClr>
+            </a:solidFill>
+          </a:ln>
+        </p:spPr>
+        <p:style>
+          <a:lnRef idx="2">
+            <a:schemeClr val="accent1">
+              <a:shade val="50000"/>
+            </a:schemeClr>
+          </a:lnRef>
+          <a:fillRef idx="1">
+            <a:schemeClr val="accent1"/>
+          </a:fillRef>
+          <a:effectRef idx="0">
+            <a:schemeClr val="accent1"/>
+          </a:effectRef>
+          <a:fontRef idx="minor">
+            <a:schemeClr val="lt1"/>
+          </a:fontRef>
+        </p:style>
+        <p:txBody>
+          <a:bodyPr rtlCol="0" anchor="ctr"/>
+          <a:lstStyle/>
+          <a:p>
+            <a:pPr algn="ctr"/>
+            <a:endParaRPr lang="en-US" dirty="0"/>
+          </a:p>
+        </p:txBody>
+      </p:sp>
+      <p:sp>
+        <p:nvSpPr>
+          <p:cNvPr id="7" name="正方形/長方形 6">
+            <a:extLst>
+              <a:ext uri="{FF2B5EF4-FFF2-40B4-BE49-F238E27FC236}">
+                <a16:creationId xmlns:a16="http://schemas.microsoft.com/office/drawing/2014/main" id="{5403BD64-FCAC-465F-AF4C-9A0760CD4C70}"/>
+              </a:ext>
+            </a:extLst>
+          </p:cNvPr>
+          <p:cNvSpPr/>
+          <p:nvPr/>
+        </p:nvSpPr>
+        <p:spPr>
+          <a:xfrm>
+            <a:off x="3217813" y="3657600"/>
+            <a:ext cx="1223557" cy="1532701"/>
+          </a:xfrm>
+          <a:prstGeom prst="rect">
+            <a:avLst/>
+          </a:prstGeom>
+          <a:noFill/>
+          <a:ln w="28575">
+            <a:solidFill>
+              <a:schemeClr val="accent1">
+                <a:lumMod val="50000"/>
+              </a:schemeClr>
+            </a:solidFill>
+          </a:ln>
+        </p:spPr>
+        <p:style>
+          <a:lnRef idx="2">
+            <a:schemeClr val="accent1">
+              <a:shade val="50000"/>
+            </a:schemeClr>
+          </a:lnRef>
+          <a:fillRef idx="1">
+            <a:schemeClr val="accent1"/>
+          </a:fillRef>
+          <a:effectRef idx="0">
+            <a:schemeClr val="accent1"/>
+          </a:effectRef>
+          <a:fontRef idx="minor">
+            <a:schemeClr val="lt1"/>
+          </a:fontRef>
+        </p:style>
+        <p:txBody>
+          <a:bodyPr rtlCol="0" anchor="ctr"/>
+          <a:lstStyle/>
+          <a:p>
+            <a:pPr algn="ctr"/>
+            <a:endParaRPr lang="en-US"/>
+          </a:p>
+        </p:txBody>
+      </p:sp>
+      <p:sp>
+        <p:nvSpPr>
+          <p:cNvPr id="8" name="正方形/長方形 7">
+            <a:extLst>
+              <a:ext uri="{FF2B5EF4-FFF2-40B4-BE49-F238E27FC236}">
+                <a16:creationId xmlns:a16="http://schemas.microsoft.com/office/drawing/2014/main" id="{8408F48B-6792-4C7A-8882-A6B0756D1242}"/>
+              </a:ext>
+            </a:extLst>
+          </p:cNvPr>
+          <p:cNvSpPr/>
+          <p:nvPr/>
+        </p:nvSpPr>
+        <p:spPr>
+          <a:xfrm rot="5400000">
+            <a:off x="4214940" y="2412274"/>
+            <a:ext cx="254735" cy="772878"/>
+          </a:xfrm>
+          <a:prstGeom prst="rect">
+            <a:avLst/>
+          </a:prstGeom>
+          <a:noFill/>
+          <a:ln w="28575">
+            <a:solidFill>
+              <a:schemeClr val="accent1">
+                <a:lumMod val="50000"/>
+              </a:schemeClr>
+            </a:solidFill>
+          </a:ln>
+        </p:spPr>
+        <p:style>
+          <a:lnRef idx="2">
+            <a:schemeClr val="accent1">
+              <a:shade val="50000"/>
+            </a:schemeClr>
+          </a:lnRef>
+          <a:fillRef idx="1">
+            <a:schemeClr val="accent1"/>
+          </a:fillRef>
+          <a:effectRef idx="0">
+            <a:schemeClr val="accent1"/>
+          </a:effectRef>
+          <a:fontRef idx="minor">
+            <a:schemeClr val="lt1"/>
+          </a:fontRef>
+        </p:style>
+        <p:txBody>
+          <a:bodyPr rtlCol="0" anchor="ctr"/>
+          <a:lstStyle/>
+          <a:p>
+            <a:pPr algn="ctr"/>
+            <a:endParaRPr lang="en-US"/>
+          </a:p>
+        </p:txBody>
+      </p:sp>
+      <p:sp>
+        <p:nvSpPr>
+          <p:cNvPr id="9" name="正方形/長方形 8">
+            <a:extLst>
+              <a:ext uri="{FF2B5EF4-FFF2-40B4-BE49-F238E27FC236}">
+                <a16:creationId xmlns:a16="http://schemas.microsoft.com/office/drawing/2014/main" id="{28D249B7-A0CE-4C6D-9C9B-064D905F0516}"/>
+              </a:ext>
+            </a:extLst>
+          </p:cNvPr>
+          <p:cNvSpPr/>
+          <p:nvPr/>
+        </p:nvSpPr>
+        <p:spPr>
+          <a:xfrm rot="5400000">
+            <a:off x="4079961" y="2042161"/>
+            <a:ext cx="259091" cy="515978"/>
+          </a:xfrm>
+          <a:prstGeom prst="rect">
+            <a:avLst/>
+          </a:prstGeom>
+          <a:noFill/>
+          <a:ln w="28575">
+            <a:solidFill>
+              <a:schemeClr val="accent1">
+                <a:lumMod val="50000"/>
+              </a:schemeClr>
+            </a:solidFill>
+          </a:ln>
+        </p:spPr>
+        <p:style>
+          <a:lnRef idx="2">
+            <a:schemeClr val="accent1">
+              <a:shade val="50000"/>
+            </a:schemeClr>
+          </a:lnRef>
+          <a:fillRef idx="1">
+            <a:schemeClr val="accent1"/>
+          </a:fillRef>
+          <a:effectRef idx="0">
+            <a:schemeClr val="accent1"/>
+          </a:effectRef>
+          <a:fontRef idx="minor">
+            <a:schemeClr val="lt1"/>
+          </a:fontRef>
+        </p:style>
+        <p:txBody>
+          <a:bodyPr rtlCol="0" anchor="ctr"/>
+          <a:lstStyle/>
+          <a:p>
+            <a:pPr algn="ctr"/>
+            <a:endParaRPr lang="en-US"/>
+          </a:p>
+        </p:txBody>
+      </p:sp>
+      <p:sp>
+        <p:nvSpPr>
+          <p:cNvPr id="10" name="正方形/長方形 9">
+            <a:extLst>
+              <a:ext uri="{FF2B5EF4-FFF2-40B4-BE49-F238E27FC236}">
+                <a16:creationId xmlns:a16="http://schemas.microsoft.com/office/drawing/2014/main" id="{DD0832ED-4E89-47A8-9E46-FDE13E8EBB54}"/>
+              </a:ext>
+            </a:extLst>
+          </p:cNvPr>
+          <p:cNvSpPr/>
+          <p:nvPr/>
+        </p:nvSpPr>
+        <p:spPr>
+          <a:xfrm rot="5400000">
+            <a:off x="5323108" y="1075493"/>
+            <a:ext cx="243847" cy="1458689"/>
+          </a:xfrm>
+          <a:prstGeom prst="rect">
+            <a:avLst/>
+          </a:prstGeom>
+          <a:noFill/>
+          <a:ln w="28575">
+            <a:solidFill>
+              <a:schemeClr val="accent1">
+                <a:lumMod val="50000"/>
+              </a:schemeClr>
+            </a:solidFill>
+          </a:ln>
+        </p:spPr>
+        <p:style>
+          <a:lnRef idx="2">
+            <a:schemeClr val="accent1">
+              <a:shade val="50000"/>
+            </a:schemeClr>
+          </a:lnRef>
+          <a:fillRef idx="1">
+            <a:schemeClr val="accent1"/>
+          </a:fillRef>
+          <a:effectRef idx="0">
+            <a:schemeClr val="accent1"/>
+          </a:effectRef>
+          <a:fontRef idx="minor">
+            <a:schemeClr val="lt1"/>
+          </a:fontRef>
+        </p:style>
+        <p:txBody>
+          <a:bodyPr rtlCol="0" anchor="ctr"/>
+          <a:lstStyle/>
+          <a:p>
+            <a:pPr algn="ctr"/>
+            <a:endParaRPr lang="en-US"/>
+          </a:p>
+        </p:txBody>
+      </p:sp>
+      <p:sp>
+        <p:nvSpPr>
+          <p:cNvPr id="11" name="正方形/長方形 10">
+            <a:extLst>
+              <a:ext uri="{FF2B5EF4-FFF2-40B4-BE49-F238E27FC236}">
+                <a16:creationId xmlns:a16="http://schemas.microsoft.com/office/drawing/2014/main" id="{F581103B-4BA4-408F-94ED-F5CE414884F4}"/>
+              </a:ext>
+            </a:extLst>
+          </p:cNvPr>
+          <p:cNvSpPr/>
+          <p:nvPr/>
+        </p:nvSpPr>
+        <p:spPr>
+          <a:xfrm>
+            <a:off x="6422587" y="4184464"/>
+            <a:ext cx="243841" cy="1014549"/>
+          </a:xfrm>
+          <a:prstGeom prst="rect">
+            <a:avLst/>
+          </a:prstGeom>
+          <a:noFill/>
+          <a:ln w="28575">
+            <a:solidFill>
+              <a:schemeClr val="accent1">
+                <a:lumMod val="50000"/>
+              </a:schemeClr>
+            </a:solidFill>
+          </a:ln>
+        </p:spPr>
+        <p:style>
+          <a:lnRef idx="2">
+            <a:schemeClr val="accent1">
+              <a:shade val="50000"/>
+            </a:schemeClr>
+          </a:lnRef>
+          <a:fillRef idx="1">
+            <a:schemeClr val="accent1"/>
+          </a:fillRef>
+          <a:effectRef idx="0">
+            <a:schemeClr val="accent1"/>
+          </a:effectRef>
+          <a:fontRef idx="minor">
+            <a:schemeClr val="lt1"/>
+          </a:fontRef>
+        </p:style>
+        <p:txBody>
+          <a:bodyPr rtlCol="0" anchor="ctr"/>
+          <a:lstStyle/>
+          <a:p>
+            <a:pPr algn="ctr"/>
+            <a:endParaRPr lang="en-US" dirty="0"/>
+          </a:p>
+        </p:txBody>
+      </p:sp>
+      <p:cxnSp>
+        <p:nvCxnSpPr>
+          <p:cNvPr id="14" name="直線コネクタ 13">
+            <a:extLst>
+              <a:ext uri="{FF2B5EF4-FFF2-40B4-BE49-F238E27FC236}">
+                <a16:creationId xmlns:a16="http://schemas.microsoft.com/office/drawing/2014/main" id="{6A9FA063-3B70-446B-9179-A9A4DCB7BC66}"/>
+              </a:ext>
+            </a:extLst>
+          </p:cNvPr>
+          <p:cNvCxnSpPr/>
+          <p:nvPr/>
+        </p:nvCxnSpPr>
+        <p:spPr>
+          <a:xfrm>
+            <a:off x="2586446" y="4789714"/>
+            <a:ext cx="748937" cy="0"/>
+          </a:xfrm>
+          <a:prstGeom prst="line">
+            <a:avLst/>
+          </a:prstGeom>
+          <a:ln>
+            <a:solidFill>
+              <a:srgbClr val="0070C0"/>
+            </a:solidFill>
+            <a:headEnd type="oval" w="med" len="med"/>
+            <a:tailEnd type="oval" w="med" len="med"/>
+          </a:ln>
+        </p:spPr>
+        <p:style>
+          <a:lnRef idx="1">
+            <a:schemeClr val="accent1"/>
+          </a:lnRef>
+          <a:fillRef idx="0">
+            <a:schemeClr val="accent1"/>
+          </a:fillRef>
+          <a:effectRef idx="0">
+            <a:schemeClr val="accent1"/>
+          </a:effectRef>
+          <a:fontRef idx="minor">
+            <a:schemeClr val="tx1"/>
+          </a:fontRef>
+        </p:style>
+      </p:cxnSp>
+      <p:cxnSp>
+        <p:nvCxnSpPr>
+          <p:cNvPr id="16" name="直線コネクタ 15">
+            <a:extLst>
+              <a:ext uri="{FF2B5EF4-FFF2-40B4-BE49-F238E27FC236}">
+                <a16:creationId xmlns:a16="http://schemas.microsoft.com/office/drawing/2014/main" id="{A5C54259-13E8-4354-BE0C-F2F2C81D2522}"/>
+              </a:ext>
+            </a:extLst>
+          </p:cNvPr>
+          <p:cNvCxnSpPr/>
+          <p:nvPr/>
+        </p:nvCxnSpPr>
+        <p:spPr>
+          <a:xfrm>
+            <a:off x="2590798" y="5020492"/>
+            <a:ext cx="748937" cy="0"/>
+          </a:xfrm>
+          <a:prstGeom prst="line">
+            <a:avLst/>
+          </a:prstGeom>
+          <a:ln>
+            <a:solidFill>
+              <a:srgbClr val="0070C0"/>
+            </a:solidFill>
+            <a:headEnd type="oval" w="med" len="med"/>
+            <a:tailEnd type="oval" w="med" len="med"/>
+          </a:ln>
+        </p:spPr>
+        <p:style>
+          <a:lnRef idx="1">
+            <a:schemeClr val="accent1"/>
+          </a:lnRef>
+          <a:fillRef idx="0">
+            <a:schemeClr val="accent1"/>
+          </a:fillRef>
+          <a:effectRef idx="0">
+            <a:schemeClr val="accent1"/>
+          </a:effectRef>
+          <a:fontRef idx="minor">
+            <a:schemeClr val="tx1"/>
+          </a:fontRef>
+        </p:style>
+      </p:cxnSp>
+      <p:cxnSp>
+        <p:nvCxnSpPr>
+          <p:cNvPr id="17" name="直線コネクタ 16">
+            <a:extLst>
+              <a:ext uri="{FF2B5EF4-FFF2-40B4-BE49-F238E27FC236}">
+                <a16:creationId xmlns:a16="http://schemas.microsoft.com/office/drawing/2014/main" id="{9A7F28E6-FBF4-4740-8E22-2E7B3409B050}"/>
+              </a:ext>
+            </a:extLst>
+          </p:cNvPr>
+          <p:cNvCxnSpPr>
+            <a:cxnSpLocks/>
+          </p:cNvCxnSpPr>
+          <p:nvPr/>
+        </p:nvCxnSpPr>
+        <p:spPr>
+          <a:xfrm>
+            <a:off x="2573383" y="4532815"/>
+            <a:ext cx="265611" cy="0"/>
+          </a:xfrm>
+          <a:prstGeom prst="line">
+            <a:avLst/>
+          </a:prstGeom>
+          <a:ln>
+            <a:solidFill>
+              <a:srgbClr val="0070C0"/>
+            </a:solidFill>
+            <a:headEnd type="oval" w="med" len="med"/>
+            <a:tailEnd type="oval" w="med" len="med"/>
+          </a:ln>
+        </p:spPr>
+        <p:style>
+          <a:lnRef idx="1">
+            <a:schemeClr val="accent1"/>
+          </a:lnRef>
+          <a:fillRef idx="0">
+            <a:schemeClr val="accent1"/>
+          </a:fillRef>
+          <a:effectRef idx="0">
+            <a:schemeClr val="accent1"/>
+          </a:effectRef>
+          <a:fontRef idx="minor">
+            <a:schemeClr val="tx1"/>
+          </a:fontRef>
+        </p:style>
+      </p:cxnSp>
+      <p:cxnSp>
+        <p:nvCxnSpPr>
+          <p:cNvPr id="19" name="直線コネクタ 18">
+            <a:extLst>
+              <a:ext uri="{FF2B5EF4-FFF2-40B4-BE49-F238E27FC236}">
+                <a16:creationId xmlns:a16="http://schemas.microsoft.com/office/drawing/2014/main" id="{169EDBE0-F7E3-4437-BFB2-BC97EFF1A4A2}"/>
+              </a:ext>
+            </a:extLst>
+          </p:cNvPr>
+          <p:cNvCxnSpPr>
+            <a:cxnSpLocks/>
+          </p:cNvCxnSpPr>
+          <p:nvPr/>
+        </p:nvCxnSpPr>
+        <p:spPr>
+          <a:xfrm flipV="1">
+            <a:off x="2838994" y="3535680"/>
+            <a:ext cx="0" cy="997135"/>
+          </a:xfrm>
+          <a:prstGeom prst="line">
+            <a:avLst/>
+          </a:prstGeom>
+          <a:ln>
+            <a:solidFill>
+              <a:srgbClr val="FF0000"/>
+            </a:solidFill>
+            <a:headEnd type="oval" w="med" len="med"/>
+            <a:tailEnd type="oval" w="med" len="med"/>
+          </a:ln>
+        </p:spPr>
+        <p:style>
+          <a:lnRef idx="1">
+            <a:schemeClr val="accent1"/>
+          </a:lnRef>
+          <a:fillRef idx="0">
+            <a:schemeClr val="accent1"/>
+          </a:fillRef>
+          <a:effectRef idx="0">
+            <a:schemeClr val="accent1"/>
+          </a:effectRef>
+          <a:fontRef idx="minor">
+            <a:schemeClr val="tx1"/>
+          </a:fontRef>
+        </p:style>
+      </p:cxnSp>
+      <p:cxnSp>
+        <p:nvCxnSpPr>
+          <p:cNvPr id="22" name="直線コネクタ 21">
+            <a:extLst>
+              <a:ext uri="{FF2B5EF4-FFF2-40B4-BE49-F238E27FC236}">
+                <a16:creationId xmlns:a16="http://schemas.microsoft.com/office/drawing/2014/main" id="{DAE43DBE-44ED-49C8-BDDD-315780BE81B0}"/>
+              </a:ext>
+            </a:extLst>
+          </p:cNvPr>
+          <p:cNvCxnSpPr>
+            <a:cxnSpLocks/>
+          </p:cNvCxnSpPr>
+          <p:nvPr/>
+        </p:nvCxnSpPr>
+        <p:spPr>
+          <a:xfrm flipH="1">
+            <a:off x="2838994" y="3535680"/>
+            <a:ext cx="1489166" cy="0"/>
+          </a:xfrm>
+          <a:prstGeom prst="line">
+            <a:avLst/>
+          </a:prstGeom>
+          <a:ln>
+            <a:solidFill>
+              <a:srgbClr val="FF0000"/>
+            </a:solidFill>
+            <a:headEnd type="oval" w="med" len="med"/>
+            <a:tailEnd type="oval" w="med" len="med"/>
+          </a:ln>
+        </p:spPr>
+        <p:style>
+          <a:lnRef idx="1">
+            <a:schemeClr val="accent1"/>
+          </a:lnRef>
+          <a:fillRef idx="0">
+            <a:schemeClr val="accent1"/>
+          </a:fillRef>
+          <a:effectRef idx="0">
+            <a:schemeClr val="accent1"/>
+          </a:effectRef>
+          <a:fontRef idx="minor">
+            <a:schemeClr val="tx1"/>
+          </a:fontRef>
+        </p:style>
+      </p:cxnSp>
+      <p:cxnSp>
+        <p:nvCxnSpPr>
+          <p:cNvPr id="25" name="直線コネクタ 24">
+            <a:extLst>
+              <a:ext uri="{FF2B5EF4-FFF2-40B4-BE49-F238E27FC236}">
+                <a16:creationId xmlns:a16="http://schemas.microsoft.com/office/drawing/2014/main" id="{4C8E54A7-9807-4C4D-BA58-53564E7833BB}"/>
+              </a:ext>
+            </a:extLst>
+          </p:cNvPr>
+          <p:cNvCxnSpPr>
+            <a:cxnSpLocks/>
+          </p:cNvCxnSpPr>
+          <p:nvPr/>
+        </p:nvCxnSpPr>
+        <p:spPr>
+          <a:xfrm rot="5400000">
+            <a:off x="3448599" y="2926080"/>
+            <a:ext cx="265611" cy="0"/>
+          </a:xfrm>
+          <a:prstGeom prst="line">
+            <a:avLst/>
+          </a:prstGeom>
+          <a:ln>
+            <a:solidFill>
+              <a:srgbClr val="0070C0"/>
+            </a:solidFill>
+            <a:headEnd type="oval" w="med" len="med"/>
+            <a:tailEnd type="none" w="med" len="med"/>
+          </a:ln>
+        </p:spPr>
+        <p:style>
+          <a:lnRef idx="1">
+            <a:schemeClr val="accent1"/>
+          </a:lnRef>
+          <a:fillRef idx="0">
+            <a:schemeClr val="accent1"/>
+          </a:fillRef>
+          <a:effectRef idx="0">
+            <a:schemeClr val="accent1"/>
+          </a:effectRef>
+          <a:fontRef idx="minor">
+            <a:schemeClr val="tx1"/>
+          </a:fontRef>
+        </p:style>
+      </p:cxnSp>
+      <p:cxnSp>
+        <p:nvCxnSpPr>
+          <p:cNvPr id="26" name="直線コネクタ 25">
+            <a:extLst>
+              <a:ext uri="{FF2B5EF4-FFF2-40B4-BE49-F238E27FC236}">
+                <a16:creationId xmlns:a16="http://schemas.microsoft.com/office/drawing/2014/main" id="{5216FB61-6C5D-4943-B6C2-44957F008029}"/>
+              </a:ext>
+            </a:extLst>
+          </p:cNvPr>
+          <p:cNvCxnSpPr>
+            <a:cxnSpLocks/>
+          </p:cNvCxnSpPr>
+          <p:nvPr/>
+        </p:nvCxnSpPr>
+        <p:spPr>
+          <a:xfrm flipV="1">
+            <a:off x="2828115" y="3058886"/>
+            <a:ext cx="0" cy="492031"/>
+          </a:xfrm>
+          <a:prstGeom prst="line">
+            <a:avLst/>
+          </a:prstGeom>
+          <a:ln>
+            <a:solidFill>
+              <a:srgbClr val="0070C0"/>
+            </a:solidFill>
+            <a:headEnd type="oval" w="med" len="med"/>
+            <a:tailEnd type="none" w="med" len="med"/>
+          </a:ln>
+        </p:spPr>
+        <p:style>
+          <a:lnRef idx="1">
+            <a:schemeClr val="accent1"/>
+          </a:lnRef>
+          <a:fillRef idx="0">
+            <a:schemeClr val="accent1"/>
+          </a:fillRef>
+          <a:effectRef idx="0">
+            <a:schemeClr val="accent1"/>
+          </a:effectRef>
+          <a:fontRef idx="minor">
+            <a:schemeClr val="tx1"/>
+          </a:fontRef>
+        </p:style>
+      </p:cxnSp>
+      <p:cxnSp>
+        <p:nvCxnSpPr>
+          <p:cNvPr id="28" name="直線コネクタ 27">
+            <a:extLst>
+              <a:ext uri="{FF2B5EF4-FFF2-40B4-BE49-F238E27FC236}">
+                <a16:creationId xmlns:a16="http://schemas.microsoft.com/office/drawing/2014/main" id="{20471D24-D835-4AD6-B6AB-237C45ED4083}"/>
+              </a:ext>
+            </a:extLst>
+          </p:cNvPr>
+          <p:cNvCxnSpPr/>
+          <p:nvPr/>
+        </p:nvCxnSpPr>
+        <p:spPr>
+          <a:xfrm>
+            <a:off x="2828115" y="3058886"/>
+            <a:ext cx="753289" cy="0"/>
+          </a:xfrm>
+          <a:prstGeom prst="line">
+            <a:avLst/>
+          </a:prstGeom>
+        </p:spPr>
+        <p:style>
+          <a:lnRef idx="1">
+            <a:schemeClr val="accent1"/>
+          </a:lnRef>
+          <a:fillRef idx="0">
+            <a:schemeClr val="accent1"/>
+          </a:fillRef>
+          <a:effectRef idx="0">
+            <a:schemeClr val="accent1"/>
+          </a:effectRef>
+          <a:fontRef idx="minor">
+            <a:schemeClr val="tx1"/>
+          </a:fontRef>
+        </p:style>
+      </p:cxnSp>
+      <p:cxnSp>
+        <p:nvCxnSpPr>
+          <p:cNvPr id="30" name="直線コネクタ 29">
+            <a:extLst>
+              <a:ext uri="{FF2B5EF4-FFF2-40B4-BE49-F238E27FC236}">
+                <a16:creationId xmlns:a16="http://schemas.microsoft.com/office/drawing/2014/main" id="{E14A9300-46A0-40E8-B4F5-00D8DA3C741A}"/>
+              </a:ext>
+            </a:extLst>
+          </p:cNvPr>
+          <p:cNvCxnSpPr>
+            <a:cxnSpLocks/>
+          </p:cNvCxnSpPr>
+          <p:nvPr/>
+        </p:nvCxnSpPr>
+        <p:spPr>
+          <a:xfrm>
+            <a:off x="4319449" y="5033559"/>
+            <a:ext cx="265611" cy="0"/>
+          </a:xfrm>
+          <a:prstGeom prst="line">
+            <a:avLst/>
+          </a:prstGeom>
+          <a:ln>
+            <a:solidFill>
+              <a:srgbClr val="0070C0"/>
+            </a:solidFill>
+            <a:headEnd type="oval" w="med" len="med"/>
+            <a:tailEnd type="oval" w="med" len="med"/>
+          </a:ln>
+        </p:spPr>
+        <p:style>
+          <a:lnRef idx="1">
+            <a:schemeClr val="accent1"/>
+          </a:lnRef>
+          <a:fillRef idx="0">
+            <a:schemeClr val="accent1"/>
+          </a:fillRef>
+          <a:effectRef idx="0">
+            <a:schemeClr val="accent1"/>
+          </a:effectRef>
+          <a:fontRef idx="minor">
+            <a:schemeClr val="tx1"/>
+          </a:fontRef>
+        </p:style>
+      </p:cxnSp>
+      <p:cxnSp>
+        <p:nvCxnSpPr>
+          <p:cNvPr id="31" name="直線コネクタ 30">
+            <a:extLst>
+              <a:ext uri="{FF2B5EF4-FFF2-40B4-BE49-F238E27FC236}">
+                <a16:creationId xmlns:a16="http://schemas.microsoft.com/office/drawing/2014/main" id="{EC63CDFB-2062-41E3-927D-5AAA7E3291BF}"/>
+              </a:ext>
+            </a:extLst>
+          </p:cNvPr>
+          <p:cNvCxnSpPr>
+            <a:cxnSpLocks/>
+          </p:cNvCxnSpPr>
+          <p:nvPr/>
+        </p:nvCxnSpPr>
+        <p:spPr>
+          <a:xfrm flipV="1">
+            <a:off x="4567643" y="5024846"/>
+            <a:ext cx="744582" cy="4354"/>
+          </a:xfrm>
+          <a:prstGeom prst="line">
+            <a:avLst/>
+          </a:prstGeom>
+          <a:ln>
+            <a:solidFill>
+              <a:srgbClr val="FF0000"/>
+            </a:solidFill>
+            <a:headEnd type="oval" w="med" len="med"/>
+            <a:tailEnd type="none" w="med" len="med"/>
+          </a:ln>
+        </p:spPr>
+        <p:style>
+          <a:lnRef idx="1">
+            <a:schemeClr val="accent1"/>
+          </a:lnRef>
+          <a:fillRef idx="0">
+            <a:schemeClr val="accent1"/>
+          </a:fillRef>
+          <a:effectRef idx="0">
+            <a:schemeClr val="accent1"/>
+          </a:effectRef>
+          <a:fontRef idx="minor">
+            <a:schemeClr val="tx1"/>
+          </a:fontRef>
+        </p:style>
+      </p:cxnSp>
+      <p:cxnSp>
+        <p:nvCxnSpPr>
+          <p:cNvPr id="32" name="直線コネクタ 31">
+            <a:extLst>
+              <a:ext uri="{FF2B5EF4-FFF2-40B4-BE49-F238E27FC236}">
+                <a16:creationId xmlns:a16="http://schemas.microsoft.com/office/drawing/2014/main" id="{E19491DE-1323-41FB-9338-5F4CDD0F1A98}"/>
+              </a:ext>
+            </a:extLst>
+          </p:cNvPr>
+          <p:cNvCxnSpPr>
+            <a:cxnSpLocks/>
+          </p:cNvCxnSpPr>
+          <p:nvPr/>
+        </p:nvCxnSpPr>
+        <p:spPr>
+          <a:xfrm>
+            <a:off x="6061176" y="4537166"/>
+            <a:ext cx="496378" cy="0"/>
+          </a:xfrm>
+          <a:prstGeom prst="line">
+            <a:avLst/>
+          </a:prstGeom>
+          <a:ln>
+            <a:solidFill>
+              <a:srgbClr val="0070C0"/>
+            </a:solidFill>
+            <a:headEnd type="oval" w="med" len="med"/>
+            <a:tailEnd type="oval" w="med" len="med"/>
+          </a:ln>
+        </p:spPr>
+        <p:style>
+          <a:lnRef idx="1">
+            <a:schemeClr val="accent1"/>
+          </a:lnRef>
+          <a:fillRef idx="0">
+            <a:schemeClr val="accent1"/>
+          </a:fillRef>
+          <a:effectRef idx="0">
+            <a:schemeClr val="accent1"/>
+          </a:effectRef>
+          <a:fontRef idx="minor">
+            <a:schemeClr val="tx1"/>
+          </a:fontRef>
+        </p:style>
+      </p:cxnSp>
+      <p:cxnSp>
+        <p:nvCxnSpPr>
+          <p:cNvPr id="34" name="直線コネクタ 33">
+            <a:extLst>
+              <a:ext uri="{FF2B5EF4-FFF2-40B4-BE49-F238E27FC236}">
+                <a16:creationId xmlns:a16="http://schemas.microsoft.com/office/drawing/2014/main" id="{4C568785-1630-4BBF-A125-43CF9B044026}"/>
+              </a:ext>
+            </a:extLst>
+          </p:cNvPr>
+          <p:cNvCxnSpPr>
+            <a:cxnSpLocks/>
+          </p:cNvCxnSpPr>
+          <p:nvPr/>
+        </p:nvCxnSpPr>
+        <p:spPr>
+          <a:xfrm>
+            <a:off x="6056815" y="4776656"/>
+            <a:ext cx="496378" cy="0"/>
+          </a:xfrm>
+          <a:prstGeom prst="line">
+            <a:avLst/>
+          </a:prstGeom>
+          <a:ln>
+            <a:solidFill>
+              <a:srgbClr val="0070C0"/>
+            </a:solidFill>
+            <a:headEnd type="oval" w="med" len="med"/>
+            <a:tailEnd type="oval" w="med" len="med"/>
+          </a:ln>
+        </p:spPr>
+        <p:style>
+          <a:lnRef idx="1">
+            <a:schemeClr val="accent1"/>
+          </a:lnRef>
+          <a:fillRef idx="0">
+            <a:schemeClr val="accent1"/>
+          </a:fillRef>
+          <a:effectRef idx="0">
+            <a:schemeClr val="accent1"/>
+          </a:effectRef>
+          <a:fontRef idx="minor">
+            <a:schemeClr val="tx1"/>
+          </a:fontRef>
+        </p:style>
+      </p:cxnSp>
+      <p:cxnSp>
+        <p:nvCxnSpPr>
+          <p:cNvPr id="35" name="直線コネクタ 34">
+            <a:extLst>
+              <a:ext uri="{FF2B5EF4-FFF2-40B4-BE49-F238E27FC236}">
+                <a16:creationId xmlns:a16="http://schemas.microsoft.com/office/drawing/2014/main" id="{655E2CB3-4CD1-49AD-8F66-26FE17D8F7F1}"/>
+              </a:ext>
+            </a:extLst>
+          </p:cNvPr>
+          <p:cNvCxnSpPr>
+            <a:cxnSpLocks/>
+          </p:cNvCxnSpPr>
+          <p:nvPr/>
+        </p:nvCxnSpPr>
+        <p:spPr>
+          <a:xfrm>
+            <a:off x="5799909" y="5033560"/>
+            <a:ext cx="766342" cy="1"/>
+          </a:xfrm>
+          <a:prstGeom prst="line">
+            <a:avLst/>
+          </a:prstGeom>
+          <a:ln>
+            <a:solidFill>
+              <a:srgbClr val="0070C0"/>
+            </a:solidFill>
+            <a:headEnd type="oval" w="med" len="med"/>
+            <a:tailEnd type="oval" w="med" len="med"/>
+          </a:ln>
+        </p:spPr>
+        <p:style>
+          <a:lnRef idx="1">
+            <a:schemeClr val="accent1"/>
+          </a:lnRef>
+          <a:fillRef idx="0">
+            <a:schemeClr val="accent1"/>
+          </a:fillRef>
+          <a:effectRef idx="0">
+            <a:schemeClr val="accent1"/>
+          </a:effectRef>
+          <a:fontRef idx="minor">
+            <a:schemeClr val="tx1"/>
+          </a:fontRef>
+        </p:style>
+      </p:cxnSp>
+      <p:cxnSp>
+        <p:nvCxnSpPr>
+          <p:cNvPr id="39" name="直線コネクタ 38">
+            <a:extLst>
+              <a:ext uri="{FF2B5EF4-FFF2-40B4-BE49-F238E27FC236}">
+                <a16:creationId xmlns:a16="http://schemas.microsoft.com/office/drawing/2014/main" id="{31909B5B-0491-4E46-99F8-4C9B1C5F1933}"/>
+              </a:ext>
+            </a:extLst>
+          </p:cNvPr>
+          <p:cNvCxnSpPr>
+            <a:cxnSpLocks/>
+          </p:cNvCxnSpPr>
+          <p:nvPr/>
+        </p:nvCxnSpPr>
+        <p:spPr>
+          <a:xfrm flipH="1" flipV="1">
+            <a:off x="5799909" y="1802674"/>
+            <a:ext cx="13059" cy="3235233"/>
+          </a:xfrm>
+          <a:prstGeom prst="line">
+            <a:avLst/>
+          </a:prstGeom>
+          <a:ln>
+            <a:solidFill>
+              <a:srgbClr val="0070C0"/>
+            </a:solidFill>
+            <a:headEnd type="oval" w="med" len="med"/>
+            <a:tailEnd type="oval" w="med" len="med"/>
+          </a:ln>
+        </p:spPr>
+        <p:style>
+          <a:lnRef idx="1">
+            <a:schemeClr val="accent1"/>
+          </a:lnRef>
+          <a:fillRef idx="0">
+            <a:schemeClr val="accent1"/>
+          </a:fillRef>
+          <a:effectRef idx="0">
+            <a:schemeClr val="accent1"/>
+          </a:effectRef>
+          <a:fontRef idx="minor">
+            <a:schemeClr val="tx1"/>
+          </a:fontRef>
+        </p:style>
+      </p:cxnSp>
+      <p:cxnSp>
+        <p:nvCxnSpPr>
+          <p:cNvPr id="41" name="直線コネクタ 40">
+            <a:extLst>
+              <a:ext uri="{FF2B5EF4-FFF2-40B4-BE49-F238E27FC236}">
+                <a16:creationId xmlns:a16="http://schemas.microsoft.com/office/drawing/2014/main" id="{2DCD1D00-ED92-494B-BB0E-DAE1D6D65FAF}"/>
+              </a:ext>
+            </a:extLst>
+          </p:cNvPr>
+          <p:cNvCxnSpPr>
+            <a:cxnSpLocks/>
+          </p:cNvCxnSpPr>
+          <p:nvPr/>
+        </p:nvCxnSpPr>
+        <p:spPr>
+          <a:xfrm>
+            <a:off x="5573488" y="4789717"/>
+            <a:ext cx="496378" cy="0"/>
+          </a:xfrm>
+          <a:prstGeom prst="line">
+            <a:avLst/>
+          </a:prstGeom>
+          <a:ln>
+            <a:solidFill>
+              <a:srgbClr val="FF0000"/>
+            </a:solidFill>
+            <a:headEnd type="oval" w="med" len="med"/>
+            <a:tailEnd type="oval" w="med" len="med"/>
+          </a:ln>
+        </p:spPr>
+        <p:style>
+          <a:lnRef idx="1">
+            <a:schemeClr val="accent1"/>
+          </a:lnRef>
+          <a:fillRef idx="0">
+            <a:schemeClr val="accent1"/>
+          </a:fillRef>
+          <a:effectRef idx="0">
+            <a:schemeClr val="accent1"/>
+          </a:effectRef>
+          <a:fontRef idx="minor">
+            <a:schemeClr val="tx1"/>
+          </a:fontRef>
+        </p:style>
+      </p:cxnSp>
+      <p:cxnSp>
+        <p:nvCxnSpPr>
+          <p:cNvPr id="42" name="直線コネクタ 41">
+            <a:extLst>
+              <a:ext uri="{FF2B5EF4-FFF2-40B4-BE49-F238E27FC236}">
+                <a16:creationId xmlns:a16="http://schemas.microsoft.com/office/drawing/2014/main" id="{4F74E24F-3640-4017-8AE3-FDD93CF36495}"/>
+              </a:ext>
+            </a:extLst>
+          </p:cNvPr>
+          <p:cNvCxnSpPr>
+            <a:cxnSpLocks/>
+          </p:cNvCxnSpPr>
+          <p:nvPr/>
+        </p:nvCxnSpPr>
+        <p:spPr>
+          <a:xfrm flipH="1" flipV="1">
+            <a:off x="5569126" y="1807026"/>
+            <a:ext cx="4362" cy="2982688"/>
+          </a:xfrm>
+          <a:prstGeom prst="line">
+            <a:avLst/>
+          </a:prstGeom>
+          <a:ln>
+            <a:solidFill>
+              <a:srgbClr val="0070C0"/>
+            </a:solidFill>
+            <a:headEnd type="oval" w="med" len="med"/>
+            <a:tailEnd type="oval" w="med" len="med"/>
+          </a:ln>
+        </p:spPr>
+        <p:style>
+          <a:lnRef idx="1">
+            <a:schemeClr val="accent1"/>
+          </a:lnRef>
+          <a:fillRef idx="0">
+            <a:schemeClr val="accent1"/>
+          </a:fillRef>
+          <a:effectRef idx="0">
+            <a:schemeClr val="accent1"/>
+          </a:effectRef>
+          <a:fontRef idx="minor">
+            <a:schemeClr val="tx1"/>
+          </a:fontRef>
+        </p:style>
+      </p:cxnSp>
+      <p:cxnSp>
+        <p:nvCxnSpPr>
+          <p:cNvPr id="44" name="直線コネクタ 43">
+            <a:extLst>
+              <a:ext uri="{FF2B5EF4-FFF2-40B4-BE49-F238E27FC236}">
+                <a16:creationId xmlns:a16="http://schemas.microsoft.com/office/drawing/2014/main" id="{8E6EF0DD-8674-446B-A506-CF338DFCDBB3}"/>
+              </a:ext>
+            </a:extLst>
+          </p:cNvPr>
+          <p:cNvCxnSpPr>
+            <a:cxnSpLocks/>
+          </p:cNvCxnSpPr>
+          <p:nvPr/>
+        </p:nvCxnSpPr>
+        <p:spPr>
+          <a:xfrm>
+            <a:off x="5312229" y="4776656"/>
+            <a:ext cx="265598" cy="8705"/>
+          </a:xfrm>
+          <a:prstGeom prst="line">
+            <a:avLst/>
+          </a:prstGeom>
+          <a:ln>
+            <a:solidFill>
+              <a:srgbClr val="FF0000"/>
+            </a:solidFill>
+            <a:headEnd type="none" w="med" len="med"/>
+            <a:tailEnd type="oval" w="med" len="med"/>
+          </a:ln>
+        </p:spPr>
+        <p:style>
+          <a:lnRef idx="1">
+            <a:schemeClr val="accent1"/>
+          </a:lnRef>
+          <a:fillRef idx="0">
+            <a:schemeClr val="accent1"/>
+          </a:fillRef>
+          <a:effectRef idx="0">
+            <a:schemeClr val="accent1"/>
+          </a:effectRef>
+          <a:fontRef idx="minor">
+            <a:schemeClr val="tx1"/>
+          </a:fontRef>
+        </p:style>
+      </p:cxnSp>
+      <p:cxnSp>
+        <p:nvCxnSpPr>
+          <p:cNvPr id="46" name="直線コネクタ 45">
+            <a:extLst>
+              <a:ext uri="{FF2B5EF4-FFF2-40B4-BE49-F238E27FC236}">
+                <a16:creationId xmlns:a16="http://schemas.microsoft.com/office/drawing/2014/main" id="{18316956-779F-4B63-9FF6-2C3A8FB2C8CE}"/>
+              </a:ext>
+            </a:extLst>
+          </p:cNvPr>
+          <p:cNvCxnSpPr/>
+          <p:nvPr/>
+        </p:nvCxnSpPr>
+        <p:spPr>
+          <a:xfrm>
+            <a:off x="5312225" y="4785361"/>
+            <a:ext cx="0" cy="252546"/>
+          </a:xfrm>
+          <a:prstGeom prst="line">
+            <a:avLst/>
+          </a:prstGeom>
+          <a:ln>
+            <a:solidFill>
+              <a:srgbClr val="FF0000"/>
+            </a:solidFill>
+          </a:ln>
+        </p:spPr>
+        <p:style>
+          <a:lnRef idx="1">
+            <a:schemeClr val="accent1"/>
+          </a:lnRef>
+          <a:fillRef idx="0">
+            <a:schemeClr val="accent1"/>
+          </a:fillRef>
+          <a:effectRef idx="0">
+            <a:schemeClr val="accent1"/>
+          </a:effectRef>
+          <a:fontRef idx="minor">
+            <a:schemeClr val="tx1"/>
+          </a:fontRef>
+        </p:style>
+      </p:cxnSp>
+      <p:cxnSp>
+        <p:nvCxnSpPr>
+          <p:cNvPr id="48" name="直線コネクタ 47">
+            <a:extLst>
+              <a:ext uri="{FF2B5EF4-FFF2-40B4-BE49-F238E27FC236}">
+                <a16:creationId xmlns:a16="http://schemas.microsoft.com/office/drawing/2014/main" id="{D994194A-6EB9-41D8-AAB7-EB785C46C7B1}"/>
+              </a:ext>
+            </a:extLst>
+          </p:cNvPr>
+          <p:cNvCxnSpPr>
+            <a:cxnSpLocks/>
+          </p:cNvCxnSpPr>
+          <p:nvPr/>
+        </p:nvCxnSpPr>
+        <p:spPr>
+          <a:xfrm flipV="1">
+            <a:off x="5077100" y="4785362"/>
+            <a:ext cx="0" cy="269963"/>
+          </a:xfrm>
+          <a:prstGeom prst="line">
+            <a:avLst/>
+          </a:prstGeom>
+          <a:ln>
+            <a:solidFill>
+              <a:srgbClr val="0070C0"/>
+            </a:solidFill>
+            <a:headEnd type="none" w="med" len="med"/>
+            <a:tailEnd type="none" w="med" len="med"/>
+          </a:ln>
+        </p:spPr>
+        <p:style>
+          <a:lnRef idx="1">
+            <a:schemeClr val="accent1"/>
+          </a:lnRef>
+          <a:fillRef idx="0">
+            <a:schemeClr val="accent1"/>
+          </a:fillRef>
+          <a:effectRef idx="0">
+            <a:schemeClr val="accent1"/>
+          </a:effectRef>
+          <a:fontRef idx="minor">
+            <a:schemeClr val="tx1"/>
+          </a:fontRef>
+        </p:style>
+      </p:cxnSp>
+      <p:cxnSp>
+        <p:nvCxnSpPr>
+          <p:cNvPr id="49" name="直線コネクタ 48">
+            <a:extLst>
+              <a:ext uri="{FF2B5EF4-FFF2-40B4-BE49-F238E27FC236}">
+                <a16:creationId xmlns:a16="http://schemas.microsoft.com/office/drawing/2014/main" id="{593CC485-EE06-4ABD-AC3B-B5A9B47BBBC6}"/>
+              </a:ext>
+            </a:extLst>
+          </p:cNvPr>
+          <p:cNvCxnSpPr>
+            <a:cxnSpLocks/>
+          </p:cNvCxnSpPr>
+          <p:nvPr/>
+        </p:nvCxnSpPr>
+        <p:spPr>
+          <a:xfrm flipV="1">
+            <a:off x="5077100" y="5055325"/>
+            <a:ext cx="735868" cy="1"/>
+          </a:xfrm>
+          <a:prstGeom prst="line">
+            <a:avLst/>
+          </a:prstGeom>
+        </p:spPr>
+        <p:style>
+          <a:lnRef idx="1">
+            <a:schemeClr val="accent1"/>
+          </a:lnRef>
+          <a:fillRef idx="0">
+            <a:schemeClr val="accent1"/>
+          </a:fillRef>
+          <a:effectRef idx="0">
+            <a:schemeClr val="accent1"/>
+          </a:effectRef>
+          <a:fontRef idx="minor">
+            <a:schemeClr val="tx1"/>
+          </a:fontRef>
+        </p:style>
+      </p:cxnSp>
+      <p:cxnSp>
+        <p:nvCxnSpPr>
+          <p:cNvPr id="53" name="直線コネクタ 52">
+            <a:extLst>
+              <a:ext uri="{FF2B5EF4-FFF2-40B4-BE49-F238E27FC236}">
+                <a16:creationId xmlns:a16="http://schemas.microsoft.com/office/drawing/2014/main" id="{DCEBA720-046D-4B4D-A2CD-3CAB259FD860}"/>
+              </a:ext>
+            </a:extLst>
+          </p:cNvPr>
+          <p:cNvCxnSpPr>
+            <a:cxnSpLocks/>
+          </p:cNvCxnSpPr>
+          <p:nvPr/>
+        </p:nvCxnSpPr>
+        <p:spPr>
+          <a:xfrm>
+            <a:off x="4315093" y="4541517"/>
+            <a:ext cx="265611" cy="0"/>
+          </a:xfrm>
+          <a:prstGeom prst="line">
+            <a:avLst/>
+          </a:prstGeom>
+          <a:ln>
+            <a:solidFill>
+              <a:srgbClr val="0070C0"/>
+            </a:solidFill>
+            <a:headEnd type="oval" w="med" len="med"/>
+            <a:tailEnd type="oval" w="med" len="med"/>
+          </a:ln>
+        </p:spPr>
+        <p:style>
+          <a:lnRef idx="1">
+            <a:schemeClr val="accent1"/>
+          </a:lnRef>
+          <a:fillRef idx="0">
+            <a:schemeClr val="accent1"/>
+          </a:fillRef>
+          <a:effectRef idx="0">
+            <a:schemeClr val="accent1"/>
+          </a:effectRef>
+          <a:fontRef idx="minor">
+            <a:schemeClr val="tx1"/>
+          </a:fontRef>
+        </p:style>
+      </p:cxnSp>
+      <p:cxnSp>
+        <p:nvCxnSpPr>
+          <p:cNvPr id="54" name="直線コネクタ 53">
+            <a:extLst>
+              <a:ext uri="{FF2B5EF4-FFF2-40B4-BE49-F238E27FC236}">
+                <a16:creationId xmlns:a16="http://schemas.microsoft.com/office/drawing/2014/main" id="{D67FE3DF-92C6-4674-A439-CA17EA6AB0F3}"/>
+              </a:ext>
+            </a:extLst>
+          </p:cNvPr>
+          <p:cNvCxnSpPr>
+            <a:cxnSpLocks/>
+          </p:cNvCxnSpPr>
+          <p:nvPr/>
+        </p:nvCxnSpPr>
+        <p:spPr>
+          <a:xfrm flipV="1">
+            <a:off x="4319442" y="4776656"/>
+            <a:ext cx="757658" cy="4347"/>
+          </a:xfrm>
+          <a:prstGeom prst="line">
+            <a:avLst/>
+          </a:prstGeom>
+          <a:ln>
+            <a:solidFill>
+              <a:srgbClr val="0070C0"/>
+            </a:solidFill>
+            <a:headEnd type="oval" w="med" len="med"/>
+            <a:tailEnd type="none" w="med" len="med"/>
+          </a:ln>
+        </p:spPr>
+        <p:style>
+          <a:lnRef idx="1">
+            <a:schemeClr val="accent1"/>
+          </a:lnRef>
+          <a:fillRef idx="0">
+            <a:schemeClr val="accent1"/>
+          </a:fillRef>
+          <a:effectRef idx="0">
+            <a:schemeClr val="accent1"/>
+          </a:effectRef>
+          <a:fontRef idx="minor">
+            <a:schemeClr val="tx1"/>
+          </a:fontRef>
+        </p:style>
+      </p:cxnSp>
+      <p:sp>
+        <p:nvSpPr>
+          <p:cNvPr id="60" name="正方形/長方形 59">
+            <a:extLst>
+              <a:ext uri="{FF2B5EF4-FFF2-40B4-BE49-F238E27FC236}">
+                <a16:creationId xmlns:a16="http://schemas.microsoft.com/office/drawing/2014/main" id="{46A23328-30EC-4C0B-A695-7A3F5C67A8FB}"/>
+              </a:ext>
+            </a:extLst>
+          </p:cNvPr>
+          <p:cNvSpPr/>
+          <p:nvPr/>
+        </p:nvSpPr>
+        <p:spPr>
+          <a:xfrm rot="5400000">
+            <a:off x="4328153" y="3030587"/>
+            <a:ext cx="259091" cy="515978"/>
+          </a:xfrm>
+          <a:prstGeom prst="rect">
+            <a:avLst/>
+          </a:prstGeom>
+          <a:noFill/>
+          <a:ln w="28575">
+            <a:solidFill>
+              <a:schemeClr val="accent1">
+                <a:lumMod val="50000"/>
+              </a:schemeClr>
+            </a:solidFill>
+          </a:ln>
+        </p:spPr>
+        <p:style>
+          <a:lnRef idx="2">
+            <a:schemeClr val="accent1">
+              <a:shade val="50000"/>
+            </a:schemeClr>
+          </a:lnRef>
+          <a:fillRef idx="1">
+            <a:schemeClr val="accent1"/>
+          </a:fillRef>
+          <a:effectRef idx="0">
+            <a:schemeClr val="accent1"/>
+          </a:effectRef>
+          <a:fontRef idx="minor">
+            <a:schemeClr val="lt1"/>
+          </a:fontRef>
+        </p:style>
+        <p:txBody>
+          <a:bodyPr rtlCol="0" anchor="ctr"/>
+          <a:lstStyle/>
+          <a:p>
+            <a:pPr algn="ctr"/>
+            <a:endParaRPr lang="en-US"/>
+          </a:p>
+        </p:txBody>
+      </p:sp>
+      <p:cxnSp>
+        <p:nvCxnSpPr>
+          <p:cNvPr id="61" name="直線コネクタ 60">
+            <a:extLst>
+              <a:ext uri="{FF2B5EF4-FFF2-40B4-BE49-F238E27FC236}">
+                <a16:creationId xmlns:a16="http://schemas.microsoft.com/office/drawing/2014/main" id="{D38E4B59-FE3A-4810-8175-D27F15CCC532}"/>
+              </a:ext>
+            </a:extLst>
+          </p:cNvPr>
+          <p:cNvCxnSpPr>
+            <a:cxnSpLocks/>
+          </p:cNvCxnSpPr>
+          <p:nvPr/>
+        </p:nvCxnSpPr>
+        <p:spPr>
+          <a:xfrm flipH="1" flipV="1">
+            <a:off x="4576352" y="3300549"/>
+            <a:ext cx="4350" cy="1236616"/>
+          </a:xfrm>
+          <a:prstGeom prst="line">
+            <a:avLst/>
+          </a:prstGeom>
+          <a:ln>
+            <a:solidFill>
+              <a:srgbClr val="FF0000"/>
+            </a:solidFill>
+            <a:headEnd type="oval" w="med" len="med"/>
+            <a:tailEnd type="oval" w="med" len="med"/>
+          </a:ln>
+        </p:spPr>
+        <p:style>
+          <a:lnRef idx="1">
+            <a:schemeClr val="accent1"/>
+          </a:lnRef>
+          <a:fillRef idx="0">
+            <a:schemeClr val="accent1"/>
+          </a:fillRef>
+          <a:effectRef idx="0">
+            <a:schemeClr val="accent1"/>
+          </a:effectRef>
+          <a:fontRef idx="minor">
+            <a:schemeClr val="tx1"/>
+          </a:fontRef>
+        </p:style>
+      </p:cxnSp>
+      <p:cxnSp>
+        <p:nvCxnSpPr>
+          <p:cNvPr id="64" name="直線コネクタ 63">
+            <a:extLst>
+              <a:ext uri="{FF2B5EF4-FFF2-40B4-BE49-F238E27FC236}">
+                <a16:creationId xmlns:a16="http://schemas.microsoft.com/office/drawing/2014/main" id="{C0A34233-E753-4810-ADD3-CF6E3FD2A141}"/>
+              </a:ext>
+            </a:extLst>
+          </p:cNvPr>
+          <p:cNvCxnSpPr>
+            <a:cxnSpLocks/>
+          </p:cNvCxnSpPr>
+          <p:nvPr/>
+        </p:nvCxnSpPr>
+        <p:spPr>
+          <a:xfrm>
+            <a:off x="4323807" y="4280263"/>
+            <a:ext cx="492033" cy="0"/>
+          </a:xfrm>
+          <a:prstGeom prst="line">
+            <a:avLst/>
+          </a:prstGeom>
+          <a:ln>
+            <a:solidFill>
+              <a:srgbClr val="0070C0"/>
+            </a:solidFill>
+            <a:headEnd type="oval" w="med" len="med"/>
+            <a:tailEnd type="oval" w="med" len="med"/>
+          </a:ln>
+        </p:spPr>
+        <p:style>
+          <a:lnRef idx="1">
+            <a:schemeClr val="accent1"/>
+          </a:lnRef>
+          <a:fillRef idx="0">
+            <a:schemeClr val="accent1"/>
+          </a:fillRef>
+          <a:effectRef idx="0">
+            <a:schemeClr val="accent1"/>
+          </a:effectRef>
+          <a:fontRef idx="minor">
+            <a:schemeClr val="tx1"/>
+          </a:fontRef>
+        </p:style>
+      </p:cxnSp>
+      <p:cxnSp>
+        <p:nvCxnSpPr>
+          <p:cNvPr id="66" name="直線コネクタ 65">
+            <a:extLst>
+              <a:ext uri="{FF2B5EF4-FFF2-40B4-BE49-F238E27FC236}">
+                <a16:creationId xmlns:a16="http://schemas.microsoft.com/office/drawing/2014/main" id="{09C10256-D2E9-4166-A322-3110185E2271}"/>
+              </a:ext>
+            </a:extLst>
+          </p:cNvPr>
+          <p:cNvCxnSpPr/>
+          <p:nvPr/>
+        </p:nvCxnSpPr>
+        <p:spPr>
+          <a:xfrm>
+            <a:off x="4815840" y="4541517"/>
+            <a:ext cx="1240975" cy="0"/>
+          </a:xfrm>
+          <a:prstGeom prst="line">
+            <a:avLst/>
+          </a:prstGeom>
+          <a:ln>
+            <a:solidFill>
+              <a:srgbClr val="FF0000"/>
+            </a:solidFill>
+            <a:tailEnd type="oval"/>
+          </a:ln>
+        </p:spPr>
+        <p:style>
+          <a:lnRef idx="1">
+            <a:schemeClr val="accent1"/>
+          </a:lnRef>
+          <a:fillRef idx="0">
+            <a:schemeClr val="accent1"/>
+          </a:fillRef>
+          <a:effectRef idx="0">
+            <a:schemeClr val="accent1"/>
+          </a:effectRef>
+          <a:fontRef idx="minor">
+            <a:schemeClr val="tx1"/>
+          </a:fontRef>
+        </p:style>
+      </p:cxnSp>
+      <p:cxnSp>
+        <p:nvCxnSpPr>
+          <p:cNvPr id="68" name="直線コネクタ 67">
+            <a:extLst>
+              <a:ext uri="{FF2B5EF4-FFF2-40B4-BE49-F238E27FC236}">
+                <a16:creationId xmlns:a16="http://schemas.microsoft.com/office/drawing/2014/main" id="{74F46437-847E-44BB-B428-CCCC2C32CB02}"/>
+              </a:ext>
+            </a:extLst>
+          </p:cNvPr>
+          <p:cNvCxnSpPr/>
+          <p:nvPr/>
+        </p:nvCxnSpPr>
+        <p:spPr>
+          <a:xfrm flipV="1">
+            <a:off x="4815840" y="4280263"/>
+            <a:ext cx="0" cy="252552"/>
+          </a:xfrm>
+          <a:prstGeom prst="line">
+            <a:avLst/>
+          </a:prstGeom>
+          <a:ln>
+            <a:solidFill>
+              <a:srgbClr val="FF0000"/>
+            </a:solidFill>
+            <a:headEnd type="none"/>
+            <a:tailEnd type="oval"/>
+          </a:ln>
+        </p:spPr>
+        <p:style>
+          <a:lnRef idx="1">
+            <a:schemeClr val="accent1"/>
+          </a:lnRef>
+          <a:fillRef idx="0">
+            <a:schemeClr val="accent1"/>
+          </a:fillRef>
+          <a:effectRef idx="0">
+            <a:schemeClr val="accent1"/>
+          </a:effectRef>
+          <a:fontRef idx="minor">
+            <a:schemeClr val="tx1"/>
+          </a:fontRef>
+        </p:style>
+      </p:cxnSp>
+      <p:cxnSp>
+        <p:nvCxnSpPr>
+          <p:cNvPr id="70" name="直線コネクタ 69">
+            <a:extLst>
+              <a:ext uri="{FF2B5EF4-FFF2-40B4-BE49-F238E27FC236}">
+                <a16:creationId xmlns:a16="http://schemas.microsoft.com/office/drawing/2014/main" id="{67810DA1-CC10-4811-9D4F-0B30FCA4FE62}"/>
+              </a:ext>
+            </a:extLst>
+          </p:cNvPr>
+          <p:cNvCxnSpPr>
+            <a:cxnSpLocks/>
+          </p:cNvCxnSpPr>
+          <p:nvPr/>
+        </p:nvCxnSpPr>
+        <p:spPr>
+          <a:xfrm>
+            <a:off x="6561906" y="4032069"/>
+            <a:ext cx="0" cy="256904"/>
+          </a:xfrm>
+          <a:prstGeom prst="line">
+            <a:avLst/>
+          </a:prstGeom>
+          <a:ln>
+            <a:solidFill>
+              <a:srgbClr val="0070C0"/>
+            </a:solidFill>
+            <a:headEnd type="none" w="med" len="med"/>
+            <a:tailEnd type="oval" w="med" len="med"/>
+          </a:ln>
+        </p:spPr>
+        <p:style>
+          <a:lnRef idx="1">
+            <a:schemeClr val="accent1"/>
+          </a:lnRef>
+          <a:fillRef idx="0">
+            <a:schemeClr val="accent1"/>
+          </a:fillRef>
+          <a:effectRef idx="0">
+            <a:schemeClr val="accent1"/>
+          </a:effectRef>
+          <a:fontRef idx="minor">
+            <a:schemeClr val="tx1"/>
+          </a:fontRef>
+        </p:style>
+      </p:cxnSp>
+      <p:cxnSp>
+        <p:nvCxnSpPr>
+          <p:cNvPr id="72" name="直線コネクタ 71">
+            <a:extLst>
+              <a:ext uri="{FF2B5EF4-FFF2-40B4-BE49-F238E27FC236}">
+                <a16:creationId xmlns:a16="http://schemas.microsoft.com/office/drawing/2014/main" id="{590C21B5-8433-4AF6-8011-9ACCC6765CF6}"/>
+              </a:ext>
+            </a:extLst>
+          </p:cNvPr>
+          <p:cNvCxnSpPr/>
+          <p:nvPr/>
+        </p:nvCxnSpPr>
+        <p:spPr>
+          <a:xfrm>
+            <a:off x="5307877" y="4032069"/>
+            <a:ext cx="1240975" cy="0"/>
+          </a:xfrm>
+          <a:prstGeom prst="line">
+            <a:avLst/>
+          </a:prstGeom>
+          <a:ln>
+            <a:solidFill>
+              <a:srgbClr val="FF0000"/>
+            </a:solidFill>
+            <a:headEnd type="oval"/>
+            <a:tailEnd type="oval"/>
+          </a:ln>
+        </p:spPr>
+        <p:style>
+          <a:lnRef idx="1">
+            <a:schemeClr val="accent1"/>
+          </a:lnRef>
+          <a:fillRef idx="0">
+            <a:schemeClr val="accent1"/>
+          </a:fillRef>
+          <a:effectRef idx="0">
+            <a:schemeClr val="accent1"/>
+          </a:effectRef>
+          <a:fontRef idx="minor">
+            <a:schemeClr val="tx1"/>
+          </a:fontRef>
+        </p:style>
+      </p:cxnSp>
+      <p:cxnSp>
+        <p:nvCxnSpPr>
+          <p:cNvPr id="73" name="直線コネクタ 72">
+            <a:extLst>
+              <a:ext uri="{FF2B5EF4-FFF2-40B4-BE49-F238E27FC236}">
+                <a16:creationId xmlns:a16="http://schemas.microsoft.com/office/drawing/2014/main" id="{06A1B9F1-1BD5-413B-A7BB-1EB4B18C7467}"/>
+              </a:ext>
+            </a:extLst>
+          </p:cNvPr>
+          <p:cNvCxnSpPr>
+            <a:cxnSpLocks/>
+          </p:cNvCxnSpPr>
+          <p:nvPr/>
+        </p:nvCxnSpPr>
+        <p:spPr>
+          <a:xfrm flipV="1">
+            <a:off x="5307877" y="1802668"/>
+            <a:ext cx="4350" cy="2229401"/>
+          </a:xfrm>
+          <a:prstGeom prst="line">
+            <a:avLst/>
+          </a:prstGeom>
+          <a:ln>
+            <a:solidFill>
+              <a:srgbClr val="0070C0"/>
+            </a:solidFill>
+            <a:headEnd type="none" w="med" len="med"/>
+            <a:tailEnd type="oval" w="med" len="med"/>
+          </a:ln>
+        </p:spPr>
+        <p:style>
+          <a:lnRef idx="1">
+            <a:schemeClr val="accent1"/>
+          </a:lnRef>
+          <a:fillRef idx="0">
+            <a:schemeClr val="accent1"/>
+          </a:fillRef>
+          <a:effectRef idx="0">
+            <a:schemeClr val="accent1"/>
+          </a:effectRef>
+          <a:fontRef idx="minor">
+            <a:schemeClr val="tx1"/>
+          </a:fontRef>
+        </p:style>
+      </p:cxnSp>
+      <p:cxnSp>
+        <p:nvCxnSpPr>
+          <p:cNvPr id="75" name="直線コネクタ 74">
+            <a:extLst>
+              <a:ext uri="{FF2B5EF4-FFF2-40B4-BE49-F238E27FC236}">
+                <a16:creationId xmlns:a16="http://schemas.microsoft.com/office/drawing/2014/main" id="{78DCC235-8D7A-4D67-BE39-0B9C7BF5E7A6}"/>
+              </a:ext>
+            </a:extLst>
+          </p:cNvPr>
+          <p:cNvCxnSpPr>
+            <a:cxnSpLocks/>
+          </p:cNvCxnSpPr>
+          <p:nvPr/>
+        </p:nvCxnSpPr>
+        <p:spPr>
+          <a:xfrm flipV="1">
+            <a:off x="4815840" y="1802668"/>
+            <a:ext cx="0" cy="2495014"/>
+          </a:xfrm>
+          <a:prstGeom prst="line">
+            <a:avLst/>
+          </a:prstGeom>
+          <a:ln>
+            <a:solidFill>
+              <a:srgbClr val="0070C0"/>
+            </a:solidFill>
+            <a:headEnd type="oval" w="med" len="med"/>
+            <a:tailEnd type="oval" w="med" len="med"/>
+          </a:ln>
+        </p:spPr>
+        <p:style>
+          <a:lnRef idx="1">
+            <a:schemeClr val="accent1"/>
+          </a:lnRef>
+          <a:fillRef idx="0">
+            <a:schemeClr val="accent1"/>
+          </a:fillRef>
+          <a:effectRef idx="0">
+            <a:schemeClr val="accent1"/>
+          </a:effectRef>
+          <a:fontRef idx="minor">
+            <a:schemeClr val="tx1"/>
+          </a:fontRef>
+        </p:style>
+      </p:cxnSp>
+      <p:cxnSp>
+        <p:nvCxnSpPr>
+          <p:cNvPr id="79" name="直線コネクタ 78">
+            <a:extLst>
+              <a:ext uri="{FF2B5EF4-FFF2-40B4-BE49-F238E27FC236}">
+                <a16:creationId xmlns:a16="http://schemas.microsoft.com/office/drawing/2014/main" id="{830AA117-BCE6-4F95-B3F2-3B668449CEF1}"/>
+              </a:ext>
+            </a:extLst>
+          </p:cNvPr>
+          <p:cNvCxnSpPr>
+            <a:cxnSpLocks/>
+          </p:cNvCxnSpPr>
+          <p:nvPr/>
+        </p:nvCxnSpPr>
+        <p:spPr>
+          <a:xfrm>
+            <a:off x="4328157" y="3535681"/>
+            <a:ext cx="492033" cy="0"/>
+          </a:xfrm>
+          <a:prstGeom prst="line">
+            <a:avLst/>
+          </a:prstGeom>
+          <a:ln>
+            <a:solidFill>
+              <a:srgbClr val="0070C0"/>
+            </a:solidFill>
+            <a:headEnd type="oval" w="med" len="med"/>
+            <a:tailEnd type="oval" w="med" len="med"/>
+          </a:ln>
+        </p:spPr>
+        <p:style>
+          <a:lnRef idx="1">
+            <a:schemeClr val="accent1"/>
+          </a:lnRef>
+          <a:fillRef idx="0">
+            <a:schemeClr val="accent1"/>
+          </a:fillRef>
+          <a:effectRef idx="0">
+            <a:schemeClr val="accent1"/>
+          </a:effectRef>
+          <a:fontRef idx="minor">
+            <a:schemeClr val="tx1"/>
+          </a:fontRef>
+        </p:style>
+      </p:cxnSp>
+      <p:cxnSp>
+        <p:nvCxnSpPr>
+          <p:cNvPr id="80" name="直線コネクタ 79">
+            <a:extLst>
+              <a:ext uri="{FF2B5EF4-FFF2-40B4-BE49-F238E27FC236}">
+                <a16:creationId xmlns:a16="http://schemas.microsoft.com/office/drawing/2014/main" id="{FF94C283-D14E-44B4-8049-B41DA5CC28A6}"/>
+              </a:ext>
+            </a:extLst>
+          </p:cNvPr>
+          <p:cNvCxnSpPr>
+            <a:cxnSpLocks/>
+          </p:cNvCxnSpPr>
+          <p:nvPr/>
+        </p:nvCxnSpPr>
+        <p:spPr>
+          <a:xfrm flipH="1" flipV="1">
+            <a:off x="4323807" y="3300549"/>
+            <a:ext cx="6529" cy="254724"/>
+          </a:xfrm>
+          <a:prstGeom prst="line">
+            <a:avLst/>
+          </a:prstGeom>
+          <a:ln>
+            <a:solidFill>
+              <a:srgbClr val="0070C0"/>
+            </a:solidFill>
+            <a:headEnd type="oval" w="med" len="med"/>
+            <a:tailEnd type="oval" w="med" len="med"/>
+          </a:ln>
+        </p:spPr>
+        <p:style>
+          <a:lnRef idx="1">
+            <a:schemeClr val="accent1"/>
+          </a:lnRef>
+          <a:fillRef idx="0">
+            <a:schemeClr val="accent1"/>
+          </a:fillRef>
+          <a:effectRef idx="0">
+            <a:schemeClr val="accent1"/>
+          </a:effectRef>
+          <a:fontRef idx="minor">
+            <a:schemeClr val="tx1"/>
+          </a:fontRef>
+        </p:style>
+      </p:cxnSp>
+      <p:cxnSp>
+        <p:nvCxnSpPr>
+          <p:cNvPr id="83" name="直線コネクタ 82">
+            <a:extLst>
+              <a:ext uri="{FF2B5EF4-FFF2-40B4-BE49-F238E27FC236}">
+                <a16:creationId xmlns:a16="http://schemas.microsoft.com/office/drawing/2014/main" id="{1056A170-E3FC-4159-A175-14EB21875635}"/>
+              </a:ext>
+            </a:extLst>
+          </p:cNvPr>
+          <p:cNvCxnSpPr>
+            <a:cxnSpLocks/>
+          </p:cNvCxnSpPr>
+          <p:nvPr/>
+        </p:nvCxnSpPr>
+        <p:spPr>
+          <a:xfrm flipV="1">
+            <a:off x="4317271" y="2793274"/>
+            <a:ext cx="13065" cy="496393"/>
+          </a:xfrm>
+          <a:prstGeom prst="line">
+            <a:avLst/>
+          </a:prstGeom>
+          <a:ln>
+            <a:solidFill>
+              <a:srgbClr val="0070C0"/>
+            </a:solidFill>
+            <a:headEnd type="oval" w="med" len="med"/>
+            <a:tailEnd type="oval" w="med" len="med"/>
+          </a:ln>
+        </p:spPr>
+        <p:style>
+          <a:lnRef idx="1">
+            <a:schemeClr val="accent1"/>
+          </a:lnRef>
+          <a:fillRef idx="0">
+            <a:schemeClr val="accent1"/>
+          </a:fillRef>
+          <a:effectRef idx="0">
+            <a:schemeClr val="accent1"/>
+          </a:effectRef>
+          <a:fontRef idx="minor">
+            <a:schemeClr val="tx1"/>
+          </a:fontRef>
+        </p:style>
+      </p:cxnSp>
+      <p:cxnSp>
+        <p:nvCxnSpPr>
+          <p:cNvPr id="85" name="直線コネクタ 84">
+            <a:extLst>
+              <a:ext uri="{FF2B5EF4-FFF2-40B4-BE49-F238E27FC236}">
+                <a16:creationId xmlns:a16="http://schemas.microsoft.com/office/drawing/2014/main" id="{FD963A6F-52F4-4B91-82D4-8C41DE0260E4}"/>
+              </a:ext>
+            </a:extLst>
+          </p:cNvPr>
+          <p:cNvCxnSpPr>
+            <a:cxnSpLocks/>
+          </p:cNvCxnSpPr>
+          <p:nvPr/>
+        </p:nvCxnSpPr>
+        <p:spPr>
+          <a:xfrm flipV="1">
+            <a:off x="4556759" y="2806336"/>
+            <a:ext cx="13065" cy="496393"/>
+          </a:xfrm>
+          <a:prstGeom prst="line">
+            <a:avLst/>
+          </a:prstGeom>
+          <a:ln>
+            <a:solidFill>
+              <a:srgbClr val="0070C0"/>
+            </a:solidFill>
+            <a:headEnd type="oval" w="med" len="med"/>
+            <a:tailEnd type="oval" w="med" len="med"/>
+          </a:ln>
+        </p:spPr>
+        <p:style>
+          <a:lnRef idx="1">
+            <a:schemeClr val="accent1"/>
+          </a:lnRef>
+          <a:fillRef idx="0">
+            <a:schemeClr val="accent1"/>
+          </a:fillRef>
+          <a:effectRef idx="0">
+            <a:schemeClr val="accent1"/>
+          </a:effectRef>
+          <a:fontRef idx="minor">
+            <a:schemeClr val="tx1"/>
+          </a:fontRef>
+        </p:style>
+      </p:cxnSp>
+      <p:cxnSp>
+        <p:nvCxnSpPr>
+          <p:cNvPr id="86" name="直線コネクタ 85">
+            <a:extLst>
+              <a:ext uri="{FF2B5EF4-FFF2-40B4-BE49-F238E27FC236}">
+                <a16:creationId xmlns:a16="http://schemas.microsoft.com/office/drawing/2014/main" id="{32F0057C-C34E-439D-9F64-6F7EE7574E76}"/>
+              </a:ext>
+            </a:extLst>
+          </p:cNvPr>
+          <p:cNvCxnSpPr>
+            <a:cxnSpLocks/>
+          </p:cNvCxnSpPr>
+          <p:nvPr/>
+        </p:nvCxnSpPr>
+        <p:spPr>
+          <a:xfrm flipV="1">
+            <a:off x="4312914" y="2309947"/>
+            <a:ext cx="13065" cy="496393"/>
+          </a:xfrm>
+          <a:prstGeom prst="line">
+            <a:avLst/>
+          </a:prstGeom>
+          <a:ln>
+            <a:solidFill>
+              <a:srgbClr val="0070C0"/>
+            </a:solidFill>
+            <a:headEnd type="oval" w="med" len="med"/>
+            <a:tailEnd type="oval" w="med" len="med"/>
+          </a:ln>
+        </p:spPr>
+        <p:style>
+          <a:lnRef idx="1">
+            <a:schemeClr val="accent1"/>
+          </a:lnRef>
+          <a:fillRef idx="0">
+            <a:schemeClr val="accent1"/>
+          </a:fillRef>
+          <a:effectRef idx="0">
+            <a:schemeClr val="accent1"/>
+          </a:effectRef>
+          <a:fontRef idx="minor">
+            <a:schemeClr val="tx1"/>
+          </a:fontRef>
+        </p:style>
+      </p:cxnSp>
+      <p:cxnSp>
+        <p:nvCxnSpPr>
+          <p:cNvPr id="87" name="直線コネクタ 86">
+            <a:extLst>
+              <a:ext uri="{FF2B5EF4-FFF2-40B4-BE49-F238E27FC236}">
+                <a16:creationId xmlns:a16="http://schemas.microsoft.com/office/drawing/2014/main" id="{36F84455-A47B-46C2-8093-BC627B2DE787}"/>
+              </a:ext>
+            </a:extLst>
+          </p:cNvPr>
+          <p:cNvCxnSpPr>
+            <a:cxnSpLocks/>
+          </p:cNvCxnSpPr>
+          <p:nvPr/>
+        </p:nvCxnSpPr>
+        <p:spPr>
+          <a:xfrm flipV="1">
+            <a:off x="4064714" y="2296880"/>
+            <a:ext cx="13065" cy="496393"/>
+          </a:xfrm>
+          <a:prstGeom prst="line">
+            <a:avLst/>
+          </a:prstGeom>
+          <a:ln>
+            <a:solidFill>
+              <a:srgbClr val="0070C0"/>
+            </a:solidFill>
+            <a:headEnd type="oval" w="med" len="med"/>
+            <a:tailEnd type="oval" w="med" len="med"/>
+          </a:ln>
+        </p:spPr>
+        <p:style>
+          <a:lnRef idx="1">
+            <a:schemeClr val="accent1"/>
+          </a:lnRef>
+          <a:fillRef idx="0">
+            <a:schemeClr val="accent1"/>
+          </a:fillRef>
+          <a:effectRef idx="0">
+            <a:schemeClr val="accent1"/>
+          </a:effectRef>
+          <a:fontRef idx="minor">
+            <a:schemeClr val="tx1"/>
+          </a:fontRef>
+        </p:style>
+      </p:cxnSp>
+      <p:cxnSp>
+        <p:nvCxnSpPr>
+          <p:cNvPr id="88" name="直線コネクタ 87">
+            <a:extLst>
+              <a:ext uri="{FF2B5EF4-FFF2-40B4-BE49-F238E27FC236}">
+                <a16:creationId xmlns:a16="http://schemas.microsoft.com/office/drawing/2014/main" id="{260E4A9D-BAB6-4D9C-9A68-543C805424B9}"/>
+              </a:ext>
+            </a:extLst>
+          </p:cNvPr>
+          <p:cNvCxnSpPr>
+            <a:cxnSpLocks/>
+          </p:cNvCxnSpPr>
+          <p:nvPr/>
+        </p:nvCxnSpPr>
+        <p:spPr>
+          <a:xfrm flipH="1" flipV="1">
+            <a:off x="4064714" y="2037806"/>
+            <a:ext cx="13060" cy="263432"/>
+          </a:xfrm>
+          <a:prstGeom prst="line">
+            <a:avLst/>
+          </a:prstGeom>
+          <a:ln>
+            <a:solidFill>
+              <a:srgbClr val="0070C0"/>
+            </a:solidFill>
+            <a:headEnd type="oval" w="med" len="med"/>
+            <a:tailEnd type="oval" w="med" len="med"/>
+          </a:ln>
+        </p:spPr>
+        <p:style>
+          <a:lnRef idx="1">
+            <a:schemeClr val="accent1"/>
+          </a:lnRef>
+          <a:fillRef idx="0">
+            <a:schemeClr val="accent1"/>
+          </a:fillRef>
+          <a:effectRef idx="0">
+            <a:schemeClr val="accent1"/>
+          </a:effectRef>
+          <a:fontRef idx="minor">
+            <a:schemeClr val="tx1"/>
+          </a:fontRef>
+        </p:style>
+      </p:cxnSp>
+      <p:cxnSp>
+        <p:nvCxnSpPr>
+          <p:cNvPr id="90" name="直線コネクタ 89">
+            <a:extLst>
+              <a:ext uri="{FF2B5EF4-FFF2-40B4-BE49-F238E27FC236}">
+                <a16:creationId xmlns:a16="http://schemas.microsoft.com/office/drawing/2014/main" id="{85B26937-DCC1-46C0-8E63-11EBE2E181F0}"/>
+              </a:ext>
+            </a:extLst>
+          </p:cNvPr>
+          <p:cNvCxnSpPr>
+            <a:cxnSpLocks/>
+          </p:cNvCxnSpPr>
+          <p:nvPr/>
+        </p:nvCxnSpPr>
+        <p:spPr>
+          <a:xfrm>
+            <a:off x="2588610" y="2037806"/>
+            <a:ext cx="0" cy="768534"/>
+          </a:xfrm>
+          <a:prstGeom prst="line">
+            <a:avLst/>
+          </a:prstGeom>
+          <a:ln>
+            <a:solidFill>
+              <a:srgbClr val="0070C0"/>
+            </a:solidFill>
+            <a:headEnd type="none" w="med" len="med"/>
+            <a:tailEnd type="oval" w="med" len="med"/>
+          </a:ln>
+        </p:spPr>
+        <p:style>
+          <a:lnRef idx="1">
+            <a:schemeClr val="accent1"/>
+          </a:lnRef>
+          <a:fillRef idx="0">
+            <a:schemeClr val="accent1"/>
+          </a:fillRef>
+          <a:effectRef idx="0">
+            <a:schemeClr val="accent1"/>
+          </a:effectRef>
+          <a:fontRef idx="minor">
+            <a:schemeClr val="tx1"/>
+          </a:fontRef>
+        </p:style>
+      </p:cxnSp>
+      <p:cxnSp>
+        <p:nvCxnSpPr>
+          <p:cNvPr id="92" name="直線コネクタ 91">
+            <a:extLst>
+              <a:ext uri="{FF2B5EF4-FFF2-40B4-BE49-F238E27FC236}">
+                <a16:creationId xmlns:a16="http://schemas.microsoft.com/office/drawing/2014/main" id="{650FA6E2-9758-447B-A49A-5BBC3C3A5D17}"/>
+              </a:ext>
+            </a:extLst>
+          </p:cNvPr>
+          <p:cNvCxnSpPr>
+            <a:cxnSpLocks/>
+          </p:cNvCxnSpPr>
+          <p:nvPr/>
+        </p:nvCxnSpPr>
+        <p:spPr>
+          <a:xfrm>
+            <a:off x="2586446" y="2037806"/>
+            <a:ext cx="1478268" cy="0"/>
+          </a:xfrm>
+          <a:prstGeom prst="line">
+            <a:avLst/>
+          </a:prstGeom>
+          <a:ln>
+            <a:solidFill>
+              <a:srgbClr val="0070C0"/>
+            </a:solidFill>
+            <a:headEnd type="none" w="med" len="med"/>
+            <a:tailEnd type="oval" w="med" len="med"/>
+          </a:ln>
+        </p:spPr>
+        <p:style>
+          <a:lnRef idx="1">
+            <a:schemeClr val="accent1"/>
+          </a:lnRef>
+          <a:fillRef idx="0">
+            <a:schemeClr val="accent1"/>
+          </a:fillRef>
+          <a:effectRef idx="0">
+            <a:schemeClr val="accent1"/>
+          </a:effectRef>
+          <a:fontRef idx="minor">
+            <a:schemeClr val="tx1"/>
+          </a:fontRef>
+        </p:style>
+      </p:cxnSp>
+      <p:cxnSp>
+        <p:nvCxnSpPr>
+          <p:cNvPr id="96" name="直線コネクタ 95">
+            <a:extLst>
+              <a:ext uri="{FF2B5EF4-FFF2-40B4-BE49-F238E27FC236}">
+                <a16:creationId xmlns:a16="http://schemas.microsoft.com/office/drawing/2014/main" id="{9C947A67-CCB1-4E42-964A-691EE10CC4C0}"/>
+              </a:ext>
+            </a:extLst>
+          </p:cNvPr>
+          <p:cNvCxnSpPr>
+            <a:cxnSpLocks/>
+          </p:cNvCxnSpPr>
+          <p:nvPr/>
+        </p:nvCxnSpPr>
+        <p:spPr>
+          <a:xfrm flipH="1">
+            <a:off x="4079966" y="2046515"/>
+            <a:ext cx="1236620" cy="4350"/>
+          </a:xfrm>
+          <a:prstGeom prst="line">
+            <a:avLst/>
+          </a:prstGeom>
+          <a:ln>
+            <a:solidFill>
+              <a:srgbClr val="FF0000"/>
+            </a:solidFill>
+            <a:headEnd type="oval" w="med" len="med"/>
+            <a:tailEnd type="oval" w="med" len="med"/>
+          </a:ln>
+        </p:spPr>
+        <p:style>
+          <a:lnRef idx="1">
+            <a:schemeClr val="accent1"/>
+          </a:lnRef>
+          <a:fillRef idx="0">
+            <a:schemeClr val="accent1"/>
+          </a:fillRef>
+          <a:effectRef idx="0">
+            <a:schemeClr val="accent1"/>
+          </a:effectRef>
+          <a:fontRef idx="minor">
+            <a:schemeClr val="tx1"/>
+          </a:fontRef>
+        </p:style>
+      </p:cxnSp>
+      <p:cxnSp>
+        <p:nvCxnSpPr>
+          <p:cNvPr id="98" name="直線コネクタ 97">
+            <a:extLst>
+              <a:ext uri="{FF2B5EF4-FFF2-40B4-BE49-F238E27FC236}">
+                <a16:creationId xmlns:a16="http://schemas.microsoft.com/office/drawing/2014/main" id="{1DFC9A13-5CDF-4F5A-A8DC-312E80DB43B2}"/>
+              </a:ext>
+            </a:extLst>
+          </p:cNvPr>
+          <p:cNvCxnSpPr/>
+          <p:nvPr/>
+        </p:nvCxnSpPr>
+        <p:spPr>
+          <a:xfrm>
+            <a:off x="3082834" y="3300549"/>
+            <a:ext cx="0" cy="1240968"/>
+          </a:xfrm>
+          <a:prstGeom prst="line">
+            <a:avLst/>
+          </a:prstGeom>
+        </p:spPr>
+        <p:style>
+          <a:lnRef idx="1">
+            <a:schemeClr val="accent1"/>
+          </a:lnRef>
+          <a:fillRef idx="0">
+            <a:schemeClr val="accent1"/>
+          </a:fillRef>
+          <a:effectRef idx="0">
+            <a:schemeClr val="accent1"/>
+          </a:effectRef>
+          <a:fontRef idx="minor">
+            <a:schemeClr val="tx1"/>
+          </a:fontRef>
+        </p:style>
+      </p:cxnSp>
+      <p:cxnSp>
+        <p:nvCxnSpPr>
+          <p:cNvPr id="100" name="直線コネクタ 99">
+            <a:extLst>
+              <a:ext uri="{FF2B5EF4-FFF2-40B4-BE49-F238E27FC236}">
+                <a16:creationId xmlns:a16="http://schemas.microsoft.com/office/drawing/2014/main" id="{426E9B03-C3CD-4B0F-88F2-6AEE23F6B504}"/>
+              </a:ext>
+            </a:extLst>
+          </p:cNvPr>
+          <p:cNvCxnSpPr>
+            <a:cxnSpLocks/>
+          </p:cNvCxnSpPr>
+          <p:nvPr/>
+        </p:nvCxnSpPr>
+        <p:spPr>
+          <a:xfrm flipH="1">
+            <a:off x="3065426" y="4537167"/>
+            <a:ext cx="265611" cy="0"/>
+          </a:xfrm>
+          <a:prstGeom prst="line">
+            <a:avLst/>
+          </a:prstGeom>
+          <a:ln>
+            <a:solidFill>
+              <a:srgbClr val="0070C0"/>
+            </a:solidFill>
+            <a:headEnd type="oval" w="med" len="med"/>
+            <a:tailEnd type="none" w="med" len="med"/>
+          </a:ln>
+        </p:spPr>
+        <p:style>
+          <a:lnRef idx="1">
+            <a:schemeClr val="accent1"/>
+          </a:lnRef>
+          <a:fillRef idx="0">
+            <a:schemeClr val="accent1"/>
+          </a:fillRef>
+          <a:effectRef idx="0">
+            <a:schemeClr val="accent1"/>
+          </a:effectRef>
+          <a:fontRef idx="minor">
+            <a:schemeClr val="tx1"/>
+          </a:fontRef>
+        </p:style>
+      </p:cxnSp>
+      <p:cxnSp>
+        <p:nvCxnSpPr>
+          <p:cNvPr id="101" name="直線コネクタ 100">
+            <a:extLst>
+              <a:ext uri="{FF2B5EF4-FFF2-40B4-BE49-F238E27FC236}">
+                <a16:creationId xmlns:a16="http://schemas.microsoft.com/office/drawing/2014/main" id="{23DDD6DA-51AF-4DFB-83F5-AB0E534633C5}"/>
+              </a:ext>
+            </a:extLst>
+          </p:cNvPr>
+          <p:cNvCxnSpPr>
+            <a:cxnSpLocks/>
+          </p:cNvCxnSpPr>
+          <p:nvPr/>
+        </p:nvCxnSpPr>
+        <p:spPr>
+          <a:xfrm flipV="1">
+            <a:off x="3087182" y="3289667"/>
+            <a:ext cx="990592" cy="15235"/>
+          </a:xfrm>
+          <a:prstGeom prst="line">
+            <a:avLst/>
+          </a:prstGeom>
+        </p:spPr>
+        <p:style>
+          <a:lnRef idx="1">
+            <a:schemeClr val="accent1"/>
+          </a:lnRef>
+          <a:fillRef idx="0">
+            <a:schemeClr val="accent1"/>
+          </a:fillRef>
+          <a:effectRef idx="0">
+            <a:schemeClr val="accent1"/>
+          </a:effectRef>
+          <a:fontRef idx="minor">
+            <a:schemeClr val="tx1"/>
+          </a:fontRef>
+        </p:style>
+      </p:cxnSp>
+      <p:cxnSp>
+        <p:nvCxnSpPr>
+          <p:cNvPr id="103" name="直線コネクタ 102">
+            <a:extLst>
+              <a:ext uri="{FF2B5EF4-FFF2-40B4-BE49-F238E27FC236}">
+                <a16:creationId xmlns:a16="http://schemas.microsoft.com/office/drawing/2014/main" id="{3A7F966D-960C-47CD-A47E-44C13BA07F05}"/>
+              </a:ext>
+            </a:extLst>
+          </p:cNvPr>
+          <p:cNvCxnSpPr>
+            <a:cxnSpLocks/>
+          </p:cNvCxnSpPr>
+          <p:nvPr/>
+        </p:nvCxnSpPr>
+        <p:spPr>
+          <a:xfrm flipV="1">
+            <a:off x="4069078" y="2806332"/>
+            <a:ext cx="13065" cy="496393"/>
+          </a:xfrm>
+          <a:prstGeom prst="line">
+            <a:avLst/>
+          </a:prstGeom>
+          <a:ln>
+            <a:solidFill>
+              <a:srgbClr val="0070C0"/>
+            </a:solidFill>
+            <a:headEnd type="none" w="med" len="med"/>
+            <a:tailEnd type="oval" w="med" len="med"/>
+          </a:ln>
+        </p:spPr>
+        <p:style>
+          <a:lnRef idx="1">
+            <a:schemeClr val="accent1"/>
+          </a:lnRef>
+          <a:fillRef idx="0">
+            <a:schemeClr val="accent1"/>
+          </a:fillRef>
+          <a:effectRef idx="0">
+            <a:schemeClr val="accent1"/>
+          </a:effectRef>
+          <a:fontRef idx="minor">
+            <a:schemeClr val="tx1"/>
+          </a:fontRef>
+        </p:style>
+      </p:cxnSp>
+      <p:cxnSp>
+        <p:nvCxnSpPr>
+          <p:cNvPr id="104" name="直線コネクタ 103">
+            <a:extLst>
+              <a:ext uri="{FF2B5EF4-FFF2-40B4-BE49-F238E27FC236}">
+                <a16:creationId xmlns:a16="http://schemas.microsoft.com/office/drawing/2014/main" id="{A6E29603-A85A-429F-9248-846CEBA700C9}"/>
+              </a:ext>
+            </a:extLst>
+          </p:cNvPr>
+          <p:cNvCxnSpPr>
+            <a:cxnSpLocks/>
+          </p:cNvCxnSpPr>
+          <p:nvPr/>
+        </p:nvCxnSpPr>
+        <p:spPr>
+          <a:xfrm>
+            <a:off x="2599505" y="4280263"/>
+            <a:ext cx="483329" cy="0"/>
+          </a:xfrm>
+          <a:prstGeom prst="line">
+            <a:avLst/>
+          </a:prstGeom>
+          <a:ln>
+            <a:solidFill>
+              <a:srgbClr val="0070C0"/>
+            </a:solidFill>
+            <a:headEnd type="oval" w="med" len="med"/>
+            <a:tailEnd type="oval" w="med" len="med"/>
+          </a:ln>
+        </p:spPr>
+        <p:style>
+          <a:lnRef idx="1">
+            <a:schemeClr val="accent1"/>
+          </a:lnRef>
+          <a:fillRef idx="0">
+            <a:schemeClr val="accent1"/>
+          </a:fillRef>
+          <a:effectRef idx="0">
+            <a:schemeClr val="accent1"/>
+          </a:effectRef>
+          <a:fontRef idx="minor">
+            <a:schemeClr val="tx1"/>
+          </a:fontRef>
+        </p:style>
+      </p:cxnSp>
+      <p:sp>
+        <p:nvSpPr>
+          <p:cNvPr id="107" name="テキスト ボックス 106">
+            <a:extLst>
+              <a:ext uri="{FF2B5EF4-FFF2-40B4-BE49-F238E27FC236}">
+                <a16:creationId xmlns:a16="http://schemas.microsoft.com/office/drawing/2014/main" id="{1EA1F7EF-BE8B-4B8A-BA35-133E653AEB1A}"/>
+              </a:ext>
+            </a:extLst>
+          </p:cNvPr>
+          <p:cNvSpPr txBox="1"/>
+          <p:nvPr/>
+        </p:nvSpPr>
+        <p:spPr>
+          <a:xfrm>
+            <a:off x="3254566" y="5135207"/>
+            <a:ext cx="1212930" cy="646331"/>
+          </a:xfrm>
+          <a:prstGeom prst="rect">
+            <a:avLst/>
+          </a:prstGeom>
+          <a:noFill/>
+        </p:spPr>
+        <p:txBody>
+          <a:bodyPr wrap="square" rtlCol="0">
+            <a:spAutoFit/>
+          </a:bodyPr>
+          <a:lstStyle/>
+          <a:p>
+            <a:r>
+              <a:rPr lang="en-US" b="1" dirty="0">
+                <a:solidFill>
+                  <a:srgbClr val="00B050"/>
+                </a:solidFill>
+              </a:rPr>
+              <a:t>Logic level converter</a:t>
+            </a:r>
+          </a:p>
+        </p:txBody>
+      </p:sp>
+      <p:sp>
+        <p:nvSpPr>
+          <p:cNvPr id="108" name="テキスト ボックス 107">
+            <a:extLst>
+              <a:ext uri="{FF2B5EF4-FFF2-40B4-BE49-F238E27FC236}">
+                <a16:creationId xmlns:a16="http://schemas.microsoft.com/office/drawing/2014/main" id="{11A090B2-BD79-47EA-8F34-16CBE728FB98}"/>
+              </a:ext>
+            </a:extLst>
+          </p:cNvPr>
+          <p:cNvSpPr txBox="1"/>
+          <p:nvPr/>
+        </p:nvSpPr>
+        <p:spPr>
+          <a:xfrm>
+            <a:off x="2464525" y="1070485"/>
+            <a:ext cx="1434999" cy="646331"/>
+          </a:xfrm>
+          <a:prstGeom prst="rect">
+            <a:avLst/>
+          </a:prstGeom>
+          <a:noFill/>
+        </p:spPr>
+        <p:txBody>
+          <a:bodyPr wrap="square" rtlCol="0">
+            <a:spAutoFit/>
+          </a:bodyPr>
+          <a:lstStyle/>
+          <a:p>
+            <a:r>
+              <a:rPr lang="en-US" b="1" dirty="0">
+                <a:solidFill>
+                  <a:srgbClr val="00B050"/>
+                </a:solidFill>
+              </a:rPr>
+              <a:t>USB micro-B connector</a:t>
+            </a:r>
+          </a:p>
+        </p:txBody>
+      </p:sp>
+      <p:sp>
+        <p:nvSpPr>
+          <p:cNvPr id="109" name="テキスト ボックス 108">
+            <a:extLst>
+              <a:ext uri="{FF2B5EF4-FFF2-40B4-BE49-F238E27FC236}">
+                <a16:creationId xmlns:a16="http://schemas.microsoft.com/office/drawing/2014/main" id="{A9E17E2E-F5E7-4B25-AAC6-AC7059118FA1}"/>
+              </a:ext>
+            </a:extLst>
+          </p:cNvPr>
+          <p:cNvSpPr txBox="1"/>
+          <p:nvPr/>
+        </p:nvSpPr>
+        <p:spPr>
+          <a:xfrm>
+            <a:off x="1943927" y="5165681"/>
+            <a:ext cx="1212930" cy="369332"/>
+          </a:xfrm>
+          <a:prstGeom prst="rect">
+            <a:avLst/>
+          </a:prstGeom>
+          <a:noFill/>
+        </p:spPr>
+        <p:txBody>
+          <a:bodyPr wrap="square" rtlCol="0">
+            <a:spAutoFit/>
+          </a:bodyPr>
+          <a:lstStyle/>
+          <a:p>
+            <a:r>
+              <a:rPr lang="en-US" b="1" dirty="0">
+                <a:solidFill>
+                  <a:srgbClr val="00B050"/>
+                </a:solidFill>
+              </a:rPr>
+              <a:t>Pin socket</a:t>
+            </a:r>
+          </a:p>
+        </p:txBody>
+      </p:sp>
+      <p:sp>
+        <p:nvSpPr>
+          <p:cNvPr id="110" name="テキスト ボックス 109">
+            <a:extLst>
+              <a:ext uri="{FF2B5EF4-FFF2-40B4-BE49-F238E27FC236}">
+                <a16:creationId xmlns:a16="http://schemas.microsoft.com/office/drawing/2014/main" id="{AE95B727-AE8D-4260-8619-2019C3AD404A}"/>
+              </a:ext>
+            </a:extLst>
+          </p:cNvPr>
+          <p:cNvSpPr txBox="1"/>
+          <p:nvPr/>
+        </p:nvSpPr>
+        <p:spPr>
+          <a:xfrm>
+            <a:off x="5955441" y="5182383"/>
+            <a:ext cx="1212930" cy="369332"/>
+          </a:xfrm>
+          <a:prstGeom prst="rect">
+            <a:avLst/>
+          </a:prstGeom>
+          <a:noFill/>
+        </p:spPr>
+        <p:txBody>
+          <a:bodyPr wrap="square" rtlCol="0">
+            <a:spAutoFit/>
+          </a:bodyPr>
+          <a:lstStyle/>
+          <a:p>
+            <a:r>
+              <a:rPr lang="en-US" b="1" dirty="0">
+                <a:solidFill>
+                  <a:srgbClr val="00B050"/>
+                </a:solidFill>
+              </a:rPr>
+              <a:t>Pin socket</a:t>
+            </a:r>
+          </a:p>
+        </p:txBody>
+      </p:sp>
+      <p:sp>
+        <p:nvSpPr>
+          <p:cNvPr id="111" name="テキスト ボックス 110">
+            <a:extLst>
+              <a:ext uri="{FF2B5EF4-FFF2-40B4-BE49-F238E27FC236}">
+                <a16:creationId xmlns:a16="http://schemas.microsoft.com/office/drawing/2014/main" id="{8528E84B-6D82-4D4B-92E3-63A44196BD3D}"/>
+              </a:ext>
+            </a:extLst>
+          </p:cNvPr>
+          <p:cNvSpPr txBox="1"/>
+          <p:nvPr/>
+        </p:nvSpPr>
+        <p:spPr>
+          <a:xfrm>
+            <a:off x="4837739" y="1336974"/>
+            <a:ext cx="1212930" cy="369332"/>
+          </a:xfrm>
+          <a:prstGeom prst="rect">
+            <a:avLst/>
+          </a:prstGeom>
+          <a:noFill/>
+        </p:spPr>
+        <p:txBody>
+          <a:bodyPr wrap="square" rtlCol="0">
+            <a:spAutoFit/>
+          </a:bodyPr>
+          <a:lstStyle/>
+          <a:p>
+            <a:r>
+              <a:rPr lang="en-US" b="1" dirty="0">
+                <a:solidFill>
+                  <a:srgbClr val="00B050"/>
+                </a:solidFill>
+              </a:rPr>
+              <a:t>Pin socket</a:t>
+            </a:r>
+          </a:p>
+        </p:txBody>
+      </p:sp>
+    </p:spTree>
+    <p:extLst>
+      <p:ext uri="{BB962C8B-B14F-4D97-AF65-F5344CB8AC3E}">
+        <p14:creationId xmlns:p14="http://schemas.microsoft.com/office/powerpoint/2010/main" val="2044281121"/>
+      </p:ext>
+    </p:extLst>
+  </p:cSld>
+  <p:clrMapOvr>
+    <a:masterClrMapping/>
+  </p:clrMapOvr>
+</p:sld>
+</file>
+
 <file path=ppt/theme/theme1.xml><?xml version="1.0" encoding="utf-8"?>
 <a:theme xmlns:a="http://schemas.openxmlformats.org/drawingml/2006/main" name="Office テーマ">
   <a:themeElements>

--- a/doc/ble.pptx
+++ b/doc/ble.pptx
@@ -3968,8 +3968,8 @@
         </p:nvCxnSpPr>
         <p:spPr>
           <a:xfrm flipV="1">
-            <a:off x="4318360" y="5020492"/>
-            <a:ext cx="1498964" cy="13067"/>
+            <a:off x="5074814" y="5027021"/>
+            <a:ext cx="247726" cy="9797"/>
           </a:xfrm>
           <a:prstGeom prst="line">
             <a:avLst/>
@@ -4179,10 +4179,10 @@
       </p:cxnSp>
       <p:cxnSp>
         <p:nvCxnSpPr>
-          <p:cNvPr id="49" name="直線コネクタ 48">
-            <a:extLst>
-              <a:ext uri="{FF2B5EF4-FFF2-40B4-BE49-F238E27FC236}">
-                <a16:creationId xmlns:a16="http://schemas.microsoft.com/office/drawing/2014/main" id="{593CC485-EE06-4ABD-AC3B-B5A9B47BBBC6}"/>
+          <p:cNvPr id="53" name="直線コネクタ 52">
+            <a:extLst>
+              <a:ext uri="{FF2B5EF4-FFF2-40B4-BE49-F238E27FC236}">
+                <a16:creationId xmlns:a16="http://schemas.microsoft.com/office/drawing/2014/main" id="{DCEBA720-046D-4B4D-A2CD-3CAB259FD860}"/>
               </a:ext>
             </a:extLst>
           </p:cNvPr>
@@ -4193,97 +4193,8 @@
         </p:nvCxnSpPr>
         <p:spPr>
           <a:xfrm>
-            <a:off x="5543158" y="5050967"/>
-            <a:ext cx="511471" cy="4360"/>
-          </a:xfrm>
-          <a:prstGeom prst="line">
-            <a:avLst/>
-          </a:prstGeom>
-          <a:ln>
-            <a:solidFill>
-              <a:srgbClr val="FF0000"/>
-            </a:solidFill>
-            <a:tailEnd type="oval"/>
-          </a:ln>
-        </p:spPr>
-        <p:style>
-          <a:lnRef idx="1">
-            <a:schemeClr val="accent1"/>
-          </a:lnRef>
-          <a:fillRef idx="0">
-            <a:schemeClr val="accent1"/>
-          </a:fillRef>
-          <a:effectRef idx="0">
-            <a:schemeClr val="accent1"/>
-          </a:effectRef>
-          <a:fontRef idx="minor">
-            <a:schemeClr val="tx1"/>
-          </a:fontRef>
-        </p:style>
-      </p:cxnSp>
-      <p:cxnSp>
-        <p:nvCxnSpPr>
-          <p:cNvPr id="53" name="直線コネクタ 52">
-            <a:extLst>
-              <a:ext uri="{FF2B5EF4-FFF2-40B4-BE49-F238E27FC236}">
-                <a16:creationId xmlns:a16="http://schemas.microsoft.com/office/drawing/2014/main" id="{DCEBA720-046D-4B4D-A2CD-3CAB259FD860}"/>
-              </a:ext>
-            </a:extLst>
-          </p:cNvPr>
-          <p:cNvCxnSpPr>
-            <a:cxnSpLocks/>
-          </p:cNvCxnSpPr>
-          <p:nvPr/>
-        </p:nvCxnSpPr>
-        <p:spPr>
-          <a:xfrm>
             <a:off x="4314004" y="4541517"/>
             <a:ext cx="265611" cy="0"/>
-          </a:xfrm>
-          <a:prstGeom prst="line">
-            <a:avLst/>
-          </a:prstGeom>
-          <a:ln>
-            <a:solidFill>
-              <a:srgbClr val="0070C0"/>
-            </a:solidFill>
-            <a:headEnd type="oval" w="med" len="med"/>
-            <a:tailEnd type="oval" w="med" len="med"/>
-          </a:ln>
-        </p:spPr>
-        <p:style>
-          <a:lnRef idx="1">
-            <a:schemeClr val="accent1"/>
-          </a:lnRef>
-          <a:fillRef idx="0">
-            <a:schemeClr val="accent1"/>
-          </a:fillRef>
-          <a:effectRef idx="0">
-            <a:schemeClr val="accent1"/>
-          </a:effectRef>
-          <a:fontRef idx="minor">
-            <a:schemeClr val="tx1"/>
-          </a:fontRef>
-        </p:style>
-      </p:cxnSp>
-      <p:cxnSp>
-        <p:nvCxnSpPr>
-          <p:cNvPr id="54" name="直線コネクタ 53">
-            <a:extLst>
-              <a:ext uri="{FF2B5EF4-FFF2-40B4-BE49-F238E27FC236}">
-                <a16:creationId xmlns:a16="http://schemas.microsoft.com/office/drawing/2014/main" id="{D67FE3DF-92C6-4674-A439-CA17EA6AB0F3}"/>
-              </a:ext>
-            </a:extLst>
-          </p:cNvPr>
-          <p:cNvCxnSpPr>
-            <a:cxnSpLocks/>
-          </p:cNvCxnSpPr>
-          <p:nvPr/>
-        </p:nvCxnSpPr>
-        <p:spPr>
-          <a:xfrm flipV="1">
-            <a:off x="4318353" y="4773827"/>
-            <a:ext cx="1242867" cy="7178"/>
           </a:xfrm>
           <a:prstGeom prst="line">
             <a:avLst/>
@@ -4426,8 +4337,8 @@
         </p:nvCxnSpPr>
         <p:spPr>
           <a:xfrm>
-            <a:off x="6560817" y="4032069"/>
-            <a:ext cx="0" cy="256904"/>
+            <a:off x="6560817" y="3822687"/>
+            <a:ext cx="0" cy="466286"/>
           </a:xfrm>
           <a:prstGeom prst="line">
             <a:avLst/>
@@ -5904,8 +5815,8 @@
         </p:nvCxnSpPr>
         <p:spPr>
           <a:xfrm flipV="1">
-            <a:off x="5806437" y="2053041"/>
-            <a:ext cx="10888" cy="2997935"/>
+            <a:off x="5809701" y="2053042"/>
+            <a:ext cx="7624" cy="1994266"/>
           </a:xfrm>
           <a:prstGeom prst="line">
             <a:avLst/>
@@ -5914,7 +5825,7 @@
             <a:solidFill>
               <a:srgbClr val="0070C0"/>
             </a:solidFill>
-            <a:headEnd type="oval" w="med" len="med"/>
+            <a:headEnd type="none" w="med" len="med"/>
             <a:tailEnd type="oval" w="med" len="med"/>
           </a:ln>
         </p:spPr>
@@ -5948,9 +5859,9 @@
           <p:nvPr/>
         </p:nvCxnSpPr>
         <p:spPr>
-          <a:xfrm flipH="1" flipV="1">
-            <a:off x="5569128" y="2048685"/>
-            <a:ext cx="1625" cy="1974991"/>
+          <a:xfrm flipV="1">
+            <a:off x="5561537" y="2057396"/>
+            <a:ext cx="7592" cy="1713786"/>
           </a:xfrm>
           <a:prstGeom prst="line">
             <a:avLst/>
@@ -6025,51 +5936,6 @@
       </p:cxnSp>
       <p:cxnSp>
         <p:nvCxnSpPr>
-          <p:cNvPr id="41" name="直線コネクタ 40">
-            <a:extLst>
-              <a:ext uri="{FF2B5EF4-FFF2-40B4-BE49-F238E27FC236}">
-                <a16:creationId xmlns:a16="http://schemas.microsoft.com/office/drawing/2014/main" id="{2DCD1D00-ED92-494B-BB0E-DAE1D6D65FAF}"/>
-              </a:ext>
-            </a:extLst>
-          </p:cNvPr>
-          <p:cNvCxnSpPr>
-            <a:cxnSpLocks/>
-          </p:cNvCxnSpPr>
-          <p:nvPr/>
-        </p:nvCxnSpPr>
-        <p:spPr>
-          <a:xfrm>
-            <a:off x="5817324" y="4789714"/>
-            <a:ext cx="475124" cy="3"/>
-          </a:xfrm>
-          <a:prstGeom prst="line">
-            <a:avLst/>
-          </a:prstGeom>
-          <a:ln>
-            <a:solidFill>
-              <a:srgbClr val="FF0000"/>
-            </a:solidFill>
-            <a:headEnd type="oval" w="med" len="med"/>
-            <a:tailEnd type="oval" w="med" len="med"/>
-          </a:ln>
-        </p:spPr>
-        <p:style>
-          <a:lnRef idx="1">
-            <a:schemeClr val="accent1"/>
-          </a:lnRef>
-          <a:fillRef idx="0">
-            <a:schemeClr val="accent1"/>
-          </a:fillRef>
-          <a:effectRef idx="0">
-            <a:schemeClr val="accent1"/>
-          </a:effectRef>
-          <a:fontRef idx="minor">
-            <a:schemeClr val="tx1"/>
-          </a:fontRef>
-        </p:style>
-      </p:cxnSp>
-      <p:cxnSp>
-        <p:nvCxnSpPr>
           <p:cNvPr id="1041" name="直線コネクタ 1040">
             <a:extLst>
               <a:ext uri="{FF2B5EF4-FFF2-40B4-BE49-F238E27FC236}">
@@ -6232,7 +6098,7 @@
         </p:nvCxnSpPr>
         <p:spPr>
           <a:xfrm>
-            <a:off x="5562308" y="4040778"/>
+            <a:off x="5562308" y="3796934"/>
             <a:ext cx="994164" cy="0"/>
           </a:xfrm>
           <a:prstGeom prst="line">
@@ -6532,8 +6398,8 @@
         </p:nvCxnSpPr>
         <p:spPr>
           <a:xfrm>
-            <a:off x="5561220" y="4534340"/>
-            <a:ext cx="718146" cy="4763"/>
+            <a:off x="5076011" y="4530287"/>
+            <a:ext cx="1203355" cy="8816"/>
           </a:xfrm>
           <a:prstGeom prst="line">
             <a:avLst/>
@@ -6606,12 +6472,277 @@
           </a:fontRef>
         </p:style>
       </p:cxnSp>
+      <p:sp>
+        <p:nvSpPr>
+          <p:cNvPr id="184" name="テキスト ボックス 183">
+            <a:extLst>
+              <a:ext uri="{FF2B5EF4-FFF2-40B4-BE49-F238E27FC236}">
+                <a16:creationId xmlns:a16="http://schemas.microsoft.com/office/drawing/2014/main" id="{99286653-0EB4-4E01-AB04-A70A4B02E40D}"/>
+              </a:ext>
+            </a:extLst>
+          </p:cNvPr>
+          <p:cNvSpPr txBox="1"/>
+          <p:nvPr/>
+        </p:nvSpPr>
+        <p:spPr>
+          <a:xfrm>
+            <a:off x="4785073" y="430774"/>
+            <a:ext cx="1977940" cy="369332"/>
+          </a:xfrm>
+          <a:prstGeom prst="rect">
+            <a:avLst/>
+          </a:prstGeom>
+          <a:noFill/>
+        </p:spPr>
+        <p:txBody>
+          <a:bodyPr wrap="square" rtlCol="0">
+            <a:spAutoFit/>
+          </a:bodyPr>
+          <a:lstStyle/>
+          <a:p>
+            <a:r>
+              <a:rPr lang="en-US" b="1" dirty="0">
+                <a:solidFill>
+                  <a:srgbClr val="00B050"/>
+                </a:solidFill>
+              </a:rPr>
+              <a:t>Microchip RN4020</a:t>
+            </a:r>
+          </a:p>
+        </p:txBody>
+      </p:sp>
+      <p:sp>
+        <p:nvSpPr>
+          <p:cNvPr id="187" name="テキスト ボックス 186">
+            <a:extLst>
+              <a:ext uri="{FF2B5EF4-FFF2-40B4-BE49-F238E27FC236}">
+                <a16:creationId xmlns:a16="http://schemas.microsoft.com/office/drawing/2014/main" id="{7DA0D5DE-2811-4A58-AE2B-C0BF82ED7337}"/>
+              </a:ext>
+            </a:extLst>
+          </p:cNvPr>
+          <p:cNvSpPr txBox="1"/>
+          <p:nvPr/>
+        </p:nvSpPr>
+        <p:spPr>
+          <a:xfrm>
+            <a:off x="423890" y="4379923"/>
+            <a:ext cx="1156768" cy="369332"/>
+          </a:xfrm>
+          <a:prstGeom prst="rect">
+            <a:avLst/>
+          </a:prstGeom>
+          <a:noFill/>
+        </p:spPr>
+        <p:txBody>
+          <a:bodyPr wrap="square" rtlCol="0">
+            <a:spAutoFit/>
+          </a:bodyPr>
+          <a:lstStyle/>
+          <a:p>
+            <a:r>
+              <a:rPr lang="en-US" b="1" dirty="0">
+                <a:solidFill>
+                  <a:srgbClr val="00B050"/>
+                </a:solidFill>
+              </a:rPr>
+              <a:t>UART</a:t>
+            </a:r>
+          </a:p>
+        </p:txBody>
+      </p:sp>
+      <p:sp>
+        <p:nvSpPr>
+          <p:cNvPr id="188" name="テキスト ボックス 187">
+            <a:extLst>
+              <a:ext uri="{FF2B5EF4-FFF2-40B4-BE49-F238E27FC236}">
+                <a16:creationId xmlns:a16="http://schemas.microsoft.com/office/drawing/2014/main" id="{35BEEB6D-1F53-414E-AB9E-56C5A2F7A2E0}"/>
+              </a:ext>
+            </a:extLst>
+          </p:cNvPr>
+          <p:cNvSpPr txBox="1"/>
+          <p:nvPr/>
+        </p:nvSpPr>
+        <p:spPr>
+          <a:xfrm>
+            <a:off x="8029716" y="4389305"/>
+            <a:ext cx="968233" cy="677108"/>
+          </a:xfrm>
+          <a:prstGeom prst="rect">
+            <a:avLst/>
+          </a:prstGeom>
+          <a:noFill/>
+        </p:spPr>
+        <p:txBody>
+          <a:bodyPr wrap="square" rtlCol="0">
+            <a:spAutoFit/>
+          </a:bodyPr>
+          <a:lstStyle/>
+          <a:p>
+            <a:r>
+              <a:rPr lang="en-US" b="1" dirty="0">
+                <a:solidFill>
+                  <a:srgbClr val="00B050"/>
+                </a:solidFill>
+              </a:rPr>
+              <a:t>UART</a:t>
+            </a:r>
+          </a:p>
+          <a:p>
+            <a:r>
+              <a:rPr lang="en-US" sz="1000" b="1" dirty="0">
+                <a:solidFill>
+                  <a:srgbClr val="00B050"/>
+                </a:solidFill>
+              </a:rPr>
+              <a:t>(for RN4020 management)</a:t>
+            </a:r>
+          </a:p>
+        </p:txBody>
+      </p:sp>
+      <p:sp>
+        <p:nvSpPr>
+          <p:cNvPr id="144" name="矢印: 左右 143">
+            <a:extLst>
+              <a:ext uri="{FF2B5EF4-FFF2-40B4-BE49-F238E27FC236}">
+                <a16:creationId xmlns:a16="http://schemas.microsoft.com/office/drawing/2014/main" id="{F1DA9FE4-A6F4-4421-895C-11D1089177DE}"/>
+              </a:ext>
+            </a:extLst>
+          </p:cNvPr>
+          <p:cNvSpPr/>
+          <p:nvPr/>
+        </p:nvSpPr>
+        <p:spPr>
+          <a:xfrm>
+            <a:off x="1219200" y="4440315"/>
+            <a:ext cx="624433" cy="284085"/>
+          </a:xfrm>
+          <a:prstGeom prst="leftRightArrow">
+            <a:avLst/>
+          </a:prstGeom>
+        </p:spPr>
+        <p:style>
+          <a:lnRef idx="2">
+            <a:schemeClr val="accent1">
+              <a:shade val="50000"/>
+            </a:schemeClr>
+          </a:lnRef>
+          <a:fillRef idx="1">
+            <a:schemeClr val="accent1"/>
+          </a:fillRef>
+          <a:effectRef idx="0">
+            <a:schemeClr val="accent1"/>
+          </a:effectRef>
+          <a:fontRef idx="minor">
+            <a:schemeClr val="lt1"/>
+          </a:fontRef>
+        </p:style>
+        <p:txBody>
+          <a:bodyPr rtlCol="0" anchor="ctr"/>
+          <a:lstStyle/>
+          <a:p>
+            <a:pPr algn="ctr"/>
+            <a:endParaRPr lang="en-US"/>
+          </a:p>
+        </p:txBody>
+      </p:sp>
+      <p:sp>
+        <p:nvSpPr>
+          <p:cNvPr id="190" name="矢印: 左右 189">
+            <a:extLst>
+              <a:ext uri="{FF2B5EF4-FFF2-40B4-BE49-F238E27FC236}">
+                <a16:creationId xmlns:a16="http://schemas.microsoft.com/office/drawing/2014/main" id="{72D75B7E-1F7A-4C12-A68E-400E692C40E8}"/>
+              </a:ext>
+            </a:extLst>
+          </p:cNvPr>
+          <p:cNvSpPr/>
+          <p:nvPr/>
+        </p:nvSpPr>
+        <p:spPr>
+          <a:xfrm>
+            <a:off x="7333305" y="4454296"/>
+            <a:ext cx="624433" cy="284085"/>
+          </a:xfrm>
+          <a:prstGeom prst="leftRightArrow">
+            <a:avLst/>
+          </a:prstGeom>
+        </p:spPr>
+        <p:style>
+          <a:lnRef idx="2">
+            <a:schemeClr val="accent1">
+              <a:shade val="50000"/>
+            </a:schemeClr>
+          </a:lnRef>
+          <a:fillRef idx="1">
+            <a:schemeClr val="accent1"/>
+          </a:fillRef>
+          <a:effectRef idx="0">
+            <a:schemeClr val="accent1"/>
+          </a:effectRef>
+          <a:fontRef idx="minor">
+            <a:schemeClr val="lt1"/>
+          </a:fontRef>
+        </p:style>
+        <p:txBody>
+          <a:bodyPr rtlCol="0" anchor="ctr"/>
+          <a:lstStyle/>
+          <a:p>
+            <a:pPr algn="ctr"/>
+            <a:endParaRPr lang="en-US"/>
+          </a:p>
+        </p:txBody>
+      </p:sp>
+      <p:sp>
+        <p:nvSpPr>
+          <p:cNvPr id="191" name="矢印: 左右 190">
+            <a:extLst>
+              <a:ext uri="{FF2B5EF4-FFF2-40B4-BE49-F238E27FC236}">
+                <a16:creationId xmlns:a16="http://schemas.microsoft.com/office/drawing/2014/main" id="{52659C62-FE8C-4051-BECB-82DACFF0E626}"/>
+              </a:ext>
+            </a:extLst>
+          </p:cNvPr>
+          <p:cNvSpPr/>
+          <p:nvPr/>
+        </p:nvSpPr>
+        <p:spPr>
+          <a:xfrm rot="16200000">
+            <a:off x="5431262" y="950737"/>
+            <a:ext cx="624433" cy="284085"/>
+          </a:xfrm>
+          <a:prstGeom prst="leftRightArrow">
+            <a:avLst/>
+          </a:prstGeom>
+        </p:spPr>
+        <p:style>
+          <a:lnRef idx="2">
+            <a:schemeClr val="accent1">
+              <a:shade val="50000"/>
+            </a:schemeClr>
+          </a:lnRef>
+          <a:fillRef idx="1">
+            <a:schemeClr val="accent1"/>
+          </a:fillRef>
+          <a:effectRef idx="0">
+            <a:schemeClr val="accent1"/>
+          </a:effectRef>
+          <a:fontRef idx="minor">
+            <a:schemeClr val="lt1"/>
+          </a:fontRef>
+        </p:style>
+        <p:txBody>
+          <a:bodyPr rtlCol="0" anchor="ctr"/>
+          <a:lstStyle/>
+          <a:p>
+            <a:pPr algn="ctr"/>
+            <a:endParaRPr lang="en-US"/>
+          </a:p>
+        </p:txBody>
+      </p:sp>
       <p:cxnSp>
         <p:nvCxnSpPr>
-          <p:cNvPr id="48" name="直線コネクタ 47">
-            <a:extLst>
-              <a:ext uri="{FF2B5EF4-FFF2-40B4-BE49-F238E27FC236}">
-                <a16:creationId xmlns:a16="http://schemas.microsoft.com/office/drawing/2014/main" id="{D994194A-6EB9-41D8-AAB7-EB785C46C7B1}"/>
+          <p:cNvPr id="93" name="直線コネクタ 92">
+            <a:extLst>
+              <a:ext uri="{FF2B5EF4-FFF2-40B4-BE49-F238E27FC236}">
+                <a16:creationId xmlns:a16="http://schemas.microsoft.com/office/drawing/2014/main" id="{29A079D1-1273-4310-A526-67DF9ADA28B0}"/>
               </a:ext>
             </a:extLst>
           </p:cNvPr>
@@ -6621,19 +6752,19 @@
           <p:nvPr/>
         </p:nvCxnSpPr>
         <p:spPr>
-          <a:xfrm>
-            <a:off x="5572403" y="4785362"/>
-            <a:ext cx="0" cy="269963"/>
+          <a:xfrm flipH="1" flipV="1">
+            <a:off x="5322540" y="4300891"/>
+            <a:ext cx="1666" cy="475768"/>
           </a:xfrm>
           <a:prstGeom prst="line">
             <a:avLst/>
           </a:prstGeom>
           <a:ln>
             <a:solidFill>
-              <a:srgbClr val="FF0000"/>
+              <a:srgbClr val="0070C0"/>
             </a:solidFill>
             <a:headEnd type="oval" w="med" len="med"/>
-            <a:tailEnd type="none" w="med" len="med"/>
+            <a:tailEnd type="oval" w="med" len="med"/>
           </a:ln>
         </p:spPr>
         <p:style>
@@ -6653,24 +6784,33 @@
       </p:cxnSp>
       <p:cxnSp>
         <p:nvCxnSpPr>
-          <p:cNvPr id="142" name="直線コネクタ 141">
-            <a:extLst>
-              <a:ext uri="{FF2B5EF4-FFF2-40B4-BE49-F238E27FC236}">
-                <a16:creationId xmlns:a16="http://schemas.microsoft.com/office/drawing/2014/main" id="{A5CEB7B8-77F5-472B-B090-C63737BF10C5}"/>
-              </a:ext>
-            </a:extLst>
-          </p:cNvPr>
-          <p:cNvCxnSpPr/>
+          <p:cNvPr id="94" name="直線コネクタ 93">
+            <a:extLst>
+              <a:ext uri="{FF2B5EF4-FFF2-40B4-BE49-F238E27FC236}">
+                <a16:creationId xmlns:a16="http://schemas.microsoft.com/office/drawing/2014/main" id="{148F71E4-DB0D-48AD-AAD1-FFBC3F570CCB}"/>
+              </a:ext>
+            </a:extLst>
+          </p:cNvPr>
+          <p:cNvCxnSpPr>
+            <a:cxnSpLocks/>
+          </p:cNvCxnSpPr>
           <p:nvPr/>
         </p:nvCxnSpPr>
         <p:spPr>
-          <a:xfrm>
-            <a:off x="5072199" y="4524106"/>
-            <a:ext cx="496929" cy="0"/>
+          <a:xfrm flipV="1">
+            <a:off x="5325291" y="4284612"/>
+            <a:ext cx="747600" cy="4354"/>
           </a:xfrm>
           <a:prstGeom prst="line">
             <a:avLst/>
           </a:prstGeom>
+          <a:ln>
+            <a:solidFill>
+              <a:srgbClr val="FF0000"/>
+            </a:solidFill>
+            <a:headEnd type="oval" w="med" len="med"/>
+            <a:tailEnd type="oval" w="med" len="med"/>
+          </a:ln>
         </p:spPr>
         <p:style>
           <a:lnRef idx="1">
@@ -6687,153 +6827,243 @@
           </a:fontRef>
         </p:style>
       </p:cxnSp>
-      <p:sp>
-        <p:nvSpPr>
-          <p:cNvPr id="184" name="テキスト ボックス 183">
-            <a:extLst>
-              <a:ext uri="{FF2B5EF4-FFF2-40B4-BE49-F238E27FC236}">
-                <a16:creationId xmlns:a16="http://schemas.microsoft.com/office/drawing/2014/main" id="{99286653-0EB4-4E01-AB04-A70A4B02E40D}"/>
-              </a:ext>
-            </a:extLst>
-          </p:cNvPr>
-          <p:cNvSpPr txBox="1"/>
-          <p:nvPr/>
-        </p:nvSpPr>
-        <p:spPr>
-          <a:xfrm>
-            <a:off x="4785073" y="430774"/>
-            <a:ext cx="1977940" cy="369332"/>
+      <p:cxnSp>
+        <p:nvCxnSpPr>
+          <p:cNvPr id="105" name="直線コネクタ 104">
+            <a:extLst>
+              <a:ext uri="{FF2B5EF4-FFF2-40B4-BE49-F238E27FC236}">
+                <a16:creationId xmlns:a16="http://schemas.microsoft.com/office/drawing/2014/main" id="{9012AE98-507F-48E5-983B-2891676F65B7}"/>
+              </a:ext>
+            </a:extLst>
+          </p:cNvPr>
+          <p:cNvCxnSpPr>
+            <a:cxnSpLocks/>
+          </p:cNvCxnSpPr>
+          <p:nvPr/>
+        </p:nvCxnSpPr>
+        <p:spPr>
+          <a:xfrm flipV="1">
+            <a:off x="5561505" y="4028082"/>
+            <a:ext cx="3" cy="998939"/>
+          </a:xfrm>
+          <a:prstGeom prst="line">
+            <a:avLst/>
+          </a:prstGeom>
+          <a:ln>
+            <a:solidFill>
+              <a:srgbClr val="0070C0"/>
+            </a:solidFill>
+            <a:headEnd type="oval" w="med" len="med"/>
+            <a:tailEnd type="none" w="med" len="med"/>
+          </a:ln>
+        </p:spPr>
+        <p:style>
+          <a:lnRef idx="1">
+            <a:schemeClr val="accent1"/>
+          </a:lnRef>
+          <a:fillRef idx="0">
+            <a:schemeClr val="accent1"/>
+          </a:fillRef>
+          <a:effectRef idx="0">
+            <a:schemeClr val="accent1"/>
+          </a:effectRef>
+          <a:fontRef idx="minor">
+            <a:schemeClr val="tx1"/>
+          </a:fontRef>
+        </p:style>
+      </p:cxnSp>
+      <p:cxnSp>
+        <p:nvCxnSpPr>
+          <p:cNvPr id="37" name="直線コネクタ 36">
+            <a:extLst>
+              <a:ext uri="{FF2B5EF4-FFF2-40B4-BE49-F238E27FC236}">
+                <a16:creationId xmlns:a16="http://schemas.microsoft.com/office/drawing/2014/main" id="{A3FEDB80-B243-4480-B03E-9FE83F1C530A}"/>
+              </a:ext>
+            </a:extLst>
+          </p:cNvPr>
+          <p:cNvCxnSpPr/>
+          <p:nvPr/>
+        </p:nvCxnSpPr>
+        <p:spPr>
+          <a:xfrm flipH="1" flipV="1">
+            <a:off x="4981303" y="4415246"/>
+            <a:ext cx="2466" cy="4137"/>
+          </a:xfrm>
+          <a:prstGeom prst="line">
+            <a:avLst/>
+          </a:prstGeom>
+        </p:spPr>
+        <p:style>
+          <a:lnRef idx="1">
+            <a:schemeClr val="accent1"/>
+          </a:lnRef>
+          <a:fillRef idx="0">
+            <a:schemeClr val="accent1"/>
+          </a:fillRef>
+          <a:effectRef idx="0">
+            <a:schemeClr val="accent1"/>
+          </a:effectRef>
+          <a:fontRef idx="minor">
+            <a:schemeClr val="tx1"/>
+          </a:fontRef>
+        </p:style>
+      </p:cxnSp>
+      <p:cxnSp>
+        <p:nvCxnSpPr>
+          <p:cNvPr id="40" name="直線コネクタ 39">
+            <a:extLst>
+              <a:ext uri="{FF2B5EF4-FFF2-40B4-BE49-F238E27FC236}">
+                <a16:creationId xmlns:a16="http://schemas.microsoft.com/office/drawing/2014/main" id="{B98326E9-C697-4710-A8C5-676269AE0B70}"/>
+              </a:ext>
+            </a:extLst>
+          </p:cNvPr>
+          <p:cNvCxnSpPr>
+            <a:cxnSpLocks/>
+          </p:cNvCxnSpPr>
+          <p:nvPr/>
+        </p:nvCxnSpPr>
+        <p:spPr>
+          <a:xfrm>
+            <a:off x="5556069" y="4040779"/>
+            <a:ext cx="252676" cy="0"/>
+          </a:xfrm>
+          <a:prstGeom prst="line">
+            <a:avLst/>
+          </a:prstGeom>
+        </p:spPr>
+        <p:style>
+          <a:lnRef idx="1">
+            <a:schemeClr val="accent1"/>
+          </a:lnRef>
+          <a:fillRef idx="0">
+            <a:schemeClr val="accent1"/>
+          </a:fillRef>
+          <a:effectRef idx="0">
+            <a:schemeClr val="accent1"/>
+          </a:effectRef>
+          <a:fontRef idx="minor">
+            <a:schemeClr val="tx1"/>
+          </a:fontRef>
+        </p:style>
+      </p:cxnSp>
+      <p:cxnSp>
+        <p:nvCxnSpPr>
+          <p:cNvPr id="114" name="直線コネクタ 113">
+            <a:extLst>
+              <a:ext uri="{FF2B5EF4-FFF2-40B4-BE49-F238E27FC236}">
+                <a16:creationId xmlns:a16="http://schemas.microsoft.com/office/drawing/2014/main" id="{4E3A59C6-A8C7-49F0-83DC-739A96B4CDEB}"/>
+              </a:ext>
+            </a:extLst>
+          </p:cNvPr>
+          <p:cNvCxnSpPr>
+            <a:cxnSpLocks/>
+          </p:cNvCxnSpPr>
+          <p:nvPr/>
+        </p:nvCxnSpPr>
+        <p:spPr>
+          <a:xfrm flipV="1">
+            <a:off x="5815140" y="4768499"/>
+            <a:ext cx="0" cy="265060"/>
+          </a:xfrm>
+          <a:prstGeom prst="line">
+            <a:avLst/>
+          </a:prstGeom>
+          <a:ln>
+            <a:solidFill>
+              <a:srgbClr val="0070C0"/>
+            </a:solidFill>
+            <a:headEnd type="none" w="med" len="med"/>
+            <a:tailEnd type="none" w="med" len="med"/>
+          </a:ln>
+        </p:spPr>
+        <p:style>
+          <a:lnRef idx="1">
+            <a:schemeClr val="accent1"/>
+          </a:lnRef>
+          <a:fillRef idx="0">
+            <a:schemeClr val="accent1"/>
+          </a:fillRef>
+          <a:effectRef idx="0">
+            <a:schemeClr val="accent1"/>
+          </a:effectRef>
+          <a:fontRef idx="minor">
+            <a:schemeClr val="tx1"/>
+          </a:fontRef>
+        </p:style>
+      </p:cxnSp>
+      <p:cxnSp>
+        <p:nvCxnSpPr>
+          <p:cNvPr id="41" name="直線コネクタ 40">
+            <a:extLst>
+              <a:ext uri="{FF2B5EF4-FFF2-40B4-BE49-F238E27FC236}">
+                <a16:creationId xmlns:a16="http://schemas.microsoft.com/office/drawing/2014/main" id="{2DCD1D00-ED92-494B-BB0E-DAE1D6D65FAF}"/>
+              </a:ext>
+            </a:extLst>
+          </p:cNvPr>
+          <p:cNvCxnSpPr>
+            <a:cxnSpLocks/>
+          </p:cNvCxnSpPr>
+          <p:nvPr/>
+        </p:nvCxnSpPr>
+        <p:spPr>
+          <a:xfrm>
+            <a:off x="5817324" y="4789714"/>
+            <a:ext cx="475124" cy="3"/>
+          </a:xfrm>
+          <a:prstGeom prst="line">
+            <a:avLst/>
+          </a:prstGeom>
+          <a:ln>
+            <a:solidFill>
+              <a:srgbClr val="FF0000"/>
+            </a:solidFill>
+            <a:headEnd type="oval" w="med" len="med"/>
+            <a:tailEnd type="oval" w="med" len="med"/>
+          </a:ln>
+        </p:spPr>
+        <p:style>
+          <a:lnRef idx="1">
+            <a:schemeClr val="accent1"/>
+          </a:lnRef>
+          <a:fillRef idx="0">
+            <a:schemeClr val="accent1"/>
+          </a:fillRef>
+          <a:effectRef idx="0">
+            <a:schemeClr val="accent1"/>
+          </a:effectRef>
+          <a:fontRef idx="minor">
+            <a:schemeClr val="tx1"/>
+          </a:fontRef>
+        </p:style>
+      </p:cxnSp>
+      <p:sp>
+        <p:nvSpPr>
+          <p:cNvPr id="119" name="正方形/長方形 118">
+            <a:extLst>
+              <a:ext uri="{FF2B5EF4-FFF2-40B4-BE49-F238E27FC236}">
+                <a16:creationId xmlns:a16="http://schemas.microsoft.com/office/drawing/2014/main" id="{6F50C9D8-4CC4-418E-98D6-C4BB449DE793}"/>
+              </a:ext>
+            </a:extLst>
+          </p:cNvPr>
+          <p:cNvSpPr/>
+          <p:nvPr/>
+        </p:nvSpPr>
+        <p:spPr>
+          <a:xfrm rot="5400000">
+            <a:off x="5071673" y="4793019"/>
+            <a:ext cx="492973" cy="231816"/>
           </a:xfrm>
           <a:prstGeom prst="rect">
             <a:avLst/>
           </a:prstGeom>
           <a:noFill/>
-        </p:spPr>
-        <p:txBody>
-          <a:bodyPr wrap="square" rtlCol="0">
-            <a:spAutoFit/>
-          </a:bodyPr>
-          <a:lstStyle/>
-          <a:p>
-            <a:r>
-              <a:rPr lang="en-US" b="1" dirty="0">
-                <a:solidFill>
-                  <a:srgbClr val="00B050"/>
-                </a:solidFill>
-              </a:rPr>
-              <a:t>Microchip RN4020</a:t>
-            </a:r>
-          </a:p>
-        </p:txBody>
-      </p:sp>
-      <p:sp>
-        <p:nvSpPr>
-          <p:cNvPr id="187" name="テキスト ボックス 186">
-            <a:extLst>
-              <a:ext uri="{FF2B5EF4-FFF2-40B4-BE49-F238E27FC236}">
-                <a16:creationId xmlns:a16="http://schemas.microsoft.com/office/drawing/2014/main" id="{7DA0D5DE-2811-4A58-AE2B-C0BF82ED7337}"/>
-              </a:ext>
-            </a:extLst>
-          </p:cNvPr>
-          <p:cNvSpPr txBox="1"/>
-          <p:nvPr/>
-        </p:nvSpPr>
-        <p:spPr>
-          <a:xfrm>
-            <a:off x="423890" y="4379923"/>
-            <a:ext cx="1156768" cy="369332"/>
-          </a:xfrm>
-          <a:prstGeom prst="rect">
-            <a:avLst/>
-          </a:prstGeom>
-          <a:noFill/>
-        </p:spPr>
-        <p:txBody>
-          <a:bodyPr wrap="square" rtlCol="0">
-            <a:spAutoFit/>
-          </a:bodyPr>
-          <a:lstStyle/>
-          <a:p>
-            <a:r>
-              <a:rPr lang="en-US" b="1" dirty="0">
-                <a:solidFill>
-                  <a:srgbClr val="00B050"/>
-                </a:solidFill>
-              </a:rPr>
-              <a:t>UART</a:t>
-            </a:r>
-          </a:p>
-        </p:txBody>
-      </p:sp>
-      <p:sp>
-        <p:nvSpPr>
-          <p:cNvPr id="188" name="テキスト ボックス 187">
-            <a:extLst>
-              <a:ext uri="{FF2B5EF4-FFF2-40B4-BE49-F238E27FC236}">
-                <a16:creationId xmlns:a16="http://schemas.microsoft.com/office/drawing/2014/main" id="{35BEEB6D-1F53-414E-AB9E-56C5A2F7A2E0}"/>
-              </a:ext>
-            </a:extLst>
-          </p:cNvPr>
-          <p:cNvSpPr txBox="1"/>
-          <p:nvPr/>
-        </p:nvSpPr>
-        <p:spPr>
-          <a:xfrm>
-            <a:off x="8029716" y="4389305"/>
-            <a:ext cx="968233" cy="677108"/>
-          </a:xfrm>
-          <a:prstGeom prst="rect">
-            <a:avLst/>
-          </a:prstGeom>
-          <a:noFill/>
-        </p:spPr>
-        <p:txBody>
-          <a:bodyPr wrap="square" rtlCol="0">
-            <a:spAutoFit/>
-          </a:bodyPr>
-          <a:lstStyle/>
-          <a:p>
-            <a:r>
-              <a:rPr lang="en-US" b="1" dirty="0">
-                <a:solidFill>
-                  <a:srgbClr val="00B050"/>
-                </a:solidFill>
-              </a:rPr>
-              <a:t>UART</a:t>
-            </a:r>
-          </a:p>
-          <a:p>
-            <a:r>
-              <a:rPr lang="en-US" sz="1000" b="1" dirty="0">
-                <a:solidFill>
-                  <a:srgbClr val="00B050"/>
-                </a:solidFill>
-              </a:rPr>
-              <a:t>(for RN4020 management)</a:t>
-            </a:r>
-          </a:p>
-        </p:txBody>
-      </p:sp>
-      <p:sp>
-        <p:nvSpPr>
-          <p:cNvPr id="144" name="矢印: 左右 143">
-            <a:extLst>
-              <a:ext uri="{FF2B5EF4-FFF2-40B4-BE49-F238E27FC236}">
-                <a16:creationId xmlns:a16="http://schemas.microsoft.com/office/drawing/2014/main" id="{F1DA9FE4-A6F4-4421-895C-11D1089177DE}"/>
-              </a:ext>
-            </a:extLst>
-          </p:cNvPr>
-          <p:cNvSpPr/>
-          <p:nvPr/>
-        </p:nvSpPr>
-        <p:spPr>
-          <a:xfrm>
-            <a:off x="1219200" y="4440315"/>
-            <a:ext cx="624433" cy="284085"/>
-          </a:xfrm>
-          <a:prstGeom prst="leftRightArrow">
-            <a:avLst/>
-          </a:prstGeom>
+          <a:ln w="28575">
+            <a:solidFill>
+              <a:schemeClr val="accent1">
+                <a:lumMod val="50000"/>
+              </a:schemeClr>
+            </a:solidFill>
+          </a:ln>
         </p:spPr>
         <p:style>
           <a:lnRef idx="2">
@@ -6856,16 +7086,100 @@
           <a:lstStyle/>
           <a:p>
             <a:pPr algn="ctr"/>
-            <a:endParaRPr lang="en-US"/>
-          </a:p>
-        </p:txBody>
-      </p:sp>
-      <p:sp>
-        <p:nvSpPr>
-          <p:cNvPr id="190" name="矢印: 左右 189">
-            <a:extLst>
-              <a:ext uri="{FF2B5EF4-FFF2-40B4-BE49-F238E27FC236}">
-                <a16:creationId xmlns:a16="http://schemas.microsoft.com/office/drawing/2014/main" id="{72D75B7E-1F7A-4C12-A68E-400E692C40E8}"/>
+            <a:endParaRPr lang="en-US" dirty="0"/>
+          </a:p>
+        </p:txBody>
+      </p:sp>
+      <p:sp>
+        <p:nvSpPr>
+          <p:cNvPr id="122" name="テキスト ボックス 121">
+            <a:extLst>
+              <a:ext uri="{FF2B5EF4-FFF2-40B4-BE49-F238E27FC236}">
+                <a16:creationId xmlns:a16="http://schemas.microsoft.com/office/drawing/2014/main" id="{D239C43B-9845-43A0-BDCB-60E57BC69044}"/>
+              </a:ext>
+            </a:extLst>
+          </p:cNvPr>
+          <p:cNvSpPr txBox="1"/>
+          <p:nvPr/>
+        </p:nvSpPr>
+        <p:spPr>
+          <a:xfrm>
+            <a:off x="5109624" y="5103998"/>
+            <a:ext cx="542098" cy="369332"/>
+          </a:xfrm>
+          <a:prstGeom prst="rect">
+            <a:avLst/>
+          </a:prstGeom>
+          <a:noFill/>
+        </p:spPr>
+        <p:txBody>
+          <a:bodyPr wrap="square" rtlCol="0">
+            <a:spAutoFit/>
+          </a:bodyPr>
+          <a:lstStyle/>
+          <a:p>
+            <a:r>
+              <a:rPr lang="en-US" b="1" dirty="0">
+                <a:solidFill>
+                  <a:srgbClr val="00B050"/>
+                </a:solidFill>
+              </a:rPr>
+              <a:t>JP</a:t>
+            </a:r>
+          </a:p>
+        </p:txBody>
+      </p:sp>
+      <p:cxnSp>
+        <p:nvCxnSpPr>
+          <p:cNvPr id="124" name="直線コネクタ 123">
+            <a:extLst>
+              <a:ext uri="{FF2B5EF4-FFF2-40B4-BE49-F238E27FC236}">
+                <a16:creationId xmlns:a16="http://schemas.microsoft.com/office/drawing/2014/main" id="{8E399821-5C12-4EA6-BE8D-A53ACA8D940F}"/>
+              </a:ext>
+            </a:extLst>
+          </p:cNvPr>
+          <p:cNvCxnSpPr>
+            <a:cxnSpLocks/>
+          </p:cNvCxnSpPr>
+          <p:nvPr/>
+        </p:nvCxnSpPr>
+        <p:spPr>
+          <a:xfrm flipV="1">
+            <a:off x="5310041" y="5037905"/>
+            <a:ext cx="246028" cy="1"/>
+          </a:xfrm>
+          <a:prstGeom prst="line">
+            <a:avLst/>
+          </a:prstGeom>
+          <a:ln>
+            <a:solidFill>
+              <a:srgbClr val="0070C0"/>
+            </a:solidFill>
+            <a:headEnd type="oval" w="med" len="med"/>
+            <a:tailEnd type="oval" w="med" len="med"/>
+          </a:ln>
+        </p:spPr>
+        <p:style>
+          <a:lnRef idx="1">
+            <a:schemeClr val="accent1"/>
+          </a:lnRef>
+          <a:fillRef idx="0">
+            <a:schemeClr val="accent1"/>
+          </a:fillRef>
+          <a:effectRef idx="0">
+            <a:schemeClr val="accent1"/>
+          </a:effectRef>
+          <a:fontRef idx="minor">
+            <a:schemeClr val="tx1"/>
+          </a:fontRef>
+        </p:style>
+      </p:cxnSp>
+      <p:sp>
+        <p:nvSpPr>
+          <p:cNvPr id="128" name="正方形/長方形 127">
+            <a:extLst>
+              <a:ext uri="{FF2B5EF4-FFF2-40B4-BE49-F238E27FC236}">
+                <a16:creationId xmlns:a16="http://schemas.microsoft.com/office/drawing/2014/main" id="{6D695B9C-E5D6-4CFA-A69B-0007059DD58C}"/>
               </a:ext>
             </a:extLst>
           </p:cNvPr>
@@ -6874,12 +7188,20 @@
         </p:nvSpPr>
         <p:spPr>
           <a:xfrm>
-            <a:off x="7333305" y="4454296"/>
-            <a:ext cx="624433" cy="284085"/>
-          </a:xfrm>
-          <a:prstGeom prst="leftRightArrow">
-            <a:avLst/>
-          </a:prstGeom>
+            <a:off x="5885521" y="4705930"/>
+            <a:ext cx="332267" cy="170094"/>
+          </a:xfrm>
+          <a:prstGeom prst="rect">
+            <a:avLst/>
+          </a:prstGeom>
+          <a:noFill/>
+          <a:ln w="28575">
+            <a:solidFill>
+              <a:schemeClr val="accent1">
+                <a:lumMod val="50000"/>
+              </a:schemeClr>
+            </a:solidFill>
+          </a:ln>
         </p:spPr>
         <p:style>
           <a:lnRef idx="2">
@@ -6902,16 +7224,100 @@
           <a:lstStyle/>
           <a:p>
             <a:pPr algn="ctr"/>
-            <a:endParaRPr lang="en-US"/>
-          </a:p>
-        </p:txBody>
-      </p:sp>
-      <p:sp>
-        <p:nvSpPr>
-          <p:cNvPr id="191" name="矢印: 左右 190">
-            <a:extLst>
-              <a:ext uri="{FF2B5EF4-FFF2-40B4-BE49-F238E27FC236}">
-                <a16:creationId xmlns:a16="http://schemas.microsoft.com/office/drawing/2014/main" id="{52659C62-FE8C-4051-BECB-82DACFF0E626}"/>
+            <a:endParaRPr lang="en-US" dirty="0"/>
+          </a:p>
+        </p:txBody>
+      </p:sp>
+      <p:cxnSp>
+        <p:nvCxnSpPr>
+          <p:cNvPr id="129" name="直線コネクタ 128">
+            <a:extLst>
+              <a:ext uri="{FF2B5EF4-FFF2-40B4-BE49-F238E27FC236}">
+                <a16:creationId xmlns:a16="http://schemas.microsoft.com/office/drawing/2014/main" id="{8B2C6F4E-81E7-43C1-89A2-ADEB7FDDF00D}"/>
+              </a:ext>
+            </a:extLst>
+          </p:cNvPr>
+          <p:cNvCxnSpPr>
+            <a:cxnSpLocks/>
+          </p:cNvCxnSpPr>
+          <p:nvPr/>
+        </p:nvCxnSpPr>
+        <p:spPr>
+          <a:xfrm rot="16200000" flipV="1">
+            <a:off x="5688864" y="4894772"/>
+            <a:ext cx="0" cy="265060"/>
+          </a:xfrm>
+          <a:prstGeom prst="line">
+            <a:avLst/>
+          </a:prstGeom>
+          <a:ln>
+            <a:solidFill>
+              <a:srgbClr val="0070C0"/>
+            </a:solidFill>
+            <a:headEnd type="none" w="med" len="med"/>
+            <a:tailEnd type="none" w="med" len="med"/>
+          </a:ln>
+        </p:spPr>
+        <p:style>
+          <a:lnRef idx="1">
+            <a:schemeClr val="accent1"/>
+          </a:lnRef>
+          <a:fillRef idx="0">
+            <a:schemeClr val="accent1"/>
+          </a:fillRef>
+          <a:effectRef idx="0">
+            <a:schemeClr val="accent1"/>
+          </a:effectRef>
+          <a:fontRef idx="minor">
+            <a:schemeClr val="tx1"/>
+          </a:fontRef>
+        </p:style>
+      </p:cxnSp>
+      <p:sp>
+        <p:nvSpPr>
+          <p:cNvPr id="130" name="テキスト ボックス 129">
+            <a:extLst>
+              <a:ext uri="{FF2B5EF4-FFF2-40B4-BE49-F238E27FC236}">
+                <a16:creationId xmlns:a16="http://schemas.microsoft.com/office/drawing/2014/main" id="{051C801F-1405-43EE-A282-6465046E6285}"/>
+              </a:ext>
+            </a:extLst>
+          </p:cNvPr>
+          <p:cNvSpPr txBox="1"/>
+          <p:nvPr/>
+        </p:nvSpPr>
+        <p:spPr>
+          <a:xfrm>
+            <a:off x="5506394" y="4418545"/>
+            <a:ext cx="789904" cy="369332"/>
+          </a:xfrm>
+          <a:prstGeom prst="rect">
+            <a:avLst/>
+          </a:prstGeom>
+          <a:noFill/>
+        </p:spPr>
+        <p:txBody>
+          <a:bodyPr wrap="square" rtlCol="0">
+            <a:spAutoFit/>
+          </a:bodyPr>
+          <a:lstStyle/>
+          <a:p>
+            <a:r>
+              <a:rPr lang="en-US" b="1" dirty="0">
+                <a:solidFill>
+                  <a:srgbClr val="00B050"/>
+                </a:solidFill>
+              </a:rPr>
+              <a:t>Diode</a:t>
+            </a:r>
+          </a:p>
+        </p:txBody>
+      </p:sp>
+      <p:sp>
+        <p:nvSpPr>
+          <p:cNvPr id="131" name="正方形/長方形 130">
+            <a:extLst>
+              <a:ext uri="{FF2B5EF4-FFF2-40B4-BE49-F238E27FC236}">
+                <a16:creationId xmlns:a16="http://schemas.microsoft.com/office/drawing/2014/main" id="{C3CC4956-02B0-4131-9F64-5B42F3594A3D}"/>
               </a:ext>
             </a:extLst>
           </p:cNvPr>
@@ -6919,13 +7325,21 @@
           <p:nvPr/>
         </p:nvSpPr>
         <p:spPr>
-          <a:xfrm rot="16200000">
-            <a:off x="5431262" y="950737"/>
-            <a:ext cx="624433" cy="284085"/>
-          </a:xfrm>
-          <a:prstGeom prst="leftRightArrow">
-            <a:avLst/>
-          </a:prstGeom>
+          <a:xfrm>
+            <a:off x="4653259" y="4936711"/>
+            <a:ext cx="332267" cy="170094"/>
+          </a:xfrm>
+          <a:prstGeom prst="rect">
+            <a:avLst/>
+          </a:prstGeom>
+          <a:noFill/>
+          <a:ln w="28575">
+            <a:solidFill>
+              <a:schemeClr val="accent1">
+                <a:lumMod val="50000"/>
+              </a:schemeClr>
+            </a:solidFill>
+          </a:ln>
         </p:spPr>
         <p:style>
           <a:lnRef idx="2">
@@ -6948,10 +7362,288 @@
           <a:lstStyle/>
           <a:p>
             <a:pPr algn="ctr"/>
+            <a:endParaRPr lang="en-US" dirty="0"/>
+          </a:p>
+        </p:txBody>
+      </p:sp>
+      <p:cxnSp>
+        <p:nvCxnSpPr>
+          <p:cNvPr id="133" name="直線コネクタ 132">
+            <a:extLst>
+              <a:ext uri="{FF2B5EF4-FFF2-40B4-BE49-F238E27FC236}">
+                <a16:creationId xmlns:a16="http://schemas.microsoft.com/office/drawing/2014/main" id="{2BC79C59-D14A-4217-A1F0-7261E1268332}"/>
+              </a:ext>
+            </a:extLst>
+          </p:cNvPr>
+          <p:cNvCxnSpPr>
+            <a:cxnSpLocks/>
+          </p:cNvCxnSpPr>
+          <p:nvPr/>
+        </p:nvCxnSpPr>
+        <p:spPr>
+          <a:xfrm>
+            <a:off x="4324890" y="4784835"/>
+            <a:ext cx="994954" cy="9230"/>
+          </a:xfrm>
+          <a:prstGeom prst="line">
+            <a:avLst/>
+          </a:prstGeom>
+          <a:ln>
+            <a:solidFill>
+              <a:srgbClr val="0070C0"/>
+            </a:solidFill>
+            <a:headEnd type="oval" w="med" len="med"/>
+            <a:tailEnd type="oval" w="med" len="med"/>
+          </a:ln>
+        </p:spPr>
+        <p:style>
+          <a:lnRef idx="1">
+            <a:schemeClr val="accent1"/>
+          </a:lnRef>
+          <a:fillRef idx="0">
+            <a:schemeClr val="accent1"/>
+          </a:fillRef>
+          <a:effectRef idx="0">
+            <a:schemeClr val="accent1"/>
+          </a:effectRef>
+          <a:fontRef idx="minor">
+            <a:schemeClr val="tx1"/>
+          </a:fontRef>
+        </p:style>
+      </p:cxnSp>
+      <p:sp>
+        <p:nvSpPr>
+          <p:cNvPr id="135" name="テキスト ボックス 134">
+            <a:extLst>
+              <a:ext uri="{FF2B5EF4-FFF2-40B4-BE49-F238E27FC236}">
+                <a16:creationId xmlns:a16="http://schemas.microsoft.com/office/drawing/2014/main" id="{E11D4B33-3A4D-465A-BEE9-F501D3414DC5}"/>
+              </a:ext>
+            </a:extLst>
+          </p:cNvPr>
+          <p:cNvSpPr txBox="1"/>
+          <p:nvPr/>
+        </p:nvSpPr>
+        <p:spPr>
+          <a:xfrm>
+            <a:off x="4465718" y="5084743"/>
+            <a:ext cx="789904" cy="369332"/>
+          </a:xfrm>
+          <a:prstGeom prst="rect">
+            <a:avLst/>
+          </a:prstGeom>
+          <a:noFill/>
+        </p:spPr>
+        <p:txBody>
+          <a:bodyPr wrap="square" rtlCol="0">
+            <a:spAutoFit/>
+          </a:bodyPr>
+          <a:lstStyle/>
+          <a:p>
+            <a:r>
+              <a:rPr lang="en-US" b="1" dirty="0">
+                <a:solidFill>
+                  <a:srgbClr val="00B050"/>
+                </a:solidFill>
+              </a:rPr>
+              <a:t>Diode</a:t>
+            </a:r>
+          </a:p>
+        </p:txBody>
+      </p:sp>
+      <p:sp>
+        <p:nvSpPr>
+          <p:cNvPr id="59" name="二等辺三角形 58">
+            <a:extLst>
+              <a:ext uri="{FF2B5EF4-FFF2-40B4-BE49-F238E27FC236}">
+                <a16:creationId xmlns:a16="http://schemas.microsoft.com/office/drawing/2014/main" id="{4665129A-B1DC-4B59-99DD-1B0C378200E0}"/>
+              </a:ext>
+            </a:extLst>
+          </p:cNvPr>
+          <p:cNvSpPr/>
+          <p:nvPr/>
+        </p:nvSpPr>
+        <p:spPr>
+          <a:xfrm rot="16200000" flipH="1">
+            <a:off x="5948021" y="4725430"/>
+            <a:ext cx="165876" cy="121931"/>
+          </a:xfrm>
+          <a:prstGeom prst="triangle">
+            <a:avLst/>
+          </a:prstGeom>
+          <a:noFill/>
+          <a:ln>
+            <a:solidFill>
+              <a:srgbClr val="FF0000"/>
+            </a:solidFill>
+          </a:ln>
+        </p:spPr>
+        <p:style>
+          <a:lnRef idx="2">
+            <a:schemeClr val="accent1">
+              <a:shade val="50000"/>
+            </a:schemeClr>
+          </a:lnRef>
+          <a:fillRef idx="1">
+            <a:schemeClr val="accent1"/>
+          </a:fillRef>
+          <a:effectRef idx="0">
+            <a:schemeClr val="accent1"/>
+          </a:effectRef>
+          <a:fontRef idx="minor">
+            <a:schemeClr val="lt1"/>
+          </a:fontRef>
+        </p:style>
+        <p:txBody>
+          <a:bodyPr rtlCol="0" anchor="ctr"/>
+          <a:lstStyle/>
+          <a:p>
+            <a:pPr algn="ctr"/>
             <a:endParaRPr lang="en-US"/>
           </a:p>
         </p:txBody>
       </p:sp>
+      <p:sp>
+        <p:nvSpPr>
+          <p:cNvPr id="137" name="二等辺三角形 136">
+            <a:extLst>
+              <a:ext uri="{FF2B5EF4-FFF2-40B4-BE49-F238E27FC236}">
+                <a16:creationId xmlns:a16="http://schemas.microsoft.com/office/drawing/2014/main" id="{F36A1C89-4A10-4767-80AB-CE9F4E33BE83}"/>
+              </a:ext>
+            </a:extLst>
+          </p:cNvPr>
+          <p:cNvSpPr/>
+          <p:nvPr/>
+        </p:nvSpPr>
+        <p:spPr>
+          <a:xfrm rot="5400000">
+            <a:off x="4741886" y="4964919"/>
+            <a:ext cx="165876" cy="121931"/>
+          </a:xfrm>
+          <a:prstGeom prst="triangle">
+            <a:avLst/>
+          </a:prstGeom>
+          <a:noFill/>
+          <a:ln>
+            <a:solidFill>
+              <a:srgbClr val="FF0000"/>
+            </a:solidFill>
+          </a:ln>
+        </p:spPr>
+        <p:style>
+          <a:lnRef idx="2">
+            <a:schemeClr val="accent1">
+              <a:shade val="50000"/>
+            </a:schemeClr>
+          </a:lnRef>
+          <a:fillRef idx="1">
+            <a:schemeClr val="accent1"/>
+          </a:fillRef>
+          <a:effectRef idx="0">
+            <a:schemeClr val="accent1"/>
+          </a:effectRef>
+          <a:fontRef idx="minor">
+            <a:schemeClr val="lt1"/>
+          </a:fontRef>
+        </p:style>
+        <p:txBody>
+          <a:bodyPr rtlCol="0" anchor="ctr"/>
+          <a:lstStyle/>
+          <a:p>
+            <a:pPr algn="ctr"/>
+            <a:endParaRPr lang="en-US"/>
+          </a:p>
+        </p:txBody>
+      </p:sp>
+      <p:cxnSp>
+        <p:nvCxnSpPr>
+          <p:cNvPr id="139" name="直線コネクタ 138">
+            <a:extLst>
+              <a:ext uri="{FF2B5EF4-FFF2-40B4-BE49-F238E27FC236}">
+                <a16:creationId xmlns:a16="http://schemas.microsoft.com/office/drawing/2014/main" id="{9D2607EA-CC1C-4B94-A5B0-515E7B5F9AE7}"/>
+              </a:ext>
+            </a:extLst>
+          </p:cNvPr>
+          <p:cNvCxnSpPr>
+            <a:cxnSpLocks/>
+          </p:cNvCxnSpPr>
+          <p:nvPr/>
+        </p:nvCxnSpPr>
+        <p:spPr>
+          <a:xfrm>
+            <a:off x="4313613" y="5035730"/>
+            <a:ext cx="279064" cy="0"/>
+          </a:xfrm>
+          <a:prstGeom prst="line">
+            <a:avLst/>
+          </a:prstGeom>
+          <a:ln>
+            <a:solidFill>
+              <a:srgbClr val="0070C0"/>
+            </a:solidFill>
+            <a:headEnd type="oval" w="med" len="med"/>
+            <a:tailEnd type="oval" w="med" len="med"/>
+          </a:ln>
+        </p:spPr>
+        <p:style>
+          <a:lnRef idx="1">
+            <a:schemeClr val="accent1"/>
+          </a:lnRef>
+          <a:fillRef idx="0">
+            <a:schemeClr val="accent1"/>
+          </a:fillRef>
+          <a:effectRef idx="0">
+            <a:schemeClr val="accent1"/>
+          </a:effectRef>
+          <a:fontRef idx="minor">
+            <a:schemeClr val="tx1"/>
+          </a:fontRef>
+        </p:style>
+      </p:cxnSp>
+      <p:cxnSp>
+        <p:nvCxnSpPr>
+          <p:cNvPr id="134" name="直線コネクタ 133">
+            <a:extLst>
+              <a:ext uri="{FF2B5EF4-FFF2-40B4-BE49-F238E27FC236}">
+                <a16:creationId xmlns:a16="http://schemas.microsoft.com/office/drawing/2014/main" id="{CD616B98-4024-4041-ACEB-CC4DCC2A090F}"/>
+              </a:ext>
+            </a:extLst>
+          </p:cNvPr>
+          <p:cNvCxnSpPr>
+            <a:cxnSpLocks/>
+          </p:cNvCxnSpPr>
+          <p:nvPr/>
+        </p:nvCxnSpPr>
+        <p:spPr>
+          <a:xfrm>
+            <a:off x="4593771" y="5020493"/>
+            <a:ext cx="475124" cy="3"/>
+          </a:xfrm>
+          <a:prstGeom prst="line">
+            <a:avLst/>
+          </a:prstGeom>
+          <a:ln>
+            <a:solidFill>
+              <a:srgbClr val="FF0000"/>
+            </a:solidFill>
+            <a:headEnd type="oval" w="med" len="med"/>
+            <a:tailEnd type="oval" w="med" len="med"/>
+          </a:ln>
+        </p:spPr>
+        <p:style>
+          <a:lnRef idx="1">
+            <a:schemeClr val="accent1"/>
+          </a:lnRef>
+          <a:fillRef idx="0">
+            <a:schemeClr val="accent1"/>
+          </a:fillRef>
+          <a:effectRef idx="0">
+            <a:schemeClr val="accent1"/>
+          </a:effectRef>
+          <a:fontRef idx="minor">
+            <a:schemeClr val="tx1"/>
+          </a:fontRef>
+        </p:style>
+      </p:cxnSp>
     </p:spTree>
     <p:extLst>
       <p:ext uri="{BB962C8B-B14F-4D97-AF65-F5344CB8AC3E}">

--- a/doc/ble.pptx
+++ b/doc/ble.pptx
@@ -247,7 +247,7 @@
           <a:p>
             <a:fld id="{13D11AC7-A88F-49D3-AEAF-1BE21B915F4C}" type="datetimeFigureOut">
               <a:rPr lang="en-US" smtClean="0"/>
-              <a:t>9/6/2017</a:t>
+              <a:t>9/8/2017</a:t>
             </a:fld>
             <a:endParaRPr lang="en-US"/>
           </a:p>
@@ -449,7 +449,7 @@
           <a:p>
             <a:fld id="{13D11AC7-A88F-49D3-AEAF-1BE21B915F4C}" type="datetimeFigureOut">
               <a:rPr lang="en-US" smtClean="0"/>
-              <a:t>9/6/2017</a:t>
+              <a:t>9/8/2017</a:t>
             </a:fld>
             <a:endParaRPr lang="en-US"/>
           </a:p>
@@ -661,7 +661,7 @@
           <a:p>
             <a:fld id="{13D11AC7-A88F-49D3-AEAF-1BE21B915F4C}" type="datetimeFigureOut">
               <a:rPr lang="en-US" smtClean="0"/>
-              <a:t>9/6/2017</a:t>
+              <a:t>9/8/2017</a:t>
             </a:fld>
             <a:endParaRPr lang="en-US"/>
           </a:p>
@@ -863,7 +863,7 @@
           <a:p>
             <a:fld id="{13D11AC7-A88F-49D3-AEAF-1BE21B915F4C}" type="datetimeFigureOut">
               <a:rPr lang="en-US" smtClean="0"/>
-              <a:t>9/6/2017</a:t>
+              <a:t>9/8/2017</a:t>
             </a:fld>
             <a:endParaRPr lang="en-US"/>
           </a:p>
@@ -1107,7 +1107,7 @@
           <a:p>
             <a:fld id="{13D11AC7-A88F-49D3-AEAF-1BE21B915F4C}" type="datetimeFigureOut">
               <a:rPr lang="en-US" smtClean="0"/>
-              <a:t>9/6/2017</a:t>
+              <a:t>9/8/2017</a:t>
             </a:fld>
             <a:endParaRPr lang="en-US"/>
           </a:p>
@@ -1403,7 +1403,7 @@
           <a:p>
             <a:fld id="{13D11AC7-A88F-49D3-AEAF-1BE21B915F4C}" type="datetimeFigureOut">
               <a:rPr lang="en-US" smtClean="0"/>
-              <a:t>9/6/2017</a:t>
+              <a:t>9/8/2017</a:t>
             </a:fld>
             <a:endParaRPr lang="en-US"/>
           </a:p>
@@ -1834,7 +1834,7 @@
           <a:p>
             <a:fld id="{13D11AC7-A88F-49D3-AEAF-1BE21B915F4C}" type="datetimeFigureOut">
               <a:rPr lang="en-US" smtClean="0"/>
-              <a:t>9/6/2017</a:t>
+              <a:t>9/8/2017</a:t>
             </a:fld>
             <a:endParaRPr lang="en-US"/>
           </a:p>
@@ -1952,7 +1952,7 @@
           <a:p>
             <a:fld id="{13D11AC7-A88F-49D3-AEAF-1BE21B915F4C}" type="datetimeFigureOut">
               <a:rPr lang="en-US" smtClean="0"/>
-              <a:t>9/6/2017</a:t>
+              <a:t>9/8/2017</a:t>
             </a:fld>
             <a:endParaRPr lang="en-US"/>
           </a:p>
@@ -2047,7 +2047,7 @@
           <a:p>
             <a:fld id="{13D11AC7-A88F-49D3-AEAF-1BE21B915F4C}" type="datetimeFigureOut">
               <a:rPr lang="en-US" smtClean="0"/>
-              <a:t>9/6/2017</a:t>
+              <a:t>9/8/2017</a:t>
             </a:fld>
             <a:endParaRPr lang="en-US"/>
           </a:p>
@@ -2356,7 +2356,7 @@
           <a:p>
             <a:fld id="{13D11AC7-A88F-49D3-AEAF-1BE21B915F4C}" type="datetimeFigureOut">
               <a:rPr lang="en-US" smtClean="0"/>
-              <a:t>9/6/2017</a:t>
+              <a:t>9/8/2017</a:t>
             </a:fld>
             <a:endParaRPr lang="en-US"/>
           </a:p>
@@ -2613,7 +2613,7 @@
           <a:p>
             <a:fld id="{13D11AC7-A88F-49D3-AEAF-1BE21B915F4C}" type="datetimeFigureOut">
               <a:rPr lang="en-US" smtClean="0"/>
-              <a:t>9/6/2017</a:t>
+              <a:t>9/8/2017</a:t>
             </a:fld>
             <a:endParaRPr lang="en-US"/>
           </a:p>
@@ -2858,7 +2858,7 @@
           <a:p>
             <a:fld id="{13D11AC7-A88F-49D3-AEAF-1BE21B915F4C}" type="datetimeFigureOut">
               <a:rPr lang="en-US" smtClean="0"/>
-              <a:t>9/6/2017</a:t>
+              <a:t>9/8/2017</a:t>
             </a:fld>
             <a:endParaRPr lang="en-US"/>
           </a:p>
@@ -3263,6 +3263,55 @@
           <a:chExt cx="0" cy="0"/>
         </a:xfrm>
       </p:grpSpPr>
+      <p:sp>
+        <p:nvSpPr>
+          <p:cNvPr id="24" name="四角形: 角を丸くする 23">
+            <a:extLst>
+              <a:ext uri="{FF2B5EF4-FFF2-40B4-BE49-F238E27FC236}">
+                <a16:creationId xmlns:a16="http://schemas.microsoft.com/office/drawing/2014/main" id="{BD50CAFF-FEB0-4694-907D-D73993174508}"/>
+              </a:ext>
+            </a:extLst>
+          </p:cNvPr>
+          <p:cNvSpPr/>
+          <p:nvPr/>
+        </p:nvSpPr>
+        <p:spPr>
+          <a:xfrm>
+            <a:off x="4703721" y="148047"/>
+            <a:ext cx="2106382" cy="1426025"/>
+          </a:xfrm>
+          <a:prstGeom prst="roundRect">
+            <a:avLst>
+              <a:gd name="adj" fmla="val 7507"/>
+            </a:avLst>
+          </a:prstGeom>
+          <a:noFill/>
+        </p:spPr>
+        <p:style>
+          <a:lnRef idx="2">
+            <a:schemeClr val="accent1">
+              <a:shade val="50000"/>
+            </a:schemeClr>
+          </a:lnRef>
+          <a:fillRef idx="1">
+            <a:schemeClr val="accent1"/>
+          </a:fillRef>
+          <a:effectRef idx="0">
+            <a:schemeClr val="accent1"/>
+          </a:effectRef>
+          <a:fontRef idx="minor">
+            <a:schemeClr val="lt1"/>
+          </a:fontRef>
+        </p:style>
+        <p:txBody>
+          <a:bodyPr rtlCol="0" anchor="ctr"/>
+          <a:lstStyle/>
+          <a:p>
+            <a:pPr algn="ctr"/>
+            <a:endParaRPr lang="en-US"/>
+          </a:p>
+        </p:txBody>
+      </p:sp>
       <p:pic>
         <p:nvPicPr>
           <p:cNvPr id="1026" name="Picture 2" descr="board_pattern.png">
@@ -3299,7 +3348,7 @@
         </p:blipFill>
         <p:spPr bwMode="auto">
           <a:xfrm rot="16200000">
-            <a:off x="2727824" y="1066800"/>
+            <a:off x="2780078" y="1815749"/>
             <a:ext cx="3686175" cy="4724400"/>
           </a:xfrm>
           <a:prstGeom prst="rect">
@@ -3331,7 +3380,7 @@
         </p:nvSpPr>
         <p:spPr>
           <a:xfrm>
-            <a:off x="2463436" y="1672046"/>
+            <a:off x="2515690" y="2420995"/>
             <a:ext cx="1245325" cy="1254034"/>
           </a:xfrm>
           <a:prstGeom prst="rect">
@@ -3385,7 +3434,7 @@
         </p:nvSpPr>
         <p:spPr>
           <a:xfrm>
-            <a:off x="2463436" y="4180113"/>
+            <a:off x="2515690" y="4929062"/>
             <a:ext cx="243841" cy="1014549"/>
           </a:xfrm>
           <a:prstGeom prst="rect">
@@ -3439,7 +3488,7 @@
         </p:nvSpPr>
         <p:spPr>
           <a:xfrm>
-            <a:off x="3216724" y="3657600"/>
+            <a:off x="3268978" y="4406549"/>
             <a:ext cx="1223557" cy="1532701"/>
           </a:xfrm>
           <a:prstGeom prst="rect">
@@ -3493,7 +3542,7 @@
         </p:nvSpPr>
         <p:spPr>
           <a:xfrm rot="5400000">
-            <a:off x="4213851" y="2412274"/>
+            <a:off x="4266105" y="3161223"/>
             <a:ext cx="254735" cy="772878"/>
           </a:xfrm>
           <a:prstGeom prst="rect">
@@ -3547,7 +3596,7 @@
         </p:nvSpPr>
         <p:spPr>
           <a:xfrm rot="5400000">
-            <a:off x="4078872" y="2042161"/>
+            <a:off x="4131126" y="2791110"/>
             <a:ext cx="259091" cy="515978"/>
           </a:xfrm>
           <a:prstGeom prst="rect">
@@ -3601,7 +3650,7 @@
         </p:nvSpPr>
         <p:spPr>
           <a:xfrm rot="5400000">
-            <a:off x="5565847" y="1328043"/>
+            <a:off x="5618101" y="2076992"/>
             <a:ext cx="243847" cy="1458689"/>
           </a:xfrm>
           <a:prstGeom prst="rect">
@@ -3655,7 +3704,7 @@
         </p:nvSpPr>
         <p:spPr>
           <a:xfrm>
-            <a:off x="6421498" y="4184464"/>
+            <a:off x="6473752" y="4933413"/>
             <a:ext cx="243841" cy="1014549"/>
           </a:xfrm>
           <a:prstGeom prst="rect">
@@ -3709,7 +3758,7 @@
         </p:nvCxnSpPr>
         <p:spPr>
           <a:xfrm>
-            <a:off x="2585357" y="4789714"/>
+            <a:off x="2637611" y="5538663"/>
             <a:ext cx="748937" cy="0"/>
           </a:xfrm>
           <a:prstGeom prst="line">
@@ -3752,7 +3801,7 @@
         </p:nvCxnSpPr>
         <p:spPr>
           <a:xfrm>
-            <a:off x="2589709" y="5020492"/>
+            <a:off x="2641963" y="5769441"/>
             <a:ext cx="748937" cy="0"/>
           </a:xfrm>
           <a:prstGeom prst="line">
@@ -3797,7 +3846,7 @@
         </p:nvCxnSpPr>
         <p:spPr>
           <a:xfrm>
-            <a:off x="2589712" y="4524106"/>
+            <a:off x="2641966" y="5273055"/>
             <a:ext cx="265611" cy="0"/>
           </a:xfrm>
           <a:prstGeom prst="line">
@@ -3842,7 +3891,7 @@
         </p:nvCxnSpPr>
         <p:spPr>
           <a:xfrm rot="5400000">
-            <a:off x="3447510" y="2926080"/>
+            <a:off x="3499764" y="3675029"/>
             <a:ext cx="265611" cy="0"/>
           </a:xfrm>
           <a:prstGeom prst="line">
@@ -3887,7 +3936,7 @@
         </p:nvCxnSpPr>
         <p:spPr>
           <a:xfrm flipV="1">
-            <a:off x="2837906" y="3056708"/>
+            <a:off x="2890160" y="3805657"/>
             <a:ext cx="0" cy="1492466"/>
           </a:xfrm>
           <a:prstGeom prst="line">
@@ -3930,7 +3979,7 @@
         </p:nvCxnSpPr>
         <p:spPr>
           <a:xfrm>
-            <a:off x="2827026" y="3058886"/>
+            <a:off x="2879280" y="3807835"/>
             <a:ext cx="753289" cy="0"/>
           </a:xfrm>
           <a:prstGeom prst="line">
@@ -3968,7 +4017,7 @@
         </p:nvCxnSpPr>
         <p:spPr>
           <a:xfrm flipV="1">
-            <a:off x="5074814" y="5027021"/>
+            <a:off x="5127068" y="5775970"/>
             <a:ext cx="247726" cy="9797"/>
           </a:xfrm>
           <a:prstGeom prst="line">
@@ -4013,7 +4062,7 @@
         </p:nvCxnSpPr>
         <p:spPr>
           <a:xfrm>
-            <a:off x="6316985" y="4539454"/>
+            <a:off x="6369239" y="5288403"/>
             <a:ext cx="239480" cy="6422"/>
           </a:xfrm>
           <a:prstGeom prst="line">
@@ -4058,7 +4107,7 @@
         </p:nvCxnSpPr>
         <p:spPr>
           <a:xfrm>
-            <a:off x="6292448" y="4773827"/>
+            <a:off x="6344702" y="5522776"/>
             <a:ext cx="259656" cy="2829"/>
           </a:xfrm>
           <a:prstGeom prst="line">
@@ -4103,7 +4152,7 @@
         </p:nvCxnSpPr>
         <p:spPr>
           <a:xfrm>
-            <a:off x="6054629" y="5024846"/>
+            <a:off x="6106883" y="5773795"/>
             <a:ext cx="510533" cy="8715"/>
           </a:xfrm>
           <a:prstGeom prst="line">
@@ -4148,7 +4197,7 @@
         </p:nvCxnSpPr>
         <p:spPr>
           <a:xfrm flipH="1" flipV="1">
-            <a:off x="6054629" y="2057383"/>
+            <a:off x="6106883" y="2806332"/>
             <a:ext cx="9805" cy="2980526"/>
           </a:xfrm>
           <a:prstGeom prst="line">
@@ -4192,9 +4241,9 @@
           <p:nvPr/>
         </p:nvCxnSpPr>
         <p:spPr>
-          <a:xfrm>
-            <a:off x="4314004" y="4541517"/>
-            <a:ext cx="265611" cy="0"/>
+          <a:xfrm flipV="1">
+            <a:off x="4380414" y="5281132"/>
+            <a:ext cx="506058" cy="4982"/>
           </a:xfrm>
           <a:prstGeom prst="line">
             <a:avLst/>
@@ -4236,7 +4285,7 @@
         </p:nvSpPr>
         <p:spPr>
           <a:xfrm rot="5400000">
-            <a:off x="4327064" y="3030587"/>
+            <a:off x="4379318" y="3779536"/>
             <a:ext cx="259091" cy="515978"/>
           </a:xfrm>
           <a:prstGeom prst="rect">
@@ -4292,7 +4341,7 @@
         </p:nvCxnSpPr>
         <p:spPr>
           <a:xfrm flipV="1">
-            <a:off x="4322718" y="4275907"/>
+            <a:off x="4374972" y="5024856"/>
             <a:ext cx="740245" cy="4356"/>
           </a:xfrm>
           <a:prstGeom prst="line">
@@ -4337,7 +4386,7 @@
         </p:nvCxnSpPr>
         <p:spPr>
           <a:xfrm>
-            <a:off x="6560817" y="3822687"/>
+            <a:off x="6613071" y="4571636"/>
             <a:ext cx="0" cy="466286"/>
           </a:xfrm>
           <a:prstGeom prst="line">
@@ -4382,8 +4431,8 @@
         </p:nvCxnSpPr>
         <p:spPr>
           <a:xfrm>
-            <a:off x="3345174" y="3535680"/>
-            <a:ext cx="1717789" cy="1"/>
+            <a:off x="3633653" y="4284629"/>
+            <a:ext cx="1481564" cy="1"/>
           </a:xfrm>
           <a:prstGeom prst="line">
             <a:avLst/>
@@ -4427,7 +4476,7 @@
         </p:nvCxnSpPr>
         <p:spPr>
           <a:xfrm flipH="1" flipV="1">
-            <a:off x="4322718" y="3300549"/>
+            <a:off x="4374972" y="4049498"/>
             <a:ext cx="6529" cy="254724"/>
           </a:xfrm>
           <a:prstGeom prst="line">
@@ -4472,7 +4521,7 @@
         </p:nvCxnSpPr>
         <p:spPr>
           <a:xfrm flipV="1">
-            <a:off x="4316182" y="2793274"/>
+            <a:off x="4368436" y="3542223"/>
             <a:ext cx="13065" cy="496393"/>
           </a:xfrm>
           <a:prstGeom prst="line">
@@ -4517,7 +4566,7 @@
         </p:nvCxnSpPr>
         <p:spPr>
           <a:xfrm flipV="1">
-            <a:off x="4555670" y="2806336"/>
+            <a:off x="4607924" y="3555285"/>
             <a:ext cx="13065" cy="496393"/>
           </a:xfrm>
           <a:prstGeom prst="line">
@@ -4562,7 +4611,7 @@
         </p:nvCxnSpPr>
         <p:spPr>
           <a:xfrm flipV="1">
-            <a:off x="4311825" y="2309947"/>
+            <a:off x="4364079" y="3058896"/>
             <a:ext cx="13065" cy="496393"/>
           </a:xfrm>
           <a:prstGeom prst="line">
@@ -4607,7 +4656,7 @@
         </p:nvCxnSpPr>
         <p:spPr>
           <a:xfrm flipV="1">
-            <a:off x="4063625" y="2296880"/>
+            <a:off x="4115879" y="3045829"/>
             <a:ext cx="13065" cy="496393"/>
           </a:xfrm>
           <a:prstGeom prst="line">
@@ -4652,7 +4701,7 @@
         </p:nvCxnSpPr>
         <p:spPr>
           <a:xfrm flipH="1" flipV="1">
-            <a:off x="4063625" y="2037806"/>
+            <a:off x="4115879" y="2786755"/>
             <a:ext cx="13060" cy="263432"/>
           </a:xfrm>
           <a:prstGeom prst="line">
@@ -4697,7 +4746,7 @@
         </p:nvCxnSpPr>
         <p:spPr>
           <a:xfrm>
-            <a:off x="2587521" y="2037806"/>
+            <a:off x="2639775" y="2786755"/>
             <a:ext cx="0" cy="768534"/>
           </a:xfrm>
           <a:prstGeom prst="line">
@@ -4742,7 +4791,7 @@
         </p:nvCxnSpPr>
         <p:spPr>
           <a:xfrm>
-            <a:off x="2585357" y="2037806"/>
+            <a:off x="2637611" y="2786755"/>
             <a:ext cx="1478268" cy="0"/>
           </a:xfrm>
           <a:prstGeom prst="line">
@@ -4785,7 +4834,7 @@
         </p:nvCxnSpPr>
         <p:spPr>
           <a:xfrm>
-            <a:off x="3081745" y="3300549"/>
+            <a:off x="3133999" y="4049498"/>
             <a:ext cx="0" cy="1240968"/>
           </a:xfrm>
           <a:prstGeom prst="line">
@@ -4823,7 +4872,7 @@
         </p:nvCxnSpPr>
         <p:spPr>
           <a:xfrm flipH="1">
-            <a:off x="3064337" y="4537167"/>
+            <a:off x="3116591" y="5286116"/>
             <a:ext cx="265611" cy="0"/>
           </a:xfrm>
           <a:prstGeom prst="line">
@@ -4868,7 +4917,7 @@
         </p:nvCxnSpPr>
         <p:spPr>
           <a:xfrm flipV="1">
-            <a:off x="3086093" y="3289667"/>
+            <a:off x="3138347" y="4038616"/>
             <a:ext cx="990592" cy="15235"/>
           </a:xfrm>
           <a:prstGeom prst="line">
@@ -4906,7 +4955,7 @@
         </p:nvCxnSpPr>
         <p:spPr>
           <a:xfrm flipV="1">
-            <a:off x="4067989" y="2806332"/>
+            <a:off x="4120243" y="3555281"/>
             <a:ext cx="13065" cy="496393"/>
           </a:xfrm>
           <a:prstGeom prst="line">
@@ -4951,7 +5000,7 @@
         </p:nvCxnSpPr>
         <p:spPr>
           <a:xfrm flipV="1">
-            <a:off x="2576649" y="4032069"/>
+            <a:off x="2628903" y="4781018"/>
             <a:ext cx="8707" cy="243840"/>
           </a:xfrm>
           <a:prstGeom prst="line">
@@ -4994,7 +5043,7 @@
         </p:nvSpPr>
         <p:spPr>
           <a:xfrm>
-            <a:off x="3253477" y="5135207"/>
+            <a:off x="3305731" y="5884156"/>
             <a:ext cx="1212930" cy="646331"/>
           </a:xfrm>
           <a:prstGeom prst="rect">
@@ -5033,8 +5082,8 @@
         </p:nvSpPr>
         <p:spPr>
           <a:xfrm>
-            <a:off x="2463436" y="1070485"/>
-            <a:ext cx="1434999" cy="646331"/>
+            <a:off x="2247902" y="1540760"/>
+            <a:ext cx="2181756" cy="923330"/>
           </a:xfrm>
           <a:prstGeom prst="rect">
             <a:avLst/>
@@ -5056,6 +5105,16 @@
               <a:t>USB micro-B connector</a:t>
             </a:r>
           </a:p>
+          <a:p>
+            <a:r>
+              <a:rPr lang="en-US" b="1" dirty="0">
+                <a:solidFill>
+                  <a:srgbClr val="00B050"/>
+                </a:solidFill>
+              </a:rPr>
+              <a:t>(for power supply)</a:t>
+            </a:r>
+          </a:p>
         </p:txBody>
       </p:sp>
       <p:sp>
@@ -5072,7 +5131,7 @@
         </p:nvSpPr>
         <p:spPr>
           <a:xfrm>
-            <a:off x="1942838" y="5165681"/>
+            <a:off x="1995092" y="5914630"/>
             <a:ext cx="1212930" cy="369332"/>
           </a:xfrm>
           <a:prstGeom prst="rect">
@@ -5111,7 +5170,7 @@
         </p:nvSpPr>
         <p:spPr>
           <a:xfrm>
-            <a:off x="5954352" y="5182383"/>
+            <a:off x="6006606" y="5931332"/>
             <a:ext cx="1212930" cy="369332"/>
           </a:xfrm>
           <a:prstGeom prst="rect">
@@ -5150,7 +5209,7 @@
         </p:nvSpPr>
         <p:spPr>
           <a:xfrm>
-            <a:off x="5167578" y="1354396"/>
+            <a:off x="5219832" y="2103345"/>
             <a:ext cx="1212930" cy="369332"/>
           </a:xfrm>
           <a:prstGeom prst="rect">
@@ -5189,7 +5248,7 @@
         </p:nvSpPr>
         <p:spPr>
           <a:xfrm>
-            <a:off x="6842368" y="4163316"/>
+            <a:off x="8009326" y="4920974"/>
             <a:ext cx="383207" cy="276999"/>
           </a:xfrm>
           <a:prstGeom prst="rect">
@@ -5224,7 +5283,7 @@
         </p:nvSpPr>
         <p:spPr>
           <a:xfrm>
-            <a:off x="6829304" y="4402806"/>
+            <a:off x="7996259" y="5151755"/>
             <a:ext cx="494765" cy="276999"/>
           </a:xfrm>
           <a:prstGeom prst="rect">
@@ -5259,7 +5318,7 @@
         </p:nvSpPr>
         <p:spPr>
           <a:xfrm>
-            <a:off x="6833656" y="4641668"/>
+            <a:off x="8009326" y="5408035"/>
             <a:ext cx="428200" cy="286335"/>
           </a:xfrm>
           <a:prstGeom prst="rect">
@@ -5294,7 +5353,7 @@
         </p:nvSpPr>
         <p:spPr>
           <a:xfrm>
-            <a:off x="6829297" y="4899203"/>
+            <a:off x="8004967" y="5648152"/>
             <a:ext cx="494765" cy="276999"/>
           </a:xfrm>
           <a:prstGeom prst="rect">
@@ -5329,7 +5388,7 @@
         </p:nvSpPr>
         <p:spPr>
           <a:xfrm>
-            <a:off x="1969908" y="4167673"/>
+            <a:off x="2022162" y="4916622"/>
             <a:ext cx="383207" cy="276999"/>
           </a:xfrm>
           <a:prstGeom prst="rect">
@@ -5364,7 +5423,7 @@
         </p:nvSpPr>
         <p:spPr>
           <a:xfrm>
-            <a:off x="1843633" y="4407163"/>
+            <a:off x="1895887" y="5156112"/>
             <a:ext cx="494765" cy="276999"/>
           </a:xfrm>
           <a:prstGeom prst="rect">
@@ -5399,7 +5458,7 @@
         </p:nvSpPr>
         <p:spPr>
           <a:xfrm>
-            <a:off x="4839395" y="2125527"/>
+            <a:off x="4891649" y="2874476"/>
             <a:ext cx="494765" cy="276999"/>
           </a:xfrm>
           <a:prstGeom prst="rect">
@@ -5434,7 +5493,7 @@
         </p:nvSpPr>
         <p:spPr>
           <a:xfrm>
-            <a:off x="5401106" y="2129867"/>
+            <a:off x="5453360" y="2878816"/>
             <a:ext cx="383207" cy="276999"/>
           </a:xfrm>
           <a:prstGeom prst="rect">
@@ -5469,7 +5528,7 @@
         </p:nvSpPr>
         <p:spPr>
           <a:xfrm>
-            <a:off x="5658001" y="1690091"/>
+            <a:off x="5710255" y="1097917"/>
             <a:ext cx="494765" cy="276999"/>
           </a:xfrm>
           <a:prstGeom prst="rect">
@@ -5504,7 +5563,7 @@
         </p:nvSpPr>
         <p:spPr>
           <a:xfrm>
-            <a:off x="5906201" y="1685101"/>
+            <a:off x="5941037" y="1101637"/>
             <a:ext cx="428200" cy="286335"/>
           </a:xfrm>
           <a:prstGeom prst="rect">
@@ -5539,8 +5598,8 @@
         </p:nvSpPr>
         <p:spPr>
           <a:xfrm>
-            <a:off x="438304" y="533800"/>
-            <a:ext cx="2817100" cy="646331"/>
+            <a:off x="4209023" y="6455350"/>
+            <a:ext cx="4299253" cy="369332"/>
           </a:xfrm>
           <a:prstGeom prst="rect">
             <a:avLst/>
@@ -5559,17 +5618,7 @@
                   <a:srgbClr val="00B050"/>
                 </a:solidFill>
               </a:rPr>
-              <a:t>Three-terminal regulator</a:t>
-            </a:r>
-          </a:p>
-          <a:p>
-            <a:r>
-              <a:rPr lang="en-US" b="1" dirty="0">
-                <a:solidFill>
-                  <a:srgbClr val="00B050"/>
-                </a:solidFill>
-              </a:rPr>
-              <a:t>TA48M033D (a)</a:t>
+              <a:t>(a) Three-terminal regulator TA48M033D</a:t>
             </a:r>
           </a:p>
         </p:txBody>
@@ -5588,7 +5637,7 @@
         </p:nvSpPr>
         <p:spPr>
           <a:xfrm>
-            <a:off x="4651467" y="2673168"/>
+            <a:off x="4703721" y="3422117"/>
             <a:ext cx="664604" cy="369332"/>
           </a:xfrm>
           <a:prstGeom prst="rect">
@@ -5627,7 +5676,7 @@
         </p:nvSpPr>
         <p:spPr>
           <a:xfrm>
-            <a:off x="4324914" y="2233395"/>
+            <a:off x="4377168" y="2982344"/>
             <a:ext cx="664604" cy="369332"/>
           </a:xfrm>
           <a:prstGeom prst="rect">
@@ -5679,7 +5728,7 @@
         </p:nvSpPr>
         <p:spPr>
           <a:xfrm>
-            <a:off x="3631530" y="3239981"/>
+            <a:off x="3683784" y="3988930"/>
             <a:ext cx="740920" cy="369332"/>
           </a:xfrm>
           <a:prstGeom prst="rect">
@@ -5725,7 +5774,7 @@
         </p:nvCxnSpPr>
         <p:spPr>
           <a:xfrm>
-            <a:off x="3325587" y="4275907"/>
+            <a:off x="3377841" y="5024856"/>
             <a:ext cx="999303" cy="0"/>
           </a:xfrm>
           <a:prstGeom prst="line">
@@ -5737,6 +5786,1946 @@
             </a:solidFill>
             <a:headEnd type="oval" w="med" len="med"/>
             <a:tailEnd type="oval" w="med" len="med"/>
+          </a:ln>
+        </p:spPr>
+        <p:style>
+          <a:lnRef idx="1">
+            <a:schemeClr val="accent1"/>
+          </a:lnRef>
+          <a:fillRef idx="0">
+            <a:schemeClr val="accent1"/>
+          </a:fillRef>
+          <a:effectRef idx="0">
+            <a:schemeClr val="accent1"/>
+          </a:effectRef>
+          <a:fontRef idx="minor">
+            <a:schemeClr val="tx1"/>
+          </a:fontRef>
+        </p:style>
+      </p:cxnSp>
+      <p:cxnSp>
+        <p:nvCxnSpPr>
+          <p:cNvPr id="106" name="直線コネクタ 105">
+            <a:extLst>
+              <a:ext uri="{FF2B5EF4-FFF2-40B4-BE49-F238E27FC236}">
+                <a16:creationId xmlns:a16="http://schemas.microsoft.com/office/drawing/2014/main" id="{FD8CCC55-40B0-4AE0-85CE-7B70CA25FBBC}"/>
+              </a:ext>
+            </a:extLst>
+          </p:cNvPr>
+          <p:cNvCxnSpPr>
+            <a:cxnSpLocks/>
+          </p:cNvCxnSpPr>
+          <p:nvPr/>
+        </p:nvCxnSpPr>
+        <p:spPr>
+          <a:xfrm flipV="1">
+            <a:off x="5861955" y="2801991"/>
+            <a:ext cx="7624" cy="1994266"/>
+          </a:xfrm>
+          <a:prstGeom prst="line">
+            <a:avLst/>
+          </a:prstGeom>
+          <a:ln>
+            <a:solidFill>
+              <a:srgbClr val="0070C0"/>
+            </a:solidFill>
+            <a:headEnd type="none" w="med" len="med"/>
+            <a:tailEnd type="oval" w="med" len="med"/>
+          </a:ln>
+        </p:spPr>
+        <p:style>
+          <a:lnRef idx="1">
+            <a:schemeClr val="accent1"/>
+          </a:lnRef>
+          <a:fillRef idx="0">
+            <a:schemeClr val="accent1"/>
+          </a:fillRef>
+          <a:effectRef idx="0">
+            <a:schemeClr val="accent1"/>
+          </a:effectRef>
+          <a:fontRef idx="minor">
+            <a:schemeClr val="tx1"/>
+          </a:fontRef>
+        </p:style>
+      </p:cxnSp>
+      <p:cxnSp>
+        <p:nvCxnSpPr>
+          <p:cNvPr id="116" name="直線コネクタ 115">
+            <a:extLst>
+              <a:ext uri="{FF2B5EF4-FFF2-40B4-BE49-F238E27FC236}">
+                <a16:creationId xmlns:a16="http://schemas.microsoft.com/office/drawing/2014/main" id="{7674060B-3D2B-4FD4-B7CB-075DEEA99A97}"/>
+              </a:ext>
+            </a:extLst>
+          </p:cNvPr>
+          <p:cNvCxnSpPr>
+            <a:cxnSpLocks/>
+          </p:cNvCxnSpPr>
+          <p:nvPr/>
+        </p:nvCxnSpPr>
+        <p:spPr>
+          <a:xfrm flipV="1">
+            <a:off x="5613791" y="2806345"/>
+            <a:ext cx="7592" cy="1713786"/>
+          </a:xfrm>
+          <a:prstGeom prst="line">
+            <a:avLst/>
+          </a:prstGeom>
+          <a:ln>
+            <a:solidFill>
+              <a:srgbClr val="0070C0"/>
+            </a:solidFill>
+            <a:headEnd type="oval" w="med" len="med"/>
+            <a:tailEnd type="oval" w="med" len="med"/>
+          </a:ln>
+        </p:spPr>
+        <p:style>
+          <a:lnRef idx="1">
+            <a:schemeClr val="accent1"/>
+          </a:lnRef>
+          <a:fillRef idx="0">
+            <a:schemeClr val="accent1"/>
+          </a:fillRef>
+          <a:effectRef idx="0">
+            <a:schemeClr val="accent1"/>
+          </a:effectRef>
+          <a:fontRef idx="minor">
+            <a:schemeClr val="tx1"/>
+          </a:fontRef>
+        </p:style>
+      </p:cxnSp>
+      <p:cxnSp>
+        <p:nvCxnSpPr>
+          <p:cNvPr id="120" name="直線コネクタ 119">
+            <a:extLst>
+              <a:ext uri="{FF2B5EF4-FFF2-40B4-BE49-F238E27FC236}">
+                <a16:creationId xmlns:a16="http://schemas.microsoft.com/office/drawing/2014/main" id="{7B9EE19A-1161-4DC8-AD0E-4E722E06B480}"/>
+              </a:ext>
+            </a:extLst>
+          </p:cNvPr>
+          <p:cNvCxnSpPr>
+            <a:cxnSpLocks/>
+          </p:cNvCxnSpPr>
+          <p:nvPr/>
+        </p:nvCxnSpPr>
+        <p:spPr>
+          <a:xfrm flipH="1" flipV="1">
+            <a:off x="5120642" y="2801985"/>
+            <a:ext cx="7623" cy="2471070"/>
+          </a:xfrm>
+          <a:prstGeom prst="line">
+            <a:avLst/>
+          </a:prstGeom>
+          <a:ln>
+            <a:solidFill>
+              <a:srgbClr val="0070C0"/>
+            </a:solidFill>
+            <a:headEnd type="none" w="med" len="med"/>
+            <a:tailEnd type="oval" w="med" len="med"/>
+          </a:ln>
+        </p:spPr>
+        <p:style>
+          <a:lnRef idx="1">
+            <a:schemeClr val="accent1"/>
+          </a:lnRef>
+          <a:fillRef idx="0">
+            <a:schemeClr val="accent1"/>
+          </a:fillRef>
+          <a:effectRef idx="0">
+            <a:schemeClr val="accent1"/>
+          </a:effectRef>
+          <a:fontRef idx="minor">
+            <a:schemeClr val="tx1"/>
+          </a:fontRef>
+        </p:style>
+      </p:cxnSp>
+      <p:cxnSp>
+        <p:nvCxnSpPr>
+          <p:cNvPr id="1041" name="直線コネクタ 1040">
+            <a:extLst>
+              <a:ext uri="{FF2B5EF4-FFF2-40B4-BE49-F238E27FC236}">
+                <a16:creationId xmlns:a16="http://schemas.microsoft.com/office/drawing/2014/main" id="{1A505AFB-F645-4612-AF81-41C0748BE1DA}"/>
+              </a:ext>
+            </a:extLst>
+          </p:cNvPr>
+          <p:cNvCxnSpPr/>
+          <p:nvPr/>
+        </p:nvCxnSpPr>
+        <p:spPr>
+          <a:xfrm>
+            <a:off x="4126775" y="2786755"/>
+            <a:ext cx="764874" cy="0"/>
+          </a:xfrm>
+          <a:prstGeom prst="line">
+            <a:avLst/>
+          </a:prstGeom>
+        </p:spPr>
+        <p:style>
+          <a:lnRef idx="1">
+            <a:schemeClr val="accent1"/>
+          </a:lnRef>
+          <a:fillRef idx="0">
+            <a:schemeClr val="accent1"/>
+          </a:fillRef>
+          <a:effectRef idx="0">
+            <a:schemeClr val="accent1"/>
+          </a:effectRef>
+          <a:fontRef idx="minor">
+            <a:schemeClr val="tx1"/>
+          </a:fontRef>
+        </p:style>
+      </p:cxnSp>
+      <p:cxnSp>
+        <p:nvCxnSpPr>
+          <p:cNvPr id="146" name="直線コネクタ 145">
+            <a:extLst>
+              <a:ext uri="{FF2B5EF4-FFF2-40B4-BE49-F238E27FC236}">
+                <a16:creationId xmlns:a16="http://schemas.microsoft.com/office/drawing/2014/main" id="{8EC3F1BF-1E41-48EC-91ED-4367E9A79362}"/>
+              </a:ext>
+            </a:extLst>
+          </p:cNvPr>
+          <p:cNvCxnSpPr/>
+          <p:nvPr/>
+        </p:nvCxnSpPr>
+        <p:spPr>
+          <a:xfrm>
+            <a:off x="4853947" y="2555981"/>
+            <a:ext cx="764874" cy="0"/>
+          </a:xfrm>
+          <a:prstGeom prst="line">
+            <a:avLst/>
+          </a:prstGeom>
+          <a:ln>
+            <a:headEnd type="none"/>
+            <a:tailEnd type="oval"/>
+          </a:ln>
+        </p:spPr>
+        <p:style>
+          <a:lnRef idx="1">
+            <a:schemeClr val="accent1"/>
+          </a:lnRef>
+          <a:fillRef idx="0">
+            <a:schemeClr val="accent1"/>
+          </a:fillRef>
+          <a:effectRef idx="0">
+            <a:schemeClr val="accent1"/>
+          </a:effectRef>
+          <a:fontRef idx="minor">
+            <a:schemeClr val="tx1"/>
+          </a:fontRef>
+        </p:style>
+      </p:cxnSp>
+      <p:cxnSp>
+        <p:nvCxnSpPr>
+          <p:cNvPr id="1043" name="直線コネクタ 1042">
+            <a:extLst>
+              <a:ext uri="{FF2B5EF4-FFF2-40B4-BE49-F238E27FC236}">
+                <a16:creationId xmlns:a16="http://schemas.microsoft.com/office/drawing/2014/main" id="{1290F592-1012-45BF-A8C2-6D204CF47C90}"/>
+              </a:ext>
+            </a:extLst>
+          </p:cNvPr>
+          <p:cNvCxnSpPr/>
+          <p:nvPr/>
+        </p:nvCxnSpPr>
+        <p:spPr>
+          <a:xfrm flipV="1">
+            <a:off x="4862656" y="2555981"/>
+            <a:ext cx="0" cy="250351"/>
+          </a:xfrm>
+          <a:prstGeom prst="line">
+            <a:avLst/>
+          </a:prstGeom>
+        </p:spPr>
+        <p:style>
+          <a:lnRef idx="1">
+            <a:schemeClr val="accent1"/>
+          </a:lnRef>
+          <a:fillRef idx="0">
+            <a:schemeClr val="accent1"/>
+          </a:fillRef>
+          <a:effectRef idx="0">
+            <a:schemeClr val="accent1"/>
+          </a:effectRef>
+          <a:fontRef idx="minor">
+            <a:schemeClr val="tx1"/>
+          </a:fontRef>
+        </p:style>
+      </p:cxnSp>
+      <p:cxnSp>
+        <p:nvCxnSpPr>
+          <p:cNvPr id="1045" name="直線コネクタ 1044">
+            <a:extLst>
+              <a:ext uri="{FF2B5EF4-FFF2-40B4-BE49-F238E27FC236}">
+                <a16:creationId xmlns:a16="http://schemas.microsoft.com/office/drawing/2014/main" id="{27010D11-6F9C-411A-9A79-EF5D237DA018}"/>
+              </a:ext>
+            </a:extLst>
+          </p:cNvPr>
+          <p:cNvCxnSpPr/>
+          <p:nvPr/>
+        </p:nvCxnSpPr>
+        <p:spPr>
+          <a:xfrm flipV="1">
+            <a:off x="5617574" y="2555981"/>
+            <a:ext cx="0" cy="250351"/>
+          </a:xfrm>
+          <a:prstGeom prst="line">
+            <a:avLst/>
+          </a:prstGeom>
+        </p:spPr>
+        <p:style>
+          <a:lnRef idx="1">
+            <a:schemeClr val="accent1"/>
+          </a:lnRef>
+          <a:fillRef idx="0">
+            <a:schemeClr val="accent1"/>
+          </a:fillRef>
+          <a:effectRef idx="0">
+            <a:schemeClr val="accent1"/>
+          </a:effectRef>
+          <a:fontRef idx="minor">
+            <a:schemeClr val="tx1"/>
+          </a:fontRef>
+        </p:style>
+      </p:cxnSp>
+      <p:cxnSp>
+        <p:nvCxnSpPr>
+          <p:cNvPr id="72" name="直線コネクタ 71">
+            <a:extLst>
+              <a:ext uri="{FF2B5EF4-FFF2-40B4-BE49-F238E27FC236}">
+                <a16:creationId xmlns:a16="http://schemas.microsoft.com/office/drawing/2014/main" id="{590C21B5-8433-4AF6-8011-9ACCC6765CF6}"/>
+              </a:ext>
+            </a:extLst>
+          </p:cNvPr>
+          <p:cNvCxnSpPr>
+            <a:cxnSpLocks/>
+          </p:cNvCxnSpPr>
+          <p:nvPr/>
+        </p:nvCxnSpPr>
+        <p:spPr>
+          <a:xfrm>
+            <a:off x="5614562" y="4545883"/>
+            <a:ext cx="994164" cy="0"/>
+          </a:xfrm>
+          <a:prstGeom prst="line">
+            <a:avLst/>
+          </a:prstGeom>
+          <a:ln>
+            <a:solidFill>
+              <a:srgbClr val="FF0000"/>
+            </a:solidFill>
+            <a:headEnd type="oval"/>
+            <a:tailEnd type="oval"/>
+          </a:ln>
+        </p:spPr>
+        <p:style>
+          <a:lnRef idx="1">
+            <a:schemeClr val="accent1"/>
+          </a:lnRef>
+          <a:fillRef idx="0">
+            <a:schemeClr val="accent1"/>
+          </a:fillRef>
+          <a:effectRef idx="0">
+            <a:schemeClr val="accent1"/>
+          </a:effectRef>
+          <a:fontRef idx="minor">
+            <a:schemeClr val="tx1"/>
+          </a:fontRef>
+        </p:style>
+      </p:cxnSp>
+      <p:sp>
+        <p:nvSpPr>
+          <p:cNvPr id="1046" name="テキスト ボックス 1045">
+            <a:extLst>
+              <a:ext uri="{FF2B5EF4-FFF2-40B4-BE49-F238E27FC236}">
+                <a16:creationId xmlns:a16="http://schemas.microsoft.com/office/drawing/2014/main" id="{FD94C003-CD66-460E-8D70-D75FB59FCC11}"/>
+              </a:ext>
+            </a:extLst>
+          </p:cNvPr>
+          <p:cNvSpPr txBox="1"/>
+          <p:nvPr/>
+        </p:nvSpPr>
+        <p:spPr>
+          <a:xfrm flipH="1">
+            <a:off x="2292420" y="3368086"/>
+            <a:ext cx="198701" cy="369332"/>
+          </a:xfrm>
+          <a:prstGeom prst="rect">
+            <a:avLst/>
+          </a:prstGeom>
+          <a:noFill/>
+        </p:spPr>
+        <p:txBody>
+          <a:bodyPr wrap="square" rtlCol="0">
+            <a:spAutoFit/>
+          </a:bodyPr>
+          <a:lstStyle/>
+          <a:p>
+            <a:r>
+              <a:rPr lang="en-US" dirty="0"/>
+              <a:t>1</a:t>
+            </a:r>
+          </a:p>
+        </p:txBody>
+      </p:sp>
+      <p:sp>
+        <p:nvSpPr>
+          <p:cNvPr id="152" name="テキスト ボックス 151">
+            <a:extLst>
+              <a:ext uri="{FF2B5EF4-FFF2-40B4-BE49-F238E27FC236}">
+                <a16:creationId xmlns:a16="http://schemas.microsoft.com/office/drawing/2014/main" id="{99D74A43-C237-4025-B12F-A8C0A45D2F85}"/>
+              </a:ext>
+            </a:extLst>
+          </p:cNvPr>
+          <p:cNvSpPr txBox="1"/>
+          <p:nvPr/>
+        </p:nvSpPr>
+        <p:spPr>
+          <a:xfrm flipH="1">
+            <a:off x="3357360" y="3350467"/>
+            <a:ext cx="198701" cy="369332"/>
+          </a:xfrm>
+          <a:prstGeom prst="rect">
+            <a:avLst/>
+          </a:prstGeom>
+          <a:noFill/>
+        </p:spPr>
+        <p:txBody>
+          <a:bodyPr wrap="square" rtlCol="0">
+            <a:spAutoFit/>
+          </a:bodyPr>
+          <a:lstStyle/>
+          <a:p>
+            <a:r>
+              <a:rPr lang="en-US" dirty="0"/>
+              <a:t>5</a:t>
+            </a:r>
+          </a:p>
+        </p:txBody>
+      </p:sp>
+      <p:sp>
+        <p:nvSpPr>
+          <p:cNvPr id="156" name="テキスト ボックス 155">
+            <a:extLst>
+              <a:ext uri="{FF2B5EF4-FFF2-40B4-BE49-F238E27FC236}">
+                <a16:creationId xmlns:a16="http://schemas.microsoft.com/office/drawing/2014/main" id="{5AD61752-A2B7-480F-B9B5-AE691E995D97}"/>
+              </a:ext>
+            </a:extLst>
+          </p:cNvPr>
+          <p:cNvSpPr txBox="1"/>
+          <p:nvPr/>
+        </p:nvSpPr>
+        <p:spPr>
+          <a:xfrm>
+            <a:off x="3189113" y="4768581"/>
+            <a:ext cx="494765" cy="276999"/>
+          </a:xfrm>
+          <a:prstGeom prst="rect">
+            <a:avLst/>
+          </a:prstGeom>
+          <a:noFill/>
+        </p:spPr>
+        <p:txBody>
+          <a:bodyPr wrap="square" rtlCol="0">
+            <a:spAutoFit/>
+          </a:bodyPr>
+          <a:lstStyle/>
+          <a:p>
+            <a:r>
+              <a:rPr lang="en-US" sz="1200" dirty="0"/>
+              <a:t>GND</a:t>
+            </a:r>
+          </a:p>
+        </p:txBody>
+      </p:sp>
+      <p:sp>
+        <p:nvSpPr>
+          <p:cNvPr id="157" name="テキスト ボックス 156">
+            <a:extLst>
+              <a:ext uri="{FF2B5EF4-FFF2-40B4-BE49-F238E27FC236}">
+                <a16:creationId xmlns:a16="http://schemas.microsoft.com/office/drawing/2014/main" id="{669384F1-3295-4FBE-A590-7C76DEE63003}"/>
+              </a:ext>
+            </a:extLst>
+          </p:cNvPr>
+          <p:cNvSpPr txBox="1"/>
+          <p:nvPr/>
+        </p:nvSpPr>
+        <p:spPr>
+          <a:xfrm>
+            <a:off x="4099160" y="4764222"/>
+            <a:ext cx="494765" cy="276999"/>
+          </a:xfrm>
+          <a:prstGeom prst="rect">
+            <a:avLst/>
+          </a:prstGeom>
+          <a:noFill/>
+        </p:spPr>
+        <p:txBody>
+          <a:bodyPr wrap="square" rtlCol="0">
+            <a:spAutoFit/>
+          </a:bodyPr>
+          <a:lstStyle/>
+          <a:p>
+            <a:r>
+              <a:rPr lang="en-US" sz="1200" dirty="0"/>
+              <a:t>GND</a:t>
+            </a:r>
+          </a:p>
+        </p:txBody>
+      </p:sp>
+      <p:sp>
+        <p:nvSpPr>
+          <p:cNvPr id="158" name="テキスト ボックス 157">
+            <a:extLst>
+              <a:ext uri="{FF2B5EF4-FFF2-40B4-BE49-F238E27FC236}">
+                <a16:creationId xmlns:a16="http://schemas.microsoft.com/office/drawing/2014/main" id="{203884A5-39CA-4471-8237-3C65155E12EA}"/>
+              </a:ext>
+            </a:extLst>
+          </p:cNvPr>
+          <p:cNvSpPr txBox="1"/>
+          <p:nvPr/>
+        </p:nvSpPr>
+        <p:spPr>
+          <a:xfrm>
+            <a:off x="3223951" y="5029833"/>
+            <a:ext cx="494765" cy="276999"/>
+          </a:xfrm>
+          <a:prstGeom prst="rect">
+            <a:avLst/>
+          </a:prstGeom>
+          <a:noFill/>
+        </p:spPr>
+        <p:txBody>
+          <a:bodyPr wrap="square" rtlCol="0">
+            <a:spAutoFit/>
+          </a:bodyPr>
+          <a:lstStyle/>
+          <a:p>
+            <a:r>
+              <a:rPr lang="en-US" sz="1200" dirty="0"/>
+              <a:t>HV</a:t>
+            </a:r>
+          </a:p>
+        </p:txBody>
+      </p:sp>
+      <p:sp>
+        <p:nvSpPr>
+          <p:cNvPr id="159" name="テキスト ボックス 158">
+            <a:extLst>
+              <a:ext uri="{FF2B5EF4-FFF2-40B4-BE49-F238E27FC236}">
+                <a16:creationId xmlns:a16="http://schemas.microsoft.com/office/drawing/2014/main" id="{01BA7618-E677-4CDA-A473-FAE5EA6CCEF8}"/>
+              </a:ext>
+            </a:extLst>
+          </p:cNvPr>
+          <p:cNvSpPr txBox="1"/>
+          <p:nvPr/>
+        </p:nvSpPr>
+        <p:spPr>
+          <a:xfrm>
+            <a:off x="4194962" y="5034184"/>
+            <a:ext cx="551216" cy="276999"/>
+          </a:xfrm>
+          <a:prstGeom prst="rect">
+            <a:avLst/>
+          </a:prstGeom>
+          <a:noFill/>
+        </p:spPr>
+        <p:txBody>
+          <a:bodyPr wrap="square" rtlCol="0">
+            <a:spAutoFit/>
+          </a:bodyPr>
+          <a:lstStyle/>
+          <a:p>
+            <a:r>
+              <a:rPr lang="en-US" sz="1200" dirty="0"/>
+              <a:t>LV</a:t>
+            </a:r>
+          </a:p>
+        </p:txBody>
+      </p:sp>
+      <p:cxnSp>
+        <p:nvCxnSpPr>
+          <p:cNvPr id="162" name="直線コネクタ 161">
+            <a:extLst>
+              <a:ext uri="{FF2B5EF4-FFF2-40B4-BE49-F238E27FC236}">
+                <a16:creationId xmlns:a16="http://schemas.microsoft.com/office/drawing/2014/main" id="{011096CC-9127-4F4C-9F78-EE00E9CF2195}"/>
+              </a:ext>
+            </a:extLst>
+          </p:cNvPr>
+          <p:cNvCxnSpPr>
+            <a:cxnSpLocks/>
+          </p:cNvCxnSpPr>
+          <p:nvPr/>
+        </p:nvCxnSpPr>
+        <p:spPr>
+          <a:xfrm>
+            <a:off x="2628901" y="4789719"/>
+            <a:ext cx="498568" cy="6538"/>
+          </a:xfrm>
+          <a:prstGeom prst="line">
+            <a:avLst/>
+          </a:prstGeom>
+          <a:ln>
+            <a:solidFill>
+              <a:srgbClr val="FF0000"/>
+            </a:solidFill>
+            <a:headEnd type="oval" w="med" len="med"/>
+            <a:tailEnd type="oval" w="med" len="med"/>
+          </a:ln>
+        </p:spPr>
+        <p:style>
+          <a:lnRef idx="1">
+            <a:schemeClr val="accent1"/>
+          </a:lnRef>
+          <a:fillRef idx="0">
+            <a:schemeClr val="accent1"/>
+          </a:fillRef>
+          <a:effectRef idx="0">
+            <a:schemeClr val="accent1"/>
+          </a:effectRef>
+          <a:fontRef idx="minor">
+            <a:schemeClr val="tx1"/>
+          </a:fontRef>
+        </p:style>
+      </p:cxnSp>
+      <p:cxnSp>
+        <p:nvCxnSpPr>
+          <p:cNvPr id="66" name="直線コネクタ 65">
+            <a:extLst>
+              <a:ext uri="{FF2B5EF4-FFF2-40B4-BE49-F238E27FC236}">
+                <a16:creationId xmlns:a16="http://schemas.microsoft.com/office/drawing/2014/main" id="{09C10256-D2E9-4166-A322-3110185E2271}"/>
+              </a:ext>
+            </a:extLst>
+          </p:cNvPr>
+          <p:cNvCxnSpPr>
+            <a:cxnSpLocks/>
+          </p:cNvCxnSpPr>
+          <p:nvPr/>
+        </p:nvCxnSpPr>
+        <p:spPr>
+          <a:xfrm>
+            <a:off x="5128265" y="5279236"/>
+            <a:ext cx="1203355" cy="8816"/>
+          </a:xfrm>
+          <a:prstGeom prst="line">
+            <a:avLst/>
+          </a:prstGeom>
+          <a:ln>
+            <a:solidFill>
+              <a:srgbClr val="FF0000"/>
+            </a:solidFill>
+            <a:headEnd type="oval"/>
+            <a:tailEnd type="oval"/>
+          </a:ln>
+        </p:spPr>
+        <p:style>
+          <a:lnRef idx="1">
+            <a:schemeClr val="accent1"/>
+          </a:lnRef>
+          <a:fillRef idx="0">
+            <a:schemeClr val="accent1"/>
+          </a:fillRef>
+          <a:effectRef idx="0">
+            <a:schemeClr val="accent1"/>
+          </a:effectRef>
+          <a:fontRef idx="minor">
+            <a:schemeClr val="tx1"/>
+          </a:fontRef>
+        </p:style>
+      </p:cxnSp>
+      <p:cxnSp>
+        <p:nvCxnSpPr>
+          <p:cNvPr id="22" name="直線コネクタ 21">
+            <a:extLst>
+              <a:ext uri="{FF2B5EF4-FFF2-40B4-BE49-F238E27FC236}">
+                <a16:creationId xmlns:a16="http://schemas.microsoft.com/office/drawing/2014/main" id="{DAE43DBE-44ED-49C8-BDDD-315780BE81B0}"/>
+              </a:ext>
+            </a:extLst>
+          </p:cNvPr>
+          <p:cNvCxnSpPr>
+            <a:cxnSpLocks/>
+          </p:cNvCxnSpPr>
+          <p:nvPr/>
+        </p:nvCxnSpPr>
+        <p:spPr>
+          <a:xfrm flipV="1">
+            <a:off x="3632569" y="3805657"/>
+            <a:ext cx="0" cy="478972"/>
+          </a:xfrm>
+          <a:prstGeom prst="line">
+            <a:avLst/>
+          </a:prstGeom>
+          <a:ln>
+            <a:solidFill>
+              <a:srgbClr val="FF0000"/>
+            </a:solidFill>
+            <a:headEnd type="oval" w="med" len="med"/>
+            <a:tailEnd type="oval" w="med" len="med"/>
+          </a:ln>
+        </p:spPr>
+        <p:style>
+          <a:lnRef idx="1">
+            <a:schemeClr val="accent1"/>
+          </a:lnRef>
+          <a:fillRef idx="0">
+            <a:schemeClr val="accent1"/>
+          </a:fillRef>
+          <a:effectRef idx="0">
+            <a:schemeClr val="accent1"/>
+          </a:effectRef>
+          <a:fontRef idx="minor">
+            <a:schemeClr val="tx1"/>
+          </a:fontRef>
+        </p:style>
+      </p:cxnSp>
+      <p:sp>
+        <p:nvSpPr>
+          <p:cNvPr id="184" name="テキスト ボックス 183">
+            <a:extLst>
+              <a:ext uri="{FF2B5EF4-FFF2-40B4-BE49-F238E27FC236}">
+                <a16:creationId xmlns:a16="http://schemas.microsoft.com/office/drawing/2014/main" id="{99286653-0EB4-4E01-AB04-A70A4B02E40D}"/>
+              </a:ext>
+            </a:extLst>
+          </p:cNvPr>
+          <p:cNvSpPr txBox="1"/>
+          <p:nvPr/>
+        </p:nvSpPr>
+        <p:spPr>
+          <a:xfrm>
+            <a:off x="4768564" y="408245"/>
+            <a:ext cx="1977940" cy="646331"/>
+          </a:xfrm>
+          <a:prstGeom prst="rect">
+            <a:avLst/>
+          </a:prstGeom>
+          <a:noFill/>
+        </p:spPr>
+        <p:txBody>
+          <a:bodyPr wrap="square" rtlCol="0">
+            <a:spAutoFit/>
+          </a:bodyPr>
+          <a:lstStyle/>
+          <a:p>
+            <a:r>
+              <a:rPr lang="en-US" b="1" dirty="0">
+                <a:solidFill>
+                  <a:srgbClr val="00B050"/>
+                </a:solidFill>
+              </a:rPr>
+              <a:t>Microchip RN4020</a:t>
+            </a:r>
+          </a:p>
+          <a:p>
+            <a:r>
+              <a:rPr lang="en-US" b="1" dirty="0">
+                <a:solidFill>
+                  <a:srgbClr val="00B050"/>
+                </a:solidFill>
+              </a:rPr>
+              <a:t>(3.3V system)</a:t>
+            </a:r>
+          </a:p>
+        </p:txBody>
+      </p:sp>
+      <p:sp>
+        <p:nvSpPr>
+          <p:cNvPr id="187" name="テキスト ボックス 186">
+            <a:extLst>
+              <a:ext uri="{FF2B5EF4-FFF2-40B4-BE49-F238E27FC236}">
+                <a16:creationId xmlns:a16="http://schemas.microsoft.com/office/drawing/2014/main" id="{7DA0D5DE-2811-4A58-AE2B-C0BF82ED7337}"/>
+              </a:ext>
+            </a:extLst>
+          </p:cNvPr>
+          <p:cNvSpPr txBox="1"/>
+          <p:nvPr/>
+        </p:nvSpPr>
+        <p:spPr>
+          <a:xfrm>
+            <a:off x="1467739" y="5633709"/>
+            <a:ext cx="1156768" cy="369332"/>
+          </a:xfrm>
+          <a:prstGeom prst="rect">
+            <a:avLst/>
+          </a:prstGeom>
+          <a:noFill/>
+        </p:spPr>
+        <p:txBody>
+          <a:bodyPr wrap="square" rtlCol="0">
+            <a:spAutoFit/>
+          </a:bodyPr>
+          <a:lstStyle/>
+          <a:p>
+            <a:r>
+              <a:rPr lang="en-US" b="1" dirty="0">
+                <a:solidFill>
+                  <a:srgbClr val="00B050"/>
+                </a:solidFill>
+              </a:rPr>
+              <a:t>UART</a:t>
+            </a:r>
+          </a:p>
+        </p:txBody>
+      </p:sp>
+      <p:sp>
+        <p:nvSpPr>
+          <p:cNvPr id="188" name="テキスト ボックス 187">
+            <a:extLst>
+              <a:ext uri="{FF2B5EF4-FFF2-40B4-BE49-F238E27FC236}">
+                <a16:creationId xmlns:a16="http://schemas.microsoft.com/office/drawing/2014/main" id="{35BEEB6D-1F53-414E-AB9E-56C5A2F7A2E0}"/>
+              </a:ext>
+            </a:extLst>
+          </p:cNvPr>
+          <p:cNvSpPr txBox="1"/>
+          <p:nvPr/>
+        </p:nvSpPr>
+        <p:spPr>
+          <a:xfrm>
+            <a:off x="7646811" y="4007330"/>
+            <a:ext cx="1563599" cy="861774"/>
+          </a:xfrm>
+          <a:prstGeom prst="rect">
+            <a:avLst/>
+          </a:prstGeom>
+          <a:noFill/>
+        </p:spPr>
+        <p:txBody>
+          <a:bodyPr wrap="square" rtlCol="0">
+            <a:spAutoFit/>
+          </a:bodyPr>
+          <a:lstStyle/>
+          <a:p>
+            <a:r>
+              <a:rPr lang="en-US" b="1" dirty="0">
+                <a:solidFill>
+                  <a:srgbClr val="00B050"/>
+                </a:solidFill>
+              </a:rPr>
+              <a:t>UART-USB</a:t>
+            </a:r>
+          </a:p>
+          <a:p>
+            <a:r>
+              <a:rPr lang="en-US" b="1" dirty="0">
+                <a:solidFill>
+                  <a:srgbClr val="00B050"/>
+                </a:solidFill>
+              </a:rPr>
+              <a:t>Converter</a:t>
+            </a:r>
+          </a:p>
+          <a:p>
+            <a:r>
+              <a:rPr lang="en-US" sz="1400" b="1" dirty="0">
+                <a:solidFill>
+                  <a:srgbClr val="00B050"/>
+                </a:solidFill>
+              </a:rPr>
+              <a:t>(for management)</a:t>
+            </a:r>
+          </a:p>
+        </p:txBody>
+      </p:sp>
+      <p:cxnSp>
+        <p:nvCxnSpPr>
+          <p:cNvPr id="93" name="直線コネクタ 92">
+            <a:extLst>
+              <a:ext uri="{FF2B5EF4-FFF2-40B4-BE49-F238E27FC236}">
+                <a16:creationId xmlns:a16="http://schemas.microsoft.com/office/drawing/2014/main" id="{29A079D1-1273-4310-A526-67DF9ADA28B0}"/>
+              </a:ext>
+            </a:extLst>
+          </p:cNvPr>
+          <p:cNvCxnSpPr>
+            <a:cxnSpLocks/>
+          </p:cNvCxnSpPr>
+          <p:nvPr/>
+        </p:nvCxnSpPr>
+        <p:spPr>
+          <a:xfrm flipH="1" flipV="1">
+            <a:off x="5374794" y="5049840"/>
+            <a:ext cx="1666" cy="475768"/>
+          </a:xfrm>
+          <a:prstGeom prst="line">
+            <a:avLst/>
+          </a:prstGeom>
+          <a:ln>
+            <a:solidFill>
+              <a:srgbClr val="0070C0"/>
+            </a:solidFill>
+            <a:headEnd type="oval" w="med" len="med"/>
+            <a:tailEnd type="oval" w="med" len="med"/>
+          </a:ln>
+        </p:spPr>
+        <p:style>
+          <a:lnRef idx="1">
+            <a:schemeClr val="accent1"/>
+          </a:lnRef>
+          <a:fillRef idx="0">
+            <a:schemeClr val="accent1"/>
+          </a:fillRef>
+          <a:effectRef idx="0">
+            <a:schemeClr val="accent1"/>
+          </a:effectRef>
+          <a:fontRef idx="minor">
+            <a:schemeClr val="tx1"/>
+          </a:fontRef>
+        </p:style>
+      </p:cxnSp>
+      <p:cxnSp>
+        <p:nvCxnSpPr>
+          <p:cNvPr id="94" name="直線コネクタ 93">
+            <a:extLst>
+              <a:ext uri="{FF2B5EF4-FFF2-40B4-BE49-F238E27FC236}">
+                <a16:creationId xmlns:a16="http://schemas.microsoft.com/office/drawing/2014/main" id="{148F71E4-DB0D-48AD-AAD1-FFBC3F570CCB}"/>
+              </a:ext>
+            </a:extLst>
+          </p:cNvPr>
+          <p:cNvCxnSpPr>
+            <a:cxnSpLocks/>
+          </p:cNvCxnSpPr>
+          <p:nvPr/>
+        </p:nvCxnSpPr>
+        <p:spPr>
+          <a:xfrm flipV="1">
+            <a:off x="5377545" y="5033561"/>
+            <a:ext cx="747600" cy="4354"/>
+          </a:xfrm>
+          <a:prstGeom prst="line">
+            <a:avLst/>
+          </a:prstGeom>
+          <a:ln>
+            <a:solidFill>
+              <a:srgbClr val="FF0000"/>
+            </a:solidFill>
+            <a:headEnd type="oval" w="med" len="med"/>
+            <a:tailEnd type="oval" w="med" len="med"/>
+          </a:ln>
+        </p:spPr>
+        <p:style>
+          <a:lnRef idx="1">
+            <a:schemeClr val="accent1"/>
+          </a:lnRef>
+          <a:fillRef idx="0">
+            <a:schemeClr val="accent1"/>
+          </a:fillRef>
+          <a:effectRef idx="0">
+            <a:schemeClr val="accent1"/>
+          </a:effectRef>
+          <a:fontRef idx="minor">
+            <a:schemeClr val="tx1"/>
+          </a:fontRef>
+        </p:style>
+      </p:cxnSp>
+      <p:cxnSp>
+        <p:nvCxnSpPr>
+          <p:cNvPr id="105" name="直線コネクタ 104">
+            <a:extLst>
+              <a:ext uri="{FF2B5EF4-FFF2-40B4-BE49-F238E27FC236}">
+                <a16:creationId xmlns:a16="http://schemas.microsoft.com/office/drawing/2014/main" id="{9012AE98-507F-48E5-983B-2891676F65B7}"/>
+              </a:ext>
+            </a:extLst>
+          </p:cNvPr>
+          <p:cNvCxnSpPr>
+            <a:cxnSpLocks/>
+          </p:cNvCxnSpPr>
+          <p:nvPr/>
+        </p:nvCxnSpPr>
+        <p:spPr>
+          <a:xfrm flipV="1">
+            <a:off x="5613759" y="4777031"/>
+            <a:ext cx="3" cy="998939"/>
+          </a:xfrm>
+          <a:prstGeom prst="line">
+            <a:avLst/>
+          </a:prstGeom>
+          <a:ln>
+            <a:solidFill>
+              <a:srgbClr val="0070C0"/>
+            </a:solidFill>
+            <a:headEnd type="oval" w="med" len="med"/>
+            <a:tailEnd type="none" w="med" len="med"/>
+          </a:ln>
+        </p:spPr>
+        <p:style>
+          <a:lnRef idx="1">
+            <a:schemeClr val="accent1"/>
+          </a:lnRef>
+          <a:fillRef idx="0">
+            <a:schemeClr val="accent1"/>
+          </a:fillRef>
+          <a:effectRef idx="0">
+            <a:schemeClr val="accent1"/>
+          </a:effectRef>
+          <a:fontRef idx="minor">
+            <a:schemeClr val="tx1"/>
+          </a:fontRef>
+        </p:style>
+      </p:cxnSp>
+      <p:cxnSp>
+        <p:nvCxnSpPr>
+          <p:cNvPr id="37" name="直線コネクタ 36">
+            <a:extLst>
+              <a:ext uri="{FF2B5EF4-FFF2-40B4-BE49-F238E27FC236}">
+                <a16:creationId xmlns:a16="http://schemas.microsoft.com/office/drawing/2014/main" id="{A3FEDB80-B243-4480-B03E-9FE83F1C530A}"/>
+              </a:ext>
+            </a:extLst>
+          </p:cNvPr>
+          <p:cNvCxnSpPr/>
+          <p:nvPr/>
+        </p:nvCxnSpPr>
+        <p:spPr>
+          <a:xfrm flipH="1" flipV="1">
+            <a:off x="5033557" y="5164195"/>
+            <a:ext cx="2466" cy="4137"/>
+          </a:xfrm>
+          <a:prstGeom prst="line">
+            <a:avLst/>
+          </a:prstGeom>
+        </p:spPr>
+        <p:style>
+          <a:lnRef idx="1">
+            <a:schemeClr val="accent1"/>
+          </a:lnRef>
+          <a:fillRef idx="0">
+            <a:schemeClr val="accent1"/>
+          </a:fillRef>
+          <a:effectRef idx="0">
+            <a:schemeClr val="accent1"/>
+          </a:effectRef>
+          <a:fontRef idx="minor">
+            <a:schemeClr val="tx1"/>
+          </a:fontRef>
+        </p:style>
+      </p:cxnSp>
+      <p:cxnSp>
+        <p:nvCxnSpPr>
+          <p:cNvPr id="40" name="直線コネクタ 39">
+            <a:extLst>
+              <a:ext uri="{FF2B5EF4-FFF2-40B4-BE49-F238E27FC236}">
+                <a16:creationId xmlns:a16="http://schemas.microsoft.com/office/drawing/2014/main" id="{B98326E9-C697-4710-A8C5-676269AE0B70}"/>
+              </a:ext>
+            </a:extLst>
+          </p:cNvPr>
+          <p:cNvCxnSpPr>
+            <a:cxnSpLocks/>
+          </p:cNvCxnSpPr>
+          <p:nvPr/>
+        </p:nvCxnSpPr>
+        <p:spPr>
+          <a:xfrm>
+            <a:off x="5608323" y="4789728"/>
+            <a:ext cx="252676" cy="0"/>
+          </a:xfrm>
+          <a:prstGeom prst="line">
+            <a:avLst/>
+          </a:prstGeom>
+        </p:spPr>
+        <p:style>
+          <a:lnRef idx="1">
+            <a:schemeClr val="accent1"/>
+          </a:lnRef>
+          <a:fillRef idx="0">
+            <a:schemeClr val="accent1"/>
+          </a:fillRef>
+          <a:effectRef idx="0">
+            <a:schemeClr val="accent1"/>
+          </a:effectRef>
+          <a:fontRef idx="minor">
+            <a:schemeClr val="tx1"/>
+          </a:fontRef>
+        </p:style>
+      </p:cxnSp>
+      <p:cxnSp>
+        <p:nvCxnSpPr>
+          <p:cNvPr id="114" name="直線コネクタ 113">
+            <a:extLst>
+              <a:ext uri="{FF2B5EF4-FFF2-40B4-BE49-F238E27FC236}">
+                <a16:creationId xmlns:a16="http://schemas.microsoft.com/office/drawing/2014/main" id="{4E3A59C6-A8C7-49F0-83DC-739A96B4CDEB}"/>
+              </a:ext>
+            </a:extLst>
+          </p:cNvPr>
+          <p:cNvCxnSpPr>
+            <a:cxnSpLocks/>
+          </p:cNvCxnSpPr>
+          <p:nvPr/>
+        </p:nvCxnSpPr>
+        <p:spPr>
+          <a:xfrm flipV="1">
+            <a:off x="5867394" y="5517448"/>
+            <a:ext cx="0" cy="265060"/>
+          </a:xfrm>
+          <a:prstGeom prst="line">
+            <a:avLst/>
+          </a:prstGeom>
+          <a:ln>
+            <a:solidFill>
+              <a:srgbClr val="0070C0"/>
+            </a:solidFill>
+            <a:headEnd type="none" w="med" len="med"/>
+            <a:tailEnd type="none" w="med" len="med"/>
+          </a:ln>
+        </p:spPr>
+        <p:style>
+          <a:lnRef idx="1">
+            <a:schemeClr val="accent1"/>
+          </a:lnRef>
+          <a:fillRef idx="0">
+            <a:schemeClr val="accent1"/>
+          </a:fillRef>
+          <a:effectRef idx="0">
+            <a:schemeClr val="accent1"/>
+          </a:effectRef>
+          <a:fontRef idx="minor">
+            <a:schemeClr val="tx1"/>
+          </a:fontRef>
+        </p:style>
+      </p:cxnSp>
+      <p:cxnSp>
+        <p:nvCxnSpPr>
+          <p:cNvPr id="41" name="直線コネクタ 40">
+            <a:extLst>
+              <a:ext uri="{FF2B5EF4-FFF2-40B4-BE49-F238E27FC236}">
+                <a16:creationId xmlns:a16="http://schemas.microsoft.com/office/drawing/2014/main" id="{2DCD1D00-ED92-494B-BB0E-DAE1D6D65FAF}"/>
+              </a:ext>
+            </a:extLst>
+          </p:cNvPr>
+          <p:cNvCxnSpPr>
+            <a:cxnSpLocks/>
+          </p:cNvCxnSpPr>
+          <p:nvPr/>
+        </p:nvCxnSpPr>
+        <p:spPr>
+          <a:xfrm>
+            <a:off x="5869578" y="5538663"/>
+            <a:ext cx="475124" cy="3"/>
+          </a:xfrm>
+          <a:prstGeom prst="line">
+            <a:avLst/>
+          </a:prstGeom>
+          <a:ln>
+            <a:solidFill>
+              <a:srgbClr val="FF0000"/>
+            </a:solidFill>
+            <a:headEnd type="oval" w="med" len="med"/>
+            <a:tailEnd type="oval" w="med" len="med"/>
+          </a:ln>
+        </p:spPr>
+        <p:style>
+          <a:lnRef idx="1">
+            <a:schemeClr val="accent1"/>
+          </a:lnRef>
+          <a:fillRef idx="0">
+            <a:schemeClr val="accent1"/>
+          </a:fillRef>
+          <a:effectRef idx="0">
+            <a:schemeClr val="accent1"/>
+          </a:effectRef>
+          <a:fontRef idx="minor">
+            <a:schemeClr val="tx1"/>
+          </a:fontRef>
+        </p:style>
+      </p:cxnSp>
+      <p:sp>
+        <p:nvSpPr>
+          <p:cNvPr id="119" name="正方形/長方形 118">
+            <a:extLst>
+              <a:ext uri="{FF2B5EF4-FFF2-40B4-BE49-F238E27FC236}">
+                <a16:creationId xmlns:a16="http://schemas.microsoft.com/office/drawing/2014/main" id="{6F50C9D8-4CC4-418E-98D6-C4BB449DE793}"/>
+              </a:ext>
+            </a:extLst>
+          </p:cNvPr>
+          <p:cNvSpPr/>
+          <p:nvPr/>
+        </p:nvSpPr>
+        <p:spPr>
+          <a:xfrm rot="5400000">
+            <a:off x="5123927" y="5541968"/>
+            <a:ext cx="492973" cy="231816"/>
+          </a:xfrm>
+          <a:prstGeom prst="rect">
+            <a:avLst/>
+          </a:prstGeom>
+          <a:noFill/>
+          <a:ln w="28575">
+            <a:solidFill>
+              <a:schemeClr val="accent1">
+                <a:lumMod val="50000"/>
+              </a:schemeClr>
+            </a:solidFill>
+          </a:ln>
+        </p:spPr>
+        <p:style>
+          <a:lnRef idx="2">
+            <a:schemeClr val="accent1">
+              <a:shade val="50000"/>
+            </a:schemeClr>
+          </a:lnRef>
+          <a:fillRef idx="1">
+            <a:schemeClr val="accent1"/>
+          </a:fillRef>
+          <a:effectRef idx="0">
+            <a:schemeClr val="accent1"/>
+          </a:effectRef>
+          <a:fontRef idx="minor">
+            <a:schemeClr val="lt1"/>
+          </a:fontRef>
+        </p:style>
+        <p:txBody>
+          <a:bodyPr rtlCol="0" anchor="ctr"/>
+          <a:lstStyle/>
+          <a:p>
+            <a:pPr algn="ctr"/>
+            <a:endParaRPr lang="en-US" dirty="0"/>
+          </a:p>
+        </p:txBody>
+      </p:sp>
+      <p:sp>
+        <p:nvSpPr>
+          <p:cNvPr id="122" name="テキスト ボックス 121">
+            <a:extLst>
+              <a:ext uri="{FF2B5EF4-FFF2-40B4-BE49-F238E27FC236}">
+                <a16:creationId xmlns:a16="http://schemas.microsoft.com/office/drawing/2014/main" id="{D239C43B-9845-43A0-BDCB-60E57BC69044}"/>
+              </a:ext>
+            </a:extLst>
+          </p:cNvPr>
+          <p:cNvSpPr txBox="1"/>
+          <p:nvPr/>
+        </p:nvSpPr>
+        <p:spPr>
+          <a:xfrm>
+            <a:off x="5161878" y="5852947"/>
+            <a:ext cx="542098" cy="369332"/>
+          </a:xfrm>
+          <a:prstGeom prst="rect">
+            <a:avLst/>
+          </a:prstGeom>
+          <a:noFill/>
+        </p:spPr>
+        <p:txBody>
+          <a:bodyPr wrap="square" rtlCol="0">
+            <a:spAutoFit/>
+          </a:bodyPr>
+          <a:lstStyle/>
+          <a:p>
+            <a:r>
+              <a:rPr lang="en-US" b="1" dirty="0">
+                <a:solidFill>
+                  <a:srgbClr val="00B050"/>
+                </a:solidFill>
+              </a:rPr>
+              <a:t>JP</a:t>
+            </a:r>
+          </a:p>
+        </p:txBody>
+      </p:sp>
+      <p:cxnSp>
+        <p:nvCxnSpPr>
+          <p:cNvPr id="124" name="直線コネクタ 123">
+            <a:extLst>
+              <a:ext uri="{FF2B5EF4-FFF2-40B4-BE49-F238E27FC236}">
+                <a16:creationId xmlns:a16="http://schemas.microsoft.com/office/drawing/2014/main" id="{8E399821-5C12-4EA6-BE8D-A53ACA8D940F}"/>
+              </a:ext>
+            </a:extLst>
+          </p:cNvPr>
+          <p:cNvCxnSpPr>
+            <a:cxnSpLocks/>
+          </p:cNvCxnSpPr>
+          <p:nvPr/>
+        </p:nvCxnSpPr>
+        <p:spPr>
+          <a:xfrm flipV="1">
+            <a:off x="5362295" y="5786854"/>
+            <a:ext cx="246028" cy="1"/>
+          </a:xfrm>
+          <a:prstGeom prst="line">
+            <a:avLst/>
+          </a:prstGeom>
+          <a:ln>
+            <a:solidFill>
+              <a:srgbClr val="0070C0"/>
+            </a:solidFill>
+            <a:headEnd type="oval" w="med" len="med"/>
+            <a:tailEnd type="oval" w="med" len="med"/>
+          </a:ln>
+        </p:spPr>
+        <p:style>
+          <a:lnRef idx="1">
+            <a:schemeClr val="accent1"/>
+          </a:lnRef>
+          <a:fillRef idx="0">
+            <a:schemeClr val="accent1"/>
+          </a:fillRef>
+          <a:effectRef idx="0">
+            <a:schemeClr val="accent1"/>
+          </a:effectRef>
+          <a:fontRef idx="minor">
+            <a:schemeClr val="tx1"/>
+          </a:fontRef>
+        </p:style>
+      </p:cxnSp>
+      <p:sp>
+        <p:nvSpPr>
+          <p:cNvPr id="128" name="正方形/長方形 127">
+            <a:extLst>
+              <a:ext uri="{FF2B5EF4-FFF2-40B4-BE49-F238E27FC236}">
+                <a16:creationId xmlns:a16="http://schemas.microsoft.com/office/drawing/2014/main" id="{6D695B9C-E5D6-4CFA-A69B-0007059DD58C}"/>
+              </a:ext>
+            </a:extLst>
+          </p:cNvPr>
+          <p:cNvSpPr/>
+          <p:nvPr/>
+        </p:nvSpPr>
+        <p:spPr>
+          <a:xfrm>
+            <a:off x="5937775" y="5454879"/>
+            <a:ext cx="332267" cy="170094"/>
+          </a:xfrm>
+          <a:prstGeom prst="rect">
+            <a:avLst/>
+          </a:prstGeom>
+          <a:noFill/>
+          <a:ln w="28575">
+            <a:solidFill>
+              <a:schemeClr val="accent1">
+                <a:lumMod val="50000"/>
+              </a:schemeClr>
+            </a:solidFill>
+          </a:ln>
+        </p:spPr>
+        <p:style>
+          <a:lnRef idx="2">
+            <a:schemeClr val="accent1">
+              <a:shade val="50000"/>
+            </a:schemeClr>
+          </a:lnRef>
+          <a:fillRef idx="1">
+            <a:schemeClr val="accent1"/>
+          </a:fillRef>
+          <a:effectRef idx="0">
+            <a:schemeClr val="accent1"/>
+          </a:effectRef>
+          <a:fontRef idx="minor">
+            <a:schemeClr val="lt1"/>
+          </a:fontRef>
+        </p:style>
+        <p:txBody>
+          <a:bodyPr rtlCol="0" anchor="ctr"/>
+          <a:lstStyle/>
+          <a:p>
+            <a:pPr algn="ctr"/>
+            <a:endParaRPr lang="en-US" dirty="0"/>
+          </a:p>
+        </p:txBody>
+      </p:sp>
+      <p:cxnSp>
+        <p:nvCxnSpPr>
+          <p:cNvPr id="129" name="直線コネクタ 128">
+            <a:extLst>
+              <a:ext uri="{FF2B5EF4-FFF2-40B4-BE49-F238E27FC236}">
+                <a16:creationId xmlns:a16="http://schemas.microsoft.com/office/drawing/2014/main" id="{8B2C6F4E-81E7-43C1-89A2-ADEB7FDDF00D}"/>
+              </a:ext>
+            </a:extLst>
+          </p:cNvPr>
+          <p:cNvCxnSpPr>
+            <a:cxnSpLocks/>
+          </p:cNvCxnSpPr>
+          <p:nvPr/>
+        </p:nvCxnSpPr>
+        <p:spPr>
+          <a:xfrm rot="16200000" flipV="1">
+            <a:off x="5741118" y="5643721"/>
+            <a:ext cx="0" cy="265060"/>
+          </a:xfrm>
+          <a:prstGeom prst="line">
+            <a:avLst/>
+          </a:prstGeom>
+          <a:ln>
+            <a:solidFill>
+              <a:srgbClr val="0070C0"/>
+            </a:solidFill>
+            <a:headEnd type="none" w="med" len="med"/>
+            <a:tailEnd type="none" w="med" len="med"/>
+          </a:ln>
+        </p:spPr>
+        <p:style>
+          <a:lnRef idx="1">
+            <a:schemeClr val="accent1"/>
+          </a:lnRef>
+          <a:fillRef idx="0">
+            <a:schemeClr val="accent1"/>
+          </a:fillRef>
+          <a:effectRef idx="0">
+            <a:schemeClr val="accent1"/>
+          </a:effectRef>
+          <a:fontRef idx="minor">
+            <a:schemeClr val="tx1"/>
+          </a:fontRef>
+        </p:style>
+      </p:cxnSp>
+      <p:sp>
+        <p:nvSpPr>
+          <p:cNvPr id="130" name="テキスト ボックス 129">
+            <a:extLst>
+              <a:ext uri="{FF2B5EF4-FFF2-40B4-BE49-F238E27FC236}">
+                <a16:creationId xmlns:a16="http://schemas.microsoft.com/office/drawing/2014/main" id="{051C801F-1405-43EE-A282-6465046E6285}"/>
+              </a:ext>
+            </a:extLst>
+          </p:cNvPr>
+          <p:cNvSpPr txBox="1"/>
+          <p:nvPr/>
+        </p:nvSpPr>
+        <p:spPr>
+          <a:xfrm>
+            <a:off x="5558648" y="5167494"/>
+            <a:ext cx="789904" cy="369332"/>
+          </a:xfrm>
+          <a:prstGeom prst="rect">
+            <a:avLst/>
+          </a:prstGeom>
+          <a:noFill/>
+        </p:spPr>
+        <p:txBody>
+          <a:bodyPr wrap="square" rtlCol="0">
+            <a:spAutoFit/>
+          </a:bodyPr>
+          <a:lstStyle/>
+          <a:p>
+            <a:r>
+              <a:rPr lang="en-US" b="1" dirty="0">
+                <a:solidFill>
+                  <a:srgbClr val="00B050"/>
+                </a:solidFill>
+              </a:rPr>
+              <a:t>Diode</a:t>
+            </a:r>
+          </a:p>
+        </p:txBody>
+      </p:sp>
+      <p:sp>
+        <p:nvSpPr>
+          <p:cNvPr id="131" name="正方形/長方形 130">
+            <a:extLst>
+              <a:ext uri="{FF2B5EF4-FFF2-40B4-BE49-F238E27FC236}">
+                <a16:creationId xmlns:a16="http://schemas.microsoft.com/office/drawing/2014/main" id="{C3CC4956-02B0-4131-9F64-5B42F3594A3D}"/>
+              </a:ext>
+            </a:extLst>
+          </p:cNvPr>
+          <p:cNvSpPr/>
+          <p:nvPr/>
+        </p:nvSpPr>
+        <p:spPr>
+          <a:xfrm>
+            <a:off x="4705513" y="5685660"/>
+            <a:ext cx="332267" cy="170094"/>
+          </a:xfrm>
+          <a:prstGeom prst="rect">
+            <a:avLst/>
+          </a:prstGeom>
+          <a:noFill/>
+          <a:ln w="28575">
+            <a:solidFill>
+              <a:schemeClr val="accent1">
+                <a:lumMod val="50000"/>
+              </a:schemeClr>
+            </a:solidFill>
+          </a:ln>
+        </p:spPr>
+        <p:style>
+          <a:lnRef idx="2">
+            <a:schemeClr val="accent1">
+              <a:shade val="50000"/>
+            </a:schemeClr>
+          </a:lnRef>
+          <a:fillRef idx="1">
+            <a:schemeClr val="accent1"/>
+          </a:fillRef>
+          <a:effectRef idx="0">
+            <a:schemeClr val="accent1"/>
+          </a:effectRef>
+          <a:fontRef idx="minor">
+            <a:schemeClr val="lt1"/>
+          </a:fontRef>
+        </p:style>
+        <p:txBody>
+          <a:bodyPr rtlCol="0" anchor="ctr"/>
+          <a:lstStyle/>
+          <a:p>
+            <a:pPr algn="ctr"/>
+            <a:endParaRPr lang="en-US" dirty="0"/>
+          </a:p>
+        </p:txBody>
+      </p:sp>
+      <p:cxnSp>
+        <p:nvCxnSpPr>
+          <p:cNvPr id="133" name="直線コネクタ 132">
+            <a:extLst>
+              <a:ext uri="{FF2B5EF4-FFF2-40B4-BE49-F238E27FC236}">
+                <a16:creationId xmlns:a16="http://schemas.microsoft.com/office/drawing/2014/main" id="{2BC79C59-D14A-4217-A1F0-7261E1268332}"/>
+              </a:ext>
+            </a:extLst>
+          </p:cNvPr>
+          <p:cNvCxnSpPr>
+            <a:cxnSpLocks/>
+          </p:cNvCxnSpPr>
+          <p:nvPr/>
+        </p:nvCxnSpPr>
+        <p:spPr>
+          <a:xfrm>
+            <a:off x="4377144" y="5533784"/>
+            <a:ext cx="994954" cy="9230"/>
+          </a:xfrm>
+          <a:prstGeom prst="line">
+            <a:avLst/>
+          </a:prstGeom>
+          <a:ln>
+            <a:solidFill>
+              <a:srgbClr val="0070C0"/>
+            </a:solidFill>
+            <a:headEnd type="oval" w="med" len="med"/>
+            <a:tailEnd type="oval" w="med" len="med"/>
+          </a:ln>
+        </p:spPr>
+        <p:style>
+          <a:lnRef idx="1">
+            <a:schemeClr val="accent1"/>
+          </a:lnRef>
+          <a:fillRef idx="0">
+            <a:schemeClr val="accent1"/>
+          </a:fillRef>
+          <a:effectRef idx="0">
+            <a:schemeClr val="accent1"/>
+          </a:effectRef>
+          <a:fontRef idx="minor">
+            <a:schemeClr val="tx1"/>
+          </a:fontRef>
+        </p:style>
+      </p:cxnSp>
+      <p:sp>
+        <p:nvSpPr>
+          <p:cNvPr id="135" name="テキスト ボックス 134">
+            <a:extLst>
+              <a:ext uri="{FF2B5EF4-FFF2-40B4-BE49-F238E27FC236}">
+                <a16:creationId xmlns:a16="http://schemas.microsoft.com/office/drawing/2014/main" id="{E11D4B33-3A4D-465A-BEE9-F501D3414DC5}"/>
+              </a:ext>
+            </a:extLst>
+          </p:cNvPr>
+          <p:cNvSpPr txBox="1"/>
+          <p:nvPr/>
+        </p:nvSpPr>
+        <p:spPr>
+          <a:xfrm>
+            <a:off x="4517972" y="5833692"/>
+            <a:ext cx="789904" cy="369332"/>
+          </a:xfrm>
+          <a:prstGeom prst="rect">
+            <a:avLst/>
+          </a:prstGeom>
+          <a:noFill/>
+        </p:spPr>
+        <p:txBody>
+          <a:bodyPr wrap="square" rtlCol="0">
+            <a:spAutoFit/>
+          </a:bodyPr>
+          <a:lstStyle/>
+          <a:p>
+            <a:r>
+              <a:rPr lang="en-US" b="1" dirty="0">
+                <a:solidFill>
+                  <a:srgbClr val="00B050"/>
+                </a:solidFill>
+              </a:rPr>
+              <a:t>Diode</a:t>
+            </a:r>
+          </a:p>
+        </p:txBody>
+      </p:sp>
+      <p:sp>
+        <p:nvSpPr>
+          <p:cNvPr id="59" name="二等辺三角形 58">
+            <a:extLst>
+              <a:ext uri="{FF2B5EF4-FFF2-40B4-BE49-F238E27FC236}">
+                <a16:creationId xmlns:a16="http://schemas.microsoft.com/office/drawing/2014/main" id="{4665129A-B1DC-4B59-99DD-1B0C378200E0}"/>
+              </a:ext>
+            </a:extLst>
+          </p:cNvPr>
+          <p:cNvSpPr/>
+          <p:nvPr/>
+        </p:nvSpPr>
+        <p:spPr>
+          <a:xfrm rot="16200000" flipH="1">
+            <a:off x="6000275" y="5474379"/>
+            <a:ext cx="165876" cy="121931"/>
+          </a:xfrm>
+          <a:prstGeom prst="triangle">
+            <a:avLst/>
+          </a:prstGeom>
+          <a:noFill/>
+          <a:ln>
+            <a:solidFill>
+              <a:srgbClr val="FF0000"/>
+            </a:solidFill>
+          </a:ln>
+        </p:spPr>
+        <p:style>
+          <a:lnRef idx="2">
+            <a:schemeClr val="accent1">
+              <a:shade val="50000"/>
+            </a:schemeClr>
+          </a:lnRef>
+          <a:fillRef idx="1">
+            <a:schemeClr val="accent1"/>
+          </a:fillRef>
+          <a:effectRef idx="0">
+            <a:schemeClr val="accent1"/>
+          </a:effectRef>
+          <a:fontRef idx="minor">
+            <a:schemeClr val="lt1"/>
+          </a:fontRef>
+        </p:style>
+        <p:txBody>
+          <a:bodyPr rtlCol="0" anchor="ctr"/>
+          <a:lstStyle/>
+          <a:p>
+            <a:pPr algn="ctr"/>
+            <a:endParaRPr lang="en-US"/>
+          </a:p>
+        </p:txBody>
+      </p:sp>
+      <p:sp>
+        <p:nvSpPr>
+          <p:cNvPr id="137" name="二等辺三角形 136">
+            <a:extLst>
+              <a:ext uri="{FF2B5EF4-FFF2-40B4-BE49-F238E27FC236}">
+                <a16:creationId xmlns:a16="http://schemas.microsoft.com/office/drawing/2014/main" id="{F36A1C89-4A10-4767-80AB-CE9F4E33BE83}"/>
+              </a:ext>
+            </a:extLst>
+          </p:cNvPr>
+          <p:cNvSpPr/>
+          <p:nvPr/>
+        </p:nvSpPr>
+        <p:spPr>
+          <a:xfrm rot="5400000">
+            <a:off x="4794140" y="5713868"/>
+            <a:ext cx="165876" cy="121931"/>
+          </a:xfrm>
+          <a:prstGeom prst="triangle">
+            <a:avLst/>
+          </a:prstGeom>
+          <a:noFill/>
+          <a:ln>
+            <a:solidFill>
+              <a:srgbClr val="FF0000"/>
+            </a:solidFill>
+          </a:ln>
+        </p:spPr>
+        <p:style>
+          <a:lnRef idx="2">
+            <a:schemeClr val="accent1">
+              <a:shade val="50000"/>
+            </a:schemeClr>
+          </a:lnRef>
+          <a:fillRef idx="1">
+            <a:schemeClr val="accent1"/>
+          </a:fillRef>
+          <a:effectRef idx="0">
+            <a:schemeClr val="accent1"/>
+          </a:effectRef>
+          <a:fontRef idx="minor">
+            <a:schemeClr val="lt1"/>
+          </a:fontRef>
+        </p:style>
+        <p:txBody>
+          <a:bodyPr rtlCol="0" anchor="ctr"/>
+          <a:lstStyle/>
+          <a:p>
+            <a:pPr algn="ctr"/>
+            <a:endParaRPr lang="en-US"/>
+          </a:p>
+        </p:txBody>
+      </p:sp>
+      <p:cxnSp>
+        <p:nvCxnSpPr>
+          <p:cNvPr id="139" name="直線コネクタ 138">
+            <a:extLst>
+              <a:ext uri="{FF2B5EF4-FFF2-40B4-BE49-F238E27FC236}">
+                <a16:creationId xmlns:a16="http://schemas.microsoft.com/office/drawing/2014/main" id="{9D2607EA-CC1C-4B94-A5B0-515E7B5F9AE7}"/>
+              </a:ext>
+            </a:extLst>
+          </p:cNvPr>
+          <p:cNvCxnSpPr>
+            <a:cxnSpLocks/>
+          </p:cNvCxnSpPr>
+          <p:nvPr/>
+        </p:nvCxnSpPr>
+        <p:spPr>
+          <a:xfrm>
+            <a:off x="4365867" y="5784679"/>
+            <a:ext cx="279064" cy="0"/>
+          </a:xfrm>
+          <a:prstGeom prst="line">
+            <a:avLst/>
+          </a:prstGeom>
+          <a:ln>
+            <a:solidFill>
+              <a:srgbClr val="0070C0"/>
+            </a:solidFill>
+            <a:headEnd type="oval" w="med" len="med"/>
+            <a:tailEnd type="oval" w="med" len="med"/>
+          </a:ln>
+        </p:spPr>
+        <p:style>
+          <a:lnRef idx="1">
+            <a:schemeClr val="accent1"/>
+          </a:lnRef>
+          <a:fillRef idx="0">
+            <a:schemeClr val="accent1"/>
+          </a:fillRef>
+          <a:effectRef idx="0">
+            <a:schemeClr val="accent1"/>
+          </a:effectRef>
+          <a:fontRef idx="minor">
+            <a:schemeClr val="tx1"/>
+          </a:fontRef>
+        </p:style>
+      </p:cxnSp>
+      <p:cxnSp>
+        <p:nvCxnSpPr>
+          <p:cNvPr id="134" name="直線コネクタ 133">
+            <a:extLst>
+              <a:ext uri="{FF2B5EF4-FFF2-40B4-BE49-F238E27FC236}">
+                <a16:creationId xmlns:a16="http://schemas.microsoft.com/office/drawing/2014/main" id="{CD616B98-4024-4041-ACEB-CC4DCC2A090F}"/>
+              </a:ext>
+            </a:extLst>
+          </p:cNvPr>
+          <p:cNvCxnSpPr>
+            <a:cxnSpLocks/>
+          </p:cNvCxnSpPr>
+          <p:nvPr/>
+        </p:nvCxnSpPr>
+        <p:spPr>
+          <a:xfrm>
+            <a:off x="4646025" y="5769442"/>
+            <a:ext cx="475124" cy="3"/>
+          </a:xfrm>
+          <a:prstGeom prst="line">
+            <a:avLst/>
+          </a:prstGeom>
+          <a:ln>
+            <a:solidFill>
+              <a:srgbClr val="FF0000"/>
+            </a:solidFill>
+            <a:headEnd type="oval" w="med" len="med"/>
+            <a:tailEnd type="oval" w="med" len="med"/>
+          </a:ln>
+        </p:spPr>
+        <p:style>
+          <a:lnRef idx="1">
+            <a:schemeClr val="accent1"/>
+          </a:lnRef>
+          <a:fillRef idx="0">
+            <a:schemeClr val="accent1"/>
+          </a:fillRef>
+          <a:effectRef idx="0">
+            <a:schemeClr val="accent1"/>
+          </a:effectRef>
+          <a:fontRef idx="minor">
+            <a:schemeClr val="tx1"/>
+          </a:fontRef>
+        </p:style>
+      </p:cxnSp>
+      <p:sp>
+        <p:nvSpPr>
+          <p:cNvPr id="5" name="正方形/長方形 4">
+            <a:extLst>
+              <a:ext uri="{FF2B5EF4-FFF2-40B4-BE49-F238E27FC236}">
+                <a16:creationId xmlns:a16="http://schemas.microsoft.com/office/drawing/2014/main" id="{7045D9FC-CACC-463A-92DD-B9935C558833}"/>
+              </a:ext>
+            </a:extLst>
+          </p:cNvPr>
+          <p:cNvSpPr/>
+          <p:nvPr/>
+        </p:nvSpPr>
+        <p:spPr>
+          <a:xfrm>
+            <a:off x="109691" y="4356446"/>
+            <a:ext cx="1083461" cy="1591516"/>
+          </a:xfrm>
+          <a:prstGeom prst="rect">
+            <a:avLst/>
+          </a:prstGeom>
+          <a:noFill/>
+        </p:spPr>
+        <p:style>
+          <a:lnRef idx="2">
+            <a:schemeClr val="accent1">
+              <a:shade val="50000"/>
+            </a:schemeClr>
+          </a:lnRef>
+          <a:fillRef idx="1">
+            <a:schemeClr val="accent1"/>
+          </a:fillRef>
+          <a:effectRef idx="0">
+            <a:schemeClr val="accent1"/>
+          </a:effectRef>
+          <a:fontRef idx="minor">
+            <a:schemeClr val="lt1"/>
+          </a:fontRef>
+        </p:style>
+        <p:txBody>
+          <a:bodyPr rtlCol="0" anchor="ctr"/>
+          <a:lstStyle/>
+          <a:p>
+            <a:pPr algn="ctr"/>
+            <a:endParaRPr lang="en-US" dirty="0"/>
+          </a:p>
+        </p:txBody>
+      </p:sp>
+      <p:sp>
+        <p:nvSpPr>
+          <p:cNvPr id="112" name="テキスト ボックス 111">
+            <a:extLst>
+              <a:ext uri="{FF2B5EF4-FFF2-40B4-BE49-F238E27FC236}">
+                <a16:creationId xmlns:a16="http://schemas.microsoft.com/office/drawing/2014/main" id="{5693BB65-D680-4D5B-8D2F-EF4F3DF5DDE7}"/>
+              </a:ext>
+            </a:extLst>
+          </p:cNvPr>
+          <p:cNvSpPr txBox="1"/>
+          <p:nvPr/>
+        </p:nvSpPr>
+        <p:spPr>
+          <a:xfrm>
+            <a:off x="35154" y="3156116"/>
+            <a:ext cx="1375970" cy="1200329"/>
+          </a:xfrm>
+          <a:prstGeom prst="rect">
+            <a:avLst/>
+          </a:prstGeom>
+          <a:noFill/>
+        </p:spPr>
+        <p:txBody>
+          <a:bodyPr wrap="square" rtlCol="0">
+            <a:spAutoFit/>
+          </a:bodyPr>
+          <a:lstStyle/>
+          <a:p>
+            <a:r>
+              <a:rPr lang="en-US" b="1" dirty="0">
+                <a:solidFill>
+                  <a:srgbClr val="00B050"/>
+                </a:solidFill>
+              </a:rPr>
+              <a:t>PIC16F1</a:t>
+            </a:r>
+          </a:p>
+          <a:p>
+            <a:r>
+              <a:rPr lang="en-US" b="1" dirty="0">
+                <a:solidFill>
+                  <a:srgbClr val="00B050"/>
+                </a:solidFill>
+              </a:rPr>
+              <a:t>Arduino</a:t>
+            </a:r>
+          </a:p>
+          <a:p>
+            <a:r>
+              <a:rPr lang="en-US" b="1" dirty="0" err="1">
+                <a:solidFill>
+                  <a:srgbClr val="00B050"/>
+                </a:solidFill>
+              </a:rPr>
+              <a:t>Etc</a:t>
+            </a:r>
+            <a:endParaRPr lang="en-US" b="1" dirty="0">
+              <a:solidFill>
+                <a:srgbClr val="00B050"/>
+              </a:solidFill>
+            </a:endParaRPr>
+          </a:p>
+          <a:p>
+            <a:r>
+              <a:rPr lang="en-US" b="1" dirty="0">
+                <a:solidFill>
+                  <a:srgbClr val="00B050"/>
+                </a:solidFill>
+              </a:rPr>
+              <a:t>(5V system)</a:t>
+            </a:r>
+          </a:p>
+        </p:txBody>
+      </p:sp>
+      <p:sp>
+        <p:nvSpPr>
+          <p:cNvPr id="113" name="正方形/長方形 112">
+            <a:extLst>
+              <a:ext uri="{FF2B5EF4-FFF2-40B4-BE49-F238E27FC236}">
+                <a16:creationId xmlns:a16="http://schemas.microsoft.com/office/drawing/2014/main" id="{E2DABAEE-6EBE-44F2-A98A-B88C34CC375B}"/>
+              </a:ext>
+            </a:extLst>
+          </p:cNvPr>
+          <p:cNvSpPr/>
+          <p:nvPr/>
+        </p:nvSpPr>
+        <p:spPr>
+          <a:xfrm>
+            <a:off x="7818057" y="4920353"/>
+            <a:ext cx="1199534" cy="1021082"/>
+          </a:xfrm>
+          <a:prstGeom prst="rect">
+            <a:avLst/>
+          </a:prstGeom>
+          <a:noFill/>
+        </p:spPr>
+        <p:style>
+          <a:lnRef idx="2">
+            <a:schemeClr val="accent1">
+              <a:shade val="50000"/>
+            </a:schemeClr>
+          </a:lnRef>
+          <a:fillRef idx="1">
+            <a:schemeClr val="accent1"/>
+          </a:fillRef>
+          <a:effectRef idx="0">
+            <a:schemeClr val="accent1"/>
+          </a:effectRef>
+          <a:fontRef idx="minor">
+            <a:schemeClr val="lt1"/>
+          </a:fontRef>
+        </p:style>
+        <p:txBody>
+          <a:bodyPr rtlCol="0" anchor="ctr"/>
+          <a:lstStyle/>
+          <a:p>
+            <a:pPr algn="ctr"/>
+            <a:endParaRPr lang="en-US" dirty="0"/>
+          </a:p>
+        </p:txBody>
+      </p:sp>
+      <p:cxnSp>
+        <p:nvCxnSpPr>
+          <p:cNvPr id="117" name="直線コネクタ 116">
+            <a:extLst>
+              <a:ext uri="{FF2B5EF4-FFF2-40B4-BE49-F238E27FC236}">
+                <a16:creationId xmlns:a16="http://schemas.microsoft.com/office/drawing/2014/main" id="{B513E9CE-ED3E-4854-AA30-57CB4DDD6A12}"/>
+              </a:ext>
+            </a:extLst>
+          </p:cNvPr>
+          <p:cNvCxnSpPr>
+            <a:cxnSpLocks/>
+          </p:cNvCxnSpPr>
+          <p:nvPr/>
+        </p:nvCxnSpPr>
+        <p:spPr>
+          <a:xfrm>
+            <a:off x="4614458" y="4049504"/>
+            <a:ext cx="265611" cy="0"/>
+          </a:xfrm>
+          <a:prstGeom prst="line">
+            <a:avLst/>
+          </a:prstGeom>
+          <a:ln>
+            <a:solidFill>
+              <a:srgbClr val="0070C0"/>
+            </a:solidFill>
+            <a:headEnd type="oval" w="med" len="med"/>
+            <a:tailEnd type="none" w="med" len="med"/>
           </a:ln>
         </p:spPr>
         <p:style>
@@ -5770,7 +7759,7 @@
         </p:nvCxnSpPr>
         <p:spPr>
           <a:xfrm flipH="1" flipV="1">
-            <a:off x="4575263" y="3300549"/>
+            <a:off x="4880068" y="4049498"/>
             <a:ext cx="4350" cy="1236616"/>
           </a:xfrm>
           <a:prstGeom prst="line">
@@ -5799,812 +7788,12 @@
           </a:fontRef>
         </p:style>
       </p:cxnSp>
-      <p:cxnSp>
-        <p:nvCxnSpPr>
-          <p:cNvPr id="106" name="直線コネクタ 105">
-            <a:extLst>
-              <a:ext uri="{FF2B5EF4-FFF2-40B4-BE49-F238E27FC236}">
-                <a16:creationId xmlns:a16="http://schemas.microsoft.com/office/drawing/2014/main" id="{FD8CCC55-40B0-4AE0-85CE-7B70CA25FBBC}"/>
-              </a:ext>
-            </a:extLst>
-          </p:cNvPr>
-          <p:cNvCxnSpPr>
-            <a:cxnSpLocks/>
-          </p:cNvCxnSpPr>
-          <p:nvPr/>
-        </p:nvCxnSpPr>
-        <p:spPr>
-          <a:xfrm flipV="1">
-            <a:off x="5809701" y="2053042"/>
-            <a:ext cx="7624" cy="1994266"/>
-          </a:xfrm>
-          <a:prstGeom prst="line">
-            <a:avLst/>
-          </a:prstGeom>
-          <a:ln>
-            <a:solidFill>
-              <a:srgbClr val="0070C0"/>
-            </a:solidFill>
-            <a:headEnd type="none" w="med" len="med"/>
-            <a:tailEnd type="oval" w="med" len="med"/>
-          </a:ln>
-        </p:spPr>
-        <p:style>
-          <a:lnRef idx="1">
-            <a:schemeClr val="accent1"/>
-          </a:lnRef>
-          <a:fillRef idx="0">
-            <a:schemeClr val="accent1"/>
-          </a:fillRef>
-          <a:effectRef idx="0">
-            <a:schemeClr val="accent1"/>
-          </a:effectRef>
-          <a:fontRef idx="minor">
-            <a:schemeClr val="tx1"/>
-          </a:fontRef>
-        </p:style>
-      </p:cxnSp>
-      <p:cxnSp>
-        <p:nvCxnSpPr>
-          <p:cNvPr id="116" name="直線コネクタ 115">
-            <a:extLst>
-              <a:ext uri="{FF2B5EF4-FFF2-40B4-BE49-F238E27FC236}">
-                <a16:creationId xmlns:a16="http://schemas.microsoft.com/office/drawing/2014/main" id="{7674060B-3D2B-4FD4-B7CB-075DEEA99A97}"/>
-              </a:ext>
-            </a:extLst>
-          </p:cNvPr>
-          <p:cNvCxnSpPr>
-            <a:cxnSpLocks/>
-          </p:cNvCxnSpPr>
-          <p:nvPr/>
-        </p:nvCxnSpPr>
-        <p:spPr>
-          <a:xfrm flipV="1">
-            <a:off x="5561537" y="2057396"/>
-            <a:ext cx="7592" cy="1713786"/>
-          </a:xfrm>
-          <a:prstGeom prst="line">
-            <a:avLst/>
-          </a:prstGeom>
-          <a:ln>
-            <a:solidFill>
-              <a:srgbClr val="0070C0"/>
-            </a:solidFill>
-            <a:headEnd type="oval" w="med" len="med"/>
-            <a:tailEnd type="oval" w="med" len="med"/>
-          </a:ln>
-        </p:spPr>
-        <p:style>
-          <a:lnRef idx="1">
-            <a:schemeClr val="accent1"/>
-          </a:lnRef>
-          <a:fillRef idx="0">
-            <a:schemeClr val="accent1"/>
-          </a:fillRef>
-          <a:effectRef idx="0">
-            <a:schemeClr val="accent1"/>
-          </a:effectRef>
-          <a:fontRef idx="minor">
-            <a:schemeClr val="tx1"/>
-          </a:fontRef>
-        </p:style>
-      </p:cxnSp>
-      <p:cxnSp>
-        <p:nvCxnSpPr>
-          <p:cNvPr id="120" name="直線コネクタ 119">
-            <a:extLst>
-              <a:ext uri="{FF2B5EF4-FFF2-40B4-BE49-F238E27FC236}">
-                <a16:creationId xmlns:a16="http://schemas.microsoft.com/office/drawing/2014/main" id="{7B9EE19A-1161-4DC8-AD0E-4E722E06B480}"/>
-              </a:ext>
-            </a:extLst>
-          </p:cNvPr>
-          <p:cNvCxnSpPr>
-            <a:cxnSpLocks/>
-          </p:cNvCxnSpPr>
-          <p:nvPr/>
-        </p:nvCxnSpPr>
-        <p:spPr>
-          <a:xfrm flipH="1" flipV="1">
-            <a:off x="5068388" y="2053036"/>
-            <a:ext cx="7623" cy="2471070"/>
-          </a:xfrm>
-          <a:prstGeom prst="line">
-            <a:avLst/>
-          </a:prstGeom>
-          <a:ln>
-            <a:solidFill>
-              <a:srgbClr val="0070C0"/>
-            </a:solidFill>
-            <a:headEnd type="none" w="med" len="med"/>
-            <a:tailEnd type="oval" w="med" len="med"/>
-          </a:ln>
-        </p:spPr>
-        <p:style>
-          <a:lnRef idx="1">
-            <a:schemeClr val="accent1"/>
-          </a:lnRef>
-          <a:fillRef idx="0">
-            <a:schemeClr val="accent1"/>
-          </a:fillRef>
-          <a:effectRef idx="0">
-            <a:schemeClr val="accent1"/>
-          </a:effectRef>
-          <a:fontRef idx="minor">
-            <a:schemeClr val="tx1"/>
-          </a:fontRef>
-        </p:style>
-      </p:cxnSp>
-      <p:cxnSp>
-        <p:nvCxnSpPr>
-          <p:cNvPr id="1041" name="直線コネクタ 1040">
-            <a:extLst>
-              <a:ext uri="{FF2B5EF4-FFF2-40B4-BE49-F238E27FC236}">
-                <a16:creationId xmlns:a16="http://schemas.microsoft.com/office/drawing/2014/main" id="{1A505AFB-F645-4612-AF81-41C0748BE1DA}"/>
-              </a:ext>
-            </a:extLst>
-          </p:cNvPr>
-          <p:cNvCxnSpPr/>
-          <p:nvPr/>
-        </p:nvCxnSpPr>
-        <p:spPr>
-          <a:xfrm>
-            <a:off x="4074521" y="2037806"/>
-            <a:ext cx="764874" cy="0"/>
-          </a:xfrm>
-          <a:prstGeom prst="line">
-            <a:avLst/>
-          </a:prstGeom>
-        </p:spPr>
-        <p:style>
-          <a:lnRef idx="1">
-            <a:schemeClr val="accent1"/>
-          </a:lnRef>
-          <a:fillRef idx="0">
-            <a:schemeClr val="accent1"/>
-          </a:fillRef>
-          <a:effectRef idx="0">
-            <a:schemeClr val="accent1"/>
-          </a:effectRef>
-          <a:fontRef idx="minor">
-            <a:schemeClr val="tx1"/>
-          </a:fontRef>
-        </p:style>
-      </p:cxnSp>
-      <p:cxnSp>
-        <p:nvCxnSpPr>
-          <p:cNvPr id="146" name="直線コネクタ 145">
-            <a:extLst>
-              <a:ext uri="{FF2B5EF4-FFF2-40B4-BE49-F238E27FC236}">
-                <a16:creationId xmlns:a16="http://schemas.microsoft.com/office/drawing/2014/main" id="{8EC3F1BF-1E41-48EC-91ED-4367E9A79362}"/>
-              </a:ext>
-            </a:extLst>
-          </p:cNvPr>
-          <p:cNvCxnSpPr/>
-          <p:nvPr/>
-        </p:nvCxnSpPr>
-        <p:spPr>
-          <a:xfrm>
-            <a:off x="4801693" y="1807032"/>
-            <a:ext cx="764874" cy="0"/>
-          </a:xfrm>
-          <a:prstGeom prst="line">
-            <a:avLst/>
-          </a:prstGeom>
-          <a:ln>
-            <a:headEnd type="none"/>
-            <a:tailEnd type="oval"/>
-          </a:ln>
-        </p:spPr>
-        <p:style>
-          <a:lnRef idx="1">
-            <a:schemeClr val="accent1"/>
-          </a:lnRef>
-          <a:fillRef idx="0">
-            <a:schemeClr val="accent1"/>
-          </a:fillRef>
-          <a:effectRef idx="0">
-            <a:schemeClr val="accent1"/>
-          </a:effectRef>
-          <a:fontRef idx="minor">
-            <a:schemeClr val="tx1"/>
-          </a:fontRef>
-        </p:style>
-      </p:cxnSp>
-      <p:cxnSp>
-        <p:nvCxnSpPr>
-          <p:cNvPr id="1043" name="直線コネクタ 1042">
-            <a:extLst>
-              <a:ext uri="{FF2B5EF4-FFF2-40B4-BE49-F238E27FC236}">
-                <a16:creationId xmlns:a16="http://schemas.microsoft.com/office/drawing/2014/main" id="{1290F592-1012-45BF-A8C2-6D204CF47C90}"/>
-              </a:ext>
-            </a:extLst>
-          </p:cNvPr>
-          <p:cNvCxnSpPr/>
-          <p:nvPr/>
-        </p:nvCxnSpPr>
-        <p:spPr>
-          <a:xfrm flipV="1">
-            <a:off x="4810402" y="1807032"/>
-            <a:ext cx="0" cy="250351"/>
-          </a:xfrm>
-          <a:prstGeom prst="line">
-            <a:avLst/>
-          </a:prstGeom>
-        </p:spPr>
-        <p:style>
-          <a:lnRef idx="1">
-            <a:schemeClr val="accent1"/>
-          </a:lnRef>
-          <a:fillRef idx="0">
-            <a:schemeClr val="accent1"/>
-          </a:fillRef>
-          <a:effectRef idx="0">
-            <a:schemeClr val="accent1"/>
-          </a:effectRef>
-          <a:fontRef idx="minor">
-            <a:schemeClr val="tx1"/>
-          </a:fontRef>
-        </p:style>
-      </p:cxnSp>
-      <p:cxnSp>
-        <p:nvCxnSpPr>
-          <p:cNvPr id="1045" name="直線コネクタ 1044">
-            <a:extLst>
-              <a:ext uri="{FF2B5EF4-FFF2-40B4-BE49-F238E27FC236}">
-                <a16:creationId xmlns:a16="http://schemas.microsoft.com/office/drawing/2014/main" id="{27010D11-6F9C-411A-9A79-EF5D237DA018}"/>
-              </a:ext>
-            </a:extLst>
-          </p:cNvPr>
-          <p:cNvCxnSpPr/>
-          <p:nvPr/>
-        </p:nvCxnSpPr>
-        <p:spPr>
-          <a:xfrm flipV="1">
-            <a:off x="5565320" y="1807032"/>
-            <a:ext cx="0" cy="250351"/>
-          </a:xfrm>
-          <a:prstGeom prst="line">
-            <a:avLst/>
-          </a:prstGeom>
-        </p:spPr>
-        <p:style>
-          <a:lnRef idx="1">
-            <a:schemeClr val="accent1"/>
-          </a:lnRef>
-          <a:fillRef idx="0">
-            <a:schemeClr val="accent1"/>
-          </a:fillRef>
-          <a:effectRef idx="0">
-            <a:schemeClr val="accent1"/>
-          </a:effectRef>
-          <a:fontRef idx="minor">
-            <a:schemeClr val="tx1"/>
-          </a:fontRef>
-        </p:style>
-      </p:cxnSp>
-      <p:cxnSp>
-        <p:nvCxnSpPr>
-          <p:cNvPr id="72" name="直線コネクタ 71">
-            <a:extLst>
-              <a:ext uri="{FF2B5EF4-FFF2-40B4-BE49-F238E27FC236}">
-                <a16:creationId xmlns:a16="http://schemas.microsoft.com/office/drawing/2014/main" id="{590C21B5-8433-4AF6-8011-9ACCC6765CF6}"/>
-              </a:ext>
-            </a:extLst>
-          </p:cNvPr>
-          <p:cNvCxnSpPr>
-            <a:cxnSpLocks/>
-          </p:cNvCxnSpPr>
-          <p:nvPr/>
-        </p:nvCxnSpPr>
-        <p:spPr>
-          <a:xfrm>
-            <a:off x="5562308" y="3796934"/>
-            <a:ext cx="994164" cy="0"/>
-          </a:xfrm>
-          <a:prstGeom prst="line">
-            <a:avLst/>
-          </a:prstGeom>
-          <a:ln>
-            <a:solidFill>
-              <a:srgbClr val="FF0000"/>
-            </a:solidFill>
-            <a:headEnd type="oval"/>
-            <a:tailEnd type="oval"/>
-          </a:ln>
-        </p:spPr>
-        <p:style>
-          <a:lnRef idx="1">
-            <a:schemeClr val="accent1"/>
-          </a:lnRef>
-          <a:fillRef idx="0">
-            <a:schemeClr val="accent1"/>
-          </a:fillRef>
-          <a:effectRef idx="0">
-            <a:schemeClr val="accent1"/>
-          </a:effectRef>
-          <a:fontRef idx="minor">
-            <a:schemeClr val="tx1"/>
-          </a:fontRef>
-        </p:style>
-      </p:cxnSp>
-      <p:sp>
-        <p:nvSpPr>
-          <p:cNvPr id="1046" name="テキスト ボックス 1045">
-            <a:extLst>
-              <a:ext uri="{FF2B5EF4-FFF2-40B4-BE49-F238E27FC236}">
-                <a16:creationId xmlns:a16="http://schemas.microsoft.com/office/drawing/2014/main" id="{FD94C003-CD66-460E-8D70-D75FB59FCC11}"/>
-              </a:ext>
-            </a:extLst>
-          </p:cNvPr>
-          <p:cNvSpPr txBox="1"/>
-          <p:nvPr/>
-        </p:nvSpPr>
-        <p:spPr>
-          <a:xfrm flipH="1">
-            <a:off x="2240166" y="2619137"/>
-            <a:ext cx="198701" cy="369332"/>
-          </a:xfrm>
-          <a:prstGeom prst="rect">
-            <a:avLst/>
-          </a:prstGeom>
-          <a:noFill/>
-        </p:spPr>
-        <p:txBody>
-          <a:bodyPr wrap="square" rtlCol="0">
-            <a:spAutoFit/>
-          </a:bodyPr>
-          <a:lstStyle/>
-          <a:p>
-            <a:r>
-              <a:rPr lang="en-US" dirty="0"/>
-              <a:t>1</a:t>
-            </a:r>
-          </a:p>
-        </p:txBody>
-      </p:sp>
-      <p:sp>
-        <p:nvSpPr>
-          <p:cNvPr id="152" name="テキスト ボックス 151">
-            <a:extLst>
-              <a:ext uri="{FF2B5EF4-FFF2-40B4-BE49-F238E27FC236}">
-                <a16:creationId xmlns:a16="http://schemas.microsoft.com/office/drawing/2014/main" id="{99D74A43-C237-4025-B12F-A8C0A45D2F85}"/>
-              </a:ext>
-            </a:extLst>
-          </p:cNvPr>
-          <p:cNvSpPr txBox="1"/>
-          <p:nvPr/>
-        </p:nvSpPr>
-        <p:spPr>
-          <a:xfrm flipH="1">
-            <a:off x="3305106" y="2601518"/>
-            <a:ext cx="198701" cy="369332"/>
-          </a:xfrm>
-          <a:prstGeom prst="rect">
-            <a:avLst/>
-          </a:prstGeom>
-          <a:noFill/>
-        </p:spPr>
-        <p:txBody>
-          <a:bodyPr wrap="square" rtlCol="0">
-            <a:spAutoFit/>
-          </a:bodyPr>
-          <a:lstStyle/>
-          <a:p>
-            <a:r>
-              <a:rPr lang="en-US" dirty="0"/>
-              <a:t>5</a:t>
-            </a:r>
-          </a:p>
-        </p:txBody>
-      </p:sp>
-      <p:sp>
-        <p:nvSpPr>
-          <p:cNvPr id="156" name="テキスト ボックス 155">
-            <a:extLst>
-              <a:ext uri="{FF2B5EF4-FFF2-40B4-BE49-F238E27FC236}">
-                <a16:creationId xmlns:a16="http://schemas.microsoft.com/office/drawing/2014/main" id="{5AD61752-A2B7-480F-B9B5-AE691E995D97}"/>
-              </a:ext>
-            </a:extLst>
-          </p:cNvPr>
-          <p:cNvSpPr txBox="1"/>
-          <p:nvPr/>
-        </p:nvSpPr>
-        <p:spPr>
-          <a:xfrm>
-            <a:off x="3136859" y="4019632"/>
-            <a:ext cx="494765" cy="276999"/>
-          </a:xfrm>
-          <a:prstGeom prst="rect">
-            <a:avLst/>
-          </a:prstGeom>
-          <a:noFill/>
-        </p:spPr>
-        <p:txBody>
-          <a:bodyPr wrap="square" rtlCol="0">
-            <a:spAutoFit/>
-          </a:bodyPr>
-          <a:lstStyle/>
-          <a:p>
-            <a:r>
-              <a:rPr lang="en-US" sz="1200" dirty="0"/>
-              <a:t>GND</a:t>
-            </a:r>
-          </a:p>
-        </p:txBody>
-      </p:sp>
-      <p:sp>
-        <p:nvSpPr>
-          <p:cNvPr id="157" name="テキスト ボックス 156">
-            <a:extLst>
-              <a:ext uri="{FF2B5EF4-FFF2-40B4-BE49-F238E27FC236}">
-                <a16:creationId xmlns:a16="http://schemas.microsoft.com/office/drawing/2014/main" id="{669384F1-3295-4FBE-A590-7C76DEE63003}"/>
-              </a:ext>
-            </a:extLst>
-          </p:cNvPr>
-          <p:cNvSpPr txBox="1"/>
-          <p:nvPr/>
-        </p:nvSpPr>
-        <p:spPr>
-          <a:xfrm>
-            <a:off x="4046906" y="4015273"/>
-            <a:ext cx="494765" cy="276999"/>
-          </a:xfrm>
-          <a:prstGeom prst="rect">
-            <a:avLst/>
-          </a:prstGeom>
-          <a:noFill/>
-        </p:spPr>
-        <p:txBody>
-          <a:bodyPr wrap="square" rtlCol="0">
-            <a:spAutoFit/>
-          </a:bodyPr>
-          <a:lstStyle/>
-          <a:p>
-            <a:r>
-              <a:rPr lang="en-US" sz="1200" dirty="0"/>
-              <a:t>GND</a:t>
-            </a:r>
-          </a:p>
-        </p:txBody>
-      </p:sp>
-      <p:sp>
-        <p:nvSpPr>
-          <p:cNvPr id="158" name="テキスト ボックス 157">
-            <a:extLst>
-              <a:ext uri="{FF2B5EF4-FFF2-40B4-BE49-F238E27FC236}">
-                <a16:creationId xmlns:a16="http://schemas.microsoft.com/office/drawing/2014/main" id="{203884A5-39CA-4471-8237-3C65155E12EA}"/>
-              </a:ext>
-            </a:extLst>
-          </p:cNvPr>
-          <p:cNvSpPr txBox="1"/>
-          <p:nvPr/>
-        </p:nvSpPr>
-        <p:spPr>
-          <a:xfrm>
-            <a:off x="3171697" y="4280884"/>
-            <a:ext cx="494765" cy="276999"/>
-          </a:xfrm>
-          <a:prstGeom prst="rect">
-            <a:avLst/>
-          </a:prstGeom>
-          <a:noFill/>
-        </p:spPr>
-        <p:txBody>
-          <a:bodyPr wrap="square" rtlCol="0">
-            <a:spAutoFit/>
-          </a:bodyPr>
-          <a:lstStyle/>
-          <a:p>
-            <a:r>
-              <a:rPr lang="en-US" sz="1200" dirty="0"/>
-              <a:t>HV</a:t>
-            </a:r>
-          </a:p>
-        </p:txBody>
-      </p:sp>
-      <p:sp>
-        <p:nvSpPr>
-          <p:cNvPr id="159" name="テキスト ボックス 158">
-            <a:extLst>
-              <a:ext uri="{FF2B5EF4-FFF2-40B4-BE49-F238E27FC236}">
-                <a16:creationId xmlns:a16="http://schemas.microsoft.com/office/drawing/2014/main" id="{01BA7618-E677-4CDA-A473-FAE5EA6CCEF8}"/>
-              </a:ext>
-            </a:extLst>
-          </p:cNvPr>
-          <p:cNvSpPr txBox="1"/>
-          <p:nvPr/>
-        </p:nvSpPr>
-        <p:spPr>
-          <a:xfrm>
-            <a:off x="4133995" y="4285235"/>
-            <a:ext cx="494765" cy="276999"/>
-          </a:xfrm>
-          <a:prstGeom prst="rect">
-            <a:avLst/>
-          </a:prstGeom>
-          <a:noFill/>
-        </p:spPr>
-        <p:txBody>
-          <a:bodyPr wrap="square" rtlCol="0">
-            <a:spAutoFit/>
-          </a:bodyPr>
-          <a:lstStyle/>
-          <a:p>
-            <a:r>
-              <a:rPr lang="en-US" sz="1200" dirty="0"/>
-              <a:t>LV</a:t>
-            </a:r>
-          </a:p>
-        </p:txBody>
-      </p:sp>
-      <p:cxnSp>
-        <p:nvCxnSpPr>
-          <p:cNvPr id="162" name="直線コネクタ 161">
-            <a:extLst>
-              <a:ext uri="{FF2B5EF4-FFF2-40B4-BE49-F238E27FC236}">
-                <a16:creationId xmlns:a16="http://schemas.microsoft.com/office/drawing/2014/main" id="{011096CC-9127-4F4C-9F78-EE00E9CF2195}"/>
-              </a:ext>
-            </a:extLst>
-          </p:cNvPr>
-          <p:cNvCxnSpPr>
-            <a:cxnSpLocks/>
-          </p:cNvCxnSpPr>
-          <p:nvPr/>
-        </p:nvCxnSpPr>
-        <p:spPr>
-          <a:xfrm>
-            <a:off x="2594065" y="4040770"/>
-            <a:ext cx="498568" cy="6538"/>
-          </a:xfrm>
-          <a:prstGeom prst="line">
-            <a:avLst/>
-          </a:prstGeom>
-          <a:ln>
-            <a:solidFill>
-              <a:srgbClr val="FF0000"/>
-            </a:solidFill>
-            <a:headEnd type="oval" w="med" len="med"/>
-            <a:tailEnd type="oval" w="med" len="med"/>
-          </a:ln>
-        </p:spPr>
-        <p:style>
-          <a:lnRef idx="1">
-            <a:schemeClr val="accent1"/>
-          </a:lnRef>
-          <a:fillRef idx="0">
-            <a:schemeClr val="accent1"/>
-          </a:fillRef>
-          <a:effectRef idx="0">
-            <a:schemeClr val="accent1"/>
-          </a:effectRef>
-          <a:fontRef idx="minor">
-            <a:schemeClr val="tx1"/>
-          </a:fontRef>
-        </p:style>
-      </p:cxnSp>
-      <p:cxnSp>
-        <p:nvCxnSpPr>
-          <p:cNvPr id="66" name="直線コネクタ 65">
-            <a:extLst>
-              <a:ext uri="{FF2B5EF4-FFF2-40B4-BE49-F238E27FC236}">
-                <a16:creationId xmlns:a16="http://schemas.microsoft.com/office/drawing/2014/main" id="{09C10256-D2E9-4166-A322-3110185E2271}"/>
-              </a:ext>
-            </a:extLst>
-          </p:cNvPr>
-          <p:cNvCxnSpPr>
-            <a:cxnSpLocks/>
-          </p:cNvCxnSpPr>
-          <p:nvPr/>
-        </p:nvCxnSpPr>
-        <p:spPr>
-          <a:xfrm>
-            <a:off x="5076011" y="4530287"/>
-            <a:ext cx="1203355" cy="8816"/>
-          </a:xfrm>
-          <a:prstGeom prst="line">
-            <a:avLst/>
-          </a:prstGeom>
-          <a:ln>
-            <a:solidFill>
-              <a:srgbClr val="FF0000"/>
-            </a:solidFill>
-            <a:headEnd type="oval"/>
-            <a:tailEnd type="oval"/>
-          </a:ln>
-        </p:spPr>
-        <p:style>
-          <a:lnRef idx="1">
-            <a:schemeClr val="accent1"/>
-          </a:lnRef>
-          <a:fillRef idx="0">
-            <a:schemeClr val="accent1"/>
-          </a:fillRef>
-          <a:effectRef idx="0">
-            <a:schemeClr val="accent1"/>
-          </a:effectRef>
-          <a:fontRef idx="minor">
-            <a:schemeClr val="tx1"/>
-          </a:fontRef>
-        </p:style>
-      </p:cxnSp>
-      <p:cxnSp>
-        <p:nvCxnSpPr>
-          <p:cNvPr id="22" name="直線コネクタ 21">
-            <a:extLst>
-              <a:ext uri="{FF2B5EF4-FFF2-40B4-BE49-F238E27FC236}">
-                <a16:creationId xmlns:a16="http://schemas.microsoft.com/office/drawing/2014/main" id="{DAE43DBE-44ED-49C8-BDDD-315780BE81B0}"/>
-              </a:ext>
-            </a:extLst>
-          </p:cNvPr>
-          <p:cNvCxnSpPr>
-            <a:cxnSpLocks/>
-          </p:cNvCxnSpPr>
-          <p:nvPr/>
-        </p:nvCxnSpPr>
-        <p:spPr>
-          <a:xfrm flipH="1">
-            <a:off x="2837905" y="3535680"/>
-            <a:ext cx="496389" cy="0"/>
-          </a:xfrm>
-          <a:prstGeom prst="line">
-            <a:avLst/>
-          </a:prstGeom>
-          <a:ln>
-            <a:solidFill>
-              <a:srgbClr val="FF0000"/>
-            </a:solidFill>
-            <a:headEnd type="oval" w="med" len="med"/>
-            <a:tailEnd type="oval" w="med" len="med"/>
-          </a:ln>
-        </p:spPr>
-        <p:style>
-          <a:lnRef idx="1">
-            <a:schemeClr val="accent1"/>
-          </a:lnRef>
-          <a:fillRef idx="0">
-            <a:schemeClr val="accent1"/>
-          </a:fillRef>
-          <a:effectRef idx="0">
-            <a:schemeClr val="accent1"/>
-          </a:effectRef>
-          <a:fontRef idx="minor">
-            <a:schemeClr val="tx1"/>
-          </a:fontRef>
-        </p:style>
-      </p:cxnSp>
-      <p:sp>
-        <p:nvSpPr>
-          <p:cNvPr id="184" name="テキスト ボックス 183">
-            <a:extLst>
-              <a:ext uri="{FF2B5EF4-FFF2-40B4-BE49-F238E27FC236}">
-                <a16:creationId xmlns:a16="http://schemas.microsoft.com/office/drawing/2014/main" id="{99286653-0EB4-4E01-AB04-A70A4B02E40D}"/>
-              </a:ext>
-            </a:extLst>
-          </p:cNvPr>
-          <p:cNvSpPr txBox="1"/>
-          <p:nvPr/>
-        </p:nvSpPr>
-        <p:spPr>
-          <a:xfrm>
-            <a:off x="4785073" y="430774"/>
-            <a:ext cx="1977940" cy="369332"/>
-          </a:xfrm>
-          <a:prstGeom prst="rect">
-            <a:avLst/>
-          </a:prstGeom>
-          <a:noFill/>
-        </p:spPr>
-        <p:txBody>
-          <a:bodyPr wrap="square" rtlCol="0">
-            <a:spAutoFit/>
-          </a:bodyPr>
-          <a:lstStyle/>
-          <a:p>
-            <a:r>
-              <a:rPr lang="en-US" b="1" dirty="0">
-                <a:solidFill>
-                  <a:srgbClr val="00B050"/>
-                </a:solidFill>
-              </a:rPr>
-              <a:t>Microchip RN4020</a:t>
-            </a:r>
-          </a:p>
-        </p:txBody>
-      </p:sp>
-      <p:sp>
-        <p:nvSpPr>
-          <p:cNvPr id="187" name="テキスト ボックス 186">
-            <a:extLst>
-              <a:ext uri="{FF2B5EF4-FFF2-40B4-BE49-F238E27FC236}">
-                <a16:creationId xmlns:a16="http://schemas.microsoft.com/office/drawing/2014/main" id="{7DA0D5DE-2811-4A58-AE2B-C0BF82ED7337}"/>
-              </a:ext>
-            </a:extLst>
-          </p:cNvPr>
-          <p:cNvSpPr txBox="1"/>
-          <p:nvPr/>
-        </p:nvSpPr>
-        <p:spPr>
-          <a:xfrm>
-            <a:off x="423890" y="4379923"/>
-            <a:ext cx="1156768" cy="369332"/>
-          </a:xfrm>
-          <a:prstGeom prst="rect">
-            <a:avLst/>
-          </a:prstGeom>
-          <a:noFill/>
-        </p:spPr>
-        <p:txBody>
-          <a:bodyPr wrap="square" rtlCol="0">
-            <a:spAutoFit/>
-          </a:bodyPr>
-          <a:lstStyle/>
-          <a:p>
-            <a:r>
-              <a:rPr lang="en-US" b="1" dirty="0">
-                <a:solidFill>
-                  <a:srgbClr val="00B050"/>
-                </a:solidFill>
-              </a:rPr>
-              <a:t>UART</a:t>
-            </a:r>
-          </a:p>
-        </p:txBody>
-      </p:sp>
-      <p:sp>
-        <p:nvSpPr>
-          <p:cNvPr id="188" name="テキスト ボックス 187">
-            <a:extLst>
-              <a:ext uri="{FF2B5EF4-FFF2-40B4-BE49-F238E27FC236}">
-                <a16:creationId xmlns:a16="http://schemas.microsoft.com/office/drawing/2014/main" id="{35BEEB6D-1F53-414E-AB9E-56C5A2F7A2E0}"/>
-              </a:ext>
-            </a:extLst>
-          </p:cNvPr>
-          <p:cNvSpPr txBox="1"/>
-          <p:nvPr/>
-        </p:nvSpPr>
-        <p:spPr>
-          <a:xfrm>
-            <a:off x="8029716" y="4389305"/>
-            <a:ext cx="968233" cy="677108"/>
-          </a:xfrm>
-          <a:prstGeom prst="rect">
-            <a:avLst/>
-          </a:prstGeom>
-          <a:noFill/>
-        </p:spPr>
-        <p:txBody>
-          <a:bodyPr wrap="square" rtlCol="0">
-            <a:spAutoFit/>
-          </a:bodyPr>
-          <a:lstStyle/>
-          <a:p>
-            <a:r>
-              <a:rPr lang="en-US" b="1" dirty="0">
-                <a:solidFill>
-                  <a:srgbClr val="00B050"/>
-                </a:solidFill>
-              </a:rPr>
-              <a:t>UART</a:t>
-            </a:r>
-          </a:p>
-          <a:p>
-            <a:r>
-              <a:rPr lang="en-US" sz="1000" b="1" dirty="0">
-                <a:solidFill>
-                  <a:srgbClr val="00B050"/>
-                </a:solidFill>
-              </a:rPr>
-              <a:t>(for RN4020 management)</a:t>
-            </a:r>
-          </a:p>
-        </p:txBody>
-      </p:sp>
-      <p:sp>
-        <p:nvSpPr>
-          <p:cNvPr id="144" name="矢印: 左右 143">
-            <a:extLst>
-              <a:ext uri="{FF2B5EF4-FFF2-40B4-BE49-F238E27FC236}">
-                <a16:creationId xmlns:a16="http://schemas.microsoft.com/office/drawing/2014/main" id="{F1DA9FE4-A6F4-4421-895C-11D1089177DE}"/>
+      <p:sp>
+        <p:nvSpPr>
+          <p:cNvPr id="23" name="楕円 22">
+            <a:extLst>
+              <a:ext uri="{FF2B5EF4-FFF2-40B4-BE49-F238E27FC236}">
+                <a16:creationId xmlns:a16="http://schemas.microsoft.com/office/drawing/2014/main" id="{F4F58584-BAF4-49FF-B62E-874342458DC1}"/>
               </a:ext>
             </a:extLst>
           </p:cNvPr>
@@ -6613,10 +7802,10 @@
         </p:nvSpPr>
         <p:spPr>
           <a:xfrm>
-            <a:off x="1219200" y="4440315"/>
-            <a:ext cx="624433" cy="284085"/>
-          </a:xfrm>
-          <a:prstGeom prst="leftRightArrow">
+            <a:off x="7880174" y="4998729"/>
+            <a:ext cx="140430" cy="126899"/>
+          </a:xfrm>
+          <a:prstGeom prst="ellipse">
             <a:avLst/>
           </a:prstGeom>
         </p:spPr>
@@ -6647,10 +7836,10 @@
       </p:sp>
       <p:sp>
         <p:nvSpPr>
-          <p:cNvPr id="190" name="矢印: 左右 189">
-            <a:extLst>
-              <a:ext uri="{FF2B5EF4-FFF2-40B4-BE49-F238E27FC236}">
-                <a16:creationId xmlns:a16="http://schemas.microsoft.com/office/drawing/2014/main" id="{72D75B7E-1F7A-4C12-A68E-400E692C40E8}"/>
+          <p:cNvPr id="118" name="楕円 117">
+            <a:extLst>
+              <a:ext uri="{FF2B5EF4-FFF2-40B4-BE49-F238E27FC236}">
+                <a16:creationId xmlns:a16="http://schemas.microsoft.com/office/drawing/2014/main" id="{59618274-0C81-4F2E-B684-843078E92FFF}"/>
               </a:ext>
             </a:extLst>
           </p:cNvPr>
@@ -6659,10 +7848,10 @@
         </p:nvSpPr>
         <p:spPr>
           <a:xfrm>
-            <a:off x="7333305" y="4454296"/>
-            <a:ext cx="624433" cy="284085"/>
-          </a:xfrm>
-          <a:prstGeom prst="leftRightArrow">
+            <a:off x="7884525" y="5229507"/>
+            <a:ext cx="140430" cy="126899"/>
+          </a:xfrm>
+          <a:prstGeom prst="ellipse">
             <a:avLst/>
           </a:prstGeom>
         </p:spPr>
@@ -6693,10 +7882,10 @@
       </p:sp>
       <p:sp>
         <p:nvSpPr>
-          <p:cNvPr id="191" name="矢印: 左右 190">
-            <a:extLst>
-              <a:ext uri="{FF2B5EF4-FFF2-40B4-BE49-F238E27FC236}">
-                <a16:creationId xmlns:a16="http://schemas.microsoft.com/office/drawing/2014/main" id="{52659C62-FE8C-4051-BECB-82DACFF0E626}"/>
+          <p:cNvPr id="121" name="楕円 120">
+            <a:extLst>
+              <a:ext uri="{FF2B5EF4-FFF2-40B4-BE49-F238E27FC236}">
+                <a16:creationId xmlns:a16="http://schemas.microsoft.com/office/drawing/2014/main" id="{23D0972C-F614-494C-8915-EBCD4345BFC9}"/>
               </a:ext>
             </a:extLst>
           </p:cNvPr>
@@ -6704,11 +7893,11 @@
           <p:nvPr/>
         </p:nvSpPr>
         <p:spPr>
-          <a:xfrm rot="16200000">
-            <a:off x="5431262" y="950737"/>
-            <a:ext cx="624433" cy="284085"/>
-          </a:xfrm>
-          <a:prstGeom prst="leftRightArrow">
+          <a:xfrm>
+            <a:off x="7880171" y="5468992"/>
+            <a:ext cx="140430" cy="126899"/>
+          </a:xfrm>
+          <a:prstGeom prst="ellipse">
             <a:avLst/>
           </a:prstGeom>
         </p:spPr>
@@ -6737,311 +7926,97 @@
           </a:p>
         </p:txBody>
       </p:sp>
-      <p:cxnSp>
-        <p:nvCxnSpPr>
-          <p:cNvPr id="93" name="直線コネクタ 92">
-            <a:extLst>
-              <a:ext uri="{FF2B5EF4-FFF2-40B4-BE49-F238E27FC236}">
-                <a16:creationId xmlns:a16="http://schemas.microsoft.com/office/drawing/2014/main" id="{29A079D1-1273-4310-A526-67DF9ADA28B0}"/>
-              </a:ext>
-            </a:extLst>
-          </p:cNvPr>
-          <p:cNvCxnSpPr>
-            <a:cxnSpLocks/>
-          </p:cNvCxnSpPr>
-          <p:nvPr/>
-        </p:nvCxnSpPr>
-        <p:spPr>
-          <a:xfrm flipH="1" flipV="1">
-            <a:off x="5322540" y="4300891"/>
-            <a:ext cx="1666" cy="475768"/>
-          </a:xfrm>
-          <a:prstGeom prst="line">
-            <a:avLst/>
-          </a:prstGeom>
-          <a:ln>
-            <a:solidFill>
-              <a:srgbClr val="0070C0"/>
-            </a:solidFill>
-            <a:headEnd type="oval" w="med" len="med"/>
-            <a:tailEnd type="oval" w="med" len="med"/>
-          </a:ln>
+      <p:sp>
+        <p:nvSpPr>
+          <p:cNvPr id="123" name="楕円 122">
+            <a:extLst>
+              <a:ext uri="{FF2B5EF4-FFF2-40B4-BE49-F238E27FC236}">
+                <a16:creationId xmlns:a16="http://schemas.microsoft.com/office/drawing/2014/main" id="{426F80DC-B9A5-4C43-86C9-8249A97865A6}"/>
+              </a:ext>
+            </a:extLst>
+          </p:cNvPr>
+          <p:cNvSpPr/>
+          <p:nvPr/>
+        </p:nvSpPr>
+        <p:spPr>
+          <a:xfrm>
+            <a:off x="7880167" y="5721544"/>
+            <a:ext cx="140430" cy="126899"/>
+          </a:xfrm>
+          <a:prstGeom prst="ellipse">
+            <a:avLst/>
+          </a:prstGeom>
         </p:spPr>
         <p:style>
-          <a:lnRef idx="1">
-            <a:schemeClr val="accent1"/>
+          <a:lnRef idx="2">
+            <a:schemeClr val="accent1">
+              <a:shade val="50000"/>
+            </a:schemeClr>
           </a:lnRef>
-          <a:fillRef idx="0">
+          <a:fillRef idx="1">
             <a:schemeClr val="accent1"/>
           </a:fillRef>
           <a:effectRef idx="0">
             <a:schemeClr val="accent1"/>
           </a:effectRef>
           <a:fontRef idx="minor">
-            <a:schemeClr val="tx1"/>
+            <a:schemeClr val="lt1"/>
           </a:fontRef>
         </p:style>
-      </p:cxnSp>
-      <p:cxnSp>
-        <p:nvCxnSpPr>
-          <p:cNvPr id="94" name="直線コネクタ 93">
-            <a:extLst>
-              <a:ext uri="{FF2B5EF4-FFF2-40B4-BE49-F238E27FC236}">
-                <a16:creationId xmlns:a16="http://schemas.microsoft.com/office/drawing/2014/main" id="{148F71E4-DB0D-48AD-AAD1-FFBC3F570CCB}"/>
-              </a:ext>
-            </a:extLst>
-          </p:cNvPr>
-          <p:cNvCxnSpPr>
-            <a:cxnSpLocks/>
-          </p:cNvCxnSpPr>
-          <p:nvPr/>
-        </p:nvCxnSpPr>
-        <p:spPr>
-          <a:xfrm flipV="1">
-            <a:off x="5325291" y="4284612"/>
-            <a:ext cx="747600" cy="4354"/>
-          </a:xfrm>
-          <a:prstGeom prst="line">
-            <a:avLst/>
-          </a:prstGeom>
-          <a:ln>
-            <a:solidFill>
-              <a:srgbClr val="FF0000"/>
-            </a:solidFill>
-            <a:headEnd type="oval" w="med" len="med"/>
-            <a:tailEnd type="oval" w="med" len="med"/>
-          </a:ln>
-        </p:spPr>
-        <p:style>
-          <a:lnRef idx="1">
-            <a:schemeClr val="accent1"/>
-          </a:lnRef>
-          <a:fillRef idx="0">
-            <a:schemeClr val="accent1"/>
-          </a:fillRef>
-          <a:effectRef idx="0">
-            <a:schemeClr val="accent1"/>
-          </a:effectRef>
-          <a:fontRef idx="minor">
-            <a:schemeClr val="tx1"/>
-          </a:fontRef>
-        </p:style>
-      </p:cxnSp>
-      <p:cxnSp>
-        <p:nvCxnSpPr>
-          <p:cNvPr id="105" name="直線コネクタ 104">
-            <a:extLst>
-              <a:ext uri="{FF2B5EF4-FFF2-40B4-BE49-F238E27FC236}">
-                <a16:creationId xmlns:a16="http://schemas.microsoft.com/office/drawing/2014/main" id="{9012AE98-507F-48E5-983B-2891676F65B7}"/>
-              </a:ext>
-            </a:extLst>
-          </p:cNvPr>
-          <p:cNvCxnSpPr>
-            <a:cxnSpLocks/>
-          </p:cNvCxnSpPr>
-          <p:nvPr/>
-        </p:nvCxnSpPr>
-        <p:spPr>
-          <a:xfrm flipV="1">
-            <a:off x="5561505" y="4028082"/>
-            <a:ext cx="3" cy="998939"/>
-          </a:xfrm>
-          <a:prstGeom prst="line">
-            <a:avLst/>
-          </a:prstGeom>
-          <a:ln>
-            <a:solidFill>
-              <a:srgbClr val="0070C0"/>
-            </a:solidFill>
-            <a:headEnd type="oval" w="med" len="med"/>
-            <a:tailEnd type="none" w="med" len="med"/>
-          </a:ln>
-        </p:spPr>
-        <p:style>
-          <a:lnRef idx="1">
-            <a:schemeClr val="accent1"/>
-          </a:lnRef>
-          <a:fillRef idx="0">
-            <a:schemeClr val="accent1"/>
-          </a:fillRef>
-          <a:effectRef idx="0">
-            <a:schemeClr val="accent1"/>
-          </a:effectRef>
-          <a:fontRef idx="minor">
-            <a:schemeClr val="tx1"/>
-          </a:fontRef>
-        </p:style>
-      </p:cxnSp>
-      <p:cxnSp>
-        <p:nvCxnSpPr>
-          <p:cNvPr id="37" name="直線コネクタ 36">
-            <a:extLst>
-              <a:ext uri="{FF2B5EF4-FFF2-40B4-BE49-F238E27FC236}">
-                <a16:creationId xmlns:a16="http://schemas.microsoft.com/office/drawing/2014/main" id="{A3FEDB80-B243-4480-B03E-9FE83F1C530A}"/>
-              </a:ext>
-            </a:extLst>
-          </p:cNvPr>
-          <p:cNvCxnSpPr/>
-          <p:nvPr/>
-        </p:nvCxnSpPr>
-        <p:spPr>
-          <a:xfrm flipH="1" flipV="1">
-            <a:off x="4981303" y="4415246"/>
-            <a:ext cx="2466" cy="4137"/>
-          </a:xfrm>
-          <a:prstGeom prst="line">
-            <a:avLst/>
-          </a:prstGeom>
-        </p:spPr>
-        <p:style>
-          <a:lnRef idx="1">
-            <a:schemeClr val="accent1"/>
-          </a:lnRef>
-          <a:fillRef idx="0">
-            <a:schemeClr val="accent1"/>
-          </a:fillRef>
-          <a:effectRef idx="0">
-            <a:schemeClr val="accent1"/>
-          </a:effectRef>
-          <a:fontRef idx="minor">
-            <a:schemeClr val="tx1"/>
-          </a:fontRef>
-        </p:style>
-      </p:cxnSp>
-      <p:cxnSp>
-        <p:nvCxnSpPr>
-          <p:cNvPr id="40" name="直線コネクタ 39">
-            <a:extLst>
-              <a:ext uri="{FF2B5EF4-FFF2-40B4-BE49-F238E27FC236}">
-                <a16:creationId xmlns:a16="http://schemas.microsoft.com/office/drawing/2014/main" id="{B98326E9-C697-4710-A8C5-676269AE0B70}"/>
-              </a:ext>
-            </a:extLst>
-          </p:cNvPr>
-          <p:cNvCxnSpPr>
-            <a:cxnSpLocks/>
-          </p:cNvCxnSpPr>
-          <p:nvPr/>
-        </p:nvCxnSpPr>
-        <p:spPr>
-          <a:xfrm>
-            <a:off x="5556069" y="4040779"/>
-            <a:ext cx="252676" cy="0"/>
-          </a:xfrm>
-          <a:prstGeom prst="line">
-            <a:avLst/>
-          </a:prstGeom>
-        </p:spPr>
-        <p:style>
-          <a:lnRef idx="1">
-            <a:schemeClr val="accent1"/>
-          </a:lnRef>
-          <a:fillRef idx="0">
-            <a:schemeClr val="accent1"/>
-          </a:fillRef>
-          <a:effectRef idx="0">
-            <a:schemeClr val="accent1"/>
-          </a:effectRef>
-          <a:fontRef idx="minor">
-            <a:schemeClr val="tx1"/>
-          </a:fontRef>
-        </p:style>
-      </p:cxnSp>
-      <p:cxnSp>
-        <p:nvCxnSpPr>
-          <p:cNvPr id="114" name="直線コネクタ 113">
-            <a:extLst>
-              <a:ext uri="{FF2B5EF4-FFF2-40B4-BE49-F238E27FC236}">
-                <a16:creationId xmlns:a16="http://schemas.microsoft.com/office/drawing/2014/main" id="{4E3A59C6-A8C7-49F0-83DC-739A96B4CDEB}"/>
-              </a:ext>
-            </a:extLst>
-          </p:cNvPr>
-          <p:cNvCxnSpPr>
-            <a:cxnSpLocks/>
-          </p:cNvCxnSpPr>
-          <p:nvPr/>
-        </p:nvCxnSpPr>
-        <p:spPr>
-          <a:xfrm flipV="1">
-            <a:off x="5815140" y="4768499"/>
-            <a:ext cx="0" cy="265060"/>
-          </a:xfrm>
-          <a:prstGeom prst="line">
-            <a:avLst/>
-          </a:prstGeom>
-          <a:ln>
-            <a:solidFill>
-              <a:srgbClr val="0070C0"/>
-            </a:solidFill>
-            <a:headEnd type="none" w="med" len="med"/>
-            <a:tailEnd type="none" w="med" len="med"/>
-          </a:ln>
-        </p:spPr>
-        <p:style>
-          <a:lnRef idx="1">
-            <a:schemeClr val="accent1"/>
-          </a:lnRef>
-          <a:fillRef idx="0">
-            <a:schemeClr val="accent1"/>
-          </a:fillRef>
-          <a:effectRef idx="0">
-            <a:schemeClr val="accent1"/>
-          </a:effectRef>
-          <a:fontRef idx="minor">
-            <a:schemeClr val="tx1"/>
-          </a:fontRef>
-        </p:style>
-      </p:cxnSp>
-      <p:cxnSp>
-        <p:nvCxnSpPr>
-          <p:cNvPr id="41" name="直線コネクタ 40">
-            <a:extLst>
-              <a:ext uri="{FF2B5EF4-FFF2-40B4-BE49-F238E27FC236}">
-                <a16:creationId xmlns:a16="http://schemas.microsoft.com/office/drawing/2014/main" id="{2DCD1D00-ED92-494B-BB0E-DAE1D6D65FAF}"/>
-              </a:ext>
-            </a:extLst>
-          </p:cNvPr>
-          <p:cNvCxnSpPr>
-            <a:cxnSpLocks/>
-          </p:cNvCxnSpPr>
-          <p:nvPr/>
-        </p:nvCxnSpPr>
-        <p:spPr>
-          <a:xfrm>
-            <a:off x="5817324" y="4789714"/>
-            <a:ext cx="475124" cy="3"/>
-          </a:xfrm>
-          <a:prstGeom prst="line">
-            <a:avLst/>
-          </a:prstGeom>
-          <a:ln>
-            <a:solidFill>
-              <a:srgbClr val="FF0000"/>
-            </a:solidFill>
-            <a:headEnd type="oval" w="med" len="med"/>
-            <a:tailEnd type="oval" w="med" len="med"/>
-          </a:ln>
-        </p:spPr>
-        <p:style>
-          <a:lnRef idx="1">
-            <a:schemeClr val="accent1"/>
-          </a:lnRef>
-          <a:fillRef idx="0">
-            <a:schemeClr val="accent1"/>
-          </a:fillRef>
-          <a:effectRef idx="0">
-            <a:schemeClr val="accent1"/>
-          </a:effectRef>
-          <a:fontRef idx="minor">
-            <a:schemeClr val="tx1"/>
-          </a:fontRef>
-        </p:style>
-      </p:cxnSp>
-      <p:sp>
-        <p:nvSpPr>
-          <p:cNvPr id="119" name="正方形/長方形 118">
-            <a:extLst>
-              <a:ext uri="{FF2B5EF4-FFF2-40B4-BE49-F238E27FC236}">
-                <a16:creationId xmlns:a16="http://schemas.microsoft.com/office/drawing/2014/main" id="{6F50C9D8-4CC4-418E-98D6-C4BB449DE793}"/>
+        <p:txBody>
+          <a:bodyPr rtlCol="0" anchor="ctr"/>
+          <a:lstStyle/>
+          <a:p>
+            <a:pPr algn="ctr"/>
+            <a:endParaRPr lang="en-US"/>
+          </a:p>
+        </p:txBody>
+      </p:sp>
+      <p:sp>
+        <p:nvSpPr>
+          <p:cNvPr id="125" name="テキスト ボックス 124">
+            <a:extLst>
+              <a:ext uri="{FF2B5EF4-FFF2-40B4-BE49-F238E27FC236}">
+                <a16:creationId xmlns:a16="http://schemas.microsoft.com/office/drawing/2014/main" id="{3F8CA439-6542-4FB9-A611-0EFE85F540F1}"/>
+              </a:ext>
+            </a:extLst>
+          </p:cNvPr>
+          <p:cNvSpPr txBox="1"/>
+          <p:nvPr/>
+        </p:nvSpPr>
+        <p:spPr>
+          <a:xfrm>
+            <a:off x="7447884" y="5926972"/>
+            <a:ext cx="1212930" cy="369332"/>
+          </a:xfrm>
+          <a:prstGeom prst="rect">
+            <a:avLst/>
+          </a:prstGeom>
+          <a:noFill/>
+        </p:spPr>
+        <p:txBody>
+          <a:bodyPr wrap="square" rtlCol="0">
+            <a:spAutoFit/>
+          </a:bodyPr>
+          <a:lstStyle/>
+          <a:p>
+            <a:r>
+              <a:rPr lang="en-US" b="1" dirty="0">
+                <a:solidFill>
+                  <a:srgbClr val="00B050"/>
+                </a:solidFill>
+              </a:rPr>
+              <a:t>Pin header</a:t>
+            </a:r>
+          </a:p>
+        </p:txBody>
+      </p:sp>
+      <p:sp>
+        <p:nvSpPr>
+          <p:cNvPr id="126" name="正方形/長方形 125">
+            <a:extLst>
+              <a:ext uri="{FF2B5EF4-FFF2-40B4-BE49-F238E27FC236}">
+                <a16:creationId xmlns:a16="http://schemas.microsoft.com/office/drawing/2014/main" id="{B285DC0A-B80E-4D88-B62C-5BE399FE4AB6}"/>
               </a:ext>
             </a:extLst>
           </p:cNvPr>
@@ -7049,9 +8024,9 @@
           <p:nvPr/>
         </p:nvSpPr>
         <p:spPr>
-          <a:xfrm rot="5400000">
-            <a:off x="5071673" y="4793019"/>
-            <a:ext cx="492973" cy="231816"/>
+          <a:xfrm>
+            <a:off x="935080" y="4933415"/>
+            <a:ext cx="243841" cy="1014549"/>
           </a:xfrm>
           <a:prstGeom prst="rect">
             <a:avLst/>
@@ -7092,10 +8067,10 @@
       </p:sp>
       <p:sp>
         <p:nvSpPr>
-          <p:cNvPr id="122" name="テキスト ボックス 121">
-            <a:extLst>
-              <a:ext uri="{FF2B5EF4-FFF2-40B4-BE49-F238E27FC236}">
-                <a16:creationId xmlns:a16="http://schemas.microsoft.com/office/drawing/2014/main" id="{D239C43B-9845-43A0-BDCB-60E57BC69044}"/>
+          <p:cNvPr id="127" name="テキスト ボックス 126">
+            <a:extLst>
+              <a:ext uri="{FF2B5EF4-FFF2-40B4-BE49-F238E27FC236}">
+                <a16:creationId xmlns:a16="http://schemas.microsoft.com/office/drawing/2014/main" id="{6BBBB1D4-0443-4DC8-9ADB-BEA337D7A0D3}"/>
               </a:ext>
             </a:extLst>
           </p:cNvPr>
@@ -7104,8 +8079,332 @@
         </p:nvSpPr>
         <p:spPr>
           <a:xfrm>
-            <a:off x="5109624" y="5103998"/>
-            <a:ext cx="542098" cy="369332"/>
+            <a:off x="1142586" y="4899198"/>
+            <a:ext cx="383207" cy="276999"/>
+          </a:xfrm>
+          <a:prstGeom prst="rect">
+            <a:avLst/>
+          </a:prstGeom>
+          <a:noFill/>
+        </p:spPr>
+        <p:txBody>
+          <a:bodyPr wrap="square" rtlCol="0">
+            <a:spAutoFit/>
+          </a:bodyPr>
+          <a:lstStyle/>
+          <a:p>
+            <a:r>
+              <a:rPr lang="en-US" sz="1200" dirty="0"/>
+              <a:t>5V</a:t>
+            </a:r>
+          </a:p>
+        </p:txBody>
+      </p:sp>
+      <p:sp>
+        <p:nvSpPr>
+          <p:cNvPr id="132" name="テキスト ボックス 131">
+            <a:extLst>
+              <a:ext uri="{FF2B5EF4-FFF2-40B4-BE49-F238E27FC236}">
+                <a16:creationId xmlns:a16="http://schemas.microsoft.com/office/drawing/2014/main" id="{C51E61A0-9BD5-428B-9973-56EA117DD197}"/>
+              </a:ext>
+            </a:extLst>
+          </p:cNvPr>
+          <p:cNvSpPr txBox="1"/>
+          <p:nvPr/>
+        </p:nvSpPr>
+        <p:spPr>
+          <a:xfrm>
+            <a:off x="1129519" y="5147397"/>
+            <a:ext cx="494765" cy="276999"/>
+          </a:xfrm>
+          <a:prstGeom prst="rect">
+            <a:avLst/>
+          </a:prstGeom>
+          <a:noFill/>
+        </p:spPr>
+        <p:txBody>
+          <a:bodyPr wrap="square" rtlCol="0">
+            <a:spAutoFit/>
+          </a:bodyPr>
+          <a:lstStyle/>
+          <a:p>
+            <a:r>
+              <a:rPr lang="en-US" sz="1200" dirty="0"/>
+              <a:t>GND</a:t>
+            </a:r>
+          </a:p>
+        </p:txBody>
+      </p:sp>
+      <p:sp>
+        <p:nvSpPr>
+          <p:cNvPr id="136" name="テキスト ボックス 135">
+            <a:extLst>
+              <a:ext uri="{FF2B5EF4-FFF2-40B4-BE49-F238E27FC236}">
+                <a16:creationId xmlns:a16="http://schemas.microsoft.com/office/drawing/2014/main" id="{1EBBCE96-57ED-458E-97C5-426B7AB97A03}"/>
+              </a:ext>
+            </a:extLst>
+          </p:cNvPr>
+          <p:cNvSpPr txBox="1"/>
+          <p:nvPr/>
+        </p:nvSpPr>
+        <p:spPr>
+          <a:xfrm>
+            <a:off x="1142586" y="5403677"/>
+            <a:ext cx="428200" cy="286335"/>
+          </a:xfrm>
+          <a:prstGeom prst="rect">
+            <a:avLst/>
+          </a:prstGeom>
+          <a:noFill/>
+        </p:spPr>
+        <p:txBody>
+          <a:bodyPr wrap="square" rtlCol="0">
+            <a:spAutoFit/>
+          </a:bodyPr>
+          <a:lstStyle/>
+          <a:p>
+            <a:r>
+              <a:rPr lang="en-US" sz="1200" dirty="0"/>
+              <a:t>RX</a:t>
+            </a:r>
+          </a:p>
+        </p:txBody>
+      </p:sp>
+      <p:sp>
+        <p:nvSpPr>
+          <p:cNvPr id="138" name="テキスト ボックス 137">
+            <a:extLst>
+              <a:ext uri="{FF2B5EF4-FFF2-40B4-BE49-F238E27FC236}">
+                <a16:creationId xmlns:a16="http://schemas.microsoft.com/office/drawing/2014/main" id="{FDAF7CAA-99D5-44BA-AD45-1F712D93F326}"/>
+              </a:ext>
+            </a:extLst>
+          </p:cNvPr>
+          <p:cNvSpPr txBox="1"/>
+          <p:nvPr/>
+        </p:nvSpPr>
+        <p:spPr>
+          <a:xfrm>
+            <a:off x="1138227" y="5643794"/>
+            <a:ext cx="494765" cy="276999"/>
+          </a:xfrm>
+          <a:prstGeom prst="rect">
+            <a:avLst/>
+          </a:prstGeom>
+          <a:noFill/>
+        </p:spPr>
+        <p:txBody>
+          <a:bodyPr wrap="square" rtlCol="0">
+            <a:spAutoFit/>
+          </a:bodyPr>
+          <a:lstStyle/>
+          <a:p>
+            <a:r>
+              <a:rPr lang="en-US" sz="1200" dirty="0"/>
+              <a:t>TX</a:t>
+            </a:r>
+          </a:p>
+        </p:txBody>
+      </p:sp>
+      <p:sp>
+        <p:nvSpPr>
+          <p:cNvPr id="140" name="楕円 139">
+            <a:extLst>
+              <a:ext uri="{FF2B5EF4-FFF2-40B4-BE49-F238E27FC236}">
+                <a16:creationId xmlns:a16="http://schemas.microsoft.com/office/drawing/2014/main" id="{5019EF0E-F28E-4B10-A35F-16035B7D5A6E}"/>
+              </a:ext>
+            </a:extLst>
+          </p:cNvPr>
+          <p:cNvSpPr/>
+          <p:nvPr/>
+        </p:nvSpPr>
+        <p:spPr>
+          <a:xfrm>
+            <a:off x="987307" y="4994371"/>
+            <a:ext cx="140430" cy="126899"/>
+          </a:xfrm>
+          <a:prstGeom prst="ellipse">
+            <a:avLst/>
+          </a:prstGeom>
+        </p:spPr>
+        <p:style>
+          <a:lnRef idx="2">
+            <a:schemeClr val="accent1">
+              <a:shade val="50000"/>
+            </a:schemeClr>
+          </a:lnRef>
+          <a:fillRef idx="1">
+            <a:schemeClr val="accent1"/>
+          </a:fillRef>
+          <a:effectRef idx="0">
+            <a:schemeClr val="accent1"/>
+          </a:effectRef>
+          <a:fontRef idx="minor">
+            <a:schemeClr val="lt1"/>
+          </a:fontRef>
+        </p:style>
+        <p:txBody>
+          <a:bodyPr rtlCol="0" anchor="ctr"/>
+          <a:lstStyle/>
+          <a:p>
+            <a:pPr algn="ctr"/>
+            <a:endParaRPr lang="en-US"/>
+          </a:p>
+        </p:txBody>
+      </p:sp>
+      <p:sp>
+        <p:nvSpPr>
+          <p:cNvPr id="141" name="楕円 140">
+            <a:extLst>
+              <a:ext uri="{FF2B5EF4-FFF2-40B4-BE49-F238E27FC236}">
+                <a16:creationId xmlns:a16="http://schemas.microsoft.com/office/drawing/2014/main" id="{C7B65D7B-2375-4537-91DE-840100E49647}"/>
+              </a:ext>
+            </a:extLst>
+          </p:cNvPr>
+          <p:cNvSpPr/>
+          <p:nvPr/>
+        </p:nvSpPr>
+        <p:spPr>
+          <a:xfrm>
+            <a:off x="991658" y="5225149"/>
+            <a:ext cx="140430" cy="126899"/>
+          </a:xfrm>
+          <a:prstGeom prst="ellipse">
+            <a:avLst/>
+          </a:prstGeom>
+        </p:spPr>
+        <p:style>
+          <a:lnRef idx="2">
+            <a:schemeClr val="accent1">
+              <a:shade val="50000"/>
+            </a:schemeClr>
+          </a:lnRef>
+          <a:fillRef idx="1">
+            <a:schemeClr val="accent1"/>
+          </a:fillRef>
+          <a:effectRef idx="0">
+            <a:schemeClr val="accent1"/>
+          </a:effectRef>
+          <a:fontRef idx="minor">
+            <a:schemeClr val="lt1"/>
+          </a:fontRef>
+        </p:style>
+        <p:txBody>
+          <a:bodyPr rtlCol="0" anchor="ctr"/>
+          <a:lstStyle/>
+          <a:p>
+            <a:pPr algn="ctr"/>
+            <a:endParaRPr lang="en-US"/>
+          </a:p>
+        </p:txBody>
+      </p:sp>
+      <p:sp>
+        <p:nvSpPr>
+          <p:cNvPr id="142" name="楕円 141">
+            <a:extLst>
+              <a:ext uri="{FF2B5EF4-FFF2-40B4-BE49-F238E27FC236}">
+                <a16:creationId xmlns:a16="http://schemas.microsoft.com/office/drawing/2014/main" id="{13DF6953-CC3B-4521-9769-934528572460}"/>
+              </a:ext>
+            </a:extLst>
+          </p:cNvPr>
+          <p:cNvSpPr/>
+          <p:nvPr/>
+        </p:nvSpPr>
+        <p:spPr>
+          <a:xfrm>
+            <a:off x="987304" y="5464634"/>
+            <a:ext cx="140430" cy="126899"/>
+          </a:xfrm>
+          <a:prstGeom prst="ellipse">
+            <a:avLst/>
+          </a:prstGeom>
+        </p:spPr>
+        <p:style>
+          <a:lnRef idx="2">
+            <a:schemeClr val="accent1">
+              <a:shade val="50000"/>
+            </a:schemeClr>
+          </a:lnRef>
+          <a:fillRef idx="1">
+            <a:schemeClr val="accent1"/>
+          </a:fillRef>
+          <a:effectRef idx="0">
+            <a:schemeClr val="accent1"/>
+          </a:effectRef>
+          <a:fontRef idx="minor">
+            <a:schemeClr val="lt1"/>
+          </a:fontRef>
+        </p:style>
+        <p:txBody>
+          <a:bodyPr rtlCol="0" anchor="ctr"/>
+          <a:lstStyle/>
+          <a:p>
+            <a:pPr algn="ctr"/>
+            <a:endParaRPr lang="en-US"/>
+          </a:p>
+        </p:txBody>
+      </p:sp>
+      <p:sp>
+        <p:nvSpPr>
+          <p:cNvPr id="143" name="楕円 142">
+            <a:extLst>
+              <a:ext uri="{FF2B5EF4-FFF2-40B4-BE49-F238E27FC236}">
+                <a16:creationId xmlns:a16="http://schemas.microsoft.com/office/drawing/2014/main" id="{BCB892A3-B3DD-4BCC-B520-B1D35569DB62}"/>
+              </a:ext>
+            </a:extLst>
+          </p:cNvPr>
+          <p:cNvSpPr/>
+          <p:nvPr/>
+        </p:nvSpPr>
+        <p:spPr>
+          <a:xfrm>
+            <a:off x="987300" y="5717186"/>
+            <a:ext cx="140430" cy="126899"/>
+          </a:xfrm>
+          <a:prstGeom prst="ellipse">
+            <a:avLst/>
+          </a:prstGeom>
+        </p:spPr>
+        <p:style>
+          <a:lnRef idx="2">
+            <a:schemeClr val="accent1">
+              <a:shade val="50000"/>
+            </a:schemeClr>
+          </a:lnRef>
+          <a:fillRef idx="1">
+            <a:schemeClr val="accent1"/>
+          </a:fillRef>
+          <a:effectRef idx="0">
+            <a:schemeClr val="accent1"/>
+          </a:effectRef>
+          <a:fontRef idx="minor">
+            <a:schemeClr val="lt1"/>
+          </a:fontRef>
+        </p:style>
+        <p:txBody>
+          <a:bodyPr rtlCol="0" anchor="ctr"/>
+          <a:lstStyle/>
+          <a:p>
+            <a:pPr algn="ctr"/>
+            <a:endParaRPr lang="en-US"/>
+          </a:p>
+        </p:txBody>
+      </p:sp>
+      <p:sp>
+        <p:nvSpPr>
+          <p:cNvPr id="145" name="テキスト ボックス 144">
+            <a:extLst>
+              <a:ext uri="{FF2B5EF4-FFF2-40B4-BE49-F238E27FC236}">
+                <a16:creationId xmlns:a16="http://schemas.microsoft.com/office/drawing/2014/main" id="{BFCE4AD4-F2F0-4139-9E9C-9CA8429CFCB5}"/>
+              </a:ext>
+            </a:extLst>
+          </p:cNvPr>
+          <p:cNvSpPr txBox="1"/>
+          <p:nvPr/>
+        </p:nvSpPr>
+        <p:spPr>
+          <a:xfrm>
+            <a:off x="484154" y="5918978"/>
+            <a:ext cx="1212930" cy="369332"/>
           </a:xfrm>
           <a:prstGeom prst="rect">
             <a:avLst/>
@@ -7124,62 +8423,133 @@
                   <a:srgbClr val="00B050"/>
                 </a:solidFill>
               </a:rPr>
-              <a:t>JP</a:t>
-            </a:r>
-          </a:p>
-        </p:txBody>
-      </p:sp>
-      <p:cxnSp>
-        <p:nvCxnSpPr>
-          <p:cNvPr id="124" name="直線コネクタ 123">
-            <a:extLst>
-              <a:ext uri="{FF2B5EF4-FFF2-40B4-BE49-F238E27FC236}">
-                <a16:creationId xmlns:a16="http://schemas.microsoft.com/office/drawing/2014/main" id="{8E399821-5C12-4EA6-BE8D-A53ACA8D940F}"/>
-              </a:ext>
-            </a:extLst>
-          </p:cNvPr>
-          <p:cNvCxnSpPr>
-            <a:cxnSpLocks/>
-          </p:cNvCxnSpPr>
-          <p:nvPr/>
-        </p:nvCxnSpPr>
-        <p:spPr>
-          <a:xfrm flipV="1">
-            <a:off x="5310041" y="5037905"/>
-            <a:ext cx="246028" cy="1"/>
-          </a:xfrm>
-          <a:prstGeom prst="line">
-            <a:avLst/>
-          </a:prstGeom>
-          <a:ln>
-            <a:solidFill>
-              <a:srgbClr val="0070C0"/>
-            </a:solidFill>
-            <a:headEnd type="oval" w="med" len="med"/>
-            <a:tailEnd type="oval" w="med" len="med"/>
-          </a:ln>
+              <a:t>Pin socket</a:t>
+            </a:r>
+          </a:p>
+        </p:txBody>
+      </p:sp>
+      <p:sp>
+        <p:nvSpPr>
+          <p:cNvPr id="147" name="テキスト ボックス 146">
+            <a:extLst>
+              <a:ext uri="{FF2B5EF4-FFF2-40B4-BE49-F238E27FC236}">
+                <a16:creationId xmlns:a16="http://schemas.microsoft.com/office/drawing/2014/main" id="{54211A34-CDF5-4623-A56E-C75B25816C4C}"/>
+              </a:ext>
+            </a:extLst>
+          </p:cNvPr>
+          <p:cNvSpPr txBox="1"/>
+          <p:nvPr/>
+        </p:nvSpPr>
+        <p:spPr>
+          <a:xfrm>
+            <a:off x="6872852" y="5151756"/>
+            <a:ext cx="494765" cy="276999"/>
+          </a:xfrm>
+          <a:prstGeom prst="rect">
+            <a:avLst/>
+          </a:prstGeom>
+          <a:noFill/>
+        </p:spPr>
+        <p:txBody>
+          <a:bodyPr wrap="square" rtlCol="0">
+            <a:spAutoFit/>
+          </a:bodyPr>
+          <a:lstStyle/>
+          <a:p>
+            <a:r>
+              <a:rPr lang="en-US" sz="1200" dirty="0"/>
+              <a:t>GND</a:t>
+            </a:r>
+          </a:p>
+        </p:txBody>
+      </p:sp>
+      <p:sp>
+        <p:nvSpPr>
+          <p:cNvPr id="148" name="テキスト ボックス 147">
+            <a:extLst>
+              <a:ext uri="{FF2B5EF4-FFF2-40B4-BE49-F238E27FC236}">
+                <a16:creationId xmlns:a16="http://schemas.microsoft.com/office/drawing/2014/main" id="{87EA5668-D89B-449C-89FC-E906BE6944CB}"/>
+              </a:ext>
+            </a:extLst>
+          </p:cNvPr>
+          <p:cNvSpPr txBox="1"/>
+          <p:nvPr/>
+        </p:nvSpPr>
+        <p:spPr>
+          <a:xfrm>
+            <a:off x="6877210" y="4903559"/>
+            <a:ext cx="383207" cy="276999"/>
+          </a:xfrm>
+          <a:prstGeom prst="rect">
+            <a:avLst/>
+          </a:prstGeom>
+          <a:noFill/>
+        </p:spPr>
+        <p:txBody>
+          <a:bodyPr wrap="square" rtlCol="0">
+            <a:spAutoFit/>
+          </a:bodyPr>
+          <a:lstStyle/>
+          <a:p>
+            <a:r>
+              <a:rPr lang="en-US" sz="1200" dirty="0"/>
+              <a:t>5V</a:t>
+            </a:r>
+          </a:p>
+        </p:txBody>
+      </p:sp>
+      <p:sp>
+        <p:nvSpPr>
+          <p:cNvPr id="149" name="矢印: 左右 148">
+            <a:extLst>
+              <a:ext uri="{FF2B5EF4-FFF2-40B4-BE49-F238E27FC236}">
+                <a16:creationId xmlns:a16="http://schemas.microsoft.com/office/drawing/2014/main" id="{167DD4A9-E59D-4E09-A184-7B16F46966AB}"/>
+              </a:ext>
+            </a:extLst>
+          </p:cNvPr>
+          <p:cNvSpPr/>
+          <p:nvPr/>
+        </p:nvSpPr>
+        <p:spPr>
+          <a:xfrm>
+            <a:off x="1542767" y="5361869"/>
+            <a:ext cx="520491" cy="325483"/>
+          </a:xfrm>
+          <a:prstGeom prst="leftRightArrow">
+            <a:avLst/>
+          </a:prstGeom>
         </p:spPr>
         <p:style>
-          <a:lnRef idx="1">
-            <a:schemeClr val="accent1"/>
+          <a:lnRef idx="2">
+            <a:schemeClr val="accent1">
+              <a:shade val="50000"/>
+            </a:schemeClr>
           </a:lnRef>
-          <a:fillRef idx="0">
+          <a:fillRef idx="1">
             <a:schemeClr val="accent1"/>
           </a:fillRef>
           <a:effectRef idx="0">
             <a:schemeClr val="accent1"/>
           </a:effectRef>
           <a:fontRef idx="minor">
-            <a:schemeClr val="tx1"/>
+            <a:schemeClr val="lt1"/>
           </a:fontRef>
         </p:style>
-      </p:cxnSp>
-      <p:sp>
-        <p:nvSpPr>
-          <p:cNvPr id="128" name="正方形/長方形 127">
-            <a:extLst>
-              <a:ext uri="{FF2B5EF4-FFF2-40B4-BE49-F238E27FC236}">
-                <a16:creationId xmlns:a16="http://schemas.microsoft.com/office/drawing/2014/main" id="{6D695B9C-E5D6-4CFA-A69B-0007059DD58C}"/>
+        <p:txBody>
+          <a:bodyPr rtlCol="0" anchor="ctr"/>
+          <a:lstStyle/>
+          <a:p>
+            <a:pPr algn="ctr"/>
+            <a:endParaRPr lang="en-US"/>
+          </a:p>
+        </p:txBody>
+      </p:sp>
+      <p:sp>
+        <p:nvSpPr>
+          <p:cNvPr id="150" name="矢印: 左右 149">
+            <a:extLst>
+              <a:ext uri="{FF2B5EF4-FFF2-40B4-BE49-F238E27FC236}">
+                <a16:creationId xmlns:a16="http://schemas.microsoft.com/office/drawing/2014/main" id="{DAC22EEE-D0F9-4DD3-8892-7604F05D7026}"/>
               </a:ext>
             </a:extLst>
           </p:cNvPr>
@@ -7188,8 +8558,139 @@
         </p:nvSpPr>
         <p:spPr>
           <a:xfrm>
-            <a:off x="5885521" y="4705930"/>
-            <a:ext cx="332267" cy="170094"/>
+            <a:off x="7120625" y="5357515"/>
+            <a:ext cx="520491" cy="325483"/>
+          </a:xfrm>
+          <a:prstGeom prst="leftRightArrow">
+            <a:avLst/>
+          </a:prstGeom>
+        </p:spPr>
+        <p:style>
+          <a:lnRef idx="2">
+            <a:schemeClr val="accent1">
+              <a:shade val="50000"/>
+            </a:schemeClr>
+          </a:lnRef>
+          <a:fillRef idx="1">
+            <a:schemeClr val="accent1"/>
+          </a:fillRef>
+          <a:effectRef idx="0">
+            <a:schemeClr val="accent1"/>
+          </a:effectRef>
+          <a:fontRef idx="minor">
+            <a:schemeClr val="lt1"/>
+          </a:fontRef>
+        </p:style>
+        <p:txBody>
+          <a:bodyPr rtlCol="0" anchor="ctr"/>
+          <a:lstStyle/>
+          <a:p>
+            <a:pPr algn="ctr"/>
+            <a:endParaRPr lang="en-US"/>
+          </a:p>
+        </p:txBody>
+      </p:sp>
+      <p:sp>
+        <p:nvSpPr>
+          <p:cNvPr id="151" name="テキスト ボックス 150">
+            <a:extLst>
+              <a:ext uri="{FF2B5EF4-FFF2-40B4-BE49-F238E27FC236}">
+                <a16:creationId xmlns:a16="http://schemas.microsoft.com/office/drawing/2014/main" id="{5A8CABE3-392B-4E8B-A524-5FD39C3BD870}"/>
+              </a:ext>
+            </a:extLst>
+          </p:cNvPr>
+          <p:cNvSpPr txBox="1"/>
+          <p:nvPr/>
+        </p:nvSpPr>
+        <p:spPr>
+          <a:xfrm>
+            <a:off x="7036891" y="5629355"/>
+            <a:ext cx="1156768" cy="369332"/>
+          </a:xfrm>
+          <a:prstGeom prst="rect">
+            <a:avLst/>
+          </a:prstGeom>
+          <a:noFill/>
+        </p:spPr>
+        <p:txBody>
+          <a:bodyPr wrap="square" rtlCol="0">
+            <a:spAutoFit/>
+          </a:bodyPr>
+          <a:lstStyle/>
+          <a:p>
+            <a:r>
+              <a:rPr lang="en-US" b="1" dirty="0">
+                <a:solidFill>
+                  <a:srgbClr val="00B050"/>
+                </a:solidFill>
+              </a:rPr>
+              <a:t>UART</a:t>
+            </a:r>
+          </a:p>
+        </p:txBody>
+      </p:sp>
+      <p:sp>
+        <p:nvSpPr>
+          <p:cNvPr id="154" name="矢印: 左右 153">
+            <a:extLst>
+              <a:ext uri="{FF2B5EF4-FFF2-40B4-BE49-F238E27FC236}">
+                <a16:creationId xmlns:a16="http://schemas.microsoft.com/office/drawing/2014/main" id="{D5CC96EA-2F1A-4051-85C3-8FCA35BFA322}"/>
+              </a:ext>
+            </a:extLst>
+          </p:cNvPr>
+          <p:cNvSpPr/>
+          <p:nvPr/>
+        </p:nvSpPr>
+        <p:spPr>
+          <a:xfrm rot="5400000">
+            <a:off x="5485054" y="1734435"/>
+            <a:ext cx="520491" cy="325483"/>
+          </a:xfrm>
+          <a:prstGeom prst="leftRightArrow">
+            <a:avLst/>
+          </a:prstGeom>
+        </p:spPr>
+        <p:style>
+          <a:lnRef idx="2">
+            <a:schemeClr val="accent1">
+              <a:shade val="50000"/>
+            </a:schemeClr>
+          </a:lnRef>
+          <a:fillRef idx="1">
+            <a:schemeClr val="accent1"/>
+          </a:fillRef>
+          <a:effectRef idx="0">
+            <a:schemeClr val="accent1"/>
+          </a:effectRef>
+          <a:fontRef idx="minor">
+            <a:schemeClr val="lt1"/>
+          </a:fontRef>
+        </p:style>
+        <p:txBody>
+          <a:bodyPr rtlCol="0" anchor="ctr"/>
+          <a:lstStyle/>
+          <a:p>
+            <a:pPr algn="ctr"/>
+            <a:endParaRPr lang="en-US"/>
+          </a:p>
+        </p:txBody>
+      </p:sp>
+      <p:sp>
+        <p:nvSpPr>
+          <p:cNvPr id="155" name="正方形/長方形 154">
+            <a:extLst>
+              <a:ext uri="{FF2B5EF4-FFF2-40B4-BE49-F238E27FC236}">
+                <a16:creationId xmlns:a16="http://schemas.microsoft.com/office/drawing/2014/main" id="{7F052C08-6253-4A9C-9A2C-61569882CD39}"/>
+              </a:ext>
+            </a:extLst>
+          </p:cNvPr>
+          <p:cNvSpPr/>
+          <p:nvPr/>
+        </p:nvSpPr>
+        <p:spPr>
+          <a:xfrm rot="5400000">
+            <a:off x="5631163" y="705386"/>
+            <a:ext cx="243847" cy="1458689"/>
           </a:xfrm>
           <a:prstGeom prst="rect">
             <a:avLst/>
@@ -7224,61 +8725,292 @@
           <a:lstStyle/>
           <a:p>
             <a:pPr algn="ctr"/>
-            <a:endParaRPr lang="en-US" dirty="0"/>
-          </a:p>
-        </p:txBody>
-      </p:sp>
-      <p:cxnSp>
-        <p:nvCxnSpPr>
-          <p:cNvPr id="129" name="直線コネクタ 128">
-            <a:extLst>
-              <a:ext uri="{FF2B5EF4-FFF2-40B4-BE49-F238E27FC236}">
-                <a16:creationId xmlns:a16="http://schemas.microsoft.com/office/drawing/2014/main" id="{8B2C6F4E-81E7-43C1-89A2-ADEB7FDDF00D}"/>
-              </a:ext>
-            </a:extLst>
-          </p:cNvPr>
-          <p:cNvCxnSpPr>
-            <a:cxnSpLocks/>
-          </p:cNvCxnSpPr>
-          <p:nvPr/>
-        </p:nvCxnSpPr>
-        <p:spPr>
-          <a:xfrm rot="16200000" flipV="1">
-            <a:off x="5688864" y="4894772"/>
-            <a:ext cx="0" cy="265060"/>
-          </a:xfrm>
-          <a:prstGeom prst="line">
-            <a:avLst/>
-          </a:prstGeom>
-          <a:ln>
-            <a:solidFill>
-              <a:srgbClr val="0070C0"/>
-            </a:solidFill>
-            <a:headEnd type="none" w="med" len="med"/>
-            <a:tailEnd type="none" w="med" len="med"/>
-          </a:ln>
+            <a:endParaRPr lang="en-US"/>
+          </a:p>
+        </p:txBody>
+      </p:sp>
+      <p:sp>
+        <p:nvSpPr>
+          <p:cNvPr id="160" name="楕円 159">
+            <a:extLst>
+              <a:ext uri="{FF2B5EF4-FFF2-40B4-BE49-F238E27FC236}">
+                <a16:creationId xmlns:a16="http://schemas.microsoft.com/office/drawing/2014/main" id="{B5986BA8-9D3B-4A36-BB81-E107BA43BE4E}"/>
+              </a:ext>
+            </a:extLst>
+          </p:cNvPr>
+          <p:cNvSpPr/>
+          <p:nvPr/>
+        </p:nvSpPr>
+        <p:spPr>
+          <a:xfrm>
+            <a:off x="5106487" y="1380305"/>
+            <a:ext cx="140430" cy="126899"/>
+          </a:xfrm>
+          <a:prstGeom prst="ellipse">
+            <a:avLst/>
+          </a:prstGeom>
         </p:spPr>
         <p:style>
-          <a:lnRef idx="1">
-            <a:schemeClr val="accent1"/>
+          <a:lnRef idx="2">
+            <a:schemeClr val="accent1">
+              <a:shade val="50000"/>
+            </a:schemeClr>
           </a:lnRef>
-          <a:fillRef idx="0">
+          <a:fillRef idx="1">
             <a:schemeClr val="accent1"/>
           </a:fillRef>
           <a:effectRef idx="0">
             <a:schemeClr val="accent1"/>
           </a:effectRef>
           <a:fontRef idx="minor">
-            <a:schemeClr val="tx1"/>
+            <a:schemeClr val="lt1"/>
           </a:fontRef>
         </p:style>
-      </p:cxnSp>
-      <p:sp>
-        <p:nvSpPr>
-          <p:cNvPr id="130" name="テキスト ボックス 129">
-            <a:extLst>
-              <a:ext uri="{FF2B5EF4-FFF2-40B4-BE49-F238E27FC236}">
-                <a16:creationId xmlns:a16="http://schemas.microsoft.com/office/drawing/2014/main" id="{051C801F-1405-43EE-A282-6465046E6285}"/>
+        <p:txBody>
+          <a:bodyPr rtlCol="0" anchor="ctr"/>
+          <a:lstStyle/>
+          <a:p>
+            <a:pPr algn="ctr"/>
+            <a:endParaRPr lang="en-US"/>
+          </a:p>
+        </p:txBody>
+      </p:sp>
+      <p:sp>
+        <p:nvSpPr>
+          <p:cNvPr id="161" name="楕円 160">
+            <a:extLst>
+              <a:ext uri="{FF2B5EF4-FFF2-40B4-BE49-F238E27FC236}">
+                <a16:creationId xmlns:a16="http://schemas.microsoft.com/office/drawing/2014/main" id="{E9454A34-D0F5-41C1-981A-6EA415FFF129}"/>
+              </a:ext>
+            </a:extLst>
+          </p:cNvPr>
+          <p:cNvSpPr/>
+          <p:nvPr/>
+        </p:nvSpPr>
+        <p:spPr>
+          <a:xfrm>
+            <a:off x="5337267" y="1375949"/>
+            <a:ext cx="140430" cy="126899"/>
+          </a:xfrm>
+          <a:prstGeom prst="ellipse">
+            <a:avLst/>
+          </a:prstGeom>
+        </p:spPr>
+        <p:style>
+          <a:lnRef idx="2">
+            <a:schemeClr val="accent1">
+              <a:shade val="50000"/>
+            </a:schemeClr>
+          </a:lnRef>
+          <a:fillRef idx="1">
+            <a:schemeClr val="accent1"/>
+          </a:fillRef>
+          <a:effectRef idx="0">
+            <a:schemeClr val="accent1"/>
+          </a:effectRef>
+          <a:fontRef idx="minor">
+            <a:schemeClr val="lt1"/>
+          </a:fontRef>
+        </p:style>
+        <p:txBody>
+          <a:bodyPr rtlCol="0" anchor="ctr"/>
+          <a:lstStyle/>
+          <a:p>
+            <a:pPr algn="ctr"/>
+            <a:endParaRPr lang="en-US"/>
+          </a:p>
+        </p:txBody>
+      </p:sp>
+      <p:sp>
+        <p:nvSpPr>
+          <p:cNvPr id="163" name="楕円 162">
+            <a:extLst>
+              <a:ext uri="{FF2B5EF4-FFF2-40B4-BE49-F238E27FC236}">
+                <a16:creationId xmlns:a16="http://schemas.microsoft.com/office/drawing/2014/main" id="{759BEAE4-E3A3-4DDC-966B-E1BBEE3C208B}"/>
+              </a:ext>
+            </a:extLst>
+          </p:cNvPr>
+          <p:cNvSpPr/>
+          <p:nvPr/>
+        </p:nvSpPr>
+        <p:spPr>
+          <a:xfrm>
+            <a:off x="5568049" y="1380301"/>
+            <a:ext cx="140430" cy="126899"/>
+          </a:xfrm>
+          <a:prstGeom prst="ellipse">
+            <a:avLst/>
+          </a:prstGeom>
+        </p:spPr>
+        <p:style>
+          <a:lnRef idx="2">
+            <a:schemeClr val="accent1">
+              <a:shade val="50000"/>
+            </a:schemeClr>
+          </a:lnRef>
+          <a:fillRef idx="1">
+            <a:schemeClr val="accent1"/>
+          </a:fillRef>
+          <a:effectRef idx="0">
+            <a:schemeClr val="accent1"/>
+          </a:effectRef>
+          <a:fontRef idx="minor">
+            <a:schemeClr val="lt1"/>
+          </a:fontRef>
+        </p:style>
+        <p:txBody>
+          <a:bodyPr rtlCol="0" anchor="ctr"/>
+          <a:lstStyle/>
+          <a:p>
+            <a:pPr algn="ctr"/>
+            <a:endParaRPr lang="en-US"/>
+          </a:p>
+        </p:txBody>
+      </p:sp>
+      <p:sp>
+        <p:nvSpPr>
+          <p:cNvPr id="164" name="楕円 163">
+            <a:extLst>
+              <a:ext uri="{FF2B5EF4-FFF2-40B4-BE49-F238E27FC236}">
+                <a16:creationId xmlns:a16="http://schemas.microsoft.com/office/drawing/2014/main" id="{69590DF2-D596-4C5D-8E70-0D5D455CA95B}"/>
+              </a:ext>
+            </a:extLst>
+          </p:cNvPr>
+          <p:cNvSpPr/>
+          <p:nvPr/>
+        </p:nvSpPr>
+        <p:spPr>
+          <a:xfrm>
+            <a:off x="5798827" y="1375945"/>
+            <a:ext cx="140430" cy="126899"/>
+          </a:xfrm>
+          <a:prstGeom prst="ellipse">
+            <a:avLst/>
+          </a:prstGeom>
+        </p:spPr>
+        <p:style>
+          <a:lnRef idx="2">
+            <a:schemeClr val="accent1">
+              <a:shade val="50000"/>
+            </a:schemeClr>
+          </a:lnRef>
+          <a:fillRef idx="1">
+            <a:schemeClr val="accent1"/>
+          </a:fillRef>
+          <a:effectRef idx="0">
+            <a:schemeClr val="accent1"/>
+          </a:effectRef>
+          <a:fontRef idx="minor">
+            <a:schemeClr val="lt1"/>
+          </a:fontRef>
+        </p:style>
+        <p:txBody>
+          <a:bodyPr rtlCol="0" anchor="ctr"/>
+          <a:lstStyle/>
+          <a:p>
+            <a:pPr algn="ctr"/>
+            <a:endParaRPr lang="en-US"/>
+          </a:p>
+        </p:txBody>
+      </p:sp>
+      <p:sp>
+        <p:nvSpPr>
+          <p:cNvPr id="165" name="楕円 164">
+            <a:extLst>
+              <a:ext uri="{FF2B5EF4-FFF2-40B4-BE49-F238E27FC236}">
+                <a16:creationId xmlns:a16="http://schemas.microsoft.com/office/drawing/2014/main" id="{DF097E7C-21E3-4F87-8871-402CFB81C4B5}"/>
+              </a:ext>
+            </a:extLst>
+          </p:cNvPr>
+          <p:cNvSpPr/>
+          <p:nvPr/>
+        </p:nvSpPr>
+        <p:spPr>
+          <a:xfrm>
+            <a:off x="6029610" y="1380295"/>
+            <a:ext cx="140430" cy="126899"/>
+          </a:xfrm>
+          <a:prstGeom prst="ellipse">
+            <a:avLst/>
+          </a:prstGeom>
+        </p:spPr>
+        <p:style>
+          <a:lnRef idx="2">
+            <a:schemeClr val="accent1">
+              <a:shade val="50000"/>
+            </a:schemeClr>
+          </a:lnRef>
+          <a:fillRef idx="1">
+            <a:schemeClr val="accent1"/>
+          </a:fillRef>
+          <a:effectRef idx="0">
+            <a:schemeClr val="accent1"/>
+          </a:effectRef>
+          <a:fontRef idx="minor">
+            <a:schemeClr val="lt1"/>
+          </a:fontRef>
+        </p:style>
+        <p:txBody>
+          <a:bodyPr rtlCol="0" anchor="ctr"/>
+          <a:lstStyle/>
+          <a:p>
+            <a:pPr algn="ctr"/>
+            <a:endParaRPr lang="en-US"/>
+          </a:p>
+        </p:txBody>
+      </p:sp>
+      <p:sp>
+        <p:nvSpPr>
+          <p:cNvPr id="166" name="楕円 165">
+            <a:extLst>
+              <a:ext uri="{FF2B5EF4-FFF2-40B4-BE49-F238E27FC236}">
+                <a16:creationId xmlns:a16="http://schemas.microsoft.com/office/drawing/2014/main" id="{B20EB82F-F565-4B42-A97B-F026DA7F532A}"/>
+              </a:ext>
+            </a:extLst>
+          </p:cNvPr>
+          <p:cNvSpPr/>
+          <p:nvPr/>
+        </p:nvSpPr>
+        <p:spPr>
+          <a:xfrm>
+            <a:off x="6269097" y="1375941"/>
+            <a:ext cx="140430" cy="126899"/>
+          </a:xfrm>
+          <a:prstGeom prst="ellipse">
+            <a:avLst/>
+          </a:prstGeom>
+        </p:spPr>
+        <p:style>
+          <a:lnRef idx="2">
+            <a:schemeClr val="accent1">
+              <a:shade val="50000"/>
+            </a:schemeClr>
+          </a:lnRef>
+          <a:fillRef idx="1">
+            <a:schemeClr val="accent1"/>
+          </a:fillRef>
+          <a:effectRef idx="0">
+            <a:schemeClr val="accent1"/>
+          </a:effectRef>
+          <a:fontRef idx="minor">
+            <a:schemeClr val="lt1"/>
+          </a:fontRef>
+        </p:style>
+        <p:txBody>
+          <a:bodyPr rtlCol="0" anchor="ctr"/>
+          <a:lstStyle/>
+          <a:p>
+            <a:pPr algn="ctr"/>
+            <a:endParaRPr lang="en-US"/>
+          </a:p>
+        </p:txBody>
+      </p:sp>
+      <p:sp>
+        <p:nvSpPr>
+          <p:cNvPr id="167" name="テキスト ボックス 166">
+            <a:extLst>
+              <a:ext uri="{FF2B5EF4-FFF2-40B4-BE49-F238E27FC236}">
+                <a16:creationId xmlns:a16="http://schemas.microsoft.com/office/drawing/2014/main" id="{67E5BE9A-CF43-42B9-893C-851D00407F54}"/>
               </a:ext>
             </a:extLst>
           </p:cNvPr>
@@ -7287,8 +9019,78 @@
         </p:nvSpPr>
         <p:spPr>
           <a:xfrm>
-            <a:off x="5506394" y="4418545"/>
-            <a:ext cx="789904" cy="369332"/>
+            <a:off x="5470776" y="1093549"/>
+            <a:ext cx="383207" cy="276999"/>
+          </a:xfrm>
+          <a:prstGeom prst="rect">
+            <a:avLst/>
+          </a:prstGeom>
+          <a:noFill/>
+        </p:spPr>
+        <p:txBody>
+          <a:bodyPr wrap="square" rtlCol="0">
+            <a:spAutoFit/>
+          </a:bodyPr>
+          <a:lstStyle/>
+          <a:p>
+            <a:r>
+              <a:rPr lang="en-US" sz="1200" dirty="0"/>
+              <a:t>5V</a:t>
+            </a:r>
+          </a:p>
+        </p:txBody>
+      </p:sp>
+      <p:sp>
+        <p:nvSpPr>
+          <p:cNvPr id="168" name="テキスト ボックス 167">
+            <a:extLst>
+              <a:ext uri="{FF2B5EF4-FFF2-40B4-BE49-F238E27FC236}">
+                <a16:creationId xmlns:a16="http://schemas.microsoft.com/office/drawing/2014/main" id="{1BC31478-D328-436C-8EF6-0676EC5DF3AA}"/>
+              </a:ext>
+            </a:extLst>
+          </p:cNvPr>
+          <p:cNvSpPr txBox="1"/>
+          <p:nvPr/>
+        </p:nvSpPr>
+        <p:spPr>
+          <a:xfrm>
+            <a:off x="4943901" y="1089197"/>
+            <a:ext cx="494765" cy="276999"/>
+          </a:xfrm>
+          <a:prstGeom prst="rect">
+            <a:avLst/>
+          </a:prstGeom>
+          <a:noFill/>
+        </p:spPr>
+        <p:txBody>
+          <a:bodyPr wrap="square" rtlCol="0">
+            <a:spAutoFit/>
+          </a:bodyPr>
+          <a:lstStyle/>
+          <a:p>
+            <a:r>
+              <a:rPr lang="en-US" sz="1200" dirty="0"/>
+              <a:t>GND</a:t>
+            </a:r>
+          </a:p>
+        </p:txBody>
+      </p:sp>
+      <p:sp>
+        <p:nvSpPr>
+          <p:cNvPr id="169" name="テキスト ボックス 168">
+            <a:extLst>
+              <a:ext uri="{FF2B5EF4-FFF2-40B4-BE49-F238E27FC236}">
+                <a16:creationId xmlns:a16="http://schemas.microsoft.com/office/drawing/2014/main" id="{D257DA38-B3DD-4597-A6BD-11BB819933D3}"/>
+              </a:ext>
+            </a:extLst>
+          </p:cNvPr>
+          <p:cNvSpPr txBox="1"/>
+          <p:nvPr/>
+        </p:nvSpPr>
+        <p:spPr>
+          <a:xfrm>
+            <a:off x="4421644" y="1507356"/>
+            <a:ext cx="1212930" cy="369332"/>
           </a:xfrm>
           <a:prstGeom prst="rect">
             <a:avLst/>
@@ -7307,17 +9109,56 @@
                   <a:srgbClr val="00B050"/>
                 </a:solidFill>
               </a:rPr>
-              <a:t>Diode</a:t>
-            </a:r>
-          </a:p>
-        </p:txBody>
-      </p:sp>
-      <p:sp>
-        <p:nvSpPr>
-          <p:cNvPr id="131" name="正方形/長方形 130">
-            <a:extLst>
-              <a:ext uri="{FF2B5EF4-FFF2-40B4-BE49-F238E27FC236}">
-                <a16:creationId xmlns:a16="http://schemas.microsoft.com/office/drawing/2014/main" id="{C3CC4956-02B0-4131-9F64-5B42F3594A3D}"/>
+              <a:t>Pin header</a:t>
+            </a:r>
+          </a:p>
+        </p:txBody>
+      </p:sp>
+      <p:sp>
+        <p:nvSpPr>
+          <p:cNvPr id="170" name="テキスト ボックス 169">
+            <a:extLst>
+              <a:ext uri="{FF2B5EF4-FFF2-40B4-BE49-F238E27FC236}">
+                <a16:creationId xmlns:a16="http://schemas.microsoft.com/office/drawing/2014/main" id="{65D03ACA-9C9F-44AD-A860-8669CAAB13B9}"/>
+              </a:ext>
+            </a:extLst>
+          </p:cNvPr>
+          <p:cNvSpPr txBox="1"/>
+          <p:nvPr/>
+        </p:nvSpPr>
+        <p:spPr>
+          <a:xfrm>
+            <a:off x="5912615" y="1738710"/>
+            <a:ext cx="1156768" cy="369332"/>
+          </a:xfrm>
+          <a:prstGeom prst="rect">
+            <a:avLst/>
+          </a:prstGeom>
+          <a:noFill/>
+        </p:spPr>
+        <p:txBody>
+          <a:bodyPr wrap="square" rtlCol="0">
+            <a:spAutoFit/>
+          </a:bodyPr>
+          <a:lstStyle/>
+          <a:p>
+            <a:r>
+              <a:rPr lang="en-US" b="1" dirty="0">
+                <a:solidFill>
+                  <a:srgbClr val="00B050"/>
+                </a:solidFill>
+              </a:rPr>
+              <a:t>UART</a:t>
+            </a:r>
+          </a:p>
+        </p:txBody>
+      </p:sp>
+      <p:sp>
+        <p:nvSpPr>
+          <p:cNvPr id="171" name="正方形/長方形 170">
+            <a:extLst>
+              <a:ext uri="{FF2B5EF4-FFF2-40B4-BE49-F238E27FC236}">
+                <a16:creationId xmlns:a16="http://schemas.microsoft.com/office/drawing/2014/main" id="{FC90EC75-8F34-40C2-8AC6-FA84A112B875}"/>
               </a:ext>
             </a:extLst>
           </p:cNvPr>
@@ -7326,8 +9167,8 @@
         </p:nvSpPr>
         <p:spPr>
           <a:xfrm>
-            <a:off x="4653259" y="4936711"/>
-            <a:ext cx="332267" cy="170094"/>
+            <a:off x="7827928" y="4937765"/>
+            <a:ext cx="243841" cy="1014549"/>
           </a:xfrm>
           <a:prstGeom prst="rect">
             <a:avLst/>
@@ -7366,57 +9207,12 @@
           </a:p>
         </p:txBody>
       </p:sp>
-      <p:cxnSp>
-        <p:nvCxnSpPr>
-          <p:cNvPr id="133" name="直線コネクタ 132">
-            <a:extLst>
-              <a:ext uri="{FF2B5EF4-FFF2-40B4-BE49-F238E27FC236}">
-                <a16:creationId xmlns:a16="http://schemas.microsoft.com/office/drawing/2014/main" id="{2BC79C59-D14A-4217-A1F0-7261E1268332}"/>
-              </a:ext>
-            </a:extLst>
-          </p:cNvPr>
-          <p:cNvCxnSpPr>
-            <a:cxnSpLocks/>
-          </p:cNvCxnSpPr>
-          <p:nvPr/>
-        </p:nvCxnSpPr>
-        <p:spPr>
-          <a:xfrm>
-            <a:off x="4324890" y="4784835"/>
-            <a:ext cx="994954" cy="9230"/>
-          </a:xfrm>
-          <a:prstGeom prst="line">
-            <a:avLst/>
-          </a:prstGeom>
-          <a:ln>
-            <a:solidFill>
-              <a:srgbClr val="0070C0"/>
-            </a:solidFill>
-            <a:headEnd type="oval" w="med" len="med"/>
-            <a:tailEnd type="oval" w="med" len="med"/>
-          </a:ln>
-        </p:spPr>
-        <p:style>
-          <a:lnRef idx="1">
-            <a:schemeClr val="accent1"/>
-          </a:lnRef>
-          <a:fillRef idx="0">
-            <a:schemeClr val="accent1"/>
-          </a:fillRef>
-          <a:effectRef idx="0">
-            <a:schemeClr val="accent1"/>
-          </a:effectRef>
-          <a:fontRef idx="minor">
-            <a:schemeClr val="tx1"/>
-          </a:fontRef>
-        </p:style>
-      </p:cxnSp>
-      <p:sp>
-        <p:nvSpPr>
-          <p:cNvPr id="135" name="テキスト ボックス 134">
-            <a:extLst>
-              <a:ext uri="{FF2B5EF4-FFF2-40B4-BE49-F238E27FC236}">
-                <a16:creationId xmlns:a16="http://schemas.microsoft.com/office/drawing/2014/main" id="{E11D4B33-3A4D-465A-BEE9-F501D3414DC5}"/>
+      <p:sp>
+        <p:nvSpPr>
+          <p:cNvPr id="172" name="テキスト ボックス 171">
+            <a:extLst>
+              <a:ext uri="{FF2B5EF4-FFF2-40B4-BE49-F238E27FC236}">
+                <a16:creationId xmlns:a16="http://schemas.microsoft.com/office/drawing/2014/main" id="{5FD418B0-10E9-4FAD-A339-92B449EC1B6A}"/>
               </a:ext>
             </a:extLst>
           </p:cNvPr>
@@ -7425,8 +9221,8 @@
         </p:nvSpPr>
         <p:spPr>
           <a:xfrm>
-            <a:off x="4465718" y="5084743"/>
-            <a:ext cx="789904" cy="369332"/>
+            <a:off x="3372002" y="3244593"/>
+            <a:ext cx="494765" cy="276999"/>
           </a:xfrm>
           <a:prstGeom prst="rect">
             <a:avLst/>
@@ -7440,210 +9236,47 @@
           <a:lstStyle/>
           <a:p>
             <a:r>
-              <a:rPr lang="en-US" b="1" dirty="0">
-                <a:solidFill>
-                  <a:srgbClr val="00B050"/>
-                </a:solidFill>
-              </a:rPr>
-              <a:t>Diode</a:t>
-            </a:r>
-          </a:p>
-        </p:txBody>
-      </p:sp>
-      <p:sp>
-        <p:nvSpPr>
-          <p:cNvPr id="59" name="二等辺三角形 58">
-            <a:extLst>
-              <a:ext uri="{FF2B5EF4-FFF2-40B4-BE49-F238E27FC236}">
-                <a16:creationId xmlns:a16="http://schemas.microsoft.com/office/drawing/2014/main" id="{4665129A-B1DC-4B59-99DD-1B0C378200E0}"/>
-              </a:ext>
-            </a:extLst>
-          </p:cNvPr>
-          <p:cNvSpPr/>
-          <p:nvPr/>
-        </p:nvSpPr>
-        <p:spPr>
-          <a:xfrm rot="16200000" flipH="1">
-            <a:off x="5948021" y="4725430"/>
-            <a:ext cx="165876" cy="121931"/>
-          </a:xfrm>
-          <a:prstGeom prst="triangle">
+              <a:rPr lang="en-US" sz="1200" dirty="0"/>
+              <a:t>GND</a:t>
+            </a:r>
+          </a:p>
+        </p:txBody>
+      </p:sp>
+      <p:sp>
+        <p:nvSpPr>
+          <p:cNvPr id="173" name="テキスト ボックス 172">
+            <a:extLst>
+              <a:ext uri="{FF2B5EF4-FFF2-40B4-BE49-F238E27FC236}">
+                <a16:creationId xmlns:a16="http://schemas.microsoft.com/office/drawing/2014/main" id="{A1AE0468-BA4E-48E3-A817-F92970D494BC}"/>
+              </a:ext>
+            </a:extLst>
+          </p:cNvPr>
+          <p:cNvSpPr txBox="1"/>
+          <p:nvPr/>
+        </p:nvSpPr>
+        <p:spPr>
+          <a:xfrm>
+            <a:off x="2566449" y="3257637"/>
+            <a:ext cx="383207" cy="276999"/>
+          </a:xfrm>
+          <a:prstGeom prst="rect">
             <a:avLst/>
           </a:prstGeom>
           <a:noFill/>
-          <a:ln>
-            <a:solidFill>
-              <a:srgbClr val="FF0000"/>
-            </a:solidFill>
-          </a:ln>
-        </p:spPr>
-        <p:style>
-          <a:lnRef idx="2">
-            <a:schemeClr val="accent1">
-              <a:shade val="50000"/>
-            </a:schemeClr>
-          </a:lnRef>
-          <a:fillRef idx="1">
-            <a:schemeClr val="accent1"/>
-          </a:fillRef>
-          <a:effectRef idx="0">
-            <a:schemeClr val="accent1"/>
-          </a:effectRef>
-          <a:fontRef idx="minor">
-            <a:schemeClr val="lt1"/>
-          </a:fontRef>
-        </p:style>
-        <p:txBody>
-          <a:bodyPr rtlCol="0" anchor="ctr"/>
-          <a:lstStyle/>
-          <a:p>
-            <a:pPr algn="ctr"/>
-            <a:endParaRPr lang="en-US"/>
-          </a:p>
-        </p:txBody>
-      </p:sp>
-      <p:sp>
-        <p:nvSpPr>
-          <p:cNvPr id="137" name="二等辺三角形 136">
-            <a:extLst>
-              <a:ext uri="{FF2B5EF4-FFF2-40B4-BE49-F238E27FC236}">
-                <a16:creationId xmlns:a16="http://schemas.microsoft.com/office/drawing/2014/main" id="{F36A1C89-4A10-4767-80AB-CE9F4E33BE83}"/>
-              </a:ext>
-            </a:extLst>
-          </p:cNvPr>
-          <p:cNvSpPr/>
-          <p:nvPr/>
-        </p:nvSpPr>
-        <p:spPr>
-          <a:xfrm rot="5400000">
-            <a:off x="4741886" y="4964919"/>
-            <a:ext cx="165876" cy="121931"/>
-          </a:xfrm>
-          <a:prstGeom prst="triangle">
-            <a:avLst/>
-          </a:prstGeom>
-          <a:noFill/>
-          <a:ln>
-            <a:solidFill>
-              <a:srgbClr val="FF0000"/>
-            </a:solidFill>
-          </a:ln>
-        </p:spPr>
-        <p:style>
-          <a:lnRef idx="2">
-            <a:schemeClr val="accent1">
-              <a:shade val="50000"/>
-            </a:schemeClr>
-          </a:lnRef>
-          <a:fillRef idx="1">
-            <a:schemeClr val="accent1"/>
-          </a:fillRef>
-          <a:effectRef idx="0">
-            <a:schemeClr val="accent1"/>
-          </a:effectRef>
-          <a:fontRef idx="minor">
-            <a:schemeClr val="lt1"/>
-          </a:fontRef>
-        </p:style>
-        <p:txBody>
-          <a:bodyPr rtlCol="0" anchor="ctr"/>
-          <a:lstStyle/>
-          <a:p>
-            <a:pPr algn="ctr"/>
-            <a:endParaRPr lang="en-US"/>
-          </a:p>
-        </p:txBody>
-      </p:sp>
-      <p:cxnSp>
-        <p:nvCxnSpPr>
-          <p:cNvPr id="139" name="直線コネクタ 138">
-            <a:extLst>
-              <a:ext uri="{FF2B5EF4-FFF2-40B4-BE49-F238E27FC236}">
-                <a16:creationId xmlns:a16="http://schemas.microsoft.com/office/drawing/2014/main" id="{9D2607EA-CC1C-4B94-A5B0-515E7B5F9AE7}"/>
-              </a:ext>
-            </a:extLst>
-          </p:cNvPr>
-          <p:cNvCxnSpPr>
-            <a:cxnSpLocks/>
-          </p:cNvCxnSpPr>
-          <p:nvPr/>
-        </p:nvCxnSpPr>
-        <p:spPr>
-          <a:xfrm>
-            <a:off x="4313613" y="5035730"/>
-            <a:ext cx="279064" cy="0"/>
-          </a:xfrm>
-          <a:prstGeom prst="line">
-            <a:avLst/>
-          </a:prstGeom>
-          <a:ln>
-            <a:solidFill>
-              <a:srgbClr val="0070C0"/>
-            </a:solidFill>
-            <a:headEnd type="oval" w="med" len="med"/>
-            <a:tailEnd type="oval" w="med" len="med"/>
-          </a:ln>
-        </p:spPr>
-        <p:style>
-          <a:lnRef idx="1">
-            <a:schemeClr val="accent1"/>
-          </a:lnRef>
-          <a:fillRef idx="0">
-            <a:schemeClr val="accent1"/>
-          </a:fillRef>
-          <a:effectRef idx="0">
-            <a:schemeClr val="accent1"/>
-          </a:effectRef>
-          <a:fontRef idx="minor">
-            <a:schemeClr val="tx1"/>
-          </a:fontRef>
-        </p:style>
-      </p:cxnSp>
-      <p:cxnSp>
-        <p:nvCxnSpPr>
-          <p:cNvPr id="134" name="直線コネクタ 133">
-            <a:extLst>
-              <a:ext uri="{FF2B5EF4-FFF2-40B4-BE49-F238E27FC236}">
-                <a16:creationId xmlns:a16="http://schemas.microsoft.com/office/drawing/2014/main" id="{CD616B98-4024-4041-ACEB-CC4DCC2A090F}"/>
-              </a:ext>
-            </a:extLst>
-          </p:cNvPr>
-          <p:cNvCxnSpPr>
-            <a:cxnSpLocks/>
-          </p:cNvCxnSpPr>
-          <p:nvPr/>
-        </p:nvCxnSpPr>
-        <p:spPr>
-          <a:xfrm>
-            <a:off x="4593771" y="5020493"/>
-            <a:ext cx="475124" cy="3"/>
-          </a:xfrm>
-          <a:prstGeom prst="line">
-            <a:avLst/>
-          </a:prstGeom>
-          <a:ln>
-            <a:solidFill>
-              <a:srgbClr val="FF0000"/>
-            </a:solidFill>
-            <a:headEnd type="oval" w="med" len="med"/>
-            <a:tailEnd type="oval" w="med" len="med"/>
-          </a:ln>
-        </p:spPr>
-        <p:style>
-          <a:lnRef idx="1">
-            <a:schemeClr val="accent1"/>
-          </a:lnRef>
-          <a:fillRef idx="0">
-            <a:schemeClr val="accent1"/>
-          </a:fillRef>
-          <a:effectRef idx="0">
-            <a:schemeClr val="accent1"/>
-          </a:effectRef>
-          <a:fontRef idx="minor">
-            <a:schemeClr val="tx1"/>
-          </a:fontRef>
-        </p:style>
-      </p:cxnSp>
+        </p:spPr>
+        <p:txBody>
+          <a:bodyPr wrap="square" rtlCol="0">
+            <a:spAutoFit/>
+          </a:bodyPr>
+          <a:lstStyle/>
+          <a:p>
+            <a:r>
+              <a:rPr lang="en-US" sz="1200" dirty="0"/>
+              <a:t>5V</a:t>
+            </a:r>
+          </a:p>
+        </p:txBody>
+      </p:sp>
     </p:spTree>
     <p:extLst>
       <p:ext uri="{BB962C8B-B14F-4D97-AF65-F5344CB8AC3E}">

--- a/doc/ble.pptx
+++ b/doc/ble.pptx
@@ -247,7 +247,7 @@
           <a:p>
             <a:fld id="{13D11AC7-A88F-49D3-AEAF-1BE21B915F4C}" type="datetimeFigureOut">
               <a:rPr lang="en-US" smtClean="0"/>
-              <a:t>9/8/2017</a:t>
+              <a:t>9/14/2017</a:t>
             </a:fld>
             <a:endParaRPr lang="en-US"/>
           </a:p>
@@ -449,7 +449,7 @@
           <a:p>
             <a:fld id="{13D11AC7-A88F-49D3-AEAF-1BE21B915F4C}" type="datetimeFigureOut">
               <a:rPr lang="en-US" smtClean="0"/>
-              <a:t>9/8/2017</a:t>
+              <a:t>9/14/2017</a:t>
             </a:fld>
             <a:endParaRPr lang="en-US"/>
           </a:p>
@@ -661,7 +661,7 @@
           <a:p>
             <a:fld id="{13D11AC7-A88F-49D3-AEAF-1BE21B915F4C}" type="datetimeFigureOut">
               <a:rPr lang="en-US" smtClean="0"/>
-              <a:t>9/8/2017</a:t>
+              <a:t>9/14/2017</a:t>
             </a:fld>
             <a:endParaRPr lang="en-US"/>
           </a:p>
@@ -863,7 +863,7 @@
           <a:p>
             <a:fld id="{13D11AC7-A88F-49D3-AEAF-1BE21B915F4C}" type="datetimeFigureOut">
               <a:rPr lang="en-US" smtClean="0"/>
-              <a:t>9/8/2017</a:t>
+              <a:t>9/14/2017</a:t>
             </a:fld>
             <a:endParaRPr lang="en-US"/>
           </a:p>
@@ -1107,7 +1107,7 @@
           <a:p>
             <a:fld id="{13D11AC7-A88F-49D3-AEAF-1BE21B915F4C}" type="datetimeFigureOut">
               <a:rPr lang="en-US" smtClean="0"/>
-              <a:t>9/8/2017</a:t>
+              <a:t>9/14/2017</a:t>
             </a:fld>
             <a:endParaRPr lang="en-US"/>
           </a:p>
@@ -1403,7 +1403,7 @@
           <a:p>
             <a:fld id="{13D11AC7-A88F-49D3-AEAF-1BE21B915F4C}" type="datetimeFigureOut">
               <a:rPr lang="en-US" smtClean="0"/>
-              <a:t>9/8/2017</a:t>
+              <a:t>9/14/2017</a:t>
             </a:fld>
             <a:endParaRPr lang="en-US"/>
           </a:p>
@@ -1834,7 +1834,7 @@
           <a:p>
             <a:fld id="{13D11AC7-A88F-49D3-AEAF-1BE21B915F4C}" type="datetimeFigureOut">
               <a:rPr lang="en-US" smtClean="0"/>
-              <a:t>9/8/2017</a:t>
+              <a:t>9/14/2017</a:t>
             </a:fld>
             <a:endParaRPr lang="en-US"/>
           </a:p>
@@ -1952,7 +1952,7 @@
           <a:p>
             <a:fld id="{13D11AC7-A88F-49D3-AEAF-1BE21B915F4C}" type="datetimeFigureOut">
               <a:rPr lang="en-US" smtClean="0"/>
-              <a:t>9/8/2017</a:t>
+              <a:t>9/14/2017</a:t>
             </a:fld>
             <a:endParaRPr lang="en-US"/>
           </a:p>
@@ -2047,7 +2047,7 @@
           <a:p>
             <a:fld id="{13D11AC7-A88F-49D3-AEAF-1BE21B915F4C}" type="datetimeFigureOut">
               <a:rPr lang="en-US" smtClean="0"/>
-              <a:t>9/8/2017</a:t>
+              <a:t>9/14/2017</a:t>
             </a:fld>
             <a:endParaRPr lang="en-US"/>
           </a:p>
@@ -2356,7 +2356,7 @@
           <a:p>
             <a:fld id="{13D11AC7-A88F-49D3-AEAF-1BE21B915F4C}" type="datetimeFigureOut">
               <a:rPr lang="en-US" smtClean="0"/>
-              <a:t>9/8/2017</a:t>
+              <a:t>9/14/2017</a:t>
             </a:fld>
             <a:endParaRPr lang="en-US"/>
           </a:p>
@@ -2613,7 +2613,7 @@
           <a:p>
             <a:fld id="{13D11AC7-A88F-49D3-AEAF-1BE21B915F4C}" type="datetimeFigureOut">
               <a:rPr lang="en-US" smtClean="0"/>
-              <a:t>9/8/2017</a:t>
+              <a:t>9/14/2017</a:t>
             </a:fld>
             <a:endParaRPr lang="en-US"/>
           </a:p>
@@ -2858,7 +2858,7 @@
           <a:p>
             <a:fld id="{13D11AC7-A88F-49D3-AEAF-1BE21B915F4C}" type="datetimeFigureOut">
               <a:rPr lang="en-US" smtClean="0"/>
-              <a:t>9/8/2017</a:t>
+              <a:t>9/14/2017</a:t>
             </a:fld>
             <a:endParaRPr lang="en-US"/>
           </a:p>
@@ -3846,7 +3846,7 @@
         </p:nvCxnSpPr>
         <p:spPr>
           <a:xfrm>
-            <a:off x="2641966" y="5273055"/>
+            <a:off x="2641966" y="5288553"/>
             <a:ext cx="265611" cy="0"/>
           </a:xfrm>
           <a:prstGeom prst="line">
@@ -3946,8 +3946,8 @@
             <a:solidFill>
               <a:srgbClr val="0070C0"/>
             </a:solidFill>
-            <a:headEnd type="none" w="med" len="med"/>
-            <a:tailEnd type="none" w="med" len="med"/>
+            <a:headEnd type="oval" w="med" len="med"/>
+            <a:tailEnd type="oval" w="med" len="med"/>
           </a:ln>
         </p:spPr>
         <p:style>
@@ -4016,9 +4016,9 @@
           <p:nvPr/>
         </p:nvCxnSpPr>
         <p:spPr>
-          <a:xfrm flipV="1">
-            <a:off x="5127068" y="5775970"/>
-            <a:ext cx="247726" cy="9797"/>
+          <a:xfrm>
+            <a:off x="4385827" y="5775971"/>
+            <a:ext cx="1481567" cy="10366"/>
           </a:xfrm>
           <a:prstGeom prst="line">
             <a:avLst/>
@@ -4107,8 +4107,8 @@
         </p:nvCxnSpPr>
         <p:spPr>
           <a:xfrm>
-            <a:off x="6344702" y="5522776"/>
-            <a:ext cx="259656" cy="2829"/>
+            <a:off x="5857311" y="5525605"/>
+            <a:ext cx="747047" cy="0"/>
           </a:xfrm>
           <a:prstGeom prst="line">
             <a:avLst/>
@@ -4431,7 +4431,7 @@
         </p:nvCxnSpPr>
         <p:spPr>
           <a:xfrm>
-            <a:off x="3633653" y="4284629"/>
+            <a:off x="3633653" y="4292378"/>
             <a:ext cx="1481564" cy="1"/>
           </a:xfrm>
           <a:prstGeom prst="line">
@@ -4840,6 +4840,10 @@
           <a:prstGeom prst="line">
             <a:avLst/>
           </a:prstGeom>
+          <a:ln>
+            <a:headEnd type="oval"/>
+            <a:tailEnd type="oval"/>
+          </a:ln>
         </p:spPr>
         <p:style>
           <a:lnRef idx="1">
@@ -4965,7 +4969,7 @@
             <a:solidFill>
               <a:srgbClr val="0070C0"/>
             </a:solidFill>
-            <a:headEnd type="none" w="med" len="med"/>
+            <a:headEnd type="oval" w="med" len="med"/>
             <a:tailEnd type="oval" w="med" len="med"/>
           </a:ln>
         </p:spPr>
@@ -6879,10 +6883,10 @@
       </p:cxnSp>
       <p:cxnSp>
         <p:nvCxnSpPr>
-          <p:cNvPr id="41" name="直線コネクタ 40">
-            <a:extLst>
-              <a:ext uri="{FF2B5EF4-FFF2-40B4-BE49-F238E27FC236}">
-                <a16:creationId xmlns:a16="http://schemas.microsoft.com/office/drawing/2014/main" id="{2DCD1D00-ED92-494B-BB0E-DAE1D6D65FAF}"/>
+          <p:cNvPr id="133" name="直線コネクタ 132">
+            <a:extLst>
+              <a:ext uri="{FF2B5EF4-FFF2-40B4-BE49-F238E27FC236}">
+                <a16:creationId xmlns:a16="http://schemas.microsoft.com/office/drawing/2014/main" id="{2BC79C59-D14A-4217-A1F0-7261E1268332}"/>
               </a:ext>
             </a:extLst>
           </p:cNvPr>
@@ -6893,146 +6897,8 @@
         </p:nvCxnSpPr>
         <p:spPr>
           <a:xfrm>
-            <a:off x="5869578" y="5538663"/>
-            <a:ext cx="475124" cy="3"/>
-          </a:xfrm>
-          <a:prstGeom prst="line">
-            <a:avLst/>
-          </a:prstGeom>
-          <a:ln>
-            <a:solidFill>
-              <a:srgbClr val="FF0000"/>
-            </a:solidFill>
-            <a:headEnd type="oval" w="med" len="med"/>
-            <a:tailEnd type="oval" w="med" len="med"/>
-          </a:ln>
-        </p:spPr>
-        <p:style>
-          <a:lnRef idx="1">
-            <a:schemeClr val="accent1"/>
-          </a:lnRef>
-          <a:fillRef idx="0">
-            <a:schemeClr val="accent1"/>
-          </a:fillRef>
-          <a:effectRef idx="0">
-            <a:schemeClr val="accent1"/>
-          </a:effectRef>
-          <a:fontRef idx="minor">
-            <a:schemeClr val="tx1"/>
-          </a:fontRef>
-        </p:style>
-      </p:cxnSp>
-      <p:sp>
-        <p:nvSpPr>
-          <p:cNvPr id="119" name="正方形/長方形 118">
-            <a:extLst>
-              <a:ext uri="{FF2B5EF4-FFF2-40B4-BE49-F238E27FC236}">
-                <a16:creationId xmlns:a16="http://schemas.microsoft.com/office/drawing/2014/main" id="{6F50C9D8-4CC4-418E-98D6-C4BB449DE793}"/>
-              </a:ext>
-            </a:extLst>
-          </p:cNvPr>
-          <p:cNvSpPr/>
-          <p:nvPr/>
-        </p:nvSpPr>
-        <p:spPr>
-          <a:xfrm rot="5400000">
-            <a:off x="5123927" y="5541968"/>
-            <a:ext cx="492973" cy="231816"/>
-          </a:xfrm>
-          <a:prstGeom prst="rect">
-            <a:avLst/>
-          </a:prstGeom>
-          <a:noFill/>
-          <a:ln w="28575">
-            <a:solidFill>
-              <a:schemeClr val="accent1">
-                <a:lumMod val="50000"/>
-              </a:schemeClr>
-            </a:solidFill>
-          </a:ln>
-        </p:spPr>
-        <p:style>
-          <a:lnRef idx="2">
-            <a:schemeClr val="accent1">
-              <a:shade val="50000"/>
-            </a:schemeClr>
-          </a:lnRef>
-          <a:fillRef idx="1">
-            <a:schemeClr val="accent1"/>
-          </a:fillRef>
-          <a:effectRef idx="0">
-            <a:schemeClr val="accent1"/>
-          </a:effectRef>
-          <a:fontRef idx="minor">
-            <a:schemeClr val="lt1"/>
-          </a:fontRef>
-        </p:style>
-        <p:txBody>
-          <a:bodyPr rtlCol="0" anchor="ctr"/>
-          <a:lstStyle/>
-          <a:p>
-            <a:pPr algn="ctr"/>
-            <a:endParaRPr lang="en-US" dirty="0"/>
-          </a:p>
-        </p:txBody>
-      </p:sp>
-      <p:sp>
-        <p:nvSpPr>
-          <p:cNvPr id="122" name="テキスト ボックス 121">
-            <a:extLst>
-              <a:ext uri="{FF2B5EF4-FFF2-40B4-BE49-F238E27FC236}">
-                <a16:creationId xmlns:a16="http://schemas.microsoft.com/office/drawing/2014/main" id="{D239C43B-9845-43A0-BDCB-60E57BC69044}"/>
-              </a:ext>
-            </a:extLst>
-          </p:cNvPr>
-          <p:cNvSpPr txBox="1"/>
-          <p:nvPr/>
-        </p:nvSpPr>
-        <p:spPr>
-          <a:xfrm>
-            <a:off x="5161878" y="5852947"/>
-            <a:ext cx="542098" cy="369332"/>
-          </a:xfrm>
-          <a:prstGeom prst="rect">
-            <a:avLst/>
-          </a:prstGeom>
-          <a:noFill/>
-        </p:spPr>
-        <p:txBody>
-          <a:bodyPr wrap="square" rtlCol="0">
-            <a:spAutoFit/>
-          </a:bodyPr>
-          <a:lstStyle/>
-          <a:p>
-            <a:r>
-              <a:rPr lang="en-US" b="1" dirty="0">
-                <a:solidFill>
-                  <a:srgbClr val="00B050"/>
-                </a:solidFill>
-              </a:rPr>
-              <a:t>JP</a:t>
-            </a:r>
-          </a:p>
-        </p:txBody>
-      </p:sp>
-      <p:cxnSp>
-        <p:nvCxnSpPr>
-          <p:cNvPr id="124" name="直線コネクタ 123">
-            <a:extLst>
-              <a:ext uri="{FF2B5EF4-FFF2-40B4-BE49-F238E27FC236}">
-                <a16:creationId xmlns:a16="http://schemas.microsoft.com/office/drawing/2014/main" id="{8E399821-5C12-4EA6-BE8D-A53ACA8D940F}"/>
-              </a:ext>
-            </a:extLst>
-          </p:cNvPr>
-          <p:cNvCxnSpPr>
-            <a:cxnSpLocks/>
-          </p:cNvCxnSpPr>
-          <p:nvPr/>
-        </p:nvCxnSpPr>
-        <p:spPr>
-          <a:xfrm flipV="1">
-            <a:off x="5362295" y="5786854"/>
-            <a:ext cx="246028" cy="1"/>
+            <a:off x="4377144" y="5533784"/>
+            <a:ext cx="994954" cy="9230"/>
           </a:xfrm>
           <a:prstGeom prst="line">
             <a:avLst/>
@@ -7062,109 +6928,10 @@
       </p:cxnSp>
       <p:sp>
         <p:nvSpPr>
-          <p:cNvPr id="128" name="正方形/長方形 127">
-            <a:extLst>
-              <a:ext uri="{FF2B5EF4-FFF2-40B4-BE49-F238E27FC236}">
-                <a16:creationId xmlns:a16="http://schemas.microsoft.com/office/drawing/2014/main" id="{6D695B9C-E5D6-4CFA-A69B-0007059DD58C}"/>
-              </a:ext>
-            </a:extLst>
-          </p:cNvPr>
-          <p:cNvSpPr/>
-          <p:nvPr/>
-        </p:nvSpPr>
-        <p:spPr>
-          <a:xfrm>
-            <a:off x="5937775" y="5454879"/>
-            <a:ext cx="332267" cy="170094"/>
-          </a:xfrm>
-          <a:prstGeom prst="rect">
-            <a:avLst/>
-          </a:prstGeom>
-          <a:noFill/>
-          <a:ln w="28575">
-            <a:solidFill>
-              <a:schemeClr val="accent1">
-                <a:lumMod val="50000"/>
-              </a:schemeClr>
-            </a:solidFill>
-          </a:ln>
-        </p:spPr>
-        <p:style>
-          <a:lnRef idx="2">
-            <a:schemeClr val="accent1">
-              <a:shade val="50000"/>
-            </a:schemeClr>
-          </a:lnRef>
-          <a:fillRef idx="1">
-            <a:schemeClr val="accent1"/>
-          </a:fillRef>
-          <a:effectRef idx="0">
-            <a:schemeClr val="accent1"/>
-          </a:effectRef>
-          <a:fontRef idx="minor">
-            <a:schemeClr val="lt1"/>
-          </a:fontRef>
-        </p:style>
-        <p:txBody>
-          <a:bodyPr rtlCol="0" anchor="ctr"/>
-          <a:lstStyle/>
-          <a:p>
-            <a:pPr algn="ctr"/>
-            <a:endParaRPr lang="en-US" dirty="0"/>
-          </a:p>
-        </p:txBody>
-      </p:sp>
-      <p:cxnSp>
-        <p:nvCxnSpPr>
-          <p:cNvPr id="129" name="直線コネクタ 128">
-            <a:extLst>
-              <a:ext uri="{FF2B5EF4-FFF2-40B4-BE49-F238E27FC236}">
-                <a16:creationId xmlns:a16="http://schemas.microsoft.com/office/drawing/2014/main" id="{8B2C6F4E-81E7-43C1-89A2-ADEB7FDDF00D}"/>
-              </a:ext>
-            </a:extLst>
-          </p:cNvPr>
-          <p:cNvCxnSpPr>
-            <a:cxnSpLocks/>
-          </p:cNvCxnSpPr>
-          <p:nvPr/>
-        </p:nvCxnSpPr>
-        <p:spPr>
-          <a:xfrm rot="16200000" flipV="1">
-            <a:off x="5741118" y="5643721"/>
-            <a:ext cx="0" cy="265060"/>
-          </a:xfrm>
-          <a:prstGeom prst="line">
-            <a:avLst/>
-          </a:prstGeom>
-          <a:ln>
-            <a:solidFill>
-              <a:srgbClr val="0070C0"/>
-            </a:solidFill>
-            <a:headEnd type="none" w="med" len="med"/>
-            <a:tailEnd type="none" w="med" len="med"/>
-          </a:ln>
-        </p:spPr>
-        <p:style>
-          <a:lnRef idx="1">
-            <a:schemeClr val="accent1"/>
-          </a:lnRef>
-          <a:fillRef idx="0">
-            <a:schemeClr val="accent1"/>
-          </a:fillRef>
-          <a:effectRef idx="0">
-            <a:schemeClr val="accent1"/>
-          </a:effectRef>
-          <a:fontRef idx="minor">
-            <a:schemeClr val="tx1"/>
-          </a:fontRef>
-        </p:style>
-      </p:cxnSp>
-      <p:sp>
-        <p:nvSpPr>
-          <p:cNvPr id="130" name="テキスト ボックス 129">
-            <a:extLst>
-              <a:ext uri="{FF2B5EF4-FFF2-40B4-BE49-F238E27FC236}">
-                <a16:creationId xmlns:a16="http://schemas.microsoft.com/office/drawing/2014/main" id="{051C801F-1405-43EE-A282-6465046E6285}"/>
+          <p:cNvPr id="135" name="テキスト ボックス 134">
+            <a:extLst>
+              <a:ext uri="{FF2B5EF4-FFF2-40B4-BE49-F238E27FC236}">
+                <a16:creationId xmlns:a16="http://schemas.microsoft.com/office/drawing/2014/main" id="{E11D4B33-3A4D-465A-BEE9-F501D3414DC5}"/>
               </a:ext>
             </a:extLst>
           </p:cNvPr>
@@ -7173,7 +6940,7 @@
         </p:nvSpPr>
         <p:spPr>
           <a:xfrm>
-            <a:off x="5558648" y="5167494"/>
+            <a:off x="4517972" y="5833692"/>
             <a:ext cx="789904" cy="369332"/>
           </a:xfrm>
           <a:prstGeom prst="rect">
@@ -7198,338 +6965,6 @@
           </a:p>
         </p:txBody>
       </p:sp>
-      <p:sp>
-        <p:nvSpPr>
-          <p:cNvPr id="131" name="正方形/長方形 130">
-            <a:extLst>
-              <a:ext uri="{FF2B5EF4-FFF2-40B4-BE49-F238E27FC236}">
-                <a16:creationId xmlns:a16="http://schemas.microsoft.com/office/drawing/2014/main" id="{C3CC4956-02B0-4131-9F64-5B42F3594A3D}"/>
-              </a:ext>
-            </a:extLst>
-          </p:cNvPr>
-          <p:cNvSpPr/>
-          <p:nvPr/>
-        </p:nvSpPr>
-        <p:spPr>
-          <a:xfrm>
-            <a:off x="4705513" y="5685660"/>
-            <a:ext cx="332267" cy="170094"/>
-          </a:xfrm>
-          <a:prstGeom prst="rect">
-            <a:avLst/>
-          </a:prstGeom>
-          <a:noFill/>
-          <a:ln w="28575">
-            <a:solidFill>
-              <a:schemeClr val="accent1">
-                <a:lumMod val="50000"/>
-              </a:schemeClr>
-            </a:solidFill>
-          </a:ln>
-        </p:spPr>
-        <p:style>
-          <a:lnRef idx="2">
-            <a:schemeClr val="accent1">
-              <a:shade val="50000"/>
-            </a:schemeClr>
-          </a:lnRef>
-          <a:fillRef idx="1">
-            <a:schemeClr val="accent1"/>
-          </a:fillRef>
-          <a:effectRef idx="0">
-            <a:schemeClr val="accent1"/>
-          </a:effectRef>
-          <a:fontRef idx="minor">
-            <a:schemeClr val="lt1"/>
-          </a:fontRef>
-        </p:style>
-        <p:txBody>
-          <a:bodyPr rtlCol="0" anchor="ctr"/>
-          <a:lstStyle/>
-          <a:p>
-            <a:pPr algn="ctr"/>
-            <a:endParaRPr lang="en-US" dirty="0"/>
-          </a:p>
-        </p:txBody>
-      </p:sp>
-      <p:cxnSp>
-        <p:nvCxnSpPr>
-          <p:cNvPr id="133" name="直線コネクタ 132">
-            <a:extLst>
-              <a:ext uri="{FF2B5EF4-FFF2-40B4-BE49-F238E27FC236}">
-                <a16:creationId xmlns:a16="http://schemas.microsoft.com/office/drawing/2014/main" id="{2BC79C59-D14A-4217-A1F0-7261E1268332}"/>
-              </a:ext>
-            </a:extLst>
-          </p:cNvPr>
-          <p:cNvCxnSpPr>
-            <a:cxnSpLocks/>
-          </p:cNvCxnSpPr>
-          <p:nvPr/>
-        </p:nvCxnSpPr>
-        <p:spPr>
-          <a:xfrm>
-            <a:off x="4377144" y="5533784"/>
-            <a:ext cx="994954" cy="9230"/>
-          </a:xfrm>
-          <a:prstGeom prst="line">
-            <a:avLst/>
-          </a:prstGeom>
-          <a:ln>
-            <a:solidFill>
-              <a:srgbClr val="0070C0"/>
-            </a:solidFill>
-            <a:headEnd type="oval" w="med" len="med"/>
-            <a:tailEnd type="oval" w="med" len="med"/>
-          </a:ln>
-        </p:spPr>
-        <p:style>
-          <a:lnRef idx="1">
-            <a:schemeClr val="accent1"/>
-          </a:lnRef>
-          <a:fillRef idx="0">
-            <a:schemeClr val="accent1"/>
-          </a:fillRef>
-          <a:effectRef idx="0">
-            <a:schemeClr val="accent1"/>
-          </a:effectRef>
-          <a:fontRef idx="minor">
-            <a:schemeClr val="tx1"/>
-          </a:fontRef>
-        </p:style>
-      </p:cxnSp>
-      <p:sp>
-        <p:nvSpPr>
-          <p:cNvPr id="135" name="テキスト ボックス 134">
-            <a:extLst>
-              <a:ext uri="{FF2B5EF4-FFF2-40B4-BE49-F238E27FC236}">
-                <a16:creationId xmlns:a16="http://schemas.microsoft.com/office/drawing/2014/main" id="{E11D4B33-3A4D-465A-BEE9-F501D3414DC5}"/>
-              </a:ext>
-            </a:extLst>
-          </p:cNvPr>
-          <p:cNvSpPr txBox="1"/>
-          <p:nvPr/>
-        </p:nvSpPr>
-        <p:spPr>
-          <a:xfrm>
-            <a:off x="4517972" y="5833692"/>
-            <a:ext cx="789904" cy="369332"/>
-          </a:xfrm>
-          <a:prstGeom prst="rect">
-            <a:avLst/>
-          </a:prstGeom>
-          <a:noFill/>
-        </p:spPr>
-        <p:txBody>
-          <a:bodyPr wrap="square" rtlCol="0">
-            <a:spAutoFit/>
-          </a:bodyPr>
-          <a:lstStyle/>
-          <a:p>
-            <a:r>
-              <a:rPr lang="en-US" b="1" dirty="0">
-                <a:solidFill>
-                  <a:srgbClr val="00B050"/>
-                </a:solidFill>
-              </a:rPr>
-              <a:t>Diode</a:t>
-            </a:r>
-          </a:p>
-        </p:txBody>
-      </p:sp>
-      <p:sp>
-        <p:nvSpPr>
-          <p:cNvPr id="59" name="二等辺三角形 58">
-            <a:extLst>
-              <a:ext uri="{FF2B5EF4-FFF2-40B4-BE49-F238E27FC236}">
-                <a16:creationId xmlns:a16="http://schemas.microsoft.com/office/drawing/2014/main" id="{4665129A-B1DC-4B59-99DD-1B0C378200E0}"/>
-              </a:ext>
-            </a:extLst>
-          </p:cNvPr>
-          <p:cNvSpPr/>
-          <p:nvPr/>
-        </p:nvSpPr>
-        <p:spPr>
-          <a:xfrm rot="16200000" flipH="1">
-            <a:off x="6000275" y="5474379"/>
-            <a:ext cx="165876" cy="121931"/>
-          </a:xfrm>
-          <a:prstGeom prst="triangle">
-            <a:avLst/>
-          </a:prstGeom>
-          <a:noFill/>
-          <a:ln>
-            <a:solidFill>
-              <a:srgbClr val="FF0000"/>
-            </a:solidFill>
-          </a:ln>
-        </p:spPr>
-        <p:style>
-          <a:lnRef idx="2">
-            <a:schemeClr val="accent1">
-              <a:shade val="50000"/>
-            </a:schemeClr>
-          </a:lnRef>
-          <a:fillRef idx="1">
-            <a:schemeClr val="accent1"/>
-          </a:fillRef>
-          <a:effectRef idx="0">
-            <a:schemeClr val="accent1"/>
-          </a:effectRef>
-          <a:fontRef idx="minor">
-            <a:schemeClr val="lt1"/>
-          </a:fontRef>
-        </p:style>
-        <p:txBody>
-          <a:bodyPr rtlCol="0" anchor="ctr"/>
-          <a:lstStyle/>
-          <a:p>
-            <a:pPr algn="ctr"/>
-            <a:endParaRPr lang="en-US"/>
-          </a:p>
-        </p:txBody>
-      </p:sp>
-      <p:sp>
-        <p:nvSpPr>
-          <p:cNvPr id="137" name="二等辺三角形 136">
-            <a:extLst>
-              <a:ext uri="{FF2B5EF4-FFF2-40B4-BE49-F238E27FC236}">
-                <a16:creationId xmlns:a16="http://schemas.microsoft.com/office/drawing/2014/main" id="{F36A1C89-4A10-4767-80AB-CE9F4E33BE83}"/>
-              </a:ext>
-            </a:extLst>
-          </p:cNvPr>
-          <p:cNvSpPr/>
-          <p:nvPr/>
-        </p:nvSpPr>
-        <p:spPr>
-          <a:xfrm rot="5400000">
-            <a:off x="4794140" y="5713868"/>
-            <a:ext cx="165876" cy="121931"/>
-          </a:xfrm>
-          <a:prstGeom prst="triangle">
-            <a:avLst/>
-          </a:prstGeom>
-          <a:noFill/>
-          <a:ln>
-            <a:solidFill>
-              <a:srgbClr val="FF0000"/>
-            </a:solidFill>
-          </a:ln>
-        </p:spPr>
-        <p:style>
-          <a:lnRef idx="2">
-            <a:schemeClr val="accent1">
-              <a:shade val="50000"/>
-            </a:schemeClr>
-          </a:lnRef>
-          <a:fillRef idx="1">
-            <a:schemeClr val="accent1"/>
-          </a:fillRef>
-          <a:effectRef idx="0">
-            <a:schemeClr val="accent1"/>
-          </a:effectRef>
-          <a:fontRef idx="minor">
-            <a:schemeClr val="lt1"/>
-          </a:fontRef>
-        </p:style>
-        <p:txBody>
-          <a:bodyPr rtlCol="0" anchor="ctr"/>
-          <a:lstStyle/>
-          <a:p>
-            <a:pPr algn="ctr"/>
-            <a:endParaRPr lang="en-US"/>
-          </a:p>
-        </p:txBody>
-      </p:sp>
-      <p:cxnSp>
-        <p:nvCxnSpPr>
-          <p:cNvPr id="139" name="直線コネクタ 138">
-            <a:extLst>
-              <a:ext uri="{FF2B5EF4-FFF2-40B4-BE49-F238E27FC236}">
-                <a16:creationId xmlns:a16="http://schemas.microsoft.com/office/drawing/2014/main" id="{9D2607EA-CC1C-4B94-A5B0-515E7B5F9AE7}"/>
-              </a:ext>
-            </a:extLst>
-          </p:cNvPr>
-          <p:cNvCxnSpPr>
-            <a:cxnSpLocks/>
-          </p:cNvCxnSpPr>
-          <p:nvPr/>
-        </p:nvCxnSpPr>
-        <p:spPr>
-          <a:xfrm>
-            <a:off x="4365867" y="5784679"/>
-            <a:ext cx="279064" cy="0"/>
-          </a:xfrm>
-          <a:prstGeom prst="line">
-            <a:avLst/>
-          </a:prstGeom>
-          <a:ln>
-            <a:solidFill>
-              <a:srgbClr val="0070C0"/>
-            </a:solidFill>
-            <a:headEnd type="oval" w="med" len="med"/>
-            <a:tailEnd type="oval" w="med" len="med"/>
-          </a:ln>
-        </p:spPr>
-        <p:style>
-          <a:lnRef idx="1">
-            <a:schemeClr val="accent1"/>
-          </a:lnRef>
-          <a:fillRef idx="0">
-            <a:schemeClr val="accent1"/>
-          </a:fillRef>
-          <a:effectRef idx="0">
-            <a:schemeClr val="accent1"/>
-          </a:effectRef>
-          <a:fontRef idx="minor">
-            <a:schemeClr val="tx1"/>
-          </a:fontRef>
-        </p:style>
-      </p:cxnSp>
-      <p:cxnSp>
-        <p:nvCxnSpPr>
-          <p:cNvPr id="134" name="直線コネクタ 133">
-            <a:extLst>
-              <a:ext uri="{FF2B5EF4-FFF2-40B4-BE49-F238E27FC236}">
-                <a16:creationId xmlns:a16="http://schemas.microsoft.com/office/drawing/2014/main" id="{CD616B98-4024-4041-ACEB-CC4DCC2A090F}"/>
-              </a:ext>
-            </a:extLst>
-          </p:cNvPr>
-          <p:cNvCxnSpPr>
-            <a:cxnSpLocks/>
-          </p:cNvCxnSpPr>
-          <p:nvPr/>
-        </p:nvCxnSpPr>
-        <p:spPr>
-          <a:xfrm>
-            <a:off x="4646025" y="5769442"/>
-            <a:ext cx="475124" cy="3"/>
-          </a:xfrm>
-          <a:prstGeom prst="line">
-            <a:avLst/>
-          </a:prstGeom>
-          <a:ln>
-            <a:solidFill>
-              <a:srgbClr val="FF0000"/>
-            </a:solidFill>
-            <a:headEnd type="oval" w="med" len="med"/>
-            <a:tailEnd type="oval" w="med" len="med"/>
-          </a:ln>
-        </p:spPr>
-        <p:style>
-          <a:lnRef idx="1">
-            <a:schemeClr val="accent1"/>
-          </a:lnRef>
-          <a:fillRef idx="0">
-            <a:schemeClr val="accent1"/>
-          </a:fillRef>
-          <a:effectRef idx="0">
-            <a:schemeClr val="accent1"/>
-          </a:effectRef>
-          <a:fontRef idx="minor">
-            <a:schemeClr val="tx1"/>
-          </a:fontRef>
-        </p:style>
-      </p:cxnSp>
       <p:sp>
         <p:nvSpPr>
           <p:cNvPr id="5" name="正方形/長方形 4">

--- a/doc/ble.pptx
+++ b/doc/ble.pptx
@@ -247,7 +247,7 @@
           <a:p>
             <a:fld id="{13D11AC7-A88F-49D3-AEAF-1BE21B915F4C}" type="datetimeFigureOut">
               <a:rPr lang="en-US" smtClean="0"/>
-              <a:t>9/14/2017</a:t>
+              <a:t>9/17/2017</a:t>
             </a:fld>
             <a:endParaRPr lang="en-US"/>
           </a:p>
@@ -449,7 +449,7 @@
           <a:p>
             <a:fld id="{13D11AC7-A88F-49D3-AEAF-1BE21B915F4C}" type="datetimeFigureOut">
               <a:rPr lang="en-US" smtClean="0"/>
-              <a:t>9/14/2017</a:t>
+              <a:t>9/17/2017</a:t>
             </a:fld>
             <a:endParaRPr lang="en-US"/>
           </a:p>
@@ -661,7 +661,7 @@
           <a:p>
             <a:fld id="{13D11AC7-A88F-49D3-AEAF-1BE21B915F4C}" type="datetimeFigureOut">
               <a:rPr lang="en-US" smtClean="0"/>
-              <a:t>9/14/2017</a:t>
+              <a:t>9/17/2017</a:t>
             </a:fld>
             <a:endParaRPr lang="en-US"/>
           </a:p>
@@ -863,7 +863,7 @@
           <a:p>
             <a:fld id="{13D11AC7-A88F-49D3-AEAF-1BE21B915F4C}" type="datetimeFigureOut">
               <a:rPr lang="en-US" smtClean="0"/>
-              <a:t>9/14/2017</a:t>
+              <a:t>9/17/2017</a:t>
             </a:fld>
             <a:endParaRPr lang="en-US"/>
           </a:p>
@@ -1107,7 +1107,7 @@
           <a:p>
             <a:fld id="{13D11AC7-A88F-49D3-AEAF-1BE21B915F4C}" type="datetimeFigureOut">
               <a:rPr lang="en-US" smtClean="0"/>
-              <a:t>9/14/2017</a:t>
+              <a:t>9/17/2017</a:t>
             </a:fld>
             <a:endParaRPr lang="en-US"/>
           </a:p>
@@ -1403,7 +1403,7 @@
           <a:p>
             <a:fld id="{13D11AC7-A88F-49D3-AEAF-1BE21B915F4C}" type="datetimeFigureOut">
               <a:rPr lang="en-US" smtClean="0"/>
-              <a:t>9/14/2017</a:t>
+              <a:t>9/17/2017</a:t>
             </a:fld>
             <a:endParaRPr lang="en-US"/>
           </a:p>
@@ -1834,7 +1834,7 @@
           <a:p>
             <a:fld id="{13D11AC7-A88F-49D3-AEAF-1BE21B915F4C}" type="datetimeFigureOut">
               <a:rPr lang="en-US" smtClean="0"/>
-              <a:t>9/14/2017</a:t>
+              <a:t>9/17/2017</a:t>
             </a:fld>
             <a:endParaRPr lang="en-US"/>
           </a:p>
@@ -1952,7 +1952,7 @@
           <a:p>
             <a:fld id="{13D11AC7-A88F-49D3-AEAF-1BE21B915F4C}" type="datetimeFigureOut">
               <a:rPr lang="en-US" smtClean="0"/>
-              <a:t>9/14/2017</a:t>
+              <a:t>9/17/2017</a:t>
             </a:fld>
             <a:endParaRPr lang="en-US"/>
           </a:p>
@@ -2047,7 +2047,7 @@
           <a:p>
             <a:fld id="{13D11AC7-A88F-49D3-AEAF-1BE21B915F4C}" type="datetimeFigureOut">
               <a:rPr lang="en-US" smtClean="0"/>
-              <a:t>9/14/2017</a:t>
+              <a:t>9/17/2017</a:t>
             </a:fld>
             <a:endParaRPr lang="en-US"/>
           </a:p>
@@ -2356,7 +2356,7 @@
           <a:p>
             <a:fld id="{13D11AC7-A88F-49D3-AEAF-1BE21B915F4C}" type="datetimeFigureOut">
               <a:rPr lang="en-US" smtClean="0"/>
-              <a:t>9/14/2017</a:t>
+              <a:t>9/17/2017</a:t>
             </a:fld>
             <a:endParaRPr lang="en-US"/>
           </a:p>
@@ -2613,7 +2613,7 @@
           <a:p>
             <a:fld id="{13D11AC7-A88F-49D3-AEAF-1BE21B915F4C}" type="datetimeFigureOut">
               <a:rPr lang="en-US" smtClean="0"/>
-              <a:t>9/14/2017</a:t>
+              <a:t>9/17/2017</a:t>
             </a:fld>
             <a:endParaRPr lang="en-US"/>
           </a:p>
@@ -2858,7 +2858,7 @@
           <a:p>
             <a:fld id="{13D11AC7-A88F-49D3-AEAF-1BE21B915F4C}" type="datetimeFigureOut">
               <a:rPr lang="en-US" smtClean="0"/>
-              <a:t>9/14/2017</a:t>
+              <a:t>9/17/2017</a:t>
             </a:fld>
             <a:endParaRPr lang="en-US"/>
           </a:p>
@@ -4107,8 +4107,8 @@
         </p:nvCxnSpPr>
         <p:spPr>
           <a:xfrm>
-            <a:off x="5857311" y="5525605"/>
-            <a:ext cx="747047" cy="0"/>
+            <a:off x="6369237" y="5525605"/>
+            <a:ext cx="235121" cy="1"/>
           </a:xfrm>
           <a:prstGeom prst="line">
             <a:avLst/>
@@ -8712,6 +8712,51 @@
           </a:p>
         </p:txBody>
       </p:sp>
+      <p:cxnSp>
+        <p:nvCxnSpPr>
+          <p:cNvPr id="130" name="直線コネクタ 129">
+            <a:extLst>
+              <a:ext uri="{FF2B5EF4-FFF2-40B4-BE49-F238E27FC236}">
+                <a16:creationId xmlns:a16="http://schemas.microsoft.com/office/drawing/2014/main" id="{160CF49F-975E-48C8-B482-9E78F1E3E9C3}"/>
+              </a:ext>
+            </a:extLst>
+          </p:cNvPr>
+          <p:cNvCxnSpPr>
+            <a:cxnSpLocks/>
+          </p:cNvCxnSpPr>
+          <p:nvPr/>
+        </p:nvCxnSpPr>
+        <p:spPr>
+          <a:xfrm>
+            <a:off x="5857592" y="5532231"/>
+            <a:ext cx="511645" cy="0"/>
+          </a:xfrm>
+          <a:prstGeom prst="line">
+            <a:avLst/>
+          </a:prstGeom>
+          <a:ln>
+            <a:solidFill>
+              <a:srgbClr val="FF0000"/>
+            </a:solidFill>
+            <a:headEnd type="oval" w="med" len="med"/>
+            <a:tailEnd type="oval" w="med" len="med"/>
+          </a:ln>
+        </p:spPr>
+        <p:style>
+          <a:lnRef idx="1">
+            <a:schemeClr val="accent1"/>
+          </a:lnRef>
+          <a:fillRef idx="0">
+            <a:schemeClr val="accent1"/>
+          </a:fillRef>
+          <a:effectRef idx="0">
+            <a:schemeClr val="accent1"/>
+          </a:effectRef>
+          <a:fontRef idx="minor">
+            <a:schemeClr val="tx1"/>
+          </a:fontRef>
+        </p:style>
+      </p:cxnSp>
     </p:spTree>
     <p:extLst>
       <p:ext uri="{BB962C8B-B14F-4D97-AF65-F5344CB8AC3E}">
